--- a/Android Framework课程/第10章 线程通信/10.1 说说线程的消息队列是怎么创建的.pptx
+++ b/Android Framework课程/第10章 线程通信/10.1 说说线程的消息队列是怎么创建的.pptx
@@ -5,7 +5,7 @@
     <p:sldMasterId id="2147483660" r:id="rId1"/>
   </p:sldMasterIdLst>
   <p:notesMasterIdLst>
-    <p:notesMasterId r:id="rId7"/>
+    <p:notesMasterId r:id="rId18"/>
   </p:notesMasterIdLst>
   <p:sldIdLst>
     <p:sldId id="256" r:id="rId2"/>
@@ -13,6 +13,17 @@
     <p:sldId id="258" r:id="rId4"/>
     <p:sldId id="259" r:id="rId5"/>
     <p:sldId id="260" r:id="rId6"/>
+    <p:sldId id="261" r:id="rId7"/>
+    <p:sldId id="262" r:id="rId8"/>
+    <p:sldId id="263" r:id="rId9"/>
+    <p:sldId id="268" r:id="rId10"/>
+    <p:sldId id="264" r:id="rId11"/>
+    <p:sldId id="265" r:id="rId12"/>
+    <p:sldId id="266" r:id="rId13"/>
+    <p:sldId id="267" r:id="rId14"/>
+    <p:sldId id="269" r:id="rId15"/>
+    <p:sldId id="271" r:id="rId16"/>
+    <p:sldId id="272" r:id="rId17"/>
   </p:sldIdLst>
   <p:sldSz cx="9144000" cy="5143500" type="screen16x9"/>
   <p:notesSz cx="6858000" cy="9144000"/>
@@ -200,7 +211,7 @@
           </a:lstStyle>
           <a:p>
             <a:fld id="{C3F50A79-886C-F24B-87BD-01B8C50FA973}" type="datetimeFigureOut">
-              <a:t>2019/3/16</a:t>
+              <a:t>2019/3/17</a:t>
             </a:fld>
             <a:endParaRPr kumimoji="1" lang="zh-CN" altLang="en-US"/>
           </a:p>
@@ -527,6 +538,259 @@
 </p:notes>
 </file>
 
+<file path=ppt/notesSlides/notesSlide10.xml><?xml version="1.0" encoding="utf-8"?>
+<p:notes xmlns:a="http://schemas.openxmlformats.org/drawingml/2006/main" xmlns:r="http://schemas.openxmlformats.org/officeDocument/2006/relationships" xmlns:p="http://schemas.openxmlformats.org/presentationml/2006/main">
+  <p:cSld>
+    <p:spTree>
+      <p:nvGrpSpPr>
+        <p:cNvPr id="1" name=""/>
+        <p:cNvGrpSpPr/>
+        <p:nvPr/>
+      </p:nvGrpSpPr>
+      <p:grpSpPr>
+        <a:xfrm>
+          <a:off x="0" y="0"/>
+          <a:ext cx="0" cy="0"/>
+          <a:chOff x="0" y="0"/>
+          <a:chExt cx="0" cy="0"/>
+        </a:xfrm>
+      </p:grpSpPr>
+      <p:sp>
+        <p:nvSpPr>
+          <p:cNvPr id="2" name="幻灯片图像占位符 1"/>
+          <p:cNvSpPr>
+            <a:spLocks noGrp="1" noRot="1" noChangeAspect="1"/>
+          </p:cNvSpPr>
+          <p:nvPr>
+            <p:ph type="sldImg"/>
+          </p:nvPr>
+        </p:nvSpPr>
+        <p:spPr/>
+      </p:sp>
+      <p:sp>
+        <p:nvSpPr>
+          <p:cNvPr id="3" name="备注占位符 2"/>
+          <p:cNvSpPr>
+            <a:spLocks noGrp="1"/>
+          </p:cNvSpPr>
+          <p:nvPr>
+            <p:ph type="body" idx="1"/>
+          </p:nvPr>
+        </p:nvSpPr>
+        <p:spPr/>
+        <p:txBody>
+          <a:bodyPr/>
+          <a:lstStyle/>
+          <a:p>
+            <a:r>
+              <a:rPr kumimoji="1" lang="zh-CN" altLang="en-US"/>
+              <a:t>继续看</a:t>
+            </a:r>
+            <a:r>
+              <a:rPr kumimoji="1" lang="en-US" altLang="zh-CN"/>
+              <a:t>pollInner</a:t>
+            </a:r>
+            <a:r>
+              <a:rPr kumimoji="1" lang="zh-CN" altLang="en-US"/>
+              <a:t>这个函数，这里其实很简单，就是</a:t>
+            </a:r>
+            <a:r>
+              <a:rPr kumimoji="1" lang="en-US" altLang="zh-CN"/>
+              <a:t>epoll_wait</a:t>
+            </a:r>
+            <a:r>
+              <a:rPr kumimoji="1" lang="zh-CN" altLang="en-US"/>
+              <a:t>，监听事件了。</a:t>
+            </a:r>
+            <a:r>
+              <a:rPr kumimoji="1" lang="en-US" altLang="zh-CN"/>
+              <a:t>epoll_Wait</a:t>
+            </a:r>
+            <a:r>
+              <a:rPr kumimoji="1" lang="zh-CN" altLang="en-US"/>
+              <a:t>会阻塞在那里，直到什么时候才返回？要么是出错了，或者超时了，或者真有事件了，判断这个</a:t>
+            </a:r>
+            <a:r>
+              <a:rPr kumimoji="1" lang="en-US" altLang="zh-CN"/>
+              <a:t>eventCount</a:t>
+            </a:r>
+            <a:r>
+              <a:rPr kumimoji="1" lang="zh-CN" altLang="en-US"/>
+              <a:t>就行了，小于</a:t>
+            </a:r>
+            <a:r>
+              <a:rPr kumimoji="1" lang="en-US" altLang="zh-CN"/>
+              <a:t>0</a:t>
+            </a:r>
+            <a:r>
+              <a:rPr kumimoji="1" lang="zh-CN" altLang="en-US"/>
+              <a:t>就是出错了，等于</a:t>
+            </a:r>
+            <a:r>
+              <a:rPr kumimoji="1" lang="en-US" altLang="zh-CN"/>
+              <a:t>0</a:t>
+            </a:r>
+            <a:r>
+              <a:rPr kumimoji="1" lang="zh-CN" altLang="en-US"/>
+              <a:t>就是超时，大于</a:t>
+            </a:r>
+            <a:r>
+              <a:rPr kumimoji="1" lang="en-US" altLang="zh-CN"/>
+              <a:t>0</a:t>
+            </a:r>
+            <a:r>
+              <a:rPr kumimoji="1" lang="zh-CN" altLang="en-US"/>
+              <a:t>就是有事件可以处理了。这里循环处理事件，如果发现</a:t>
+            </a:r>
+            <a:r>
+              <a:rPr kumimoji="1" lang="en-US" altLang="zh-CN"/>
+              <a:t>fd</a:t>
+            </a:r>
+            <a:r>
+              <a:rPr kumimoji="1" lang="zh-CN" altLang="en-US"/>
+              <a:t>就是我们关注的</a:t>
+            </a:r>
+            <a:r>
+              <a:rPr kumimoji="1" lang="en-US" altLang="zh-CN"/>
+              <a:t>mWakeEventFd</a:t>
+            </a:r>
+            <a:r>
+              <a:rPr kumimoji="1" lang="zh-CN" altLang="en-US"/>
+              <a:t>，并且是可读事件的话，那就执行一个善后处理，消化这个可读事件，给</a:t>
+            </a:r>
+            <a:r>
+              <a:rPr kumimoji="1" lang="en-US" altLang="zh-CN"/>
+              <a:t>fd</a:t>
+            </a:r>
+            <a:r>
+              <a:rPr kumimoji="1" lang="zh-CN" altLang="en-US"/>
+              <a:t>里面的数读出来，至于说里面的数是多少，不是咱们关心的。</a:t>
+            </a:r>
+          </a:p>
+        </p:txBody>
+      </p:sp>
+      <p:sp>
+        <p:nvSpPr>
+          <p:cNvPr id="4" name="灯片编号占位符 3"/>
+          <p:cNvSpPr>
+            <a:spLocks noGrp="1"/>
+          </p:cNvSpPr>
+          <p:nvPr>
+            <p:ph type="sldNum" sz="quarter" idx="5"/>
+          </p:nvPr>
+        </p:nvSpPr>
+        <p:spPr/>
+        <p:txBody>
+          <a:bodyPr/>
+          <a:lstStyle/>
+          <a:p>
+            <a:fld id="{4400F7AA-A7BE-DB4B-BBF8-F51A3A249848}" type="slidenum">
+              <a:rPr lang="en-US" altLang="zh-CN"/>
+              <a:t>13</a:t>
+            </a:fld>
+            <a:endParaRPr kumimoji="1" lang="zh-CN" altLang="en-US"/>
+          </a:p>
+        </p:txBody>
+      </p:sp>
+    </p:spTree>
+    <p:extLst>
+      <p:ext uri="{BB962C8B-B14F-4D97-AF65-F5344CB8AC3E}">
+        <p14:creationId xmlns:p14="http://schemas.microsoft.com/office/powerpoint/2010/main" val="3714126290"/>
+      </p:ext>
+    </p:extLst>
+  </p:cSld>
+  <p:clrMapOvr>
+    <a:masterClrMapping/>
+  </p:clrMapOvr>
+</p:notes>
+</file>
+
+<file path=ppt/notesSlides/notesSlide11.xml><?xml version="1.0" encoding="utf-8"?>
+<p:notes xmlns:a="http://schemas.openxmlformats.org/drawingml/2006/main" xmlns:r="http://schemas.openxmlformats.org/officeDocument/2006/relationships" xmlns:p="http://schemas.openxmlformats.org/presentationml/2006/main">
+  <p:cSld>
+    <p:spTree>
+      <p:nvGrpSpPr>
+        <p:cNvPr id="1" name=""/>
+        <p:cNvGrpSpPr/>
+        <p:nvPr/>
+      </p:nvGrpSpPr>
+      <p:grpSpPr>
+        <a:xfrm>
+          <a:off x="0" y="0"/>
+          <a:ext cx="0" cy="0"/>
+          <a:chOff x="0" y="0"/>
+          <a:chExt cx="0" cy="0"/>
+        </a:xfrm>
+      </p:grpSpPr>
+      <p:sp>
+        <p:nvSpPr>
+          <p:cNvPr id="2" name="幻灯片图像占位符 1"/>
+          <p:cNvSpPr>
+            <a:spLocks noGrp="1" noRot="1" noChangeAspect="1"/>
+          </p:cNvSpPr>
+          <p:nvPr>
+            <p:ph type="sldImg"/>
+          </p:nvPr>
+        </p:nvSpPr>
+        <p:spPr/>
+      </p:sp>
+      <p:sp>
+        <p:nvSpPr>
+          <p:cNvPr id="3" name="备注占位符 2"/>
+          <p:cNvSpPr>
+            <a:spLocks noGrp="1"/>
+          </p:cNvSpPr>
+          <p:nvPr>
+            <p:ph type="body" idx="1"/>
+          </p:nvPr>
+        </p:nvSpPr>
+        <p:spPr/>
+        <p:txBody>
+          <a:bodyPr/>
+          <a:lstStyle/>
+          <a:p>
+            <a:r>
+              <a:rPr kumimoji="1" lang="zh-CN" altLang="en-US"/>
+              <a:t>好了，讲了这么多，咱们可以回答刚开始的时候提的几个问题了</a:t>
+            </a:r>
+          </a:p>
+        </p:txBody>
+      </p:sp>
+      <p:sp>
+        <p:nvSpPr>
+          <p:cNvPr id="4" name="灯片编号占位符 3"/>
+          <p:cNvSpPr>
+            <a:spLocks noGrp="1"/>
+          </p:cNvSpPr>
+          <p:nvPr>
+            <p:ph type="sldNum" sz="quarter" idx="5"/>
+          </p:nvPr>
+        </p:nvSpPr>
+        <p:spPr/>
+        <p:txBody>
+          <a:bodyPr/>
+          <a:lstStyle/>
+          <a:p>
+            <a:fld id="{4400F7AA-A7BE-DB4B-BBF8-F51A3A249848}" type="slidenum">
+              <a:t>15</a:t>
+            </a:fld>
+            <a:endParaRPr kumimoji="1" lang="zh-CN" altLang="en-US"/>
+          </a:p>
+        </p:txBody>
+      </p:sp>
+    </p:spTree>
+    <p:extLst>
+      <p:ext uri="{BB962C8B-B14F-4D97-AF65-F5344CB8AC3E}">
+        <p14:creationId xmlns:p14="http://schemas.microsoft.com/office/powerpoint/2010/main" val="3540207287"/>
+      </p:ext>
+    </p:extLst>
+  </p:cSld>
+  <p:clrMapOvr>
+    <a:masterClrMapping/>
+  </p:clrMapOvr>
+</p:notes>
+</file>
+
 <file path=ppt/notesSlides/notesSlide2.xml><?xml version="1.0" encoding="utf-8"?>
 <p:notes xmlns:a="http://schemas.openxmlformats.org/drawingml/2006/main" xmlns:r="http://schemas.openxmlformats.org/officeDocument/2006/relationships" xmlns:p="http://schemas.openxmlformats.org/presentationml/2006/main">
   <p:cSld>
@@ -571,7 +835,34 @@
           <a:bodyPr/>
           <a:lstStyle/>
           <a:p>
-            <a:endParaRPr kumimoji="1" lang="zh-CN" altLang="en-US"/>
+            <a:r>
+              <a:rPr kumimoji="1" lang="zh-CN" altLang="en-US"/>
+              <a:t>咱们看一下这段代码，开一个子线程，然后创建</a:t>
+            </a:r>
+            <a:r>
+              <a:rPr kumimoji="1" lang="en-US" altLang="zh-CN"/>
+              <a:t>handler</a:t>
+            </a:r>
+            <a:r>
+              <a:rPr kumimoji="1" lang="zh-CN" altLang="en-US"/>
+              <a:t>，这样会如何？会抛异常，看这异常的描述，是不能在一个没有调用</a:t>
+            </a:r>
+            <a:r>
+              <a:rPr kumimoji="1" lang="en-US" altLang="zh-CN"/>
+              <a:t>Looper.prepare</a:t>
+            </a:r>
+            <a:r>
+              <a:rPr kumimoji="1" lang="zh-CN" altLang="en-US"/>
+              <a:t>的线程里创建</a:t>
+            </a:r>
+            <a:r>
+              <a:rPr kumimoji="1" lang="en-US" altLang="zh-CN"/>
+              <a:t>Handler</a:t>
+            </a:r>
+            <a:r>
+              <a:rPr kumimoji="1" lang="zh-CN" altLang="en-US"/>
+              <a:t>。什么意思呢？咱们看一下代码，</a:t>
+            </a:r>
           </a:p>
         </p:txBody>
       </p:sp>
@@ -601,6 +892,1248 @@
     <p:extLst>
       <p:ext uri="{BB962C8B-B14F-4D97-AF65-F5344CB8AC3E}">
         <p14:creationId xmlns:p14="http://schemas.microsoft.com/office/powerpoint/2010/main" val="2654949451"/>
+      </p:ext>
+    </p:extLst>
+  </p:cSld>
+  <p:clrMapOvr>
+    <a:masterClrMapping/>
+  </p:clrMapOvr>
+</p:notes>
+</file>
+
+<file path=ppt/notesSlides/notesSlide3.xml><?xml version="1.0" encoding="utf-8"?>
+<p:notes xmlns:a="http://schemas.openxmlformats.org/drawingml/2006/main" xmlns:r="http://schemas.openxmlformats.org/officeDocument/2006/relationships" xmlns:p="http://schemas.openxmlformats.org/presentationml/2006/main">
+  <p:cSld>
+    <p:spTree>
+      <p:nvGrpSpPr>
+        <p:cNvPr id="1" name=""/>
+        <p:cNvGrpSpPr/>
+        <p:nvPr/>
+      </p:nvGrpSpPr>
+      <p:grpSpPr>
+        <a:xfrm>
+          <a:off x="0" y="0"/>
+          <a:ext cx="0" cy="0"/>
+          <a:chOff x="0" y="0"/>
+          <a:chExt cx="0" cy="0"/>
+        </a:xfrm>
+      </p:grpSpPr>
+      <p:sp>
+        <p:nvSpPr>
+          <p:cNvPr id="2" name="幻灯片图像占位符 1"/>
+          <p:cNvSpPr>
+            <a:spLocks noGrp="1" noRot="1" noChangeAspect="1"/>
+          </p:cNvSpPr>
+          <p:nvPr>
+            <p:ph type="sldImg"/>
+          </p:nvPr>
+        </p:nvSpPr>
+        <p:spPr/>
+      </p:sp>
+      <p:sp>
+        <p:nvSpPr>
+          <p:cNvPr id="3" name="备注占位符 2"/>
+          <p:cNvSpPr>
+            <a:spLocks noGrp="1"/>
+          </p:cNvSpPr>
+          <p:nvPr>
+            <p:ph type="body" idx="1"/>
+          </p:nvPr>
+        </p:nvSpPr>
+        <p:spPr/>
+        <p:txBody>
+          <a:bodyPr/>
+          <a:lstStyle/>
+          <a:p>
+            <a:r>
+              <a:rPr kumimoji="1" lang="zh-CN" altLang="en-US"/>
+              <a:t>看来是这里的</a:t>
+            </a:r>
+            <a:r>
+              <a:rPr kumimoji="1" lang="en-US" altLang="zh-CN"/>
+              <a:t>Looper</a:t>
+            </a:r>
+            <a:r>
+              <a:rPr kumimoji="1" lang="zh-CN" altLang="en-US"/>
+              <a:t>的</a:t>
+            </a:r>
+            <a:r>
+              <a:rPr kumimoji="1" lang="en-US" altLang="zh-CN"/>
+              <a:t>myLooper</a:t>
+            </a:r>
+            <a:r>
+              <a:rPr kumimoji="1" lang="zh-CN" altLang="en-US"/>
+              <a:t>返回了</a:t>
+            </a:r>
+            <a:r>
+              <a:rPr kumimoji="1" lang="en-US" altLang="zh-CN"/>
+              <a:t>null</a:t>
+            </a:r>
+            <a:r>
+              <a:rPr kumimoji="1" lang="zh-CN" altLang="en-US"/>
+              <a:t>。咱们看下这里是什么？这个是</a:t>
+            </a:r>
+            <a:r>
+              <a:rPr kumimoji="1" lang="en-US" altLang="zh-CN"/>
+              <a:t>ThreadLocal</a:t>
+            </a:r>
+            <a:r>
+              <a:rPr kumimoji="1" lang="zh-CN" altLang="en-US"/>
+              <a:t>，也就是线程的本地缓存。那什么时候设置的线程</a:t>
+            </a:r>
+            <a:r>
+              <a:rPr kumimoji="1" lang="en-US" altLang="zh-CN"/>
+              <a:t>looper</a:t>
+            </a:r>
+            <a:r>
+              <a:rPr kumimoji="1" lang="zh-CN" altLang="en-US"/>
+              <a:t>呢？</a:t>
+            </a:r>
+          </a:p>
+        </p:txBody>
+      </p:sp>
+      <p:sp>
+        <p:nvSpPr>
+          <p:cNvPr id="4" name="灯片编号占位符 3"/>
+          <p:cNvSpPr>
+            <a:spLocks noGrp="1"/>
+          </p:cNvSpPr>
+          <p:nvPr>
+            <p:ph type="sldNum" sz="quarter" idx="5"/>
+          </p:nvPr>
+        </p:nvSpPr>
+        <p:spPr/>
+        <p:txBody>
+          <a:bodyPr/>
+          <a:lstStyle/>
+          <a:p>
+            <a:fld id="{4400F7AA-A7BE-DB4B-BBF8-F51A3A249848}" type="slidenum">
+              <a:rPr lang="en-US" altLang="zh-CN"/>
+              <a:t>6</a:t>
+            </a:fld>
+            <a:endParaRPr kumimoji="1" lang="zh-CN" altLang="en-US"/>
+          </a:p>
+        </p:txBody>
+      </p:sp>
+    </p:spTree>
+    <p:extLst>
+      <p:ext uri="{BB962C8B-B14F-4D97-AF65-F5344CB8AC3E}">
+        <p14:creationId xmlns:p14="http://schemas.microsoft.com/office/powerpoint/2010/main" val="3419231001"/>
+      </p:ext>
+    </p:extLst>
+  </p:cSld>
+  <p:clrMapOvr>
+    <a:masterClrMapping/>
+  </p:clrMapOvr>
+</p:notes>
+</file>
+
+<file path=ppt/notesSlides/notesSlide4.xml><?xml version="1.0" encoding="utf-8"?>
+<p:notes xmlns:a="http://schemas.openxmlformats.org/drawingml/2006/main" xmlns:r="http://schemas.openxmlformats.org/officeDocument/2006/relationships" xmlns:p="http://schemas.openxmlformats.org/presentationml/2006/main">
+  <p:cSld>
+    <p:spTree>
+      <p:nvGrpSpPr>
+        <p:cNvPr id="1" name=""/>
+        <p:cNvGrpSpPr/>
+        <p:nvPr/>
+      </p:nvGrpSpPr>
+      <p:grpSpPr>
+        <a:xfrm>
+          <a:off x="0" y="0"/>
+          <a:ext cx="0" cy="0"/>
+          <a:chOff x="0" y="0"/>
+          <a:chExt cx="0" cy="0"/>
+        </a:xfrm>
+      </p:grpSpPr>
+      <p:sp>
+        <p:nvSpPr>
+          <p:cNvPr id="2" name="幻灯片图像占位符 1"/>
+          <p:cNvSpPr>
+            <a:spLocks noGrp="1" noRot="1" noChangeAspect="1"/>
+          </p:cNvSpPr>
+          <p:nvPr>
+            <p:ph type="sldImg"/>
+          </p:nvPr>
+        </p:nvSpPr>
+        <p:spPr/>
+      </p:sp>
+      <p:sp>
+        <p:nvSpPr>
+          <p:cNvPr id="3" name="备注占位符 2"/>
+          <p:cNvSpPr>
+            <a:spLocks noGrp="1"/>
+          </p:cNvSpPr>
+          <p:nvPr>
+            <p:ph type="body" idx="1"/>
+          </p:nvPr>
+        </p:nvSpPr>
+        <p:spPr/>
+        <p:txBody>
+          <a:bodyPr/>
+          <a:lstStyle/>
+          <a:p>
+            <a:r>
+              <a:rPr kumimoji="1" lang="zh-CN" altLang="en-US"/>
+              <a:t>是在调这个</a:t>
+            </a:r>
+            <a:r>
+              <a:rPr kumimoji="1" lang="en-US" altLang="zh-CN"/>
+              <a:t>Looper</a:t>
+            </a:r>
+            <a:r>
+              <a:rPr kumimoji="1" lang="zh-CN" altLang="en-US"/>
+              <a:t>的</a:t>
+            </a:r>
+            <a:r>
+              <a:rPr kumimoji="1" lang="en-US" altLang="zh-CN"/>
+              <a:t>prepare</a:t>
+            </a:r>
+            <a:r>
+              <a:rPr kumimoji="1" lang="zh-CN" altLang="en-US"/>
+              <a:t>函数的时候，这是个静态函数，当调用的时候，就是创建了一个</a:t>
+            </a:r>
+            <a:r>
+              <a:rPr kumimoji="1" lang="en-US" altLang="zh-CN"/>
+              <a:t>looper</a:t>
+            </a:r>
+            <a:r>
+              <a:rPr kumimoji="1" lang="zh-CN" altLang="en-US"/>
+              <a:t>对象，设置到你所在的线程本地缓存里。这个</a:t>
+            </a:r>
+            <a:r>
+              <a:rPr kumimoji="1" lang="en-US" altLang="zh-CN"/>
+              <a:t>looper</a:t>
+            </a:r>
+            <a:r>
+              <a:rPr kumimoji="1" lang="zh-CN" altLang="en-US"/>
+              <a:t>不能重复设置，否则会抛异常。</a:t>
+            </a:r>
+            <a:r>
+              <a:rPr kumimoji="1" lang="en-US" altLang="zh-CN"/>
+              <a:t>looper</a:t>
+            </a:r>
+            <a:r>
+              <a:rPr kumimoji="1" lang="zh-CN" altLang="en-US"/>
+              <a:t>在创建的时候会传递一个</a:t>
+            </a:r>
+            <a:r>
+              <a:rPr kumimoji="1" lang="en-US" altLang="zh-CN"/>
+              <a:t>quitAllowed</a:t>
+            </a:r>
+            <a:r>
+              <a:rPr kumimoji="1" lang="zh-CN" altLang="en-US"/>
+              <a:t> </a:t>
+            </a:r>
+            <a:r>
+              <a:rPr kumimoji="1" lang="en-US" altLang="zh-CN"/>
+              <a:t>bool</a:t>
+            </a:r>
+            <a:r>
+              <a:rPr kumimoji="1" lang="zh-CN" altLang="en-US"/>
+              <a:t>变量，表示这个</a:t>
+            </a:r>
+            <a:r>
+              <a:rPr kumimoji="1" lang="en-US" altLang="zh-CN"/>
+              <a:t>looper</a:t>
+            </a:r>
+            <a:r>
+              <a:rPr kumimoji="1" lang="zh-CN" altLang="en-US"/>
+              <a:t>是否允许退出，注意一下，这个带参数的</a:t>
+            </a:r>
+            <a:r>
+              <a:rPr kumimoji="1" lang="en-US" altLang="zh-CN"/>
+              <a:t>prepare</a:t>
+            </a:r>
+            <a:r>
+              <a:rPr kumimoji="1" lang="zh-CN" altLang="en-US"/>
+              <a:t>是私有的，没对外开放，咱们平时调的都是不带参数的，其实默认的</a:t>
+            </a:r>
+            <a:r>
+              <a:rPr kumimoji="1" lang="en-US" altLang="zh-CN"/>
+              <a:t>quitAllowed</a:t>
+            </a:r>
+            <a:r>
+              <a:rPr kumimoji="1" lang="zh-CN" altLang="en-US"/>
+              <a:t>是</a:t>
+            </a:r>
+            <a:r>
+              <a:rPr kumimoji="1" lang="en-US" altLang="zh-CN"/>
+              <a:t>true</a:t>
+            </a:r>
+            <a:r>
+              <a:rPr kumimoji="1" lang="zh-CN" altLang="en-US"/>
+              <a:t>，表示能退出。</a:t>
+            </a:r>
+            <a:endParaRPr kumimoji="1" lang="en-US" altLang="zh-CN"/>
+          </a:p>
+          <a:p>
+            <a:endParaRPr kumimoji="1" lang="en-US" altLang="zh-CN"/>
+          </a:p>
+          <a:p>
+            <a:r>
+              <a:rPr kumimoji="1" lang="zh-CN" altLang="en-US"/>
+              <a:t>对比一下，主线程的</a:t>
+            </a:r>
+            <a:r>
+              <a:rPr kumimoji="1" lang="en-US" altLang="zh-CN"/>
+              <a:t>Prepare</a:t>
+            </a:r>
+            <a:r>
+              <a:rPr kumimoji="1" lang="zh-CN" altLang="en-US"/>
+              <a:t> </a:t>
+            </a:r>
+            <a:r>
+              <a:rPr kumimoji="1" lang="en-US" altLang="zh-CN"/>
+              <a:t>looper</a:t>
+            </a:r>
+            <a:r>
+              <a:rPr kumimoji="1" lang="zh-CN" altLang="en-US"/>
+              <a:t>，这里传的</a:t>
+            </a:r>
+            <a:r>
+              <a:rPr kumimoji="1" lang="en-US" altLang="zh-CN"/>
+              <a:t>quitAllowed</a:t>
+            </a:r>
+            <a:r>
+              <a:rPr kumimoji="1" lang="zh-CN" altLang="en-US"/>
+              <a:t>就是</a:t>
+            </a:r>
+            <a:r>
+              <a:rPr kumimoji="1" lang="en-US" altLang="zh-CN"/>
+              <a:t>false</a:t>
+            </a:r>
+            <a:r>
+              <a:rPr kumimoji="1" lang="zh-CN" altLang="en-US"/>
+              <a:t>了，表示这个不能退出。</a:t>
+            </a:r>
+          </a:p>
+        </p:txBody>
+      </p:sp>
+      <p:sp>
+        <p:nvSpPr>
+          <p:cNvPr id="4" name="灯片编号占位符 3"/>
+          <p:cNvSpPr>
+            <a:spLocks noGrp="1"/>
+          </p:cNvSpPr>
+          <p:nvPr>
+            <p:ph type="sldNum" sz="quarter" idx="5"/>
+          </p:nvPr>
+        </p:nvSpPr>
+        <p:spPr/>
+        <p:txBody>
+          <a:bodyPr/>
+          <a:lstStyle/>
+          <a:p>
+            <a:fld id="{4400F7AA-A7BE-DB4B-BBF8-F51A3A249848}" type="slidenum">
+              <a:rPr lang="en-US" altLang="zh-CN"/>
+              <a:t>7</a:t>
+            </a:fld>
+            <a:endParaRPr kumimoji="1" lang="zh-CN" altLang="en-US"/>
+          </a:p>
+        </p:txBody>
+      </p:sp>
+    </p:spTree>
+    <p:extLst>
+      <p:ext uri="{BB962C8B-B14F-4D97-AF65-F5344CB8AC3E}">
+        <p14:creationId xmlns:p14="http://schemas.microsoft.com/office/powerpoint/2010/main" val="4103271036"/>
+      </p:ext>
+    </p:extLst>
+  </p:cSld>
+  <p:clrMapOvr>
+    <a:masterClrMapping/>
+  </p:clrMapOvr>
+</p:notes>
+</file>
+
+<file path=ppt/notesSlides/notesSlide5.xml><?xml version="1.0" encoding="utf-8"?>
+<p:notes xmlns:a="http://schemas.openxmlformats.org/drawingml/2006/main" xmlns:r="http://schemas.openxmlformats.org/officeDocument/2006/relationships" xmlns:p="http://schemas.openxmlformats.org/presentationml/2006/main">
+  <p:cSld>
+    <p:spTree>
+      <p:nvGrpSpPr>
+        <p:cNvPr id="1" name=""/>
+        <p:cNvGrpSpPr/>
+        <p:nvPr/>
+      </p:nvGrpSpPr>
+      <p:grpSpPr>
+        <a:xfrm>
+          <a:off x="0" y="0"/>
+          <a:ext cx="0" cy="0"/>
+          <a:chOff x="0" y="0"/>
+          <a:chExt cx="0" cy="0"/>
+        </a:xfrm>
+      </p:grpSpPr>
+      <p:sp>
+        <p:nvSpPr>
+          <p:cNvPr id="2" name="幻灯片图像占位符 1"/>
+          <p:cNvSpPr>
+            <a:spLocks noGrp="1" noRot="1" noChangeAspect="1"/>
+          </p:cNvSpPr>
+          <p:nvPr>
+            <p:ph type="sldImg"/>
+          </p:nvPr>
+        </p:nvSpPr>
+        <p:spPr/>
+      </p:sp>
+      <p:sp>
+        <p:nvSpPr>
+          <p:cNvPr id="3" name="备注占位符 2"/>
+          <p:cNvSpPr>
+            <a:spLocks noGrp="1"/>
+          </p:cNvSpPr>
+          <p:nvPr>
+            <p:ph type="body" idx="1"/>
+          </p:nvPr>
+        </p:nvSpPr>
+        <p:spPr/>
+        <p:txBody>
+          <a:bodyPr/>
+          <a:lstStyle/>
+          <a:p>
+            <a:r>
+              <a:rPr kumimoji="1" lang="zh-CN" altLang="en-US"/>
+              <a:t>看到</a:t>
+            </a:r>
+            <a:r>
+              <a:rPr kumimoji="1" lang="en-US" altLang="zh-CN"/>
+              <a:t>looper</a:t>
+            </a:r>
+            <a:r>
+              <a:rPr kumimoji="1" lang="zh-CN" altLang="en-US"/>
+              <a:t>的构造函数，一个是创建了一个</a:t>
+            </a:r>
+            <a:r>
+              <a:rPr kumimoji="1" lang="en-US" altLang="zh-CN"/>
+              <a:t>MessageQueue</a:t>
+            </a:r>
+            <a:r>
+              <a:rPr kumimoji="1" lang="zh-CN" altLang="en-US"/>
+              <a:t>，一个是获取当前线程的</a:t>
+            </a:r>
+            <a:r>
+              <a:rPr kumimoji="1" lang="en-US" altLang="zh-CN"/>
+              <a:t>Thread</a:t>
+            </a:r>
+            <a:r>
+              <a:rPr kumimoji="1" lang="zh-CN" altLang="en-US"/>
+              <a:t>对象。要进入正题了啊，这个</a:t>
+            </a:r>
+            <a:r>
+              <a:rPr kumimoji="1" lang="en-US" altLang="zh-CN"/>
+              <a:t>MesageQueue</a:t>
+            </a:r>
+            <a:r>
+              <a:rPr kumimoji="1" lang="zh-CN" altLang="en-US"/>
+              <a:t>就是消息队列，这儿保存了</a:t>
+            </a:r>
+            <a:r>
+              <a:rPr kumimoji="1" lang="en-US" altLang="zh-CN"/>
+              <a:t>quitAllowed</a:t>
+            </a:r>
+            <a:r>
+              <a:rPr kumimoji="1" lang="zh-CN" altLang="en-US"/>
+              <a:t>标志，然后</a:t>
+            </a:r>
+            <a:r>
+              <a:rPr kumimoji="1" lang="en-US" altLang="zh-CN"/>
+              <a:t>nativeInit</a:t>
+            </a:r>
+            <a:r>
+              <a:rPr kumimoji="1" lang="zh-CN" altLang="en-US"/>
+              <a:t>，这个是</a:t>
+            </a:r>
+            <a:r>
+              <a:rPr kumimoji="1" lang="en-US" altLang="zh-CN"/>
+              <a:t>native</a:t>
+            </a:r>
+            <a:r>
+              <a:rPr kumimoji="1" lang="zh-CN" altLang="en-US"/>
+              <a:t>函数，返回值应该是</a:t>
+            </a:r>
+            <a:r>
+              <a:rPr kumimoji="1" lang="en-US" altLang="zh-CN"/>
+              <a:t>Native</a:t>
+            </a:r>
+            <a:r>
+              <a:rPr kumimoji="1" lang="zh-CN" altLang="en-US"/>
+              <a:t>层某个数据结构的指针，保存到</a:t>
+            </a:r>
+            <a:r>
+              <a:rPr kumimoji="1" lang="en-US" altLang="zh-CN"/>
+              <a:t>MessageQueue</a:t>
+            </a:r>
+            <a:r>
+              <a:rPr kumimoji="1" lang="zh-CN" altLang="en-US"/>
+              <a:t>的</a:t>
+            </a:r>
+            <a:r>
+              <a:rPr kumimoji="1" lang="en-US" altLang="zh-CN"/>
+              <a:t>Java</a:t>
+            </a:r>
+            <a:r>
+              <a:rPr kumimoji="1" lang="zh-CN" altLang="en-US"/>
+              <a:t>类里了。</a:t>
+            </a:r>
+            <a:endParaRPr kumimoji="1" lang="en-US" altLang="zh-CN"/>
+          </a:p>
+          <a:p>
+            <a:endParaRPr kumimoji="1" lang="en-US" altLang="zh-CN"/>
+          </a:p>
+          <a:p>
+            <a:r>
+              <a:rPr kumimoji="1" lang="zh-CN" altLang="en-US"/>
+              <a:t>咱们看</a:t>
+            </a:r>
+            <a:r>
+              <a:rPr kumimoji="1" lang="en-US" altLang="zh-CN"/>
+              <a:t>nativeInit</a:t>
+            </a:r>
+            <a:r>
+              <a:rPr kumimoji="1" lang="zh-CN" altLang="en-US"/>
+              <a:t>实现，</a:t>
+            </a:r>
+          </a:p>
+        </p:txBody>
+      </p:sp>
+      <p:sp>
+        <p:nvSpPr>
+          <p:cNvPr id="4" name="灯片编号占位符 3"/>
+          <p:cNvSpPr>
+            <a:spLocks noGrp="1"/>
+          </p:cNvSpPr>
+          <p:nvPr>
+            <p:ph type="sldNum" sz="quarter" idx="5"/>
+          </p:nvPr>
+        </p:nvSpPr>
+        <p:spPr/>
+        <p:txBody>
+          <a:bodyPr/>
+          <a:lstStyle/>
+          <a:p>
+            <a:fld id="{4400F7AA-A7BE-DB4B-BBF8-F51A3A249848}" type="slidenum">
+              <a:rPr lang="en-US" altLang="zh-CN"/>
+              <a:t>8</a:t>
+            </a:fld>
+            <a:endParaRPr kumimoji="1" lang="zh-CN" altLang="en-US"/>
+          </a:p>
+        </p:txBody>
+      </p:sp>
+    </p:spTree>
+    <p:extLst>
+      <p:ext uri="{BB962C8B-B14F-4D97-AF65-F5344CB8AC3E}">
+        <p14:creationId xmlns:p14="http://schemas.microsoft.com/office/powerpoint/2010/main" val="471953337"/>
+      </p:ext>
+    </p:extLst>
+  </p:cSld>
+  <p:clrMapOvr>
+    <a:masterClrMapping/>
+  </p:clrMapOvr>
+</p:notes>
+</file>
+
+<file path=ppt/notesSlides/notesSlide6.xml><?xml version="1.0" encoding="utf-8"?>
+<p:notes xmlns:a="http://schemas.openxmlformats.org/drawingml/2006/main" xmlns:r="http://schemas.openxmlformats.org/officeDocument/2006/relationships" xmlns:p="http://schemas.openxmlformats.org/presentationml/2006/main">
+  <p:cSld>
+    <p:spTree>
+      <p:nvGrpSpPr>
+        <p:cNvPr id="1" name=""/>
+        <p:cNvGrpSpPr/>
+        <p:nvPr/>
+      </p:nvGrpSpPr>
+      <p:grpSpPr>
+        <a:xfrm>
+          <a:off x="0" y="0"/>
+          <a:ext cx="0" cy="0"/>
+          <a:chOff x="0" y="0"/>
+          <a:chExt cx="0" cy="0"/>
+        </a:xfrm>
+      </p:grpSpPr>
+      <p:sp>
+        <p:nvSpPr>
+          <p:cNvPr id="2" name="幻灯片图像占位符 1"/>
+          <p:cNvSpPr>
+            <a:spLocks noGrp="1" noRot="1" noChangeAspect="1"/>
+          </p:cNvSpPr>
+          <p:nvPr>
+            <p:ph type="sldImg"/>
+          </p:nvPr>
+        </p:nvSpPr>
+        <p:spPr/>
+      </p:sp>
+      <p:sp>
+        <p:nvSpPr>
+          <p:cNvPr id="3" name="备注占位符 2"/>
+          <p:cNvSpPr>
+            <a:spLocks noGrp="1"/>
+          </p:cNvSpPr>
+          <p:nvPr>
+            <p:ph type="body" idx="1"/>
+          </p:nvPr>
+        </p:nvSpPr>
+        <p:spPr/>
+        <p:txBody>
+          <a:bodyPr/>
+          <a:lstStyle/>
+          <a:p>
+            <a:r>
+              <a:rPr kumimoji="1" lang="zh-CN" altLang="en-US"/>
+              <a:t>说完了</a:t>
+            </a:r>
+            <a:r>
+              <a:rPr kumimoji="1" lang="en-US" altLang="zh-CN"/>
+              <a:t>Java</a:t>
+            </a:r>
+            <a:r>
+              <a:rPr kumimoji="1" lang="zh-CN" altLang="en-US"/>
+              <a:t>层的对象，咱们来总结一下他们的关系，包括</a:t>
+            </a:r>
+            <a:r>
+              <a:rPr kumimoji="1" lang="en-US" altLang="zh-CN"/>
+              <a:t>handler,</a:t>
+            </a:r>
+            <a:r>
+              <a:rPr kumimoji="1" lang="zh-CN" altLang="en-US"/>
+              <a:t> </a:t>
+            </a:r>
+            <a:r>
+              <a:rPr kumimoji="1" lang="en-US" altLang="zh-CN"/>
+              <a:t>looper</a:t>
+            </a:r>
+            <a:r>
+              <a:rPr kumimoji="1" lang="zh-CN" altLang="en-US"/>
+              <a:t>和</a:t>
+            </a:r>
+            <a:r>
+              <a:rPr kumimoji="1" lang="en-US" altLang="zh-CN"/>
+              <a:t>messageQueue</a:t>
+            </a:r>
+            <a:r>
+              <a:rPr kumimoji="1" lang="zh-CN" altLang="en-US"/>
+              <a:t>，咱们看这个图更直观，首先一个线程里只能有一个</a:t>
+            </a:r>
+            <a:r>
+              <a:rPr kumimoji="1" lang="en-US" altLang="zh-CN"/>
+              <a:t>looper</a:t>
+            </a:r>
+            <a:r>
+              <a:rPr kumimoji="1" lang="zh-CN" altLang="en-US"/>
+              <a:t>，而一个</a:t>
+            </a:r>
+            <a:r>
+              <a:rPr kumimoji="1" lang="en-US" altLang="zh-CN"/>
+              <a:t>looper</a:t>
+            </a:r>
+            <a:r>
+              <a:rPr kumimoji="1" lang="zh-CN" altLang="en-US"/>
+              <a:t>对应一个</a:t>
+            </a:r>
+            <a:r>
+              <a:rPr kumimoji="1" lang="en-US" altLang="zh-CN"/>
+              <a:t>MessageQueue</a:t>
+            </a:r>
+            <a:r>
+              <a:rPr kumimoji="1" lang="zh-CN" altLang="en-US"/>
+              <a:t>对象，这个</a:t>
+            </a:r>
+            <a:r>
+              <a:rPr kumimoji="1" lang="en-US" altLang="zh-CN"/>
+              <a:t>messageQueue</a:t>
+            </a:r>
+            <a:r>
+              <a:rPr kumimoji="1" lang="zh-CN" altLang="en-US"/>
+              <a:t>就是消息队列。而一个</a:t>
+            </a:r>
+            <a:r>
+              <a:rPr kumimoji="1" lang="en-US" altLang="zh-CN"/>
+              <a:t>looper</a:t>
+            </a:r>
+            <a:r>
+              <a:rPr kumimoji="1" lang="zh-CN" altLang="en-US"/>
+              <a:t>可以给多个</a:t>
+            </a:r>
+            <a:r>
+              <a:rPr kumimoji="1" lang="en-US" altLang="zh-CN"/>
+              <a:t>handler</a:t>
+            </a:r>
+            <a:r>
+              <a:rPr kumimoji="1" lang="zh-CN" altLang="en-US"/>
+              <a:t>用</a:t>
+            </a:r>
+          </a:p>
+        </p:txBody>
+      </p:sp>
+      <p:sp>
+        <p:nvSpPr>
+          <p:cNvPr id="4" name="灯片编号占位符 3"/>
+          <p:cNvSpPr>
+            <a:spLocks noGrp="1"/>
+          </p:cNvSpPr>
+          <p:nvPr>
+            <p:ph type="sldNum" sz="quarter" idx="5"/>
+          </p:nvPr>
+        </p:nvSpPr>
+        <p:spPr/>
+        <p:txBody>
+          <a:bodyPr/>
+          <a:lstStyle/>
+          <a:p>
+            <a:fld id="{4400F7AA-A7BE-DB4B-BBF8-F51A3A249848}" type="slidenum">
+              <a:rPr lang="en-US" altLang="zh-CN"/>
+              <a:t>9</a:t>
+            </a:fld>
+            <a:endParaRPr kumimoji="1" lang="zh-CN" altLang="en-US"/>
+          </a:p>
+        </p:txBody>
+      </p:sp>
+    </p:spTree>
+    <p:extLst>
+      <p:ext uri="{BB962C8B-B14F-4D97-AF65-F5344CB8AC3E}">
+        <p14:creationId xmlns:p14="http://schemas.microsoft.com/office/powerpoint/2010/main" val="4198017134"/>
+      </p:ext>
+    </p:extLst>
+  </p:cSld>
+  <p:clrMapOvr>
+    <a:masterClrMapping/>
+  </p:clrMapOvr>
+</p:notes>
+</file>
+
+<file path=ppt/notesSlides/notesSlide7.xml><?xml version="1.0" encoding="utf-8"?>
+<p:notes xmlns:a="http://schemas.openxmlformats.org/drawingml/2006/main" xmlns:r="http://schemas.openxmlformats.org/officeDocument/2006/relationships" xmlns:p="http://schemas.openxmlformats.org/presentationml/2006/main">
+  <p:cSld>
+    <p:spTree>
+      <p:nvGrpSpPr>
+        <p:cNvPr id="1" name=""/>
+        <p:cNvGrpSpPr/>
+        <p:nvPr/>
+      </p:nvGrpSpPr>
+      <p:grpSpPr>
+        <a:xfrm>
+          <a:off x="0" y="0"/>
+          <a:ext cx="0" cy="0"/>
+          <a:chOff x="0" y="0"/>
+          <a:chExt cx="0" cy="0"/>
+        </a:xfrm>
+      </p:grpSpPr>
+      <p:sp>
+        <p:nvSpPr>
+          <p:cNvPr id="2" name="幻灯片图像占位符 1"/>
+          <p:cNvSpPr>
+            <a:spLocks noGrp="1" noRot="1" noChangeAspect="1"/>
+          </p:cNvSpPr>
+          <p:nvPr>
+            <p:ph type="sldImg"/>
+          </p:nvPr>
+        </p:nvSpPr>
+        <p:spPr/>
+      </p:sp>
+      <p:sp>
+        <p:nvSpPr>
+          <p:cNvPr id="3" name="备注占位符 2"/>
+          <p:cNvSpPr>
+            <a:spLocks noGrp="1"/>
+          </p:cNvSpPr>
+          <p:nvPr>
+            <p:ph type="body" idx="1"/>
+          </p:nvPr>
+        </p:nvSpPr>
+        <p:spPr/>
+        <p:txBody>
+          <a:bodyPr/>
+          <a:lstStyle/>
+          <a:p>
+            <a:r>
+              <a:rPr kumimoji="1" lang="zh-CN" altLang="en-US"/>
+              <a:t>咱们刚在创建</a:t>
+            </a:r>
+            <a:r>
+              <a:rPr kumimoji="1" lang="en-US" altLang="zh-CN"/>
+              <a:t>MessageQueue</a:t>
+            </a:r>
+            <a:r>
+              <a:rPr kumimoji="1" lang="zh-CN" altLang="en-US"/>
+              <a:t>的时候，构造函数里有个</a:t>
+            </a:r>
+            <a:r>
+              <a:rPr kumimoji="1" lang="en-US" altLang="zh-CN"/>
+              <a:t>nativeInit</a:t>
+            </a:r>
+            <a:r>
+              <a:rPr kumimoji="1" lang="zh-CN" altLang="en-US"/>
+              <a:t>函数，这里就是创建了一个</a:t>
+            </a:r>
+            <a:r>
+              <a:rPr kumimoji="1" lang="en-US" altLang="zh-CN"/>
+              <a:t>native</a:t>
+            </a:r>
+            <a:r>
+              <a:rPr kumimoji="1" lang="zh-CN" altLang="en-US"/>
+              <a:t>层的</a:t>
+            </a:r>
+            <a:r>
+              <a:rPr kumimoji="1" lang="en-US" altLang="zh-CN"/>
+              <a:t>MessageQueue</a:t>
+            </a:r>
+            <a:r>
+              <a:rPr kumimoji="1" lang="zh-CN" altLang="en-US"/>
+              <a:t>对象而已，返回的也是这个对象的指针。</a:t>
+            </a:r>
+            <a:endParaRPr kumimoji="1" lang="en-US" altLang="zh-CN"/>
+          </a:p>
+          <a:p>
+            <a:r>
+              <a:rPr kumimoji="1" lang="zh-CN" altLang="en-US"/>
+              <a:t>这个指针就保存在</a:t>
+            </a:r>
+            <a:r>
+              <a:rPr kumimoji="1" lang="en-US" altLang="zh-CN"/>
+              <a:t>Java</a:t>
+            </a:r>
+            <a:r>
+              <a:rPr kumimoji="1" lang="zh-CN" altLang="en-US"/>
+              <a:t>对象里面了，之后再有</a:t>
+            </a:r>
+            <a:r>
+              <a:rPr kumimoji="1" lang="en-US" altLang="zh-CN"/>
+              <a:t>native</a:t>
+            </a:r>
+            <a:r>
+              <a:rPr kumimoji="1" lang="zh-CN" altLang="en-US"/>
+              <a:t>调用的话，会带上这个指针，</a:t>
+            </a:r>
+            <a:r>
+              <a:rPr kumimoji="1" lang="en-US" altLang="zh-CN"/>
+              <a:t>native</a:t>
+            </a:r>
+            <a:r>
+              <a:rPr kumimoji="1" lang="zh-CN" altLang="en-US"/>
+              <a:t>层就能找到</a:t>
+            </a:r>
+            <a:r>
+              <a:rPr kumimoji="1" lang="en-US" altLang="zh-CN"/>
+              <a:t>NativeMessageQueue</a:t>
+            </a:r>
+            <a:r>
+              <a:rPr kumimoji="1" lang="zh-CN" altLang="en-US"/>
+              <a:t>了。</a:t>
+            </a:r>
+            <a:endParaRPr kumimoji="1" lang="en-US" altLang="zh-CN"/>
+          </a:p>
+          <a:p>
+            <a:endParaRPr kumimoji="1" lang="en-US" altLang="zh-CN"/>
+          </a:p>
+          <a:p>
+            <a:r>
+              <a:rPr kumimoji="1" lang="zh-CN" altLang="en-US"/>
+              <a:t>看下他的构造函数，这里跟</a:t>
+            </a:r>
+            <a:r>
+              <a:rPr kumimoji="1" lang="en-US" altLang="zh-CN"/>
+              <a:t>java</a:t>
+            </a:r>
+            <a:r>
+              <a:rPr kumimoji="1" lang="zh-CN" altLang="en-US"/>
+              <a:t>有点类似啊，也是先看线程的本地缓存里有不有</a:t>
+            </a:r>
+            <a:r>
+              <a:rPr kumimoji="1" lang="en-US" altLang="zh-CN"/>
+              <a:t>looper</a:t>
+            </a:r>
+            <a:r>
+              <a:rPr kumimoji="1" lang="zh-CN" altLang="en-US"/>
+              <a:t>，如果没有就创建一个</a:t>
+            </a:r>
+            <a:r>
+              <a:rPr kumimoji="1" lang="en-US" altLang="zh-CN"/>
+              <a:t>looper</a:t>
+            </a:r>
+            <a:r>
+              <a:rPr kumimoji="1" lang="zh-CN" altLang="en-US"/>
+              <a:t>，然后设置到线程的本地缓存里。只不过这里的</a:t>
+            </a:r>
+            <a:r>
+              <a:rPr kumimoji="1" lang="en-US" altLang="zh-CN"/>
+              <a:t>looper</a:t>
+            </a:r>
+            <a:r>
+              <a:rPr kumimoji="1" lang="zh-CN" altLang="en-US"/>
+              <a:t>是</a:t>
+            </a:r>
+            <a:r>
+              <a:rPr kumimoji="1" lang="en-US" altLang="zh-CN"/>
+              <a:t>native</a:t>
+            </a:r>
+            <a:r>
+              <a:rPr kumimoji="1" lang="zh-CN" altLang="en-US"/>
+              <a:t>层的</a:t>
+            </a:r>
+            <a:r>
+              <a:rPr kumimoji="1" lang="en-US" altLang="zh-CN"/>
+              <a:t>looper</a:t>
+            </a:r>
+            <a:r>
+              <a:rPr kumimoji="1" lang="zh-CN" altLang="en-US"/>
+              <a:t>而已。</a:t>
+            </a:r>
+            <a:endParaRPr kumimoji="1" lang="en-US" altLang="zh-CN"/>
+          </a:p>
+          <a:p>
+            <a:endParaRPr kumimoji="1" lang="en-US" altLang="zh-CN"/>
+          </a:p>
+          <a:p>
+            <a:r>
+              <a:rPr kumimoji="1" lang="zh-CN" altLang="en-US"/>
+              <a:t>咱们看下</a:t>
+            </a:r>
+            <a:r>
+              <a:rPr kumimoji="1" lang="en-US" altLang="zh-CN"/>
+              <a:t>looper</a:t>
+            </a:r>
+            <a:r>
+              <a:rPr kumimoji="1" lang="zh-CN" altLang="en-US"/>
+              <a:t>的构造函数，</a:t>
+            </a:r>
+            <a:endParaRPr kumimoji="1" lang="en-US" altLang="zh-CN"/>
+          </a:p>
+        </p:txBody>
+      </p:sp>
+      <p:sp>
+        <p:nvSpPr>
+          <p:cNvPr id="4" name="灯片编号占位符 3"/>
+          <p:cNvSpPr>
+            <a:spLocks noGrp="1"/>
+          </p:cNvSpPr>
+          <p:nvPr>
+            <p:ph type="sldNum" sz="quarter" idx="5"/>
+          </p:nvPr>
+        </p:nvSpPr>
+        <p:spPr/>
+        <p:txBody>
+          <a:bodyPr/>
+          <a:lstStyle/>
+          <a:p>
+            <a:fld id="{4400F7AA-A7BE-DB4B-BBF8-F51A3A249848}" type="slidenum">
+              <a:rPr lang="en-US" altLang="zh-CN"/>
+              <a:t>10</a:t>
+            </a:fld>
+            <a:endParaRPr kumimoji="1" lang="zh-CN" altLang="en-US"/>
+          </a:p>
+        </p:txBody>
+      </p:sp>
+    </p:spTree>
+    <p:extLst>
+      <p:ext uri="{BB962C8B-B14F-4D97-AF65-F5344CB8AC3E}">
+        <p14:creationId xmlns:p14="http://schemas.microsoft.com/office/powerpoint/2010/main" val="2071564559"/>
+      </p:ext>
+    </p:extLst>
+  </p:cSld>
+  <p:clrMapOvr>
+    <a:masterClrMapping/>
+  </p:clrMapOvr>
+</p:notes>
+</file>
+
+<file path=ppt/notesSlides/notesSlide8.xml><?xml version="1.0" encoding="utf-8"?>
+<p:notes xmlns:a="http://schemas.openxmlformats.org/drawingml/2006/main" xmlns:r="http://schemas.openxmlformats.org/officeDocument/2006/relationships" xmlns:p="http://schemas.openxmlformats.org/presentationml/2006/main">
+  <p:cSld>
+    <p:spTree>
+      <p:nvGrpSpPr>
+        <p:cNvPr id="1" name=""/>
+        <p:cNvGrpSpPr/>
+        <p:nvPr/>
+      </p:nvGrpSpPr>
+      <p:grpSpPr>
+        <a:xfrm>
+          <a:off x="0" y="0"/>
+          <a:ext cx="0" cy="0"/>
+          <a:chOff x="0" y="0"/>
+          <a:chExt cx="0" cy="0"/>
+        </a:xfrm>
+      </p:grpSpPr>
+      <p:sp>
+        <p:nvSpPr>
+          <p:cNvPr id="2" name="幻灯片图像占位符 1"/>
+          <p:cNvSpPr>
+            <a:spLocks noGrp="1" noRot="1" noChangeAspect="1"/>
+          </p:cNvSpPr>
+          <p:nvPr>
+            <p:ph type="sldImg"/>
+          </p:nvPr>
+        </p:nvSpPr>
+        <p:spPr/>
+      </p:sp>
+      <p:sp>
+        <p:nvSpPr>
+          <p:cNvPr id="3" name="备注占位符 2"/>
+          <p:cNvSpPr>
+            <a:spLocks noGrp="1"/>
+          </p:cNvSpPr>
+          <p:nvPr>
+            <p:ph type="body" idx="1"/>
+          </p:nvPr>
+        </p:nvSpPr>
+        <p:spPr/>
+        <p:txBody>
+          <a:bodyPr/>
+          <a:lstStyle/>
+          <a:p>
+            <a:r>
+              <a:rPr kumimoji="1" lang="zh-CN" altLang="en-US"/>
+              <a:t>这里</a:t>
+            </a:r>
+            <a:r>
+              <a:rPr kumimoji="1" lang="en-US" altLang="zh-CN"/>
+              <a:t>Looper</a:t>
+            </a:r>
+            <a:r>
+              <a:rPr kumimoji="1" lang="zh-CN" altLang="en-US"/>
+              <a:t>构造函数里通过</a:t>
+            </a:r>
+            <a:r>
+              <a:rPr kumimoji="1" lang="en-US" altLang="zh-CN"/>
+              <a:t>eventfd</a:t>
+            </a:r>
+            <a:r>
+              <a:rPr kumimoji="1" lang="zh-CN" altLang="en-US"/>
+              <a:t>系统调用生成了一个文件描述符，然后为这个描述符添加一个读事件检测。</a:t>
+            </a:r>
+            <a:endParaRPr kumimoji="1" lang="en-US" altLang="zh-CN"/>
+          </a:p>
+          <a:p>
+            <a:endParaRPr kumimoji="1" lang="en-US" altLang="zh-CN"/>
+          </a:p>
+          <a:p>
+            <a:r>
+              <a:rPr kumimoji="1" lang="zh-CN" altLang="en-US"/>
+              <a:t>这个以前的</a:t>
+            </a:r>
+            <a:r>
+              <a:rPr kumimoji="1" lang="en-US" altLang="zh-CN"/>
+              <a:t>android</a:t>
+            </a:r>
+            <a:r>
+              <a:rPr kumimoji="1" lang="zh-CN" altLang="en-US"/>
+              <a:t>版本是用管道的，后来改成了这个</a:t>
+            </a:r>
+            <a:r>
+              <a:rPr kumimoji="1" lang="en-US" altLang="zh-CN"/>
+              <a:t>eventfd</a:t>
+            </a:r>
+            <a:r>
+              <a:rPr kumimoji="1" lang="zh-CN" altLang="en-US"/>
+              <a:t>，性能更好，里面就是一个简单的计数器，不像管道还要读写字符。</a:t>
+            </a:r>
+            <a:endParaRPr kumimoji="1" lang="en-US" altLang="zh-CN"/>
+          </a:p>
+          <a:p>
+            <a:r>
+              <a:rPr kumimoji="1" lang="zh-CN" altLang="en-US"/>
+              <a:t>这创建了</a:t>
+            </a:r>
+            <a:r>
+              <a:rPr kumimoji="1" lang="en-US" altLang="zh-CN"/>
+              <a:t>eventfd</a:t>
+            </a:r>
+            <a:r>
+              <a:rPr kumimoji="1" lang="zh-CN" altLang="en-US"/>
+              <a:t>，不是说对里面的计数感兴趣，而是对读事件感兴趣。如果监听这个</a:t>
+            </a:r>
+            <a:r>
+              <a:rPr kumimoji="1" lang="en-US" altLang="zh-CN"/>
+              <a:t>fd</a:t>
+            </a:r>
+            <a:r>
+              <a:rPr kumimoji="1" lang="zh-CN" altLang="en-US"/>
+              <a:t>的读事件，有人往</a:t>
+            </a:r>
+            <a:r>
+              <a:rPr kumimoji="1" lang="en-US" altLang="zh-CN"/>
+              <a:t>fd</a:t>
+            </a:r>
+            <a:r>
+              <a:rPr kumimoji="1" lang="zh-CN" altLang="en-US"/>
+              <a:t>写东西的话，那么</a:t>
+            </a:r>
+            <a:r>
+              <a:rPr kumimoji="1" lang="en-US" altLang="zh-CN"/>
+              <a:t>fd</a:t>
+            </a:r>
+            <a:r>
+              <a:rPr kumimoji="1" lang="zh-CN" altLang="en-US"/>
+              <a:t>就能收到。</a:t>
+            </a:r>
+          </a:p>
+        </p:txBody>
+      </p:sp>
+      <p:sp>
+        <p:nvSpPr>
+          <p:cNvPr id="4" name="灯片编号占位符 3"/>
+          <p:cNvSpPr>
+            <a:spLocks noGrp="1"/>
+          </p:cNvSpPr>
+          <p:nvPr>
+            <p:ph type="sldNum" sz="quarter" idx="5"/>
+          </p:nvPr>
+        </p:nvSpPr>
+        <p:spPr/>
+        <p:txBody>
+          <a:bodyPr/>
+          <a:lstStyle/>
+          <a:p>
+            <a:fld id="{4400F7AA-A7BE-DB4B-BBF8-F51A3A249848}" type="slidenum">
+              <a:rPr lang="en-US" altLang="zh-CN"/>
+              <a:t>11</a:t>
+            </a:fld>
+            <a:endParaRPr kumimoji="1" lang="zh-CN" altLang="en-US"/>
+          </a:p>
+        </p:txBody>
+      </p:sp>
+    </p:spTree>
+    <p:extLst>
+      <p:ext uri="{BB962C8B-B14F-4D97-AF65-F5344CB8AC3E}">
+        <p14:creationId xmlns:p14="http://schemas.microsoft.com/office/powerpoint/2010/main" val="3535400558"/>
+      </p:ext>
+    </p:extLst>
+  </p:cSld>
+  <p:clrMapOvr>
+    <a:masterClrMapping/>
+  </p:clrMapOvr>
+</p:notes>
+</file>
+
+<file path=ppt/notesSlides/notesSlide9.xml><?xml version="1.0" encoding="utf-8"?>
+<p:notes xmlns:a="http://schemas.openxmlformats.org/drawingml/2006/main" xmlns:r="http://schemas.openxmlformats.org/officeDocument/2006/relationships" xmlns:p="http://schemas.openxmlformats.org/presentationml/2006/main">
+  <p:cSld>
+    <p:spTree>
+      <p:nvGrpSpPr>
+        <p:cNvPr id="1" name=""/>
+        <p:cNvGrpSpPr/>
+        <p:nvPr/>
+      </p:nvGrpSpPr>
+      <p:grpSpPr>
+        <a:xfrm>
+          <a:off x="0" y="0"/>
+          <a:ext cx="0" cy="0"/>
+          <a:chOff x="0" y="0"/>
+          <a:chExt cx="0" cy="0"/>
+        </a:xfrm>
+      </p:grpSpPr>
+      <p:sp>
+        <p:nvSpPr>
+          <p:cNvPr id="2" name="幻灯片图像占位符 1"/>
+          <p:cNvSpPr>
+            <a:spLocks noGrp="1" noRot="1" noChangeAspect="1"/>
+          </p:cNvSpPr>
+          <p:nvPr>
+            <p:ph type="sldImg"/>
+          </p:nvPr>
+        </p:nvSpPr>
+        <p:spPr/>
+      </p:sp>
+      <p:sp>
+        <p:nvSpPr>
+          <p:cNvPr id="3" name="备注占位符 2"/>
+          <p:cNvSpPr>
+            <a:spLocks noGrp="1"/>
+          </p:cNvSpPr>
+          <p:nvPr>
+            <p:ph type="body" idx="1"/>
+          </p:nvPr>
+        </p:nvSpPr>
+        <p:spPr/>
+        <p:txBody>
+          <a:bodyPr/>
+          <a:lstStyle/>
+          <a:p>
+            <a:r>
+              <a:rPr kumimoji="1" lang="zh-CN" altLang="en-US"/>
+              <a:t>咱们看代码更直观，这里有个</a:t>
+            </a:r>
+            <a:r>
+              <a:rPr kumimoji="1" lang="en-US" altLang="zh-CN"/>
+              <a:t>eventfd</a:t>
+            </a:r>
+            <a:r>
+              <a:rPr kumimoji="1" lang="zh-CN" altLang="en-US"/>
+              <a:t>，通过</a:t>
+            </a:r>
+            <a:r>
+              <a:rPr kumimoji="1" lang="en-US" altLang="zh-CN"/>
+              <a:t>write</a:t>
+            </a:r>
+            <a:r>
+              <a:rPr kumimoji="1" lang="zh-CN" altLang="en-US"/>
+              <a:t>调用往里面写一个数字，再从里面读出来，这里面保存了个计数器。不过咱们的</a:t>
+            </a:r>
+            <a:r>
+              <a:rPr kumimoji="1" lang="en-US" altLang="zh-CN"/>
+              <a:t>looper</a:t>
+            </a:r>
+            <a:r>
+              <a:rPr kumimoji="1" lang="zh-CN" altLang="en-US"/>
+              <a:t>里对</a:t>
+            </a:r>
+            <a:r>
+              <a:rPr kumimoji="1" lang="en-US" altLang="zh-CN"/>
+              <a:t>fd</a:t>
+            </a:r>
+            <a:r>
+              <a:rPr kumimoji="1" lang="zh-CN" altLang="en-US"/>
+              <a:t>里面的值不感兴趣，只对是否可读感兴趣，有消息来了，往这个</a:t>
+            </a:r>
+            <a:r>
+              <a:rPr kumimoji="1" lang="en-US" altLang="zh-CN"/>
+              <a:t>fd</a:t>
+            </a:r>
+            <a:r>
+              <a:rPr kumimoji="1" lang="zh-CN" altLang="en-US"/>
+              <a:t>随便写个什么数，另一端就能检测到可读事件了，怎么检测到读事件呢，给这个</a:t>
+            </a:r>
+            <a:r>
+              <a:rPr kumimoji="1" lang="en-US" altLang="zh-CN"/>
+              <a:t>fd</a:t>
+            </a:r>
+            <a:r>
+              <a:rPr kumimoji="1" lang="zh-CN" altLang="en-US"/>
+              <a:t>加到</a:t>
+            </a:r>
+            <a:r>
+              <a:rPr kumimoji="1" lang="en-US" altLang="zh-CN"/>
+              <a:t>epoll</a:t>
+            </a:r>
+            <a:r>
+              <a:rPr kumimoji="1" lang="zh-CN" altLang="en-US"/>
+              <a:t>里就好了。</a:t>
+            </a:r>
+          </a:p>
+        </p:txBody>
+      </p:sp>
+      <p:sp>
+        <p:nvSpPr>
+          <p:cNvPr id="4" name="灯片编号占位符 3"/>
+          <p:cNvSpPr>
+            <a:spLocks noGrp="1"/>
+          </p:cNvSpPr>
+          <p:nvPr>
+            <p:ph type="sldNum" sz="quarter" idx="5"/>
+          </p:nvPr>
+        </p:nvSpPr>
+        <p:spPr/>
+        <p:txBody>
+          <a:bodyPr/>
+          <a:lstStyle/>
+          <a:p>
+            <a:fld id="{4400F7AA-A7BE-DB4B-BBF8-F51A3A249848}" type="slidenum">
+              <a:rPr lang="en-US" altLang="zh-CN"/>
+              <a:t>12</a:t>
+            </a:fld>
+            <a:endParaRPr kumimoji="1" lang="zh-CN" altLang="en-US"/>
+          </a:p>
+        </p:txBody>
+      </p:sp>
+    </p:spTree>
+    <p:extLst>
+      <p:ext uri="{BB962C8B-B14F-4D97-AF65-F5344CB8AC3E}">
+        <p14:creationId xmlns:p14="http://schemas.microsoft.com/office/powerpoint/2010/main" val="3260983956"/>
       </p:ext>
     </p:extLst>
   </p:cSld>
@@ -740,7 +2273,7 @@
           <a:lstStyle/>
           <a:p>
             <a:fld id="{69BAFBDB-15D3-0C4B-A863-2256793BA0F3}" type="datetimeFigureOut">
-              <a:t>2019/3/16</a:t>
+              <a:t>2019/3/17</a:t>
             </a:fld>
             <a:endParaRPr kumimoji="1" lang="zh-CN" altLang="en-US"/>
           </a:p>
@@ -884,7 +2417,7 @@
           <a:lstStyle/>
           <a:p>
             <a:fld id="{69BAFBDB-15D3-0C4B-A863-2256793BA0F3}" type="datetimeFigureOut">
-              <a:t>2019/3/16</a:t>
+              <a:t>2019/3/17</a:t>
             </a:fld>
             <a:endParaRPr kumimoji="1" lang="zh-CN" altLang="en-US"/>
           </a:p>
@@ -1038,7 +2571,7 @@
           <a:lstStyle/>
           <a:p>
             <a:fld id="{69BAFBDB-15D3-0C4B-A863-2256793BA0F3}" type="datetimeFigureOut">
-              <a:t>2019/3/16</a:t>
+              <a:t>2019/3/17</a:t>
             </a:fld>
             <a:endParaRPr kumimoji="1" lang="zh-CN" altLang="en-US"/>
           </a:p>
@@ -1182,7 +2715,7 @@
           <a:lstStyle/>
           <a:p>
             <a:fld id="{69BAFBDB-15D3-0C4B-A863-2256793BA0F3}" type="datetimeFigureOut">
-              <a:t>2019/3/16</a:t>
+              <a:t>2019/3/17</a:t>
             </a:fld>
             <a:endParaRPr kumimoji="1" lang="zh-CN" altLang="en-US"/>
           </a:p>
@@ -1431,7 +2964,7 @@
           <a:lstStyle/>
           <a:p>
             <a:fld id="{69BAFBDB-15D3-0C4B-A863-2256793BA0F3}" type="datetimeFigureOut">
-              <a:t>2019/3/16</a:t>
+              <a:t>2019/3/17</a:t>
             </a:fld>
             <a:endParaRPr kumimoji="1" lang="zh-CN" altLang="en-US"/>
           </a:p>
@@ -1613,7 +3146,7 @@
           <a:lstStyle/>
           <a:p>
             <a:fld id="{69BAFBDB-15D3-0C4B-A863-2256793BA0F3}" type="datetimeFigureOut">
-              <a:t>2019/3/16</a:t>
+              <a:t>2019/3/17</a:t>
             </a:fld>
             <a:endParaRPr kumimoji="1" lang="zh-CN" altLang="en-US"/>
           </a:p>
@@ -1940,7 +3473,7 @@
           <a:lstStyle/>
           <a:p>
             <a:fld id="{69BAFBDB-15D3-0C4B-A863-2256793BA0F3}" type="datetimeFigureOut">
-              <a:t>2019/3/16</a:t>
+              <a:t>2019/3/17</a:t>
             </a:fld>
             <a:endParaRPr kumimoji="1" lang="zh-CN" altLang="en-US"/>
           </a:p>
@@ -2056,7 +3589,7 @@
           <a:lstStyle/>
           <a:p>
             <a:fld id="{69BAFBDB-15D3-0C4B-A863-2256793BA0F3}" type="datetimeFigureOut">
-              <a:t>2019/3/16</a:t>
+              <a:t>2019/3/17</a:t>
             </a:fld>
             <a:endParaRPr kumimoji="1" lang="zh-CN" altLang="en-US"/>
           </a:p>
@@ -2149,7 +3682,7 @@
           <a:lstStyle/>
           <a:p>
             <a:fld id="{69BAFBDB-15D3-0C4B-A863-2256793BA0F3}" type="datetimeFigureOut">
-              <a:t>2019/3/16</a:t>
+              <a:t>2019/3/17</a:t>
             </a:fld>
             <a:endParaRPr kumimoji="1" lang="zh-CN" altLang="en-US"/>
           </a:p>
@@ -2405,7 +3938,7 @@
           <a:lstStyle/>
           <a:p>
             <a:fld id="{69BAFBDB-15D3-0C4B-A863-2256793BA0F3}" type="datetimeFigureOut">
-              <a:t>2019/3/16</a:t>
+              <a:t>2019/3/17</a:t>
             </a:fld>
             <a:endParaRPr kumimoji="1" lang="zh-CN" altLang="en-US"/>
           </a:p>
@@ -2665,7 +4198,7 @@
           <a:lstStyle/>
           <a:p>
             <a:fld id="{69BAFBDB-15D3-0C4B-A863-2256793BA0F3}" type="datetimeFigureOut">
-              <a:t>2019/3/16</a:t>
+              <a:t>2019/3/17</a:t>
             </a:fld>
             <a:endParaRPr kumimoji="1" lang="zh-CN" altLang="en-US"/>
           </a:p>
@@ -2852,7 +4385,7 @@
           </a:lstStyle>
           <a:p>
             <a:fld id="{69BAFBDB-15D3-0C4B-A863-2256793BA0F3}" type="datetimeFigureOut">
-              <a:t>2019/3/16</a:t>
+              <a:t>2019/3/17</a:t>
             </a:fld>
             <a:endParaRPr kumimoji="1" lang="zh-CN" altLang="en-US"/>
           </a:p>
@@ -3310,6 +4843,4325 @@
 </p:sld>
 </file>
 
+<file path=ppt/slides/slide10.xml><?xml version="1.0" encoding="utf-8"?>
+<p:sld xmlns:a="http://schemas.openxmlformats.org/drawingml/2006/main" xmlns:r="http://schemas.openxmlformats.org/officeDocument/2006/relationships" xmlns:p="http://schemas.openxmlformats.org/presentationml/2006/main">
+  <p:cSld>
+    <p:spTree>
+      <p:nvGrpSpPr>
+        <p:cNvPr id="1" name=""/>
+        <p:cNvGrpSpPr/>
+        <p:nvPr/>
+      </p:nvGrpSpPr>
+      <p:grpSpPr>
+        <a:xfrm>
+          <a:off x="0" y="0"/>
+          <a:ext cx="0" cy="0"/>
+          <a:chOff x="0" y="0"/>
+          <a:chExt cx="0" cy="0"/>
+        </a:xfrm>
+      </p:grpSpPr>
+      <p:sp>
+        <p:nvSpPr>
+          <p:cNvPr id="4" name="矩形 3">
+            <a:extLst>
+              <a:ext uri="{FF2B5EF4-FFF2-40B4-BE49-F238E27FC236}">
+                <a16:creationId xmlns:a16="http://schemas.microsoft.com/office/drawing/2014/main" id="{60F4DFFA-F586-3148-A87E-BA35C045CE62}"/>
+              </a:ext>
+            </a:extLst>
+          </p:cNvPr>
+          <p:cNvSpPr/>
+          <p:nvPr/>
+        </p:nvSpPr>
+        <p:spPr>
+          <a:xfrm>
+            <a:off x="156831" y="309593"/>
+            <a:ext cx="8830339" cy="1200329"/>
+          </a:xfrm>
+          <a:prstGeom prst="rect">
+            <a:avLst/>
+          </a:prstGeom>
+          <a:ln w="22225">
+            <a:solidFill>
+              <a:srgbClr val="C00000"/>
+            </a:solidFill>
+            <a:prstDash val="dash"/>
+          </a:ln>
+        </p:spPr>
+        <p:txBody>
+          <a:bodyPr wrap="square">
+            <a:spAutoFit/>
+          </a:bodyPr>
+          <a:lstStyle/>
+          <a:p>
+            <a:r>
+              <a:rPr lang="en-US" altLang="zh-CN">
+                <a:latin typeface="Microsoft YaHei" panose="020B0503020204020204" pitchFamily="34" charset="-122"/>
+                <a:ea typeface="Microsoft YaHei" panose="020B0503020204020204" pitchFamily="34" charset="-122"/>
+              </a:rPr>
+              <a:t>jlong android_os_MessageQueue_nativeInit(JNIEnv* env</a:t>
+            </a:r>
+            <a:r>
+              <a:rPr lang="en-US" altLang="zh-CN">
+                <a:solidFill>
+                  <a:srgbClr val="CC7832"/>
+                </a:solidFill>
+                <a:effectLst/>
+                <a:latin typeface="Microsoft YaHei" panose="020B0503020204020204" pitchFamily="34" charset="-122"/>
+                <a:ea typeface="Microsoft YaHei" panose="020B0503020204020204" pitchFamily="34" charset="-122"/>
+              </a:rPr>
+              <a:t>, </a:t>
+            </a:r>
+            <a:r>
+              <a:rPr lang="en-US" altLang="zh-CN">
+                <a:latin typeface="Microsoft YaHei" panose="020B0503020204020204" pitchFamily="34" charset="-122"/>
+                <a:ea typeface="Microsoft YaHei" panose="020B0503020204020204" pitchFamily="34" charset="-122"/>
+              </a:rPr>
+              <a:t>jclass clazz) {</a:t>
+            </a:r>
+            <a:br>
+              <a:rPr lang="en-US" altLang="zh-CN">
+                <a:latin typeface="Microsoft YaHei" panose="020B0503020204020204" pitchFamily="34" charset="-122"/>
+                <a:ea typeface="Microsoft YaHei" panose="020B0503020204020204" pitchFamily="34" charset="-122"/>
+              </a:rPr>
+            </a:br>
+            <a:r>
+              <a:rPr lang="en-US" altLang="zh-CN">
+                <a:latin typeface="Microsoft YaHei" panose="020B0503020204020204" pitchFamily="34" charset="-122"/>
+                <a:ea typeface="Microsoft YaHei" panose="020B0503020204020204" pitchFamily="34" charset="-122"/>
+              </a:rPr>
+              <a:t>    NativeMessageQueue* nativeMessageQueue = </a:t>
+            </a:r>
+            <a:r>
+              <a:rPr lang="en-US" altLang="zh-CN">
+                <a:solidFill>
+                  <a:srgbClr val="CC7832"/>
+                </a:solidFill>
+                <a:effectLst/>
+                <a:latin typeface="Microsoft YaHei" panose="020B0503020204020204" pitchFamily="34" charset="-122"/>
+                <a:ea typeface="Microsoft YaHei" panose="020B0503020204020204" pitchFamily="34" charset="-122"/>
+              </a:rPr>
+              <a:t>new </a:t>
+            </a:r>
+            <a:r>
+              <a:rPr lang="en-US" altLang="zh-CN">
+                <a:latin typeface="Microsoft YaHei" panose="020B0503020204020204" pitchFamily="34" charset="-122"/>
+                <a:ea typeface="Microsoft YaHei" panose="020B0503020204020204" pitchFamily="34" charset="-122"/>
+              </a:rPr>
+              <a:t>NativeMessageQueue()</a:t>
+            </a:r>
+            <a:r>
+              <a:rPr lang="en-US" altLang="zh-CN">
+                <a:solidFill>
+                  <a:srgbClr val="CC7832"/>
+                </a:solidFill>
+                <a:effectLst/>
+                <a:latin typeface="Microsoft YaHei" panose="020B0503020204020204" pitchFamily="34" charset="-122"/>
+                <a:ea typeface="Microsoft YaHei" panose="020B0503020204020204" pitchFamily="34" charset="-122"/>
+              </a:rPr>
+              <a:t>;</a:t>
+            </a:r>
+            <a:br>
+              <a:rPr lang="en-US" altLang="zh-CN">
+                <a:solidFill>
+                  <a:srgbClr val="CC7832"/>
+                </a:solidFill>
+                <a:effectLst/>
+                <a:latin typeface="Microsoft YaHei" panose="020B0503020204020204" pitchFamily="34" charset="-122"/>
+                <a:ea typeface="Microsoft YaHei" panose="020B0503020204020204" pitchFamily="34" charset="-122"/>
+              </a:rPr>
+            </a:br>
+            <a:r>
+              <a:rPr lang="en-US" altLang="zh-CN">
+                <a:solidFill>
+                  <a:srgbClr val="CC7832"/>
+                </a:solidFill>
+                <a:effectLst/>
+                <a:latin typeface="Microsoft YaHei" panose="020B0503020204020204" pitchFamily="34" charset="-122"/>
+                <a:ea typeface="Microsoft YaHei" panose="020B0503020204020204" pitchFamily="34" charset="-122"/>
+              </a:rPr>
+              <a:t>    return reinterpret_cast</a:t>
+            </a:r>
+            <a:r>
+              <a:rPr lang="en-US" altLang="zh-CN">
+                <a:latin typeface="Microsoft YaHei" panose="020B0503020204020204" pitchFamily="34" charset="-122"/>
+                <a:ea typeface="Microsoft YaHei" panose="020B0503020204020204" pitchFamily="34" charset="-122"/>
+              </a:rPr>
+              <a:t>&lt;jlong&gt;(nativeMessageQueue)</a:t>
+            </a:r>
+            <a:r>
+              <a:rPr lang="en-US" altLang="zh-CN">
+                <a:solidFill>
+                  <a:srgbClr val="CC7832"/>
+                </a:solidFill>
+                <a:effectLst/>
+                <a:latin typeface="Microsoft YaHei" panose="020B0503020204020204" pitchFamily="34" charset="-122"/>
+                <a:ea typeface="Microsoft YaHei" panose="020B0503020204020204" pitchFamily="34" charset="-122"/>
+              </a:rPr>
+              <a:t>;</a:t>
+            </a:r>
+            <a:br>
+              <a:rPr lang="en-US" altLang="zh-CN">
+                <a:solidFill>
+                  <a:srgbClr val="CC7832"/>
+                </a:solidFill>
+                <a:effectLst/>
+                <a:latin typeface="Microsoft YaHei" panose="020B0503020204020204" pitchFamily="34" charset="-122"/>
+                <a:ea typeface="Microsoft YaHei" panose="020B0503020204020204" pitchFamily="34" charset="-122"/>
+              </a:rPr>
+            </a:br>
+            <a:r>
+              <a:rPr lang="en-US" altLang="zh-CN">
+                <a:latin typeface="Microsoft YaHei" panose="020B0503020204020204" pitchFamily="34" charset="-122"/>
+                <a:ea typeface="Microsoft YaHei" panose="020B0503020204020204" pitchFamily="34" charset="-122"/>
+              </a:rPr>
+              <a:t>}</a:t>
+            </a:r>
+            <a:endParaRPr lang="zh-CN" altLang="en-US">
+              <a:latin typeface="Microsoft YaHei" panose="020B0503020204020204" pitchFamily="34" charset="-122"/>
+              <a:ea typeface="Microsoft YaHei" panose="020B0503020204020204" pitchFamily="34" charset="-122"/>
+            </a:endParaRPr>
+          </a:p>
+        </p:txBody>
+      </p:sp>
+      <p:sp>
+        <p:nvSpPr>
+          <p:cNvPr id="5" name="矩形 4">
+            <a:extLst>
+              <a:ext uri="{FF2B5EF4-FFF2-40B4-BE49-F238E27FC236}">
+                <a16:creationId xmlns:a16="http://schemas.microsoft.com/office/drawing/2014/main" id="{8E2770A2-C5E5-B442-9866-BD496FAC5561}"/>
+              </a:ext>
+            </a:extLst>
+          </p:cNvPr>
+          <p:cNvSpPr/>
+          <p:nvPr/>
+        </p:nvSpPr>
+        <p:spPr>
+          <a:xfrm>
+            <a:off x="156832" y="2171948"/>
+            <a:ext cx="8830338" cy="2031325"/>
+          </a:xfrm>
+          <a:prstGeom prst="rect">
+            <a:avLst/>
+          </a:prstGeom>
+          <a:ln w="22225">
+            <a:solidFill>
+              <a:srgbClr val="C00000"/>
+            </a:solidFill>
+            <a:prstDash val="dash"/>
+          </a:ln>
+        </p:spPr>
+        <p:txBody>
+          <a:bodyPr wrap="square">
+            <a:spAutoFit/>
+          </a:bodyPr>
+          <a:lstStyle/>
+          <a:p>
+            <a:r>
+              <a:rPr lang="en-US" altLang="zh-CN">
+                <a:latin typeface="Microsoft YaHei" panose="020B0503020204020204" pitchFamily="34" charset="-122"/>
+                <a:ea typeface="Microsoft YaHei" panose="020B0503020204020204" pitchFamily="34" charset="-122"/>
+              </a:rPr>
+              <a:t>NativeMessageQueue::NativeMessageQueue() {</a:t>
+            </a:r>
+            <a:br>
+              <a:rPr lang="en-US" altLang="zh-CN">
+                <a:latin typeface="Microsoft YaHei" panose="020B0503020204020204" pitchFamily="34" charset="-122"/>
+                <a:ea typeface="Microsoft YaHei" panose="020B0503020204020204" pitchFamily="34" charset="-122"/>
+              </a:rPr>
+            </a:br>
+            <a:r>
+              <a:rPr lang="en-US" altLang="zh-CN">
+                <a:latin typeface="Microsoft YaHei" panose="020B0503020204020204" pitchFamily="34" charset="-122"/>
+                <a:ea typeface="Microsoft YaHei" panose="020B0503020204020204" pitchFamily="34" charset="-122"/>
+              </a:rPr>
+              <a:t>    mLooper = Looper::getForThread()</a:t>
+            </a:r>
+            <a:r>
+              <a:rPr lang="en-US" altLang="zh-CN">
+                <a:solidFill>
+                  <a:srgbClr val="CC7832"/>
+                </a:solidFill>
+                <a:effectLst/>
+                <a:latin typeface="Microsoft YaHei" panose="020B0503020204020204" pitchFamily="34" charset="-122"/>
+                <a:ea typeface="Microsoft YaHei" panose="020B0503020204020204" pitchFamily="34" charset="-122"/>
+              </a:rPr>
+              <a:t>;</a:t>
+            </a:r>
+            <a:br>
+              <a:rPr lang="en-US" altLang="zh-CN">
+                <a:solidFill>
+                  <a:srgbClr val="CC7832"/>
+                </a:solidFill>
+                <a:effectLst/>
+                <a:latin typeface="Microsoft YaHei" panose="020B0503020204020204" pitchFamily="34" charset="-122"/>
+                <a:ea typeface="Microsoft YaHei" panose="020B0503020204020204" pitchFamily="34" charset="-122"/>
+              </a:rPr>
+            </a:br>
+            <a:r>
+              <a:rPr lang="en-US" altLang="zh-CN">
+                <a:solidFill>
+                  <a:srgbClr val="CC7832"/>
+                </a:solidFill>
+                <a:effectLst/>
+                <a:latin typeface="Microsoft YaHei" panose="020B0503020204020204" pitchFamily="34" charset="-122"/>
+                <a:ea typeface="Microsoft YaHei" panose="020B0503020204020204" pitchFamily="34" charset="-122"/>
+              </a:rPr>
+              <a:t>    if </a:t>
+            </a:r>
+            <a:r>
+              <a:rPr lang="en-US" altLang="zh-CN">
+                <a:latin typeface="Microsoft YaHei" panose="020B0503020204020204" pitchFamily="34" charset="-122"/>
+                <a:ea typeface="Microsoft YaHei" panose="020B0503020204020204" pitchFamily="34" charset="-122"/>
+              </a:rPr>
+              <a:t>(mLooper == NULL) {</a:t>
+            </a:r>
+            <a:br>
+              <a:rPr lang="en-US" altLang="zh-CN">
+                <a:latin typeface="Microsoft YaHei" panose="020B0503020204020204" pitchFamily="34" charset="-122"/>
+                <a:ea typeface="Microsoft YaHei" panose="020B0503020204020204" pitchFamily="34" charset="-122"/>
+              </a:rPr>
+            </a:br>
+            <a:r>
+              <a:rPr lang="en-US" altLang="zh-CN">
+                <a:latin typeface="Microsoft YaHei" panose="020B0503020204020204" pitchFamily="34" charset="-122"/>
+                <a:ea typeface="Microsoft YaHei" panose="020B0503020204020204" pitchFamily="34" charset="-122"/>
+              </a:rPr>
+              <a:t>        mLooper = </a:t>
+            </a:r>
+            <a:r>
+              <a:rPr lang="en-US" altLang="zh-CN">
+                <a:solidFill>
+                  <a:srgbClr val="CC7832"/>
+                </a:solidFill>
+                <a:effectLst/>
+                <a:latin typeface="Microsoft YaHei" panose="020B0503020204020204" pitchFamily="34" charset="-122"/>
+                <a:ea typeface="Microsoft YaHei" panose="020B0503020204020204" pitchFamily="34" charset="-122"/>
+              </a:rPr>
+              <a:t>new </a:t>
+            </a:r>
+            <a:r>
+              <a:rPr lang="en-US" altLang="zh-CN">
+                <a:latin typeface="Microsoft YaHei" panose="020B0503020204020204" pitchFamily="34" charset="-122"/>
+                <a:ea typeface="Microsoft YaHei" panose="020B0503020204020204" pitchFamily="34" charset="-122"/>
+              </a:rPr>
+              <a:t>Looper(</a:t>
+            </a:r>
+            <a:r>
+              <a:rPr lang="en-US" altLang="zh-CN">
+                <a:solidFill>
+                  <a:srgbClr val="CC7832"/>
+                </a:solidFill>
+                <a:effectLst/>
+                <a:latin typeface="Microsoft YaHei" panose="020B0503020204020204" pitchFamily="34" charset="-122"/>
+                <a:ea typeface="Microsoft YaHei" panose="020B0503020204020204" pitchFamily="34" charset="-122"/>
+              </a:rPr>
+              <a:t>false</a:t>
+            </a:r>
+            <a:r>
+              <a:rPr lang="en-US" altLang="zh-CN">
+                <a:latin typeface="Microsoft YaHei" panose="020B0503020204020204" pitchFamily="34" charset="-122"/>
+                <a:ea typeface="Microsoft YaHei" panose="020B0503020204020204" pitchFamily="34" charset="-122"/>
+              </a:rPr>
+              <a:t>)</a:t>
+            </a:r>
+            <a:r>
+              <a:rPr lang="en-US" altLang="zh-CN">
+                <a:solidFill>
+                  <a:srgbClr val="CC7832"/>
+                </a:solidFill>
+                <a:effectLst/>
+                <a:latin typeface="Microsoft YaHei" panose="020B0503020204020204" pitchFamily="34" charset="-122"/>
+                <a:ea typeface="Microsoft YaHei" panose="020B0503020204020204" pitchFamily="34" charset="-122"/>
+              </a:rPr>
+              <a:t>;</a:t>
+            </a:r>
+            <a:br>
+              <a:rPr lang="en-US" altLang="zh-CN">
+                <a:solidFill>
+                  <a:srgbClr val="CC7832"/>
+                </a:solidFill>
+                <a:effectLst/>
+                <a:latin typeface="Microsoft YaHei" panose="020B0503020204020204" pitchFamily="34" charset="-122"/>
+                <a:ea typeface="Microsoft YaHei" panose="020B0503020204020204" pitchFamily="34" charset="-122"/>
+              </a:rPr>
+            </a:br>
+            <a:r>
+              <a:rPr lang="en-US" altLang="zh-CN">
+                <a:solidFill>
+                  <a:srgbClr val="CC7832"/>
+                </a:solidFill>
+                <a:effectLst/>
+                <a:latin typeface="Microsoft YaHei" panose="020B0503020204020204" pitchFamily="34" charset="-122"/>
+                <a:ea typeface="Microsoft YaHei" panose="020B0503020204020204" pitchFamily="34" charset="-122"/>
+              </a:rPr>
+              <a:t>        </a:t>
+            </a:r>
+            <a:r>
+              <a:rPr lang="en-US" altLang="zh-CN">
+                <a:latin typeface="Microsoft YaHei" panose="020B0503020204020204" pitchFamily="34" charset="-122"/>
+                <a:ea typeface="Microsoft YaHei" panose="020B0503020204020204" pitchFamily="34" charset="-122"/>
+              </a:rPr>
+              <a:t>Looper::setForThread(mLooper)</a:t>
+            </a:r>
+            <a:r>
+              <a:rPr lang="en-US" altLang="zh-CN">
+                <a:solidFill>
+                  <a:srgbClr val="CC7832"/>
+                </a:solidFill>
+                <a:effectLst/>
+                <a:latin typeface="Microsoft YaHei" panose="020B0503020204020204" pitchFamily="34" charset="-122"/>
+                <a:ea typeface="Microsoft YaHei" panose="020B0503020204020204" pitchFamily="34" charset="-122"/>
+              </a:rPr>
+              <a:t>;</a:t>
+            </a:r>
+            <a:br>
+              <a:rPr lang="en-US" altLang="zh-CN">
+                <a:solidFill>
+                  <a:srgbClr val="CC7832"/>
+                </a:solidFill>
+                <a:effectLst/>
+                <a:latin typeface="Microsoft YaHei" panose="020B0503020204020204" pitchFamily="34" charset="-122"/>
+                <a:ea typeface="Microsoft YaHei" panose="020B0503020204020204" pitchFamily="34" charset="-122"/>
+              </a:rPr>
+            </a:br>
+            <a:r>
+              <a:rPr lang="en-US" altLang="zh-CN">
+                <a:solidFill>
+                  <a:srgbClr val="CC7832"/>
+                </a:solidFill>
+                <a:effectLst/>
+                <a:latin typeface="Microsoft YaHei" panose="020B0503020204020204" pitchFamily="34" charset="-122"/>
+                <a:ea typeface="Microsoft YaHei" panose="020B0503020204020204" pitchFamily="34" charset="-122"/>
+              </a:rPr>
+              <a:t>    </a:t>
+            </a:r>
+            <a:r>
+              <a:rPr lang="en-US" altLang="zh-CN">
+                <a:latin typeface="Microsoft YaHei" panose="020B0503020204020204" pitchFamily="34" charset="-122"/>
+                <a:ea typeface="Microsoft YaHei" panose="020B0503020204020204" pitchFamily="34" charset="-122"/>
+              </a:rPr>
+              <a:t>}</a:t>
+            </a:r>
+            <a:br>
+              <a:rPr lang="en-US" altLang="zh-CN">
+                <a:latin typeface="Microsoft YaHei" panose="020B0503020204020204" pitchFamily="34" charset="-122"/>
+                <a:ea typeface="Microsoft YaHei" panose="020B0503020204020204" pitchFamily="34" charset="-122"/>
+              </a:rPr>
+            </a:br>
+            <a:r>
+              <a:rPr lang="en-US" altLang="zh-CN">
+                <a:latin typeface="Microsoft YaHei" panose="020B0503020204020204" pitchFamily="34" charset="-122"/>
+                <a:ea typeface="Microsoft YaHei" panose="020B0503020204020204" pitchFamily="34" charset="-122"/>
+              </a:rPr>
+              <a:t>}</a:t>
+            </a:r>
+            <a:endParaRPr lang="zh-CN" altLang="en-US">
+              <a:latin typeface="Microsoft YaHei" panose="020B0503020204020204" pitchFamily="34" charset="-122"/>
+              <a:ea typeface="Microsoft YaHei" panose="020B0503020204020204" pitchFamily="34" charset="-122"/>
+            </a:endParaRPr>
+          </a:p>
+        </p:txBody>
+      </p:sp>
+    </p:spTree>
+    <p:extLst>
+      <p:ext uri="{BB962C8B-B14F-4D97-AF65-F5344CB8AC3E}">
+        <p14:creationId xmlns:p14="http://schemas.microsoft.com/office/powerpoint/2010/main" val="1588269848"/>
+      </p:ext>
+    </p:extLst>
+  </p:cSld>
+  <p:clrMapOvr>
+    <a:masterClrMapping/>
+  </p:clrMapOvr>
+</p:sld>
+</file>
+
+<file path=ppt/slides/slide11.xml><?xml version="1.0" encoding="utf-8"?>
+<p:sld xmlns:a="http://schemas.openxmlformats.org/drawingml/2006/main" xmlns:r="http://schemas.openxmlformats.org/officeDocument/2006/relationships" xmlns:p="http://schemas.openxmlformats.org/presentationml/2006/main">
+  <p:cSld>
+    <p:spTree>
+      <p:nvGrpSpPr>
+        <p:cNvPr id="1" name=""/>
+        <p:cNvGrpSpPr/>
+        <p:nvPr/>
+      </p:nvGrpSpPr>
+      <p:grpSpPr>
+        <a:xfrm>
+          <a:off x="0" y="0"/>
+          <a:ext cx="0" cy="0"/>
+          <a:chOff x="0" y="0"/>
+          <a:chExt cx="0" cy="0"/>
+        </a:xfrm>
+      </p:grpSpPr>
+      <p:sp>
+        <p:nvSpPr>
+          <p:cNvPr id="4" name="矩形 3">
+            <a:extLst>
+              <a:ext uri="{FF2B5EF4-FFF2-40B4-BE49-F238E27FC236}">
+                <a16:creationId xmlns:a16="http://schemas.microsoft.com/office/drawing/2014/main" id="{05624A41-C96A-4348-8827-73D65C5EDF51}"/>
+              </a:ext>
+            </a:extLst>
+          </p:cNvPr>
+          <p:cNvSpPr/>
+          <p:nvPr/>
+        </p:nvSpPr>
+        <p:spPr>
+          <a:xfrm>
+            <a:off x="542259" y="309593"/>
+            <a:ext cx="8006317" cy="1200329"/>
+          </a:xfrm>
+          <a:prstGeom prst="rect">
+            <a:avLst/>
+          </a:prstGeom>
+          <a:ln w="22225">
+            <a:solidFill>
+              <a:srgbClr val="C00000"/>
+            </a:solidFill>
+            <a:prstDash val="dash"/>
+          </a:ln>
+        </p:spPr>
+        <p:txBody>
+          <a:bodyPr wrap="square">
+            <a:spAutoFit/>
+          </a:bodyPr>
+          <a:lstStyle/>
+          <a:p>
+            <a:r>
+              <a:rPr lang="en-US" altLang="zh-CN">
+                <a:latin typeface="Microsoft YaHei" panose="020B0503020204020204" pitchFamily="34" charset="-122"/>
+                <a:ea typeface="Microsoft YaHei" panose="020B0503020204020204" pitchFamily="34" charset="-122"/>
+              </a:rPr>
+              <a:t>Looper::Looper(</a:t>
+            </a:r>
+            <a:r>
+              <a:rPr lang="en-US" altLang="zh-CN">
+                <a:solidFill>
+                  <a:srgbClr val="CC7832"/>
+                </a:solidFill>
+                <a:effectLst/>
+                <a:latin typeface="Microsoft YaHei" panose="020B0503020204020204" pitchFamily="34" charset="-122"/>
+                <a:ea typeface="Microsoft YaHei" panose="020B0503020204020204" pitchFamily="34" charset="-122"/>
+              </a:rPr>
+              <a:t>bool </a:t>
+            </a:r>
+            <a:r>
+              <a:rPr lang="en-US" altLang="zh-CN">
+                <a:latin typeface="Microsoft YaHei" panose="020B0503020204020204" pitchFamily="34" charset="-122"/>
+                <a:ea typeface="Microsoft YaHei" panose="020B0503020204020204" pitchFamily="34" charset="-122"/>
+              </a:rPr>
+              <a:t>allowNonCallbacks) {</a:t>
+            </a:r>
+            <a:br>
+              <a:rPr lang="en-US" altLang="zh-CN">
+                <a:latin typeface="Microsoft YaHei" panose="020B0503020204020204" pitchFamily="34" charset="-122"/>
+                <a:ea typeface="Microsoft YaHei" panose="020B0503020204020204" pitchFamily="34" charset="-122"/>
+              </a:rPr>
+            </a:br>
+            <a:r>
+              <a:rPr lang="en-US" altLang="zh-CN">
+                <a:latin typeface="Microsoft YaHei" panose="020B0503020204020204" pitchFamily="34" charset="-122"/>
+                <a:ea typeface="Microsoft YaHei" panose="020B0503020204020204" pitchFamily="34" charset="-122"/>
+              </a:rPr>
+              <a:t>    mWakeEventFd = eventfd(</a:t>
+            </a:r>
+            <a:r>
+              <a:rPr lang="en-US" altLang="zh-CN">
+                <a:solidFill>
+                  <a:srgbClr val="6897BB"/>
+                </a:solidFill>
+                <a:effectLst/>
+                <a:latin typeface="Microsoft YaHei" panose="020B0503020204020204" pitchFamily="34" charset="-122"/>
+                <a:ea typeface="Microsoft YaHei" panose="020B0503020204020204" pitchFamily="34" charset="-122"/>
+              </a:rPr>
+              <a:t>0</a:t>
+            </a:r>
+            <a:r>
+              <a:rPr lang="en-US" altLang="zh-CN">
+                <a:solidFill>
+                  <a:srgbClr val="CC7832"/>
+                </a:solidFill>
+                <a:effectLst/>
+                <a:latin typeface="Microsoft YaHei" panose="020B0503020204020204" pitchFamily="34" charset="-122"/>
+                <a:ea typeface="Microsoft YaHei" panose="020B0503020204020204" pitchFamily="34" charset="-122"/>
+              </a:rPr>
+              <a:t>, </a:t>
+            </a:r>
+            <a:r>
+              <a:rPr lang="en-US" altLang="zh-CN">
+                <a:latin typeface="Microsoft YaHei" panose="020B0503020204020204" pitchFamily="34" charset="-122"/>
+                <a:ea typeface="Microsoft YaHei" panose="020B0503020204020204" pitchFamily="34" charset="-122"/>
+              </a:rPr>
+              <a:t>EFD_NONBLOCK)</a:t>
+            </a:r>
+            <a:r>
+              <a:rPr lang="en-US" altLang="zh-CN">
+                <a:solidFill>
+                  <a:srgbClr val="CC7832"/>
+                </a:solidFill>
+                <a:effectLst/>
+                <a:latin typeface="Microsoft YaHei" panose="020B0503020204020204" pitchFamily="34" charset="-122"/>
+                <a:ea typeface="Microsoft YaHei" panose="020B0503020204020204" pitchFamily="34" charset="-122"/>
+              </a:rPr>
+              <a:t>;</a:t>
+            </a:r>
+          </a:p>
+          <a:p>
+            <a:r>
+              <a:rPr lang="zh-CN" altLang="en-US">
+                <a:solidFill>
+                  <a:srgbClr val="CC7832"/>
+                </a:solidFill>
+                <a:latin typeface="Microsoft YaHei" panose="020B0503020204020204" pitchFamily="34" charset="-122"/>
+                <a:ea typeface="Microsoft YaHei" panose="020B0503020204020204" pitchFamily="34" charset="-122"/>
+              </a:rPr>
+              <a:t>    </a:t>
+            </a:r>
+            <a:r>
+              <a:rPr lang="en-US" altLang="zh-CN">
+                <a:latin typeface="Microsoft YaHei" panose="020B0503020204020204" pitchFamily="34" charset="-122"/>
+                <a:ea typeface="Microsoft YaHei" panose="020B0503020204020204" pitchFamily="34" charset="-122"/>
+              </a:rPr>
+              <a:t>rebuildEpollLocked()</a:t>
+            </a:r>
+            <a:r>
+              <a:rPr lang="en-US" altLang="zh-CN">
+                <a:solidFill>
+                  <a:srgbClr val="CC7832"/>
+                </a:solidFill>
+                <a:effectLst/>
+                <a:latin typeface="Microsoft YaHei" panose="020B0503020204020204" pitchFamily="34" charset="-122"/>
+                <a:ea typeface="Microsoft YaHei" panose="020B0503020204020204" pitchFamily="34" charset="-122"/>
+              </a:rPr>
+              <a:t>;</a:t>
+            </a:r>
+            <a:br>
+              <a:rPr lang="en-US" altLang="zh-CN">
+                <a:solidFill>
+                  <a:srgbClr val="CC7832"/>
+                </a:solidFill>
+                <a:effectLst/>
+                <a:latin typeface="Microsoft YaHei" panose="020B0503020204020204" pitchFamily="34" charset="-122"/>
+                <a:ea typeface="Microsoft YaHei" panose="020B0503020204020204" pitchFamily="34" charset="-122"/>
+              </a:rPr>
+            </a:br>
+            <a:r>
+              <a:rPr lang="en-US" altLang="zh-CN">
+                <a:latin typeface="Microsoft YaHei" panose="020B0503020204020204" pitchFamily="34" charset="-122"/>
+                <a:ea typeface="Microsoft YaHei" panose="020B0503020204020204" pitchFamily="34" charset="-122"/>
+              </a:rPr>
+              <a:t>}</a:t>
+            </a:r>
+            <a:endParaRPr lang="zh-CN" altLang="en-US">
+              <a:latin typeface="Microsoft YaHei" panose="020B0503020204020204" pitchFamily="34" charset="-122"/>
+              <a:ea typeface="Microsoft YaHei" panose="020B0503020204020204" pitchFamily="34" charset="-122"/>
+            </a:endParaRPr>
+          </a:p>
+        </p:txBody>
+      </p:sp>
+      <p:sp>
+        <p:nvSpPr>
+          <p:cNvPr id="5" name="矩形 4">
+            <a:extLst>
+              <a:ext uri="{FF2B5EF4-FFF2-40B4-BE49-F238E27FC236}">
+                <a16:creationId xmlns:a16="http://schemas.microsoft.com/office/drawing/2014/main" id="{77E7CECE-041C-FF4A-95D7-F6BFAF6C8135}"/>
+              </a:ext>
+            </a:extLst>
+          </p:cNvPr>
+          <p:cNvSpPr/>
+          <p:nvPr/>
+        </p:nvSpPr>
+        <p:spPr>
+          <a:xfrm>
+            <a:off x="542259" y="1971585"/>
+            <a:ext cx="8006317" cy="2862322"/>
+          </a:xfrm>
+          <a:prstGeom prst="rect">
+            <a:avLst/>
+          </a:prstGeom>
+          <a:ln w="22225">
+            <a:solidFill>
+              <a:srgbClr val="C00000"/>
+            </a:solidFill>
+            <a:prstDash val="dash"/>
+          </a:ln>
+        </p:spPr>
+        <p:txBody>
+          <a:bodyPr wrap="square">
+            <a:spAutoFit/>
+          </a:bodyPr>
+          <a:lstStyle/>
+          <a:p>
+            <a:r>
+              <a:rPr lang="en-US" altLang="zh-CN">
+                <a:solidFill>
+                  <a:srgbClr val="CC7832"/>
+                </a:solidFill>
+                <a:effectLst/>
+                <a:latin typeface="Microsoft YaHei" panose="020B0503020204020204" pitchFamily="34" charset="-122"/>
+                <a:ea typeface="Microsoft YaHei" panose="020B0503020204020204" pitchFamily="34" charset="-122"/>
+              </a:rPr>
+              <a:t>void </a:t>
+            </a:r>
+            <a:r>
+              <a:rPr lang="en-US" altLang="zh-CN">
+                <a:latin typeface="Microsoft YaHei" panose="020B0503020204020204" pitchFamily="34" charset="-122"/>
+                <a:ea typeface="Microsoft YaHei" panose="020B0503020204020204" pitchFamily="34" charset="-122"/>
+              </a:rPr>
+              <a:t>Looper::rebuildEpollLocked() {</a:t>
+            </a:r>
+            <a:br>
+              <a:rPr lang="en-US" altLang="zh-CN">
+                <a:solidFill>
+                  <a:srgbClr val="808080"/>
+                </a:solidFill>
+                <a:effectLst/>
+                <a:latin typeface="Microsoft YaHei" panose="020B0503020204020204" pitchFamily="34" charset="-122"/>
+                <a:ea typeface="Microsoft YaHei" panose="020B0503020204020204" pitchFamily="34" charset="-122"/>
+              </a:rPr>
+            </a:br>
+            <a:r>
+              <a:rPr lang="en-US" altLang="zh-CN">
+                <a:solidFill>
+                  <a:srgbClr val="808080"/>
+                </a:solidFill>
+                <a:effectLst/>
+                <a:latin typeface="Microsoft YaHei" panose="020B0503020204020204" pitchFamily="34" charset="-122"/>
+                <a:ea typeface="Microsoft YaHei" panose="020B0503020204020204" pitchFamily="34" charset="-122"/>
+              </a:rPr>
+              <a:t>    </a:t>
+            </a:r>
+            <a:r>
+              <a:rPr lang="en-US" altLang="zh-CN">
+                <a:latin typeface="Microsoft YaHei" panose="020B0503020204020204" pitchFamily="34" charset="-122"/>
+                <a:ea typeface="Microsoft YaHei" panose="020B0503020204020204" pitchFamily="34" charset="-122"/>
+              </a:rPr>
+              <a:t>mEpollFd = epoll_create(EPOLL_SIZE_HINT)</a:t>
+            </a:r>
+            <a:r>
+              <a:rPr lang="en-US" altLang="zh-CN">
+                <a:solidFill>
+                  <a:srgbClr val="CC7832"/>
+                </a:solidFill>
+                <a:effectLst/>
+                <a:latin typeface="Microsoft YaHei" panose="020B0503020204020204" pitchFamily="34" charset="-122"/>
+                <a:ea typeface="Microsoft YaHei" panose="020B0503020204020204" pitchFamily="34" charset="-122"/>
+              </a:rPr>
+              <a:t>;</a:t>
+            </a:r>
+            <a:br>
+              <a:rPr lang="en-US" altLang="zh-CN">
+                <a:solidFill>
+                  <a:srgbClr val="CC7832"/>
+                </a:solidFill>
+                <a:effectLst/>
+                <a:latin typeface="Microsoft YaHei" panose="020B0503020204020204" pitchFamily="34" charset="-122"/>
+                <a:ea typeface="Microsoft YaHei" panose="020B0503020204020204" pitchFamily="34" charset="-122"/>
+              </a:rPr>
+            </a:br>
+            <a:br>
+              <a:rPr lang="en-US" altLang="zh-CN">
+                <a:solidFill>
+                  <a:srgbClr val="CC7832"/>
+                </a:solidFill>
+                <a:effectLst/>
+                <a:latin typeface="Microsoft YaHei" panose="020B0503020204020204" pitchFamily="34" charset="-122"/>
+                <a:ea typeface="Microsoft YaHei" panose="020B0503020204020204" pitchFamily="34" charset="-122"/>
+              </a:rPr>
+            </a:br>
+            <a:r>
+              <a:rPr lang="en-US" altLang="zh-CN">
+                <a:solidFill>
+                  <a:srgbClr val="CC7832"/>
+                </a:solidFill>
+                <a:effectLst/>
+                <a:latin typeface="Microsoft YaHei" panose="020B0503020204020204" pitchFamily="34" charset="-122"/>
+                <a:ea typeface="Microsoft YaHei" panose="020B0503020204020204" pitchFamily="34" charset="-122"/>
+              </a:rPr>
+              <a:t>    struct </a:t>
+            </a:r>
+            <a:r>
+              <a:rPr lang="en-US" altLang="zh-CN">
+                <a:latin typeface="Microsoft YaHei" panose="020B0503020204020204" pitchFamily="34" charset="-122"/>
+                <a:ea typeface="Microsoft YaHei" panose="020B0503020204020204" pitchFamily="34" charset="-122"/>
+              </a:rPr>
+              <a:t>epoll_event eventItem</a:t>
+            </a:r>
+            <a:r>
+              <a:rPr lang="en-US" altLang="zh-CN">
+                <a:solidFill>
+                  <a:srgbClr val="CC7832"/>
+                </a:solidFill>
+                <a:effectLst/>
+                <a:latin typeface="Microsoft YaHei" panose="020B0503020204020204" pitchFamily="34" charset="-122"/>
+                <a:ea typeface="Microsoft YaHei" panose="020B0503020204020204" pitchFamily="34" charset="-122"/>
+              </a:rPr>
+              <a:t>;</a:t>
+            </a:r>
+            <a:br>
+              <a:rPr lang="en-US" altLang="zh-CN">
+                <a:solidFill>
+                  <a:srgbClr val="CC7832"/>
+                </a:solidFill>
+                <a:effectLst/>
+                <a:latin typeface="Microsoft YaHei" panose="020B0503020204020204" pitchFamily="34" charset="-122"/>
+                <a:ea typeface="Microsoft YaHei" panose="020B0503020204020204" pitchFamily="34" charset="-122"/>
+              </a:rPr>
+            </a:br>
+            <a:r>
+              <a:rPr lang="en-US" altLang="zh-CN">
+                <a:solidFill>
+                  <a:srgbClr val="CC7832"/>
+                </a:solidFill>
+                <a:effectLst/>
+                <a:latin typeface="Microsoft YaHei" panose="020B0503020204020204" pitchFamily="34" charset="-122"/>
+                <a:ea typeface="Microsoft YaHei" panose="020B0503020204020204" pitchFamily="34" charset="-122"/>
+              </a:rPr>
+              <a:t>    </a:t>
+            </a:r>
+            <a:r>
+              <a:rPr lang="en-US" altLang="zh-CN">
+                <a:latin typeface="Microsoft YaHei" panose="020B0503020204020204" pitchFamily="34" charset="-122"/>
+                <a:ea typeface="Microsoft YaHei" panose="020B0503020204020204" pitchFamily="34" charset="-122"/>
+              </a:rPr>
+              <a:t>memset(&amp; eventItem</a:t>
+            </a:r>
+            <a:r>
+              <a:rPr lang="en-US" altLang="zh-CN">
+                <a:solidFill>
+                  <a:srgbClr val="CC7832"/>
+                </a:solidFill>
+                <a:effectLst/>
+                <a:latin typeface="Microsoft YaHei" panose="020B0503020204020204" pitchFamily="34" charset="-122"/>
+                <a:ea typeface="Microsoft YaHei" panose="020B0503020204020204" pitchFamily="34" charset="-122"/>
+              </a:rPr>
+              <a:t>, </a:t>
+            </a:r>
+            <a:r>
+              <a:rPr lang="en-US" altLang="zh-CN">
+                <a:solidFill>
+                  <a:srgbClr val="6897BB"/>
+                </a:solidFill>
+                <a:effectLst/>
+                <a:latin typeface="Microsoft YaHei" panose="020B0503020204020204" pitchFamily="34" charset="-122"/>
+                <a:ea typeface="Microsoft YaHei" panose="020B0503020204020204" pitchFamily="34" charset="-122"/>
+              </a:rPr>
+              <a:t>0</a:t>
+            </a:r>
+            <a:r>
+              <a:rPr lang="en-US" altLang="zh-CN">
+                <a:solidFill>
+                  <a:srgbClr val="CC7832"/>
+                </a:solidFill>
+                <a:effectLst/>
+                <a:latin typeface="Microsoft YaHei" panose="020B0503020204020204" pitchFamily="34" charset="-122"/>
+                <a:ea typeface="Microsoft YaHei" panose="020B0503020204020204" pitchFamily="34" charset="-122"/>
+              </a:rPr>
+              <a:t>, sizeof</a:t>
+            </a:r>
+            <a:r>
+              <a:rPr lang="en-US" altLang="zh-CN">
+                <a:latin typeface="Microsoft YaHei" panose="020B0503020204020204" pitchFamily="34" charset="-122"/>
+                <a:ea typeface="Microsoft YaHei" panose="020B0503020204020204" pitchFamily="34" charset="-122"/>
+              </a:rPr>
+              <a:t>(epoll_event))</a:t>
+            </a:r>
+            <a:r>
+              <a:rPr lang="en-US" altLang="zh-CN">
+                <a:solidFill>
+                  <a:srgbClr val="CC7832"/>
+                </a:solidFill>
+                <a:effectLst/>
+                <a:latin typeface="Microsoft YaHei" panose="020B0503020204020204" pitchFamily="34" charset="-122"/>
+                <a:ea typeface="Microsoft YaHei" panose="020B0503020204020204" pitchFamily="34" charset="-122"/>
+              </a:rPr>
+              <a:t>; </a:t>
+            </a:r>
+            <a:br>
+              <a:rPr lang="en-US" altLang="zh-CN">
+                <a:solidFill>
+                  <a:srgbClr val="808080"/>
+                </a:solidFill>
+                <a:effectLst/>
+                <a:latin typeface="Microsoft YaHei" panose="020B0503020204020204" pitchFamily="34" charset="-122"/>
+                <a:ea typeface="Microsoft YaHei" panose="020B0503020204020204" pitchFamily="34" charset="-122"/>
+              </a:rPr>
+            </a:br>
+            <a:r>
+              <a:rPr lang="en-US" altLang="zh-CN">
+                <a:solidFill>
+                  <a:srgbClr val="808080"/>
+                </a:solidFill>
+                <a:effectLst/>
+                <a:latin typeface="Microsoft YaHei" panose="020B0503020204020204" pitchFamily="34" charset="-122"/>
+                <a:ea typeface="Microsoft YaHei" panose="020B0503020204020204" pitchFamily="34" charset="-122"/>
+              </a:rPr>
+              <a:t>    </a:t>
+            </a:r>
+            <a:r>
+              <a:rPr lang="en-US" altLang="zh-CN">
+                <a:latin typeface="Microsoft YaHei" panose="020B0503020204020204" pitchFamily="34" charset="-122"/>
+                <a:ea typeface="Microsoft YaHei" panose="020B0503020204020204" pitchFamily="34" charset="-122"/>
+              </a:rPr>
+              <a:t>eventItem.events = EPOLLIN</a:t>
+            </a:r>
+            <a:r>
+              <a:rPr lang="en-US" altLang="zh-CN">
+                <a:solidFill>
+                  <a:srgbClr val="CC7832"/>
+                </a:solidFill>
+                <a:effectLst/>
+                <a:latin typeface="Microsoft YaHei" panose="020B0503020204020204" pitchFamily="34" charset="-122"/>
+                <a:ea typeface="Microsoft YaHei" panose="020B0503020204020204" pitchFamily="34" charset="-122"/>
+              </a:rPr>
+              <a:t>;</a:t>
+            </a:r>
+            <a:br>
+              <a:rPr lang="en-US" altLang="zh-CN">
+                <a:solidFill>
+                  <a:srgbClr val="CC7832"/>
+                </a:solidFill>
+                <a:effectLst/>
+                <a:latin typeface="Microsoft YaHei" panose="020B0503020204020204" pitchFamily="34" charset="-122"/>
+                <a:ea typeface="Microsoft YaHei" panose="020B0503020204020204" pitchFamily="34" charset="-122"/>
+              </a:rPr>
+            </a:br>
+            <a:r>
+              <a:rPr lang="en-US" altLang="zh-CN">
+                <a:solidFill>
+                  <a:srgbClr val="CC7832"/>
+                </a:solidFill>
+                <a:effectLst/>
+                <a:latin typeface="Microsoft YaHei" panose="020B0503020204020204" pitchFamily="34" charset="-122"/>
+                <a:ea typeface="Microsoft YaHei" panose="020B0503020204020204" pitchFamily="34" charset="-122"/>
+              </a:rPr>
+              <a:t>    </a:t>
+            </a:r>
+            <a:r>
+              <a:rPr lang="en-US" altLang="zh-CN">
+                <a:latin typeface="Microsoft YaHei" panose="020B0503020204020204" pitchFamily="34" charset="-122"/>
+                <a:ea typeface="Microsoft YaHei" panose="020B0503020204020204" pitchFamily="34" charset="-122"/>
+              </a:rPr>
+              <a:t>eventItem.data.fd = mWakeEventFd</a:t>
+            </a:r>
+            <a:r>
+              <a:rPr lang="en-US" altLang="zh-CN">
+                <a:solidFill>
+                  <a:srgbClr val="CC7832"/>
+                </a:solidFill>
+                <a:effectLst/>
+                <a:latin typeface="Microsoft YaHei" panose="020B0503020204020204" pitchFamily="34" charset="-122"/>
+                <a:ea typeface="Microsoft YaHei" panose="020B0503020204020204" pitchFamily="34" charset="-122"/>
+              </a:rPr>
+              <a:t>;</a:t>
+            </a:r>
+            <a:br>
+              <a:rPr lang="en-US" altLang="zh-CN">
+                <a:solidFill>
+                  <a:srgbClr val="CC7832"/>
+                </a:solidFill>
+                <a:effectLst/>
+                <a:latin typeface="Microsoft YaHei" panose="020B0503020204020204" pitchFamily="34" charset="-122"/>
+                <a:ea typeface="Microsoft YaHei" panose="020B0503020204020204" pitchFamily="34" charset="-122"/>
+              </a:rPr>
+            </a:br>
+            <a:r>
+              <a:rPr lang="zh-CN" altLang="en-US">
+                <a:solidFill>
+                  <a:srgbClr val="CC7832"/>
+                </a:solidFill>
+                <a:effectLst/>
+                <a:latin typeface="Microsoft YaHei" panose="020B0503020204020204" pitchFamily="34" charset="-122"/>
+                <a:ea typeface="Microsoft YaHei" panose="020B0503020204020204" pitchFamily="34" charset="-122"/>
+              </a:rPr>
+              <a:t>    </a:t>
+            </a:r>
+            <a:r>
+              <a:rPr lang="en-US" altLang="zh-CN">
+                <a:latin typeface="Microsoft YaHei" panose="020B0503020204020204" pitchFamily="34" charset="-122"/>
+                <a:ea typeface="Microsoft YaHei" panose="020B0503020204020204" pitchFamily="34" charset="-122"/>
+              </a:rPr>
+              <a:t>epoll_ctl(mEpollFd</a:t>
+            </a:r>
+            <a:r>
+              <a:rPr lang="en-US" altLang="zh-CN">
+                <a:solidFill>
+                  <a:srgbClr val="CC7832"/>
+                </a:solidFill>
+                <a:effectLst/>
+                <a:latin typeface="Microsoft YaHei" panose="020B0503020204020204" pitchFamily="34" charset="-122"/>
+                <a:ea typeface="Microsoft YaHei" panose="020B0503020204020204" pitchFamily="34" charset="-122"/>
+              </a:rPr>
+              <a:t>, </a:t>
+            </a:r>
+            <a:r>
+              <a:rPr lang="en-US" altLang="zh-CN">
+                <a:latin typeface="Microsoft YaHei" panose="020B0503020204020204" pitchFamily="34" charset="-122"/>
+                <a:ea typeface="Microsoft YaHei" panose="020B0503020204020204" pitchFamily="34" charset="-122"/>
+              </a:rPr>
+              <a:t>EPOLL_CTL_ADD</a:t>
+            </a:r>
+            <a:r>
+              <a:rPr lang="en-US" altLang="zh-CN">
+                <a:solidFill>
+                  <a:srgbClr val="CC7832"/>
+                </a:solidFill>
+                <a:effectLst/>
+                <a:latin typeface="Microsoft YaHei" panose="020B0503020204020204" pitchFamily="34" charset="-122"/>
+                <a:ea typeface="Microsoft YaHei" panose="020B0503020204020204" pitchFamily="34" charset="-122"/>
+              </a:rPr>
+              <a:t>, </a:t>
+            </a:r>
+            <a:r>
+              <a:rPr lang="en-US" altLang="zh-CN">
+                <a:latin typeface="Microsoft YaHei" panose="020B0503020204020204" pitchFamily="34" charset="-122"/>
+                <a:ea typeface="Microsoft YaHei" panose="020B0503020204020204" pitchFamily="34" charset="-122"/>
+              </a:rPr>
+              <a:t>mWakeEventFd</a:t>
+            </a:r>
+            <a:r>
+              <a:rPr lang="en-US" altLang="zh-CN">
+                <a:solidFill>
+                  <a:srgbClr val="CC7832"/>
+                </a:solidFill>
+                <a:effectLst/>
+                <a:latin typeface="Microsoft YaHei" panose="020B0503020204020204" pitchFamily="34" charset="-122"/>
+                <a:ea typeface="Microsoft YaHei" panose="020B0503020204020204" pitchFamily="34" charset="-122"/>
+              </a:rPr>
+              <a:t>, </a:t>
+            </a:r>
+            <a:r>
+              <a:rPr lang="en-US" altLang="zh-CN">
+                <a:latin typeface="Microsoft YaHei" panose="020B0503020204020204" pitchFamily="34" charset="-122"/>
+                <a:ea typeface="Microsoft YaHei" panose="020B0503020204020204" pitchFamily="34" charset="-122"/>
+              </a:rPr>
+              <a:t>&amp; eventItem)</a:t>
+            </a:r>
+            <a:r>
+              <a:rPr lang="en-US" altLang="zh-CN">
+                <a:solidFill>
+                  <a:srgbClr val="CC7832"/>
+                </a:solidFill>
+                <a:effectLst/>
+                <a:latin typeface="Microsoft YaHei" panose="020B0503020204020204" pitchFamily="34" charset="-122"/>
+                <a:ea typeface="Microsoft YaHei" panose="020B0503020204020204" pitchFamily="34" charset="-122"/>
+              </a:rPr>
+              <a:t>;</a:t>
+            </a:r>
+            <a:br>
+              <a:rPr lang="en-US" altLang="zh-CN">
+                <a:solidFill>
+                  <a:srgbClr val="CC7832"/>
+                </a:solidFill>
+                <a:effectLst/>
+                <a:latin typeface="Microsoft YaHei" panose="020B0503020204020204" pitchFamily="34" charset="-122"/>
+                <a:ea typeface="Microsoft YaHei" panose="020B0503020204020204" pitchFamily="34" charset="-122"/>
+              </a:rPr>
+            </a:br>
+            <a:r>
+              <a:rPr lang="zh-CN" altLang="en-US">
+                <a:solidFill>
+                  <a:srgbClr val="CC7832"/>
+                </a:solidFill>
+                <a:effectLst/>
+                <a:latin typeface="Microsoft YaHei" panose="020B0503020204020204" pitchFamily="34" charset="-122"/>
+                <a:ea typeface="Microsoft YaHei" panose="020B0503020204020204" pitchFamily="34" charset="-122"/>
+              </a:rPr>
+              <a:t>    </a:t>
+            </a:r>
+            <a:r>
+              <a:rPr lang="en-US" altLang="zh-CN">
+                <a:solidFill>
+                  <a:srgbClr val="CC7832"/>
+                </a:solidFill>
+                <a:effectLst/>
+                <a:latin typeface="Microsoft YaHei" panose="020B0503020204020204" pitchFamily="34" charset="-122"/>
+                <a:ea typeface="Microsoft YaHei" panose="020B0503020204020204" pitchFamily="34" charset="-122"/>
+              </a:rPr>
+              <a:t>……</a:t>
+            </a:r>
+            <a:br>
+              <a:rPr lang="en-US" altLang="zh-CN">
+                <a:solidFill>
+                  <a:srgbClr val="CC7832"/>
+                </a:solidFill>
+                <a:effectLst/>
+                <a:latin typeface="Microsoft YaHei" panose="020B0503020204020204" pitchFamily="34" charset="-122"/>
+                <a:ea typeface="Microsoft YaHei" panose="020B0503020204020204" pitchFamily="34" charset="-122"/>
+              </a:rPr>
+            </a:br>
+            <a:r>
+              <a:rPr lang="en-US" altLang="zh-CN">
+                <a:latin typeface="Microsoft YaHei" panose="020B0503020204020204" pitchFamily="34" charset="-122"/>
+                <a:ea typeface="Microsoft YaHei" panose="020B0503020204020204" pitchFamily="34" charset="-122"/>
+              </a:rPr>
+              <a:t>}</a:t>
+            </a:r>
+            <a:endParaRPr lang="zh-CN" altLang="en-US">
+              <a:latin typeface="Microsoft YaHei" panose="020B0503020204020204" pitchFamily="34" charset="-122"/>
+              <a:ea typeface="Microsoft YaHei" panose="020B0503020204020204" pitchFamily="34" charset="-122"/>
+            </a:endParaRPr>
+          </a:p>
+        </p:txBody>
+      </p:sp>
+    </p:spTree>
+    <p:extLst>
+      <p:ext uri="{BB962C8B-B14F-4D97-AF65-F5344CB8AC3E}">
+        <p14:creationId xmlns:p14="http://schemas.microsoft.com/office/powerpoint/2010/main" val="540494742"/>
+      </p:ext>
+    </p:extLst>
+  </p:cSld>
+  <p:clrMapOvr>
+    <a:masterClrMapping/>
+  </p:clrMapOvr>
+</p:sld>
+</file>
+
+<file path=ppt/slides/slide12.xml><?xml version="1.0" encoding="utf-8"?>
+<p:sld xmlns:a="http://schemas.openxmlformats.org/drawingml/2006/main" xmlns:r="http://schemas.openxmlformats.org/officeDocument/2006/relationships" xmlns:p="http://schemas.openxmlformats.org/presentationml/2006/main">
+  <p:cSld>
+    <p:spTree>
+      <p:nvGrpSpPr>
+        <p:cNvPr id="1" name=""/>
+        <p:cNvGrpSpPr/>
+        <p:nvPr/>
+      </p:nvGrpSpPr>
+      <p:grpSpPr>
+        <a:xfrm>
+          <a:off x="0" y="0"/>
+          <a:ext cx="0" cy="0"/>
+          <a:chOff x="0" y="0"/>
+          <a:chExt cx="0" cy="0"/>
+        </a:xfrm>
+      </p:grpSpPr>
+      <p:sp>
+        <p:nvSpPr>
+          <p:cNvPr id="6" name="矩形 5">
+            <a:extLst>
+              <a:ext uri="{FF2B5EF4-FFF2-40B4-BE49-F238E27FC236}">
+                <a16:creationId xmlns:a16="http://schemas.microsoft.com/office/drawing/2014/main" id="{CD4880F9-6CD1-BE4F-9F10-3E20CFDEA7E9}"/>
+              </a:ext>
+            </a:extLst>
+          </p:cNvPr>
+          <p:cNvSpPr/>
+          <p:nvPr/>
+        </p:nvSpPr>
+        <p:spPr>
+          <a:xfrm>
+            <a:off x="1023384" y="447816"/>
+            <a:ext cx="7097233" cy="1200329"/>
+          </a:xfrm>
+          <a:prstGeom prst="rect">
+            <a:avLst/>
+          </a:prstGeom>
+          <a:ln w="22225">
+            <a:solidFill>
+              <a:srgbClr val="C00000"/>
+            </a:solidFill>
+            <a:prstDash val="dash"/>
+          </a:ln>
+        </p:spPr>
+        <p:txBody>
+          <a:bodyPr wrap="square">
+            <a:spAutoFit/>
+          </a:bodyPr>
+          <a:lstStyle/>
+          <a:p>
+            <a:r>
+              <a:rPr lang="en-US" altLang="zh-CN">
+                <a:solidFill>
+                  <a:srgbClr val="CC7832"/>
+                </a:solidFill>
+                <a:effectLst/>
+                <a:latin typeface="Microsoft YaHei" panose="020B0503020204020204" pitchFamily="34" charset="-122"/>
+                <a:ea typeface="Microsoft YaHei" panose="020B0503020204020204" pitchFamily="34" charset="-122"/>
+              </a:rPr>
+              <a:t>void </a:t>
+            </a:r>
+            <a:r>
+              <a:rPr lang="en-US" altLang="zh-CN">
+                <a:latin typeface="Microsoft YaHei" panose="020B0503020204020204" pitchFamily="34" charset="-122"/>
+                <a:ea typeface="Microsoft YaHei" panose="020B0503020204020204" pitchFamily="34" charset="-122"/>
+              </a:rPr>
+              <a:t>Looper::wake() {</a:t>
+            </a:r>
+            <a:br>
+              <a:rPr lang="en-US" altLang="zh-CN">
+                <a:solidFill>
+                  <a:srgbClr val="BBB529"/>
+                </a:solidFill>
+                <a:effectLst/>
+                <a:latin typeface="Microsoft YaHei" panose="020B0503020204020204" pitchFamily="34" charset="-122"/>
+                <a:ea typeface="Microsoft YaHei" panose="020B0503020204020204" pitchFamily="34" charset="-122"/>
+              </a:rPr>
+            </a:br>
+            <a:r>
+              <a:rPr lang="en-US" altLang="zh-CN">
+                <a:solidFill>
+                  <a:srgbClr val="BBB529"/>
+                </a:solidFill>
+                <a:effectLst/>
+                <a:latin typeface="Microsoft YaHei" panose="020B0503020204020204" pitchFamily="34" charset="-122"/>
+                <a:ea typeface="Microsoft YaHei" panose="020B0503020204020204" pitchFamily="34" charset="-122"/>
+              </a:rPr>
+              <a:t>    </a:t>
+            </a:r>
+            <a:r>
+              <a:rPr lang="en-US" altLang="zh-CN">
+                <a:latin typeface="Microsoft YaHei" panose="020B0503020204020204" pitchFamily="34" charset="-122"/>
+                <a:ea typeface="Microsoft YaHei" panose="020B0503020204020204" pitchFamily="34" charset="-122"/>
+              </a:rPr>
+              <a:t>uint64_t inc = </a:t>
+            </a:r>
+            <a:r>
+              <a:rPr lang="en-US" altLang="zh-CN">
+                <a:solidFill>
+                  <a:srgbClr val="6897BB"/>
+                </a:solidFill>
+                <a:effectLst/>
+                <a:latin typeface="Microsoft YaHei" panose="020B0503020204020204" pitchFamily="34" charset="-122"/>
+                <a:ea typeface="Microsoft YaHei" panose="020B0503020204020204" pitchFamily="34" charset="-122"/>
+              </a:rPr>
+              <a:t>1</a:t>
+            </a:r>
+            <a:r>
+              <a:rPr lang="en-US" altLang="zh-CN">
+                <a:solidFill>
+                  <a:srgbClr val="CC7832"/>
+                </a:solidFill>
+                <a:effectLst/>
+                <a:latin typeface="Microsoft YaHei" panose="020B0503020204020204" pitchFamily="34" charset="-122"/>
+                <a:ea typeface="Microsoft YaHei" panose="020B0503020204020204" pitchFamily="34" charset="-122"/>
+              </a:rPr>
+              <a:t>;</a:t>
+            </a:r>
+            <a:br>
+              <a:rPr lang="en-US" altLang="zh-CN">
+                <a:solidFill>
+                  <a:srgbClr val="CC7832"/>
+                </a:solidFill>
+                <a:effectLst/>
+                <a:latin typeface="Microsoft YaHei" panose="020B0503020204020204" pitchFamily="34" charset="-122"/>
+                <a:ea typeface="Microsoft YaHei" panose="020B0503020204020204" pitchFamily="34" charset="-122"/>
+              </a:rPr>
+            </a:br>
+            <a:r>
+              <a:rPr lang="en-US" altLang="zh-CN">
+                <a:solidFill>
+                  <a:srgbClr val="CC7832"/>
+                </a:solidFill>
+                <a:effectLst/>
+                <a:latin typeface="Microsoft YaHei" panose="020B0503020204020204" pitchFamily="34" charset="-122"/>
+                <a:ea typeface="Microsoft YaHei" panose="020B0503020204020204" pitchFamily="34" charset="-122"/>
+              </a:rPr>
+              <a:t>    </a:t>
+            </a:r>
+            <a:r>
+              <a:rPr lang="en-US" altLang="zh-CN">
+                <a:latin typeface="Microsoft YaHei" panose="020B0503020204020204" pitchFamily="34" charset="-122"/>
+                <a:ea typeface="Microsoft YaHei" panose="020B0503020204020204" pitchFamily="34" charset="-122"/>
+              </a:rPr>
+              <a:t>ssize_t nWrite = write(mWakeEventFd</a:t>
+            </a:r>
+            <a:r>
+              <a:rPr lang="en-US" altLang="zh-CN">
+                <a:solidFill>
+                  <a:srgbClr val="CC7832"/>
+                </a:solidFill>
+                <a:effectLst/>
+                <a:latin typeface="Microsoft YaHei" panose="020B0503020204020204" pitchFamily="34" charset="-122"/>
+                <a:ea typeface="Microsoft YaHei" panose="020B0503020204020204" pitchFamily="34" charset="-122"/>
+              </a:rPr>
+              <a:t>, </a:t>
+            </a:r>
+            <a:r>
+              <a:rPr lang="en-US" altLang="zh-CN">
+                <a:latin typeface="Microsoft YaHei" panose="020B0503020204020204" pitchFamily="34" charset="-122"/>
+                <a:ea typeface="Microsoft YaHei" panose="020B0503020204020204" pitchFamily="34" charset="-122"/>
+              </a:rPr>
+              <a:t>&amp;inc</a:t>
+            </a:r>
+            <a:r>
+              <a:rPr lang="en-US" altLang="zh-CN">
+                <a:solidFill>
+                  <a:srgbClr val="CC7832"/>
+                </a:solidFill>
+                <a:effectLst/>
+                <a:latin typeface="Microsoft YaHei" panose="020B0503020204020204" pitchFamily="34" charset="-122"/>
+                <a:ea typeface="Microsoft YaHei" panose="020B0503020204020204" pitchFamily="34" charset="-122"/>
+              </a:rPr>
+              <a:t>, sizeof</a:t>
+            </a:r>
+            <a:r>
+              <a:rPr lang="en-US" altLang="zh-CN">
+                <a:latin typeface="Microsoft YaHei" panose="020B0503020204020204" pitchFamily="34" charset="-122"/>
+                <a:ea typeface="Microsoft YaHei" panose="020B0503020204020204" pitchFamily="34" charset="-122"/>
+              </a:rPr>
+              <a:t>(uint64_t))</a:t>
+            </a:r>
+            <a:r>
+              <a:rPr lang="en-US" altLang="zh-CN">
+                <a:solidFill>
+                  <a:srgbClr val="CC7832"/>
+                </a:solidFill>
+                <a:effectLst/>
+                <a:latin typeface="Microsoft YaHei" panose="020B0503020204020204" pitchFamily="34" charset="-122"/>
+                <a:ea typeface="Microsoft YaHei" panose="020B0503020204020204" pitchFamily="34" charset="-122"/>
+              </a:rPr>
+              <a:t>;</a:t>
+            </a:r>
+            <a:br>
+              <a:rPr lang="en-US" altLang="zh-CN">
+                <a:latin typeface="Microsoft YaHei" panose="020B0503020204020204" pitchFamily="34" charset="-122"/>
+                <a:ea typeface="Microsoft YaHei" panose="020B0503020204020204" pitchFamily="34" charset="-122"/>
+              </a:rPr>
+            </a:br>
+            <a:r>
+              <a:rPr lang="en-US" altLang="zh-CN">
+                <a:latin typeface="Microsoft YaHei" panose="020B0503020204020204" pitchFamily="34" charset="-122"/>
+                <a:ea typeface="Microsoft YaHei" panose="020B0503020204020204" pitchFamily="34" charset="-122"/>
+              </a:rPr>
+              <a:t>}</a:t>
+            </a:r>
+            <a:endParaRPr lang="zh-CN" altLang="en-US">
+              <a:latin typeface="Microsoft YaHei" panose="020B0503020204020204" pitchFamily="34" charset="-122"/>
+              <a:ea typeface="Microsoft YaHei" panose="020B0503020204020204" pitchFamily="34" charset="-122"/>
+            </a:endParaRPr>
+          </a:p>
+        </p:txBody>
+      </p:sp>
+      <p:sp>
+        <p:nvSpPr>
+          <p:cNvPr id="7" name="矩形 6">
+            <a:extLst>
+              <a:ext uri="{FF2B5EF4-FFF2-40B4-BE49-F238E27FC236}">
+                <a16:creationId xmlns:a16="http://schemas.microsoft.com/office/drawing/2014/main" id="{10F252A1-3410-284D-BC1B-88BECB36AEF9}"/>
+              </a:ext>
+            </a:extLst>
+          </p:cNvPr>
+          <p:cNvSpPr/>
+          <p:nvPr/>
+        </p:nvSpPr>
+        <p:spPr>
+          <a:xfrm>
+            <a:off x="1023384" y="2275466"/>
+            <a:ext cx="7097233" cy="1477328"/>
+          </a:xfrm>
+          <a:prstGeom prst="rect">
+            <a:avLst/>
+          </a:prstGeom>
+          <a:ln w="22225">
+            <a:solidFill>
+              <a:srgbClr val="C00000"/>
+            </a:solidFill>
+            <a:prstDash val="dash"/>
+          </a:ln>
+        </p:spPr>
+        <p:txBody>
+          <a:bodyPr wrap="square">
+            <a:spAutoFit/>
+          </a:bodyPr>
+          <a:lstStyle/>
+          <a:p>
+            <a:r>
+              <a:rPr lang="en-US" altLang="zh-CN">
+                <a:solidFill>
+                  <a:srgbClr val="CC7832"/>
+                </a:solidFill>
+                <a:effectLst/>
+                <a:latin typeface="Microsoft YaHei" panose="020B0503020204020204" pitchFamily="34" charset="-122"/>
+                <a:ea typeface="Microsoft YaHei" panose="020B0503020204020204" pitchFamily="34" charset="-122"/>
+              </a:rPr>
+              <a:t>int </a:t>
+            </a:r>
+            <a:r>
+              <a:rPr lang="en-US" altLang="zh-CN">
+                <a:latin typeface="Microsoft YaHei" panose="020B0503020204020204" pitchFamily="34" charset="-122"/>
+                <a:ea typeface="Microsoft YaHei" panose="020B0503020204020204" pitchFamily="34" charset="-122"/>
+              </a:rPr>
+              <a:t>Looper::pollOnce(</a:t>
+            </a:r>
+            <a:r>
+              <a:rPr lang="en-US" altLang="zh-CN">
+                <a:solidFill>
+                  <a:srgbClr val="CC7832"/>
+                </a:solidFill>
+                <a:effectLst/>
+                <a:latin typeface="Microsoft YaHei" panose="020B0503020204020204" pitchFamily="34" charset="-122"/>
+                <a:ea typeface="Microsoft YaHei" panose="020B0503020204020204" pitchFamily="34" charset="-122"/>
+              </a:rPr>
+              <a:t>int </a:t>
+            </a:r>
+            <a:r>
+              <a:rPr lang="en-US" altLang="zh-CN">
+                <a:latin typeface="Microsoft YaHei" panose="020B0503020204020204" pitchFamily="34" charset="-122"/>
+                <a:ea typeface="Microsoft YaHei" panose="020B0503020204020204" pitchFamily="34" charset="-122"/>
+              </a:rPr>
+              <a:t>timeoutMillis</a:t>
+            </a:r>
+            <a:r>
+              <a:rPr lang="en-US" altLang="zh-CN">
+                <a:solidFill>
+                  <a:srgbClr val="CC7832"/>
+                </a:solidFill>
+                <a:effectLst/>
+                <a:latin typeface="Microsoft YaHei" panose="020B0503020204020204" pitchFamily="34" charset="-122"/>
+                <a:ea typeface="Microsoft YaHei" panose="020B0503020204020204" pitchFamily="34" charset="-122"/>
+              </a:rPr>
+              <a:t>, int</a:t>
+            </a:r>
+            <a:r>
+              <a:rPr lang="en-US" altLang="zh-CN">
+                <a:latin typeface="Microsoft YaHei" panose="020B0503020204020204" pitchFamily="34" charset="-122"/>
+                <a:ea typeface="Microsoft YaHei" panose="020B0503020204020204" pitchFamily="34" charset="-122"/>
+              </a:rPr>
+              <a:t>* outFd</a:t>
+            </a:r>
+            <a:r>
+              <a:rPr lang="en-US" altLang="zh-CN">
+                <a:solidFill>
+                  <a:srgbClr val="CC7832"/>
+                </a:solidFill>
+                <a:effectLst/>
+                <a:latin typeface="Microsoft YaHei" panose="020B0503020204020204" pitchFamily="34" charset="-122"/>
+                <a:ea typeface="Microsoft YaHei" panose="020B0503020204020204" pitchFamily="34" charset="-122"/>
+              </a:rPr>
+              <a:t>, </a:t>
+            </a:r>
+            <a:r>
+              <a:rPr lang="en-US" altLang="zh-CN">
+                <a:effectLst/>
+                <a:latin typeface="Microsoft YaHei" panose="020B0503020204020204" pitchFamily="34" charset="-122"/>
+                <a:ea typeface="Microsoft YaHei" panose="020B0503020204020204" pitchFamily="34" charset="-122"/>
+              </a:rPr>
+              <a:t>…</a:t>
+            </a:r>
+            <a:r>
+              <a:rPr lang="en-US" altLang="zh-CN">
+                <a:latin typeface="Microsoft YaHei" panose="020B0503020204020204" pitchFamily="34" charset="-122"/>
+                <a:ea typeface="Microsoft YaHei" panose="020B0503020204020204" pitchFamily="34" charset="-122"/>
+              </a:rPr>
+              <a:t>) {</a:t>
+            </a:r>
+            <a:br>
+              <a:rPr lang="en-US" altLang="zh-CN">
+                <a:latin typeface="Microsoft YaHei" panose="020B0503020204020204" pitchFamily="34" charset="-122"/>
+                <a:ea typeface="Microsoft YaHei" panose="020B0503020204020204" pitchFamily="34" charset="-122"/>
+              </a:rPr>
+            </a:br>
+            <a:r>
+              <a:rPr lang="en-US" altLang="zh-CN">
+                <a:latin typeface="Microsoft YaHei" panose="020B0503020204020204" pitchFamily="34" charset="-122"/>
+                <a:ea typeface="Microsoft YaHei" panose="020B0503020204020204" pitchFamily="34" charset="-122"/>
+              </a:rPr>
+              <a:t>    </a:t>
+            </a:r>
+            <a:r>
+              <a:rPr lang="en-US" altLang="zh-CN">
+                <a:solidFill>
+                  <a:srgbClr val="CC7832"/>
+                </a:solidFill>
+                <a:effectLst/>
+                <a:latin typeface="Microsoft YaHei" panose="020B0503020204020204" pitchFamily="34" charset="-122"/>
+                <a:ea typeface="Microsoft YaHei" panose="020B0503020204020204" pitchFamily="34" charset="-122"/>
+              </a:rPr>
+              <a:t>for </a:t>
+            </a:r>
+            <a:r>
+              <a:rPr lang="en-US" altLang="zh-CN">
+                <a:latin typeface="Microsoft YaHei" panose="020B0503020204020204" pitchFamily="34" charset="-122"/>
+                <a:ea typeface="Microsoft YaHei" panose="020B0503020204020204" pitchFamily="34" charset="-122"/>
+              </a:rPr>
+              <a:t>(</a:t>
+            </a:r>
+            <a:r>
+              <a:rPr lang="en-US" altLang="zh-CN">
+                <a:solidFill>
+                  <a:srgbClr val="CC7832"/>
+                </a:solidFill>
+                <a:effectLst/>
+                <a:latin typeface="Microsoft YaHei" panose="020B0503020204020204" pitchFamily="34" charset="-122"/>
+                <a:ea typeface="Microsoft YaHei" panose="020B0503020204020204" pitchFamily="34" charset="-122"/>
+              </a:rPr>
+              <a:t>;;</a:t>
+            </a:r>
+            <a:r>
+              <a:rPr lang="en-US" altLang="zh-CN">
+                <a:latin typeface="Microsoft YaHei" panose="020B0503020204020204" pitchFamily="34" charset="-122"/>
+                <a:ea typeface="Microsoft YaHei" panose="020B0503020204020204" pitchFamily="34" charset="-122"/>
+              </a:rPr>
+              <a:t>) {</a:t>
+            </a:r>
+            <a:br>
+              <a:rPr lang="en-US" altLang="zh-CN">
+                <a:latin typeface="Microsoft YaHei" panose="020B0503020204020204" pitchFamily="34" charset="-122"/>
+                <a:ea typeface="Microsoft YaHei" panose="020B0503020204020204" pitchFamily="34" charset="-122"/>
+              </a:rPr>
+            </a:br>
+            <a:r>
+              <a:rPr lang="en-US" altLang="zh-CN">
+                <a:latin typeface="Microsoft YaHei" panose="020B0503020204020204" pitchFamily="34" charset="-122"/>
+                <a:ea typeface="Microsoft YaHei" panose="020B0503020204020204" pitchFamily="34" charset="-122"/>
+              </a:rPr>
+              <a:t>        pollInner(timeoutMillis)</a:t>
+            </a:r>
+            <a:r>
+              <a:rPr lang="en-US" altLang="zh-CN">
+                <a:solidFill>
+                  <a:srgbClr val="CC7832"/>
+                </a:solidFill>
+                <a:effectLst/>
+                <a:latin typeface="Microsoft YaHei" panose="020B0503020204020204" pitchFamily="34" charset="-122"/>
+                <a:ea typeface="Microsoft YaHei" panose="020B0503020204020204" pitchFamily="34" charset="-122"/>
+              </a:rPr>
+              <a:t>;</a:t>
+            </a:r>
+            <a:br>
+              <a:rPr lang="en-US" altLang="zh-CN">
+                <a:solidFill>
+                  <a:srgbClr val="CC7832"/>
+                </a:solidFill>
+                <a:effectLst/>
+                <a:latin typeface="Microsoft YaHei" panose="020B0503020204020204" pitchFamily="34" charset="-122"/>
+                <a:ea typeface="Microsoft YaHei" panose="020B0503020204020204" pitchFamily="34" charset="-122"/>
+              </a:rPr>
+            </a:br>
+            <a:r>
+              <a:rPr lang="en-US" altLang="zh-CN">
+                <a:solidFill>
+                  <a:srgbClr val="CC7832"/>
+                </a:solidFill>
+                <a:effectLst/>
+                <a:latin typeface="Microsoft YaHei" panose="020B0503020204020204" pitchFamily="34" charset="-122"/>
+                <a:ea typeface="Microsoft YaHei" panose="020B0503020204020204" pitchFamily="34" charset="-122"/>
+              </a:rPr>
+              <a:t>    </a:t>
+            </a:r>
+            <a:r>
+              <a:rPr lang="en-US" altLang="zh-CN">
+                <a:latin typeface="Microsoft YaHei" panose="020B0503020204020204" pitchFamily="34" charset="-122"/>
+                <a:ea typeface="Microsoft YaHei" panose="020B0503020204020204" pitchFamily="34" charset="-122"/>
+              </a:rPr>
+              <a:t>}</a:t>
+            </a:r>
+            <a:br>
+              <a:rPr lang="en-US" altLang="zh-CN">
+                <a:latin typeface="Microsoft YaHei" panose="020B0503020204020204" pitchFamily="34" charset="-122"/>
+                <a:ea typeface="Microsoft YaHei" panose="020B0503020204020204" pitchFamily="34" charset="-122"/>
+              </a:rPr>
+            </a:br>
+            <a:r>
+              <a:rPr lang="en-US" altLang="zh-CN">
+                <a:latin typeface="Microsoft YaHei" panose="020B0503020204020204" pitchFamily="34" charset="-122"/>
+                <a:ea typeface="Microsoft YaHei" panose="020B0503020204020204" pitchFamily="34" charset="-122"/>
+              </a:rPr>
+              <a:t>}</a:t>
+            </a:r>
+            <a:endParaRPr lang="zh-CN" altLang="en-US">
+              <a:latin typeface="Microsoft YaHei" panose="020B0503020204020204" pitchFamily="34" charset="-122"/>
+              <a:ea typeface="Microsoft YaHei" panose="020B0503020204020204" pitchFamily="34" charset="-122"/>
+            </a:endParaRPr>
+          </a:p>
+        </p:txBody>
+      </p:sp>
+    </p:spTree>
+    <p:extLst>
+      <p:ext uri="{BB962C8B-B14F-4D97-AF65-F5344CB8AC3E}">
+        <p14:creationId xmlns:p14="http://schemas.microsoft.com/office/powerpoint/2010/main" val="36352765"/>
+      </p:ext>
+    </p:extLst>
+  </p:cSld>
+  <p:clrMapOvr>
+    <a:masterClrMapping/>
+  </p:clrMapOvr>
+</p:sld>
+</file>
+
+<file path=ppt/slides/slide13.xml><?xml version="1.0" encoding="utf-8"?>
+<p:sld xmlns:a="http://schemas.openxmlformats.org/drawingml/2006/main" xmlns:r="http://schemas.openxmlformats.org/officeDocument/2006/relationships" xmlns:p="http://schemas.openxmlformats.org/presentationml/2006/main">
+  <p:cSld>
+    <p:spTree>
+      <p:nvGrpSpPr>
+        <p:cNvPr id="1" name=""/>
+        <p:cNvGrpSpPr/>
+        <p:nvPr/>
+      </p:nvGrpSpPr>
+      <p:grpSpPr>
+        <a:xfrm>
+          <a:off x="0" y="0"/>
+          <a:ext cx="0" cy="0"/>
+          <a:chOff x="0" y="0"/>
+          <a:chExt cx="0" cy="0"/>
+        </a:xfrm>
+      </p:grpSpPr>
+      <p:sp>
+        <p:nvSpPr>
+          <p:cNvPr id="4" name="矩形 3">
+            <a:extLst>
+              <a:ext uri="{FF2B5EF4-FFF2-40B4-BE49-F238E27FC236}">
+                <a16:creationId xmlns:a16="http://schemas.microsoft.com/office/drawing/2014/main" id="{E87D1DC4-5FB2-8441-8D9C-1E496957644A}"/>
+              </a:ext>
+            </a:extLst>
+          </p:cNvPr>
+          <p:cNvSpPr/>
+          <p:nvPr/>
+        </p:nvSpPr>
+        <p:spPr>
+          <a:xfrm>
+            <a:off x="988828" y="448091"/>
+            <a:ext cx="7166344" cy="3970318"/>
+          </a:xfrm>
+          <a:prstGeom prst="rect">
+            <a:avLst/>
+          </a:prstGeom>
+          <a:ln w="22225">
+            <a:solidFill>
+              <a:srgbClr val="C00000"/>
+            </a:solidFill>
+            <a:prstDash val="dash"/>
+          </a:ln>
+        </p:spPr>
+        <p:txBody>
+          <a:bodyPr wrap="square">
+            <a:spAutoFit/>
+          </a:bodyPr>
+          <a:lstStyle/>
+          <a:p>
+            <a:r>
+              <a:rPr lang="en-US" altLang="zh-CN">
+                <a:solidFill>
+                  <a:srgbClr val="CC7832"/>
+                </a:solidFill>
+                <a:effectLst/>
+                <a:latin typeface="Microsoft YaHei" panose="020B0503020204020204" pitchFamily="34" charset="-122"/>
+                <a:ea typeface="Microsoft YaHei" panose="020B0503020204020204" pitchFamily="34" charset="-122"/>
+              </a:rPr>
+              <a:t>int </a:t>
+            </a:r>
+            <a:r>
+              <a:rPr lang="en-US" altLang="zh-CN">
+                <a:latin typeface="Microsoft YaHei" panose="020B0503020204020204" pitchFamily="34" charset="-122"/>
+                <a:ea typeface="Microsoft YaHei" panose="020B0503020204020204" pitchFamily="34" charset="-122"/>
+              </a:rPr>
+              <a:t>Looper::pollInner(</a:t>
+            </a:r>
+            <a:r>
+              <a:rPr lang="en-US" altLang="zh-CN">
+                <a:solidFill>
+                  <a:srgbClr val="CC7832"/>
+                </a:solidFill>
+                <a:effectLst/>
+                <a:latin typeface="Microsoft YaHei" panose="020B0503020204020204" pitchFamily="34" charset="-122"/>
+                <a:ea typeface="Microsoft YaHei" panose="020B0503020204020204" pitchFamily="34" charset="-122"/>
+              </a:rPr>
+              <a:t>int </a:t>
+            </a:r>
+            <a:r>
+              <a:rPr lang="en-US" altLang="zh-CN">
+                <a:latin typeface="Microsoft YaHei" panose="020B0503020204020204" pitchFamily="34" charset="-122"/>
+                <a:ea typeface="Microsoft YaHei" panose="020B0503020204020204" pitchFamily="34" charset="-122"/>
+              </a:rPr>
+              <a:t>timeoutMillis) {</a:t>
+            </a:r>
+            <a:br>
+              <a:rPr lang="en-US" altLang="zh-CN">
+                <a:latin typeface="Microsoft YaHei" panose="020B0503020204020204" pitchFamily="34" charset="-122"/>
+                <a:ea typeface="Microsoft YaHei" panose="020B0503020204020204" pitchFamily="34" charset="-122"/>
+              </a:rPr>
+            </a:br>
+            <a:r>
+              <a:rPr lang="en-US" altLang="zh-CN">
+                <a:latin typeface="Microsoft YaHei" panose="020B0503020204020204" pitchFamily="34" charset="-122"/>
+                <a:ea typeface="Microsoft YaHei" panose="020B0503020204020204" pitchFamily="34" charset="-122"/>
+              </a:rPr>
+              <a:t>    </a:t>
+            </a:r>
+            <a:r>
+              <a:rPr lang="en-US" altLang="zh-CN">
+                <a:solidFill>
+                  <a:srgbClr val="CC7832"/>
+                </a:solidFill>
+                <a:effectLst/>
+                <a:latin typeface="Microsoft YaHei" panose="020B0503020204020204" pitchFamily="34" charset="-122"/>
+                <a:ea typeface="Microsoft YaHei" panose="020B0503020204020204" pitchFamily="34" charset="-122"/>
+              </a:rPr>
+              <a:t>struct </a:t>
+            </a:r>
+            <a:r>
+              <a:rPr lang="en-US" altLang="zh-CN">
+                <a:latin typeface="Microsoft YaHei" panose="020B0503020204020204" pitchFamily="34" charset="-122"/>
+                <a:ea typeface="Microsoft YaHei" panose="020B0503020204020204" pitchFamily="34" charset="-122"/>
+              </a:rPr>
+              <a:t>epoll_event eventItems[EPOLL_MAX_EVENTS]</a:t>
+            </a:r>
+            <a:r>
+              <a:rPr lang="en-US" altLang="zh-CN">
+                <a:solidFill>
+                  <a:srgbClr val="CC7832"/>
+                </a:solidFill>
+                <a:effectLst/>
+                <a:latin typeface="Microsoft YaHei" panose="020B0503020204020204" pitchFamily="34" charset="-122"/>
+                <a:ea typeface="Microsoft YaHei" panose="020B0503020204020204" pitchFamily="34" charset="-122"/>
+              </a:rPr>
+              <a:t>;</a:t>
+            </a:r>
+            <a:br>
+              <a:rPr lang="en-US" altLang="zh-CN">
+                <a:solidFill>
+                  <a:srgbClr val="CC7832"/>
+                </a:solidFill>
+                <a:effectLst/>
+                <a:latin typeface="Microsoft YaHei" panose="020B0503020204020204" pitchFamily="34" charset="-122"/>
+                <a:ea typeface="Microsoft YaHei" panose="020B0503020204020204" pitchFamily="34" charset="-122"/>
+              </a:rPr>
+            </a:br>
+            <a:r>
+              <a:rPr lang="en-US" altLang="zh-CN">
+                <a:solidFill>
+                  <a:srgbClr val="CC7832"/>
+                </a:solidFill>
+                <a:effectLst/>
+                <a:latin typeface="Microsoft YaHei" panose="020B0503020204020204" pitchFamily="34" charset="-122"/>
+                <a:ea typeface="Microsoft YaHei" panose="020B0503020204020204" pitchFamily="34" charset="-122"/>
+              </a:rPr>
+              <a:t>    int </a:t>
+            </a:r>
+            <a:r>
+              <a:rPr lang="en-US" altLang="zh-CN">
+                <a:latin typeface="Microsoft YaHei" panose="020B0503020204020204" pitchFamily="34" charset="-122"/>
+                <a:ea typeface="Microsoft YaHei" panose="020B0503020204020204" pitchFamily="34" charset="-122"/>
+              </a:rPr>
+              <a:t>eventCount = epoll_wait(mEpollFd</a:t>
+            </a:r>
+            <a:r>
+              <a:rPr lang="en-US" altLang="zh-CN">
+                <a:solidFill>
+                  <a:srgbClr val="CC7832"/>
+                </a:solidFill>
+                <a:effectLst/>
+                <a:latin typeface="Microsoft YaHei" panose="020B0503020204020204" pitchFamily="34" charset="-122"/>
+                <a:ea typeface="Microsoft YaHei" panose="020B0503020204020204" pitchFamily="34" charset="-122"/>
+              </a:rPr>
+              <a:t>, </a:t>
+            </a:r>
+            <a:r>
+              <a:rPr lang="en-US" altLang="zh-CN">
+                <a:latin typeface="Microsoft YaHei" panose="020B0503020204020204" pitchFamily="34" charset="-122"/>
+                <a:ea typeface="Microsoft YaHei" panose="020B0503020204020204" pitchFamily="34" charset="-122"/>
+              </a:rPr>
+              <a:t>eventItems</a:t>
+            </a:r>
+            <a:r>
+              <a:rPr lang="en-US" altLang="zh-CN">
+                <a:solidFill>
+                  <a:srgbClr val="CC7832"/>
+                </a:solidFill>
+                <a:effectLst/>
+                <a:latin typeface="Microsoft YaHei" panose="020B0503020204020204" pitchFamily="34" charset="-122"/>
+                <a:ea typeface="Microsoft YaHei" panose="020B0503020204020204" pitchFamily="34" charset="-122"/>
+              </a:rPr>
+              <a:t>,</a:t>
+            </a:r>
+            <a:r>
+              <a:rPr lang="zh-CN" altLang="en-US">
+                <a:solidFill>
+                  <a:srgbClr val="CC7832"/>
+                </a:solidFill>
+                <a:effectLst/>
+                <a:latin typeface="Microsoft YaHei" panose="020B0503020204020204" pitchFamily="34" charset="-122"/>
+                <a:ea typeface="Microsoft YaHei" panose="020B0503020204020204" pitchFamily="34" charset="-122"/>
+              </a:rPr>
+              <a:t> </a:t>
+            </a:r>
+            <a:r>
+              <a:rPr lang="en-US" altLang="zh-CN">
+                <a:effectLst/>
+                <a:latin typeface="Microsoft YaHei" panose="020B0503020204020204" pitchFamily="34" charset="-122"/>
+                <a:ea typeface="Microsoft YaHei" panose="020B0503020204020204" pitchFamily="34" charset="-122"/>
+              </a:rPr>
+              <a:t>…</a:t>
+            </a:r>
+            <a:r>
+              <a:rPr lang="en-US" altLang="zh-CN">
+                <a:latin typeface="Microsoft YaHei" panose="020B0503020204020204" pitchFamily="34" charset="-122"/>
+                <a:ea typeface="Microsoft YaHei" panose="020B0503020204020204" pitchFamily="34" charset="-122"/>
+              </a:rPr>
+              <a:t>)</a:t>
+            </a:r>
+            <a:r>
+              <a:rPr lang="en-US" altLang="zh-CN">
+                <a:effectLst/>
+                <a:latin typeface="Microsoft YaHei" panose="020B0503020204020204" pitchFamily="34" charset="-122"/>
+                <a:ea typeface="Microsoft YaHei" panose="020B0503020204020204" pitchFamily="34" charset="-122"/>
+              </a:rPr>
+              <a:t>;</a:t>
+            </a:r>
+            <a:br>
+              <a:rPr lang="en-US" altLang="zh-CN">
+                <a:solidFill>
+                  <a:srgbClr val="CC7832"/>
+                </a:solidFill>
+                <a:effectLst/>
+                <a:latin typeface="Microsoft YaHei" panose="020B0503020204020204" pitchFamily="34" charset="-122"/>
+                <a:ea typeface="Microsoft YaHei" panose="020B0503020204020204" pitchFamily="34" charset="-122"/>
+              </a:rPr>
+            </a:br>
+            <a:br>
+              <a:rPr lang="en-US" altLang="zh-CN">
+                <a:solidFill>
+                  <a:srgbClr val="CC7832"/>
+                </a:solidFill>
+                <a:effectLst/>
+                <a:latin typeface="Microsoft YaHei" panose="020B0503020204020204" pitchFamily="34" charset="-122"/>
+                <a:ea typeface="Microsoft YaHei" panose="020B0503020204020204" pitchFamily="34" charset="-122"/>
+              </a:rPr>
+            </a:br>
+            <a:r>
+              <a:rPr lang="en-US" altLang="zh-CN">
+                <a:solidFill>
+                  <a:srgbClr val="CC7832"/>
+                </a:solidFill>
+                <a:effectLst/>
+                <a:latin typeface="Microsoft YaHei" panose="020B0503020204020204" pitchFamily="34" charset="-122"/>
+                <a:ea typeface="Microsoft YaHei" panose="020B0503020204020204" pitchFamily="34" charset="-122"/>
+              </a:rPr>
+              <a:t>    for </a:t>
+            </a:r>
+            <a:r>
+              <a:rPr lang="en-US" altLang="zh-CN">
+                <a:latin typeface="Microsoft YaHei" panose="020B0503020204020204" pitchFamily="34" charset="-122"/>
+                <a:ea typeface="Microsoft YaHei" panose="020B0503020204020204" pitchFamily="34" charset="-122"/>
+              </a:rPr>
+              <a:t>(</a:t>
+            </a:r>
+            <a:r>
+              <a:rPr lang="en-US" altLang="zh-CN">
+                <a:solidFill>
+                  <a:srgbClr val="CC7832"/>
+                </a:solidFill>
+                <a:effectLst/>
+                <a:latin typeface="Microsoft YaHei" panose="020B0503020204020204" pitchFamily="34" charset="-122"/>
+                <a:ea typeface="Microsoft YaHei" panose="020B0503020204020204" pitchFamily="34" charset="-122"/>
+              </a:rPr>
+              <a:t>int </a:t>
+            </a:r>
+            <a:r>
+              <a:rPr lang="en-US" altLang="zh-CN">
+                <a:latin typeface="Microsoft YaHei" panose="020B0503020204020204" pitchFamily="34" charset="-122"/>
+                <a:ea typeface="Microsoft YaHei" panose="020B0503020204020204" pitchFamily="34" charset="-122"/>
+              </a:rPr>
+              <a:t>i = </a:t>
+            </a:r>
+            <a:r>
+              <a:rPr lang="en-US" altLang="zh-CN">
+                <a:solidFill>
+                  <a:srgbClr val="6897BB"/>
+                </a:solidFill>
+                <a:effectLst/>
+                <a:latin typeface="Microsoft YaHei" panose="020B0503020204020204" pitchFamily="34" charset="-122"/>
+                <a:ea typeface="Microsoft YaHei" panose="020B0503020204020204" pitchFamily="34" charset="-122"/>
+              </a:rPr>
+              <a:t>0</a:t>
+            </a:r>
+            <a:r>
+              <a:rPr lang="en-US" altLang="zh-CN">
+                <a:solidFill>
+                  <a:srgbClr val="CC7832"/>
+                </a:solidFill>
+                <a:effectLst/>
+                <a:latin typeface="Microsoft YaHei" panose="020B0503020204020204" pitchFamily="34" charset="-122"/>
+                <a:ea typeface="Microsoft YaHei" panose="020B0503020204020204" pitchFamily="34" charset="-122"/>
+              </a:rPr>
+              <a:t>; </a:t>
+            </a:r>
+            <a:r>
+              <a:rPr lang="en-US" altLang="zh-CN">
+                <a:latin typeface="Microsoft YaHei" panose="020B0503020204020204" pitchFamily="34" charset="-122"/>
+                <a:ea typeface="Microsoft YaHei" panose="020B0503020204020204" pitchFamily="34" charset="-122"/>
+              </a:rPr>
+              <a:t>i &lt; eventCount</a:t>
+            </a:r>
+            <a:r>
+              <a:rPr lang="en-US" altLang="zh-CN">
+                <a:solidFill>
+                  <a:srgbClr val="CC7832"/>
+                </a:solidFill>
+                <a:effectLst/>
+                <a:latin typeface="Microsoft YaHei" panose="020B0503020204020204" pitchFamily="34" charset="-122"/>
+                <a:ea typeface="Microsoft YaHei" panose="020B0503020204020204" pitchFamily="34" charset="-122"/>
+              </a:rPr>
+              <a:t>; </a:t>
+            </a:r>
+            <a:r>
+              <a:rPr lang="en-US" altLang="zh-CN">
+                <a:latin typeface="Microsoft YaHei" panose="020B0503020204020204" pitchFamily="34" charset="-122"/>
+                <a:ea typeface="Microsoft YaHei" panose="020B0503020204020204" pitchFamily="34" charset="-122"/>
+              </a:rPr>
+              <a:t>i++) {</a:t>
+            </a:r>
+            <a:br>
+              <a:rPr lang="en-US" altLang="zh-CN">
+                <a:latin typeface="Microsoft YaHei" panose="020B0503020204020204" pitchFamily="34" charset="-122"/>
+                <a:ea typeface="Microsoft YaHei" panose="020B0503020204020204" pitchFamily="34" charset="-122"/>
+              </a:rPr>
+            </a:br>
+            <a:r>
+              <a:rPr lang="en-US" altLang="zh-CN">
+                <a:latin typeface="Microsoft YaHei" panose="020B0503020204020204" pitchFamily="34" charset="-122"/>
+                <a:ea typeface="Microsoft YaHei" panose="020B0503020204020204" pitchFamily="34" charset="-122"/>
+              </a:rPr>
+              <a:t>        </a:t>
+            </a:r>
+            <a:r>
+              <a:rPr lang="en-US" altLang="zh-CN">
+                <a:solidFill>
+                  <a:srgbClr val="CC7832"/>
+                </a:solidFill>
+                <a:effectLst/>
+                <a:latin typeface="Microsoft YaHei" panose="020B0503020204020204" pitchFamily="34" charset="-122"/>
+                <a:ea typeface="Microsoft YaHei" panose="020B0503020204020204" pitchFamily="34" charset="-122"/>
+              </a:rPr>
+              <a:t>int </a:t>
+            </a:r>
+            <a:r>
+              <a:rPr lang="en-US" altLang="zh-CN">
+                <a:latin typeface="Microsoft YaHei" panose="020B0503020204020204" pitchFamily="34" charset="-122"/>
+                <a:ea typeface="Microsoft YaHei" panose="020B0503020204020204" pitchFamily="34" charset="-122"/>
+              </a:rPr>
+              <a:t>fd = eventItems[i].data.fd</a:t>
+            </a:r>
+            <a:r>
+              <a:rPr lang="en-US" altLang="zh-CN">
+                <a:solidFill>
+                  <a:srgbClr val="CC7832"/>
+                </a:solidFill>
+                <a:effectLst/>
+                <a:latin typeface="Microsoft YaHei" panose="020B0503020204020204" pitchFamily="34" charset="-122"/>
+                <a:ea typeface="Microsoft YaHei" panose="020B0503020204020204" pitchFamily="34" charset="-122"/>
+              </a:rPr>
+              <a:t>;</a:t>
+            </a:r>
+            <a:br>
+              <a:rPr lang="en-US" altLang="zh-CN">
+                <a:solidFill>
+                  <a:srgbClr val="CC7832"/>
+                </a:solidFill>
+                <a:effectLst/>
+                <a:latin typeface="Microsoft YaHei" panose="020B0503020204020204" pitchFamily="34" charset="-122"/>
+                <a:ea typeface="Microsoft YaHei" panose="020B0503020204020204" pitchFamily="34" charset="-122"/>
+              </a:rPr>
+            </a:br>
+            <a:r>
+              <a:rPr lang="en-US" altLang="zh-CN">
+                <a:solidFill>
+                  <a:srgbClr val="CC7832"/>
+                </a:solidFill>
+                <a:effectLst/>
+                <a:latin typeface="Microsoft YaHei" panose="020B0503020204020204" pitchFamily="34" charset="-122"/>
+                <a:ea typeface="Microsoft YaHei" panose="020B0503020204020204" pitchFamily="34" charset="-122"/>
+              </a:rPr>
+              <a:t>        </a:t>
+            </a:r>
+            <a:r>
+              <a:rPr lang="en-US" altLang="zh-CN">
+                <a:latin typeface="Microsoft YaHei" panose="020B0503020204020204" pitchFamily="34" charset="-122"/>
+                <a:ea typeface="Microsoft YaHei" panose="020B0503020204020204" pitchFamily="34" charset="-122"/>
+              </a:rPr>
+              <a:t>uint32_t epollEvents = eventItems[i].events</a:t>
+            </a:r>
+            <a:r>
+              <a:rPr lang="en-US" altLang="zh-CN">
+                <a:solidFill>
+                  <a:srgbClr val="CC7832"/>
+                </a:solidFill>
+                <a:effectLst/>
+                <a:latin typeface="Microsoft YaHei" panose="020B0503020204020204" pitchFamily="34" charset="-122"/>
+                <a:ea typeface="Microsoft YaHei" panose="020B0503020204020204" pitchFamily="34" charset="-122"/>
+              </a:rPr>
+              <a:t>;</a:t>
+            </a:r>
+            <a:br>
+              <a:rPr lang="en-US" altLang="zh-CN">
+                <a:solidFill>
+                  <a:srgbClr val="CC7832"/>
+                </a:solidFill>
+                <a:effectLst/>
+                <a:latin typeface="Microsoft YaHei" panose="020B0503020204020204" pitchFamily="34" charset="-122"/>
+                <a:ea typeface="Microsoft YaHei" panose="020B0503020204020204" pitchFamily="34" charset="-122"/>
+              </a:rPr>
+            </a:br>
+            <a:r>
+              <a:rPr lang="en-US" altLang="zh-CN">
+                <a:solidFill>
+                  <a:srgbClr val="CC7832"/>
+                </a:solidFill>
+                <a:effectLst/>
+                <a:latin typeface="Microsoft YaHei" panose="020B0503020204020204" pitchFamily="34" charset="-122"/>
+                <a:ea typeface="Microsoft YaHei" panose="020B0503020204020204" pitchFamily="34" charset="-122"/>
+              </a:rPr>
+              <a:t>        if </a:t>
+            </a:r>
+            <a:r>
+              <a:rPr lang="en-US" altLang="zh-CN">
+                <a:latin typeface="Microsoft YaHei" panose="020B0503020204020204" pitchFamily="34" charset="-122"/>
+                <a:ea typeface="Microsoft YaHei" panose="020B0503020204020204" pitchFamily="34" charset="-122"/>
+              </a:rPr>
+              <a:t>(fd == mWakeEventFd &amp;&amp; (epollEvents &amp; EPOLLIN)) {</a:t>
+            </a:r>
+            <a:br>
+              <a:rPr lang="en-US" altLang="zh-CN">
+                <a:latin typeface="Microsoft YaHei" panose="020B0503020204020204" pitchFamily="34" charset="-122"/>
+                <a:ea typeface="Microsoft YaHei" panose="020B0503020204020204" pitchFamily="34" charset="-122"/>
+              </a:rPr>
+            </a:br>
+            <a:r>
+              <a:rPr lang="en-US" altLang="zh-CN">
+                <a:latin typeface="Microsoft YaHei" panose="020B0503020204020204" pitchFamily="34" charset="-122"/>
+                <a:ea typeface="Microsoft YaHei" panose="020B0503020204020204" pitchFamily="34" charset="-122"/>
+              </a:rPr>
+              <a:t>            awoken()</a:t>
+            </a:r>
+            <a:r>
+              <a:rPr lang="en-US" altLang="zh-CN">
+                <a:solidFill>
+                  <a:srgbClr val="CC7832"/>
+                </a:solidFill>
+                <a:effectLst/>
+                <a:latin typeface="Microsoft YaHei" panose="020B0503020204020204" pitchFamily="34" charset="-122"/>
+                <a:ea typeface="Microsoft YaHei" panose="020B0503020204020204" pitchFamily="34" charset="-122"/>
+              </a:rPr>
+              <a:t>;</a:t>
+            </a:r>
+            <a:br>
+              <a:rPr lang="en-US" altLang="zh-CN">
+                <a:solidFill>
+                  <a:srgbClr val="CC7832"/>
+                </a:solidFill>
+                <a:effectLst/>
+                <a:latin typeface="Microsoft YaHei" panose="020B0503020204020204" pitchFamily="34" charset="-122"/>
+                <a:ea typeface="Microsoft YaHei" panose="020B0503020204020204" pitchFamily="34" charset="-122"/>
+              </a:rPr>
+            </a:br>
+            <a:r>
+              <a:rPr lang="en-US" altLang="zh-CN">
+                <a:solidFill>
+                  <a:srgbClr val="CC7832"/>
+                </a:solidFill>
+                <a:effectLst/>
+                <a:latin typeface="Microsoft YaHei" panose="020B0503020204020204" pitchFamily="34" charset="-122"/>
+                <a:ea typeface="Microsoft YaHei" panose="020B0503020204020204" pitchFamily="34" charset="-122"/>
+              </a:rPr>
+              <a:t>        </a:t>
+            </a:r>
+            <a:r>
+              <a:rPr lang="en-US" altLang="zh-CN">
+                <a:latin typeface="Microsoft YaHei" panose="020B0503020204020204" pitchFamily="34" charset="-122"/>
+                <a:ea typeface="Microsoft YaHei" panose="020B0503020204020204" pitchFamily="34" charset="-122"/>
+              </a:rPr>
+              <a:t>}</a:t>
+            </a:r>
+            <a:br>
+              <a:rPr lang="en-US" altLang="zh-CN">
+                <a:latin typeface="Microsoft YaHei" panose="020B0503020204020204" pitchFamily="34" charset="-122"/>
+                <a:ea typeface="Microsoft YaHei" panose="020B0503020204020204" pitchFamily="34" charset="-122"/>
+              </a:rPr>
+            </a:br>
+            <a:r>
+              <a:rPr lang="en-US" altLang="zh-CN">
+                <a:latin typeface="Microsoft YaHei" panose="020B0503020204020204" pitchFamily="34" charset="-122"/>
+                <a:ea typeface="Microsoft YaHei" panose="020B0503020204020204" pitchFamily="34" charset="-122"/>
+              </a:rPr>
+              <a:t>        ......</a:t>
+            </a:r>
+            <a:br>
+              <a:rPr lang="en-US" altLang="zh-CN">
+                <a:latin typeface="Microsoft YaHei" panose="020B0503020204020204" pitchFamily="34" charset="-122"/>
+                <a:ea typeface="Microsoft YaHei" panose="020B0503020204020204" pitchFamily="34" charset="-122"/>
+              </a:rPr>
+            </a:br>
+            <a:r>
+              <a:rPr lang="en-US" altLang="zh-CN">
+                <a:latin typeface="Microsoft YaHei" panose="020B0503020204020204" pitchFamily="34" charset="-122"/>
+                <a:ea typeface="Microsoft YaHei" panose="020B0503020204020204" pitchFamily="34" charset="-122"/>
+              </a:rPr>
+              <a:t>    }</a:t>
+            </a:r>
+            <a:br>
+              <a:rPr lang="en-US" altLang="zh-CN">
+                <a:latin typeface="Microsoft YaHei" panose="020B0503020204020204" pitchFamily="34" charset="-122"/>
+                <a:ea typeface="Microsoft YaHei" panose="020B0503020204020204" pitchFamily="34" charset="-122"/>
+              </a:rPr>
+            </a:br>
+            <a:r>
+              <a:rPr lang="en-US" altLang="zh-CN">
+                <a:latin typeface="Microsoft YaHei" panose="020B0503020204020204" pitchFamily="34" charset="-122"/>
+                <a:ea typeface="Microsoft YaHei" panose="020B0503020204020204" pitchFamily="34" charset="-122"/>
+              </a:rPr>
+              <a:t>    ......</a:t>
+            </a:r>
+            <a:br>
+              <a:rPr lang="en-US" altLang="zh-CN">
+                <a:latin typeface="Microsoft YaHei" panose="020B0503020204020204" pitchFamily="34" charset="-122"/>
+                <a:ea typeface="Microsoft YaHei" panose="020B0503020204020204" pitchFamily="34" charset="-122"/>
+              </a:rPr>
+            </a:br>
+            <a:r>
+              <a:rPr lang="en-US" altLang="zh-CN">
+                <a:latin typeface="Microsoft YaHei" panose="020B0503020204020204" pitchFamily="34" charset="-122"/>
+                <a:ea typeface="Microsoft YaHei" panose="020B0503020204020204" pitchFamily="34" charset="-122"/>
+              </a:rPr>
+              <a:t>}</a:t>
+            </a:r>
+            <a:endParaRPr lang="zh-CN" altLang="en-US">
+              <a:latin typeface="Microsoft YaHei" panose="020B0503020204020204" pitchFamily="34" charset="-122"/>
+              <a:ea typeface="Microsoft YaHei" panose="020B0503020204020204" pitchFamily="34" charset="-122"/>
+            </a:endParaRPr>
+          </a:p>
+        </p:txBody>
+      </p:sp>
+      <p:sp>
+        <p:nvSpPr>
+          <p:cNvPr id="5" name="矩形 4">
+            <a:extLst>
+              <a:ext uri="{FF2B5EF4-FFF2-40B4-BE49-F238E27FC236}">
+                <a16:creationId xmlns:a16="http://schemas.microsoft.com/office/drawing/2014/main" id="{B999AC92-70BB-274A-B1B3-8074799D4153}"/>
+              </a:ext>
+            </a:extLst>
+          </p:cNvPr>
+          <p:cNvSpPr/>
+          <p:nvPr/>
+        </p:nvSpPr>
+        <p:spPr>
+          <a:xfrm>
+            <a:off x="2286000" y="3501296"/>
+            <a:ext cx="5869172" cy="1200329"/>
+          </a:xfrm>
+          <a:prstGeom prst="rect">
+            <a:avLst/>
+          </a:prstGeom>
+          <a:solidFill>
+            <a:schemeClr val="bg1"/>
+          </a:solidFill>
+          <a:ln w="22225">
+            <a:solidFill>
+              <a:srgbClr val="C00000"/>
+            </a:solidFill>
+            <a:prstDash val="dash"/>
+          </a:ln>
+        </p:spPr>
+        <p:txBody>
+          <a:bodyPr wrap="square">
+            <a:spAutoFit/>
+          </a:bodyPr>
+          <a:lstStyle/>
+          <a:p>
+            <a:r>
+              <a:rPr lang="en-US" altLang="zh-CN">
+                <a:solidFill>
+                  <a:srgbClr val="CC7832"/>
+                </a:solidFill>
+                <a:effectLst/>
+                <a:latin typeface="Microsoft YaHei" panose="020B0503020204020204" pitchFamily="34" charset="-122"/>
+                <a:ea typeface="Microsoft YaHei" panose="020B0503020204020204" pitchFamily="34" charset="-122"/>
+              </a:rPr>
+              <a:t>void </a:t>
+            </a:r>
+            <a:r>
+              <a:rPr lang="en-US" altLang="zh-CN">
+                <a:latin typeface="Microsoft YaHei" panose="020B0503020204020204" pitchFamily="34" charset="-122"/>
+                <a:ea typeface="Microsoft YaHei" panose="020B0503020204020204" pitchFamily="34" charset="-122"/>
+              </a:rPr>
+              <a:t>Looper::awoken() {</a:t>
+            </a:r>
+            <a:br>
+              <a:rPr lang="en-US" altLang="zh-CN">
+                <a:solidFill>
+                  <a:srgbClr val="BBB529"/>
+                </a:solidFill>
+                <a:effectLst/>
+                <a:latin typeface="Microsoft YaHei" panose="020B0503020204020204" pitchFamily="34" charset="-122"/>
+                <a:ea typeface="Microsoft YaHei" panose="020B0503020204020204" pitchFamily="34" charset="-122"/>
+              </a:rPr>
+            </a:br>
+            <a:r>
+              <a:rPr lang="en-US" altLang="zh-CN">
+                <a:solidFill>
+                  <a:srgbClr val="BBB529"/>
+                </a:solidFill>
+                <a:effectLst/>
+                <a:latin typeface="Microsoft YaHei" panose="020B0503020204020204" pitchFamily="34" charset="-122"/>
+                <a:ea typeface="Microsoft YaHei" panose="020B0503020204020204" pitchFamily="34" charset="-122"/>
+              </a:rPr>
+              <a:t>    </a:t>
+            </a:r>
+            <a:r>
+              <a:rPr lang="en-US" altLang="zh-CN">
+                <a:latin typeface="Microsoft YaHei" panose="020B0503020204020204" pitchFamily="34" charset="-122"/>
+                <a:ea typeface="Microsoft YaHei" panose="020B0503020204020204" pitchFamily="34" charset="-122"/>
+              </a:rPr>
+              <a:t>uint64_t counter</a:t>
+            </a:r>
+            <a:r>
+              <a:rPr lang="en-US" altLang="zh-CN">
+                <a:solidFill>
+                  <a:srgbClr val="CC7832"/>
+                </a:solidFill>
+                <a:effectLst/>
+                <a:latin typeface="Microsoft YaHei" panose="020B0503020204020204" pitchFamily="34" charset="-122"/>
+                <a:ea typeface="Microsoft YaHei" panose="020B0503020204020204" pitchFamily="34" charset="-122"/>
+              </a:rPr>
+              <a:t>;</a:t>
+            </a:r>
+            <a:br>
+              <a:rPr lang="en-US" altLang="zh-CN">
+                <a:solidFill>
+                  <a:srgbClr val="CC7832"/>
+                </a:solidFill>
+                <a:effectLst/>
+                <a:latin typeface="Microsoft YaHei" panose="020B0503020204020204" pitchFamily="34" charset="-122"/>
+                <a:ea typeface="Microsoft YaHei" panose="020B0503020204020204" pitchFamily="34" charset="-122"/>
+              </a:rPr>
+            </a:br>
+            <a:r>
+              <a:rPr lang="en-US" altLang="zh-CN">
+                <a:solidFill>
+                  <a:srgbClr val="CC7832"/>
+                </a:solidFill>
+                <a:effectLst/>
+                <a:latin typeface="Microsoft YaHei" panose="020B0503020204020204" pitchFamily="34" charset="-122"/>
+                <a:ea typeface="Microsoft YaHei" panose="020B0503020204020204" pitchFamily="34" charset="-122"/>
+              </a:rPr>
+              <a:t>    </a:t>
+            </a:r>
+            <a:r>
+              <a:rPr lang="en-US" altLang="zh-CN">
+                <a:latin typeface="Microsoft YaHei" panose="020B0503020204020204" pitchFamily="34" charset="-122"/>
+                <a:ea typeface="Microsoft YaHei" panose="020B0503020204020204" pitchFamily="34" charset="-122"/>
+              </a:rPr>
+              <a:t>read(mWakeEventFd</a:t>
+            </a:r>
+            <a:r>
+              <a:rPr lang="en-US" altLang="zh-CN">
+                <a:solidFill>
+                  <a:srgbClr val="CC7832"/>
+                </a:solidFill>
+                <a:effectLst/>
+                <a:latin typeface="Microsoft YaHei" panose="020B0503020204020204" pitchFamily="34" charset="-122"/>
+                <a:ea typeface="Microsoft YaHei" panose="020B0503020204020204" pitchFamily="34" charset="-122"/>
+              </a:rPr>
+              <a:t>, </a:t>
+            </a:r>
+            <a:r>
+              <a:rPr lang="en-US" altLang="zh-CN">
+                <a:latin typeface="Microsoft YaHei" panose="020B0503020204020204" pitchFamily="34" charset="-122"/>
+                <a:ea typeface="Microsoft YaHei" panose="020B0503020204020204" pitchFamily="34" charset="-122"/>
+              </a:rPr>
+              <a:t>&amp;counter</a:t>
+            </a:r>
+            <a:r>
+              <a:rPr lang="en-US" altLang="zh-CN">
+                <a:solidFill>
+                  <a:srgbClr val="CC7832"/>
+                </a:solidFill>
+                <a:effectLst/>
+                <a:latin typeface="Microsoft YaHei" panose="020B0503020204020204" pitchFamily="34" charset="-122"/>
+                <a:ea typeface="Microsoft YaHei" panose="020B0503020204020204" pitchFamily="34" charset="-122"/>
+              </a:rPr>
+              <a:t>, sizeof</a:t>
+            </a:r>
+            <a:r>
+              <a:rPr lang="en-US" altLang="zh-CN">
+                <a:latin typeface="Microsoft YaHei" panose="020B0503020204020204" pitchFamily="34" charset="-122"/>
+                <a:ea typeface="Microsoft YaHei" panose="020B0503020204020204" pitchFamily="34" charset="-122"/>
+              </a:rPr>
+              <a:t>(uint64_t)))</a:t>
+            </a:r>
+            <a:r>
+              <a:rPr lang="en-US" altLang="zh-CN">
+                <a:solidFill>
+                  <a:srgbClr val="CC7832"/>
+                </a:solidFill>
+                <a:effectLst/>
+                <a:latin typeface="Microsoft YaHei" panose="020B0503020204020204" pitchFamily="34" charset="-122"/>
+                <a:ea typeface="Microsoft YaHei" panose="020B0503020204020204" pitchFamily="34" charset="-122"/>
+              </a:rPr>
+              <a:t>;</a:t>
+            </a:r>
+            <a:br>
+              <a:rPr lang="en-US" altLang="zh-CN">
+                <a:solidFill>
+                  <a:srgbClr val="CC7832"/>
+                </a:solidFill>
+                <a:effectLst/>
+                <a:latin typeface="Microsoft YaHei" panose="020B0503020204020204" pitchFamily="34" charset="-122"/>
+                <a:ea typeface="Microsoft YaHei" panose="020B0503020204020204" pitchFamily="34" charset="-122"/>
+              </a:rPr>
+            </a:br>
+            <a:r>
+              <a:rPr lang="en-US" altLang="zh-CN">
+                <a:latin typeface="Microsoft YaHei" panose="020B0503020204020204" pitchFamily="34" charset="-122"/>
+                <a:ea typeface="Microsoft YaHei" panose="020B0503020204020204" pitchFamily="34" charset="-122"/>
+              </a:rPr>
+              <a:t>}</a:t>
+            </a:r>
+            <a:endParaRPr lang="zh-CN" altLang="en-US">
+              <a:latin typeface="Microsoft YaHei" panose="020B0503020204020204" pitchFamily="34" charset="-122"/>
+              <a:ea typeface="Microsoft YaHei" panose="020B0503020204020204" pitchFamily="34" charset="-122"/>
+            </a:endParaRPr>
+          </a:p>
+        </p:txBody>
+      </p:sp>
+      <p:cxnSp>
+        <p:nvCxnSpPr>
+          <p:cNvPr id="7" name="直线箭头连接符 6">
+            <a:extLst>
+              <a:ext uri="{FF2B5EF4-FFF2-40B4-BE49-F238E27FC236}">
+                <a16:creationId xmlns:a16="http://schemas.microsoft.com/office/drawing/2014/main" id="{FB543B21-C2B5-2F4F-BF3A-F82D6D0B85C3}"/>
+              </a:ext>
+            </a:extLst>
+          </p:cNvPr>
+          <p:cNvCxnSpPr/>
+          <p:nvPr/>
+        </p:nvCxnSpPr>
+        <p:spPr>
+          <a:xfrm>
+            <a:off x="2530549" y="2945219"/>
+            <a:ext cx="988828" cy="556077"/>
+          </a:xfrm>
+          <a:prstGeom prst="straightConnector1">
+            <a:avLst/>
+          </a:prstGeom>
+          <a:ln w="19050">
+            <a:solidFill>
+              <a:schemeClr val="accent2"/>
+            </a:solidFill>
+            <a:tailEnd type="triangle"/>
+          </a:ln>
+        </p:spPr>
+        <p:style>
+          <a:lnRef idx="1">
+            <a:schemeClr val="accent1"/>
+          </a:lnRef>
+          <a:fillRef idx="0">
+            <a:schemeClr val="accent1"/>
+          </a:fillRef>
+          <a:effectRef idx="0">
+            <a:schemeClr val="accent1"/>
+          </a:effectRef>
+          <a:fontRef idx="minor">
+            <a:schemeClr val="tx1"/>
+          </a:fontRef>
+        </p:style>
+      </p:cxnSp>
+    </p:spTree>
+    <p:extLst>
+      <p:ext uri="{BB962C8B-B14F-4D97-AF65-F5344CB8AC3E}">
+        <p14:creationId xmlns:p14="http://schemas.microsoft.com/office/powerpoint/2010/main" val="1698960996"/>
+      </p:ext>
+    </p:extLst>
+  </p:cSld>
+  <p:clrMapOvr>
+    <a:masterClrMapping/>
+  </p:clrMapOvr>
+</p:sld>
+</file>
+
+<file path=ppt/slides/slide14.xml><?xml version="1.0" encoding="utf-8"?>
+<p:sld xmlns:a="http://schemas.openxmlformats.org/drawingml/2006/main" xmlns:r="http://schemas.openxmlformats.org/officeDocument/2006/relationships" xmlns:p="http://schemas.openxmlformats.org/presentationml/2006/main">
+  <p:cSld>
+    <p:spTree>
+      <p:nvGrpSpPr>
+        <p:cNvPr id="1" name=""/>
+        <p:cNvGrpSpPr/>
+        <p:nvPr/>
+      </p:nvGrpSpPr>
+      <p:grpSpPr>
+        <a:xfrm>
+          <a:off x="0" y="0"/>
+          <a:ext cx="0" cy="0"/>
+          <a:chOff x="0" y="0"/>
+          <a:chExt cx="0" cy="0"/>
+        </a:xfrm>
+      </p:grpSpPr>
+      <p:sp>
+        <p:nvSpPr>
+          <p:cNvPr id="25" name="矩形 24">
+            <a:extLst>
+              <a:ext uri="{FF2B5EF4-FFF2-40B4-BE49-F238E27FC236}">
+                <a16:creationId xmlns:a16="http://schemas.microsoft.com/office/drawing/2014/main" id="{BA57E25A-B00C-1D4A-8C50-FB08CB81B94F}"/>
+              </a:ext>
+            </a:extLst>
+          </p:cNvPr>
+          <p:cNvSpPr/>
+          <p:nvPr/>
+        </p:nvSpPr>
+        <p:spPr>
+          <a:xfrm>
+            <a:off x="593435" y="1770387"/>
+            <a:ext cx="1900800" cy="984906"/>
+          </a:xfrm>
+          <a:prstGeom prst="rect">
+            <a:avLst/>
+          </a:prstGeom>
+          <a:solidFill>
+            <a:schemeClr val="accent5">
+              <a:lumMod val="60000"/>
+              <a:lumOff val="40000"/>
+            </a:schemeClr>
+          </a:solidFill>
+          <a:ln w="25400">
+            <a:noFill/>
+          </a:ln>
+        </p:spPr>
+        <p:style>
+          <a:lnRef idx="2">
+            <a:schemeClr val="accent1">
+              <a:shade val="50000"/>
+            </a:schemeClr>
+          </a:lnRef>
+          <a:fillRef idx="1">
+            <a:schemeClr val="accent1"/>
+          </a:fillRef>
+          <a:effectRef idx="0">
+            <a:schemeClr val="accent1"/>
+          </a:effectRef>
+          <a:fontRef idx="minor">
+            <a:schemeClr val="lt1"/>
+          </a:fontRef>
+        </p:style>
+        <p:txBody>
+          <a:bodyPr rtlCol="0" anchor="ctr"/>
+          <a:lstStyle/>
+          <a:p>
+            <a:pPr algn="ctr"/>
+            <a:endParaRPr kumimoji="1" lang="zh-CN" altLang="en-US"/>
+          </a:p>
+        </p:txBody>
+      </p:sp>
+      <p:sp>
+        <p:nvSpPr>
+          <p:cNvPr id="26" name="文本框 25">
+            <a:extLst>
+              <a:ext uri="{FF2B5EF4-FFF2-40B4-BE49-F238E27FC236}">
+                <a16:creationId xmlns:a16="http://schemas.microsoft.com/office/drawing/2014/main" id="{5A9F581E-8C0E-404D-B02A-EEB5BDEAF6B4}"/>
+              </a:ext>
+            </a:extLst>
+          </p:cNvPr>
+          <p:cNvSpPr txBox="1"/>
+          <p:nvPr/>
+        </p:nvSpPr>
+        <p:spPr>
+          <a:xfrm>
+            <a:off x="602279" y="1778359"/>
+            <a:ext cx="1061509" cy="369332"/>
+          </a:xfrm>
+          <a:prstGeom prst="rect">
+            <a:avLst/>
+          </a:prstGeom>
+          <a:noFill/>
+        </p:spPr>
+        <p:txBody>
+          <a:bodyPr wrap="none" rtlCol="0">
+            <a:spAutoFit/>
+          </a:bodyPr>
+          <a:lstStyle/>
+          <a:p>
+            <a:r>
+              <a:rPr kumimoji="1" lang="en-US" altLang="zh-CN">
+                <a:solidFill>
+                  <a:schemeClr val="bg1"/>
+                </a:solidFill>
+                <a:latin typeface="Microsoft YaHei" panose="020B0503020204020204" pitchFamily="34" charset="-122"/>
+                <a:ea typeface="Microsoft YaHei" panose="020B0503020204020204" pitchFamily="34" charset="-122"/>
+              </a:rPr>
+              <a:t>Handler</a:t>
+            </a:r>
+            <a:endParaRPr kumimoji="1" lang="zh-CN" altLang="en-US">
+              <a:solidFill>
+                <a:schemeClr val="bg1"/>
+              </a:solidFill>
+              <a:latin typeface="Microsoft YaHei" panose="020B0503020204020204" pitchFamily="34" charset="-122"/>
+              <a:ea typeface="Microsoft YaHei" panose="020B0503020204020204" pitchFamily="34" charset="-122"/>
+            </a:endParaRPr>
+          </a:p>
+        </p:txBody>
+      </p:sp>
+      <p:sp>
+        <p:nvSpPr>
+          <p:cNvPr id="27" name="文本框 26">
+            <a:extLst>
+              <a:ext uri="{FF2B5EF4-FFF2-40B4-BE49-F238E27FC236}">
+                <a16:creationId xmlns:a16="http://schemas.microsoft.com/office/drawing/2014/main" id="{F1BDEE04-DE30-A143-A81A-D9FF8EBC2BDD}"/>
+              </a:ext>
+            </a:extLst>
+          </p:cNvPr>
+          <p:cNvSpPr txBox="1"/>
+          <p:nvPr/>
+        </p:nvSpPr>
+        <p:spPr>
+          <a:xfrm>
+            <a:off x="1305155" y="2392024"/>
+            <a:ext cx="1181734" cy="369332"/>
+          </a:xfrm>
+          <a:prstGeom prst="rect">
+            <a:avLst/>
+          </a:prstGeom>
+          <a:noFill/>
+        </p:spPr>
+        <p:txBody>
+          <a:bodyPr wrap="none" rtlCol="0">
+            <a:spAutoFit/>
+          </a:bodyPr>
+          <a:lstStyle/>
+          <a:p>
+            <a:r>
+              <a:rPr kumimoji="1" lang="en-US" altLang="zh-CN">
+                <a:solidFill>
+                  <a:schemeClr val="bg1"/>
+                </a:solidFill>
+                <a:latin typeface="Microsoft YaHei" panose="020B0503020204020204" pitchFamily="34" charset="-122"/>
+                <a:ea typeface="Microsoft YaHei" panose="020B0503020204020204" pitchFamily="34" charset="-122"/>
+              </a:rPr>
+              <a:t>mLooper</a:t>
+            </a:r>
+            <a:endParaRPr kumimoji="1" lang="zh-CN" altLang="en-US">
+              <a:solidFill>
+                <a:schemeClr val="bg1"/>
+              </a:solidFill>
+              <a:latin typeface="Microsoft YaHei" panose="020B0503020204020204" pitchFamily="34" charset="-122"/>
+              <a:ea typeface="Microsoft YaHei" panose="020B0503020204020204" pitchFamily="34" charset="-122"/>
+            </a:endParaRPr>
+          </a:p>
+        </p:txBody>
+      </p:sp>
+      <p:sp>
+        <p:nvSpPr>
+          <p:cNvPr id="6" name="矩形 5">
+            <a:extLst>
+              <a:ext uri="{FF2B5EF4-FFF2-40B4-BE49-F238E27FC236}">
+                <a16:creationId xmlns:a16="http://schemas.microsoft.com/office/drawing/2014/main" id="{37CD0E1B-7B39-DD40-9A9C-4A1426BC28A4}"/>
+              </a:ext>
+            </a:extLst>
+          </p:cNvPr>
+          <p:cNvSpPr/>
+          <p:nvPr/>
+        </p:nvSpPr>
+        <p:spPr>
+          <a:xfrm>
+            <a:off x="3640981" y="1168255"/>
+            <a:ext cx="1900800" cy="1409660"/>
+          </a:xfrm>
+          <a:prstGeom prst="rect">
+            <a:avLst/>
+          </a:prstGeom>
+          <a:solidFill>
+            <a:schemeClr val="accent2">
+              <a:lumMod val="60000"/>
+              <a:lumOff val="40000"/>
+            </a:schemeClr>
+          </a:solidFill>
+          <a:ln w="25400">
+            <a:noFill/>
+          </a:ln>
+        </p:spPr>
+        <p:style>
+          <a:lnRef idx="2">
+            <a:schemeClr val="accent1">
+              <a:shade val="50000"/>
+            </a:schemeClr>
+          </a:lnRef>
+          <a:fillRef idx="1">
+            <a:schemeClr val="accent1"/>
+          </a:fillRef>
+          <a:effectRef idx="0">
+            <a:schemeClr val="accent1"/>
+          </a:effectRef>
+          <a:fontRef idx="minor">
+            <a:schemeClr val="lt1"/>
+          </a:fontRef>
+        </p:style>
+        <p:txBody>
+          <a:bodyPr rtlCol="0" anchor="ctr"/>
+          <a:lstStyle/>
+          <a:p>
+            <a:pPr algn="ctr"/>
+            <a:endParaRPr kumimoji="1" lang="zh-CN" altLang="en-US"/>
+          </a:p>
+        </p:txBody>
+      </p:sp>
+      <p:sp>
+        <p:nvSpPr>
+          <p:cNvPr id="7" name="文本框 6">
+            <a:extLst>
+              <a:ext uri="{FF2B5EF4-FFF2-40B4-BE49-F238E27FC236}">
+                <a16:creationId xmlns:a16="http://schemas.microsoft.com/office/drawing/2014/main" id="{D7C12DD0-4E64-924C-9DAC-946942E0B265}"/>
+              </a:ext>
+            </a:extLst>
+          </p:cNvPr>
+          <p:cNvSpPr txBox="1"/>
+          <p:nvPr/>
+        </p:nvSpPr>
+        <p:spPr>
+          <a:xfrm>
+            <a:off x="3644754" y="1174413"/>
+            <a:ext cx="965329" cy="369332"/>
+          </a:xfrm>
+          <a:prstGeom prst="rect">
+            <a:avLst/>
+          </a:prstGeom>
+          <a:noFill/>
+        </p:spPr>
+        <p:txBody>
+          <a:bodyPr wrap="none" rtlCol="0">
+            <a:spAutoFit/>
+          </a:bodyPr>
+          <a:lstStyle/>
+          <a:p>
+            <a:r>
+              <a:rPr kumimoji="1" lang="en-US" altLang="zh-CN">
+                <a:solidFill>
+                  <a:schemeClr val="bg1"/>
+                </a:solidFill>
+                <a:latin typeface="Microsoft YaHei" panose="020B0503020204020204" pitchFamily="34" charset="-122"/>
+                <a:ea typeface="Microsoft YaHei" panose="020B0503020204020204" pitchFamily="34" charset="-122"/>
+              </a:rPr>
+              <a:t>Looper</a:t>
+            </a:r>
+            <a:endParaRPr kumimoji="1" lang="zh-CN" altLang="en-US">
+              <a:solidFill>
+                <a:schemeClr val="bg1"/>
+              </a:solidFill>
+              <a:latin typeface="Microsoft YaHei" panose="020B0503020204020204" pitchFamily="34" charset="-122"/>
+              <a:ea typeface="Microsoft YaHei" panose="020B0503020204020204" pitchFamily="34" charset="-122"/>
+            </a:endParaRPr>
+          </a:p>
+        </p:txBody>
+      </p:sp>
+      <p:sp>
+        <p:nvSpPr>
+          <p:cNvPr id="8" name="矩形 7">
+            <a:extLst>
+              <a:ext uri="{FF2B5EF4-FFF2-40B4-BE49-F238E27FC236}">
+                <a16:creationId xmlns:a16="http://schemas.microsoft.com/office/drawing/2014/main" id="{F4BD521C-E13C-B946-AD99-FBD7A678B80B}"/>
+              </a:ext>
+            </a:extLst>
+          </p:cNvPr>
+          <p:cNvSpPr/>
+          <p:nvPr/>
+        </p:nvSpPr>
+        <p:spPr>
+          <a:xfrm>
+            <a:off x="6436999" y="1168254"/>
+            <a:ext cx="1899879" cy="1409660"/>
+          </a:xfrm>
+          <a:prstGeom prst="rect">
+            <a:avLst/>
+          </a:prstGeom>
+          <a:solidFill>
+            <a:schemeClr val="accent2">
+              <a:lumMod val="60000"/>
+              <a:lumOff val="40000"/>
+            </a:schemeClr>
+          </a:solidFill>
+          <a:ln w="25400">
+            <a:noFill/>
+          </a:ln>
+        </p:spPr>
+        <p:style>
+          <a:lnRef idx="2">
+            <a:schemeClr val="accent1">
+              <a:shade val="50000"/>
+            </a:schemeClr>
+          </a:lnRef>
+          <a:fillRef idx="1">
+            <a:schemeClr val="accent1"/>
+          </a:fillRef>
+          <a:effectRef idx="0">
+            <a:schemeClr val="accent1"/>
+          </a:effectRef>
+          <a:fontRef idx="minor">
+            <a:schemeClr val="lt1"/>
+          </a:fontRef>
+        </p:style>
+        <p:txBody>
+          <a:bodyPr rtlCol="0" anchor="ctr"/>
+          <a:lstStyle/>
+          <a:p>
+            <a:pPr algn="ctr"/>
+            <a:endParaRPr kumimoji="1" lang="zh-CN" altLang="en-US"/>
+          </a:p>
+        </p:txBody>
+      </p:sp>
+      <p:sp>
+        <p:nvSpPr>
+          <p:cNvPr id="9" name="文本框 8">
+            <a:extLst>
+              <a:ext uri="{FF2B5EF4-FFF2-40B4-BE49-F238E27FC236}">
+                <a16:creationId xmlns:a16="http://schemas.microsoft.com/office/drawing/2014/main" id="{E1CF6869-C3EA-614B-99DD-BBD45465B9F8}"/>
+              </a:ext>
+            </a:extLst>
+          </p:cNvPr>
+          <p:cNvSpPr txBox="1"/>
+          <p:nvPr/>
+        </p:nvSpPr>
+        <p:spPr>
+          <a:xfrm>
+            <a:off x="6447633" y="1179039"/>
+            <a:ext cx="1899879" cy="369332"/>
+          </a:xfrm>
+          <a:prstGeom prst="rect">
+            <a:avLst/>
+          </a:prstGeom>
+          <a:noFill/>
+        </p:spPr>
+        <p:txBody>
+          <a:bodyPr wrap="none" rtlCol="0">
+            <a:spAutoFit/>
+          </a:bodyPr>
+          <a:lstStyle/>
+          <a:p>
+            <a:r>
+              <a:rPr kumimoji="1" lang="en-US" altLang="zh-CN">
+                <a:solidFill>
+                  <a:schemeClr val="bg1"/>
+                </a:solidFill>
+                <a:latin typeface="Microsoft YaHei" panose="020B0503020204020204" pitchFamily="34" charset="-122"/>
+                <a:ea typeface="Microsoft YaHei" panose="020B0503020204020204" pitchFamily="34" charset="-122"/>
+              </a:rPr>
+              <a:t>MessageQueue</a:t>
+            </a:r>
+            <a:endParaRPr kumimoji="1" lang="zh-CN" altLang="en-US">
+              <a:solidFill>
+                <a:schemeClr val="bg1"/>
+              </a:solidFill>
+              <a:latin typeface="Microsoft YaHei" panose="020B0503020204020204" pitchFamily="34" charset="-122"/>
+              <a:ea typeface="Microsoft YaHei" panose="020B0503020204020204" pitchFamily="34" charset="-122"/>
+            </a:endParaRPr>
+          </a:p>
+        </p:txBody>
+      </p:sp>
+      <p:sp>
+        <p:nvSpPr>
+          <p:cNvPr id="10" name="文本框 9">
+            <a:extLst>
+              <a:ext uri="{FF2B5EF4-FFF2-40B4-BE49-F238E27FC236}">
+                <a16:creationId xmlns:a16="http://schemas.microsoft.com/office/drawing/2014/main" id="{074AED8C-6728-234B-9786-1B3CBA319E98}"/>
+              </a:ext>
+            </a:extLst>
+          </p:cNvPr>
+          <p:cNvSpPr txBox="1"/>
+          <p:nvPr/>
+        </p:nvSpPr>
+        <p:spPr>
+          <a:xfrm>
+            <a:off x="4403168" y="1770387"/>
+            <a:ext cx="1136850" cy="369332"/>
+          </a:xfrm>
+          <a:prstGeom prst="rect">
+            <a:avLst/>
+          </a:prstGeom>
+          <a:noFill/>
+        </p:spPr>
+        <p:txBody>
+          <a:bodyPr wrap="none" rtlCol="0">
+            <a:spAutoFit/>
+          </a:bodyPr>
+          <a:lstStyle/>
+          <a:p>
+            <a:pPr algn="r"/>
+            <a:r>
+              <a:rPr kumimoji="1" lang="en-US" altLang="zh-CN">
+                <a:solidFill>
+                  <a:schemeClr val="bg1"/>
+                </a:solidFill>
+                <a:latin typeface="Microsoft YaHei" panose="020B0503020204020204" pitchFamily="34" charset="-122"/>
+                <a:ea typeface="Microsoft YaHei" panose="020B0503020204020204" pitchFamily="34" charset="-122"/>
+              </a:rPr>
+              <a:t>mQueue</a:t>
+            </a:r>
+            <a:endParaRPr kumimoji="1" lang="zh-CN" altLang="en-US">
+              <a:solidFill>
+                <a:schemeClr val="bg1"/>
+              </a:solidFill>
+              <a:latin typeface="Microsoft YaHei" panose="020B0503020204020204" pitchFamily="34" charset="-122"/>
+              <a:ea typeface="Microsoft YaHei" panose="020B0503020204020204" pitchFamily="34" charset="-122"/>
+            </a:endParaRPr>
+          </a:p>
+        </p:txBody>
+      </p:sp>
+      <p:cxnSp>
+        <p:nvCxnSpPr>
+          <p:cNvPr id="11" name="直线箭头连接符 10">
+            <a:extLst>
+              <a:ext uri="{FF2B5EF4-FFF2-40B4-BE49-F238E27FC236}">
+                <a16:creationId xmlns:a16="http://schemas.microsoft.com/office/drawing/2014/main" id="{C3402968-FFF3-EB4C-A5A4-7B1D59B8F8D1}"/>
+              </a:ext>
+            </a:extLst>
+          </p:cNvPr>
+          <p:cNvCxnSpPr>
+            <a:cxnSpLocks/>
+            <a:stCxn id="27" idx="3"/>
+          </p:cNvCxnSpPr>
+          <p:nvPr/>
+        </p:nvCxnSpPr>
+        <p:spPr>
+          <a:xfrm flipV="1">
+            <a:off x="2486889" y="1876829"/>
+            <a:ext cx="1037962" cy="699861"/>
+          </a:xfrm>
+          <a:prstGeom prst="straightConnector1">
+            <a:avLst/>
+          </a:prstGeom>
+          <a:ln w="31750">
+            <a:solidFill>
+              <a:schemeClr val="accent2"/>
+            </a:solidFill>
+            <a:tailEnd type="triangle"/>
+          </a:ln>
+        </p:spPr>
+        <p:style>
+          <a:lnRef idx="1">
+            <a:schemeClr val="accent1"/>
+          </a:lnRef>
+          <a:fillRef idx="0">
+            <a:schemeClr val="accent1"/>
+          </a:fillRef>
+          <a:effectRef idx="0">
+            <a:schemeClr val="accent1"/>
+          </a:effectRef>
+          <a:fontRef idx="minor">
+            <a:schemeClr val="tx1"/>
+          </a:fontRef>
+        </p:style>
+      </p:cxnSp>
+      <p:cxnSp>
+        <p:nvCxnSpPr>
+          <p:cNvPr id="12" name="直线箭头连接符 11">
+            <a:extLst>
+              <a:ext uri="{FF2B5EF4-FFF2-40B4-BE49-F238E27FC236}">
+                <a16:creationId xmlns:a16="http://schemas.microsoft.com/office/drawing/2014/main" id="{5C248A52-45C1-1840-97DB-D7498EB92489}"/>
+              </a:ext>
+            </a:extLst>
+          </p:cNvPr>
+          <p:cNvCxnSpPr/>
+          <p:nvPr/>
+        </p:nvCxnSpPr>
+        <p:spPr>
+          <a:xfrm>
+            <a:off x="5639557" y="1969227"/>
+            <a:ext cx="776176" cy="0"/>
+          </a:xfrm>
+          <a:prstGeom prst="straightConnector1">
+            <a:avLst/>
+          </a:prstGeom>
+          <a:ln w="31750">
+            <a:solidFill>
+              <a:schemeClr val="accent2"/>
+            </a:solidFill>
+            <a:tailEnd type="triangle"/>
+          </a:ln>
+        </p:spPr>
+        <p:style>
+          <a:lnRef idx="1">
+            <a:schemeClr val="accent1"/>
+          </a:lnRef>
+          <a:fillRef idx="0">
+            <a:schemeClr val="accent1"/>
+          </a:fillRef>
+          <a:effectRef idx="0">
+            <a:schemeClr val="accent1"/>
+          </a:effectRef>
+          <a:fontRef idx="minor">
+            <a:schemeClr val="tx1"/>
+          </a:fontRef>
+        </p:style>
+      </p:cxnSp>
+      <p:sp>
+        <p:nvSpPr>
+          <p:cNvPr id="13" name="矩形 12">
+            <a:extLst>
+              <a:ext uri="{FF2B5EF4-FFF2-40B4-BE49-F238E27FC236}">
+                <a16:creationId xmlns:a16="http://schemas.microsoft.com/office/drawing/2014/main" id="{4232E581-7CF0-EB49-BC02-4BBB05D629BA}"/>
+              </a:ext>
+            </a:extLst>
+          </p:cNvPr>
+          <p:cNvSpPr/>
+          <p:nvPr/>
+        </p:nvSpPr>
+        <p:spPr>
+          <a:xfrm>
+            <a:off x="3415039" y="594103"/>
+            <a:ext cx="5135526" cy="2168478"/>
+          </a:xfrm>
+          <a:prstGeom prst="rect">
+            <a:avLst/>
+          </a:prstGeom>
+          <a:noFill/>
+          <a:ln w="25400">
+            <a:solidFill>
+              <a:schemeClr val="accent1"/>
+            </a:solidFill>
+          </a:ln>
+        </p:spPr>
+        <p:style>
+          <a:lnRef idx="2">
+            <a:schemeClr val="accent1">
+              <a:shade val="50000"/>
+            </a:schemeClr>
+          </a:lnRef>
+          <a:fillRef idx="1">
+            <a:schemeClr val="accent1"/>
+          </a:fillRef>
+          <a:effectRef idx="0">
+            <a:schemeClr val="accent1"/>
+          </a:effectRef>
+          <a:fontRef idx="minor">
+            <a:schemeClr val="lt1"/>
+          </a:fontRef>
+        </p:style>
+        <p:txBody>
+          <a:bodyPr rtlCol="0" anchor="ctr"/>
+          <a:lstStyle/>
+          <a:p>
+            <a:pPr algn="ctr"/>
+            <a:endParaRPr kumimoji="1" lang="zh-CN" altLang="en-US"/>
+          </a:p>
+        </p:txBody>
+      </p:sp>
+      <p:sp>
+        <p:nvSpPr>
+          <p:cNvPr id="14" name="文本框 13">
+            <a:extLst>
+              <a:ext uri="{FF2B5EF4-FFF2-40B4-BE49-F238E27FC236}">
+                <a16:creationId xmlns:a16="http://schemas.microsoft.com/office/drawing/2014/main" id="{213C9D6A-1023-3243-B218-21856B044DB1}"/>
+              </a:ext>
+            </a:extLst>
+          </p:cNvPr>
+          <p:cNvSpPr txBox="1"/>
+          <p:nvPr/>
+        </p:nvSpPr>
+        <p:spPr>
+          <a:xfrm>
+            <a:off x="3425676" y="604721"/>
+            <a:ext cx="1035412" cy="400110"/>
+          </a:xfrm>
+          <a:prstGeom prst="rect">
+            <a:avLst/>
+          </a:prstGeom>
+          <a:noFill/>
+        </p:spPr>
+        <p:txBody>
+          <a:bodyPr wrap="none" rtlCol="0">
+            <a:spAutoFit/>
+          </a:bodyPr>
+          <a:lstStyle/>
+          <a:p>
+            <a:r>
+              <a:rPr kumimoji="1" lang="en-US" altLang="zh-CN" sz="2000">
+                <a:latin typeface="Microsoft YaHei" panose="020B0503020204020204" pitchFamily="34" charset="-122"/>
+                <a:ea typeface="Microsoft YaHei" panose="020B0503020204020204" pitchFamily="34" charset="-122"/>
+              </a:rPr>
+              <a:t>Thread</a:t>
+            </a:r>
+            <a:endParaRPr kumimoji="1" lang="zh-CN" altLang="en-US" sz="2000">
+              <a:latin typeface="Microsoft YaHei" panose="020B0503020204020204" pitchFamily="34" charset="-122"/>
+              <a:ea typeface="Microsoft YaHei" panose="020B0503020204020204" pitchFamily="34" charset="-122"/>
+            </a:endParaRPr>
+          </a:p>
+        </p:txBody>
+      </p:sp>
+      <p:sp>
+        <p:nvSpPr>
+          <p:cNvPr id="19" name="矩形 18">
+            <a:extLst>
+              <a:ext uri="{FF2B5EF4-FFF2-40B4-BE49-F238E27FC236}">
+                <a16:creationId xmlns:a16="http://schemas.microsoft.com/office/drawing/2014/main" id="{537735F5-2E58-C04C-90F2-CD9C798879A9}"/>
+              </a:ext>
+            </a:extLst>
+          </p:cNvPr>
+          <p:cNvSpPr/>
+          <p:nvPr/>
+        </p:nvSpPr>
+        <p:spPr>
+          <a:xfrm>
+            <a:off x="593435" y="594103"/>
+            <a:ext cx="1900800" cy="984906"/>
+          </a:xfrm>
+          <a:prstGeom prst="rect">
+            <a:avLst/>
+          </a:prstGeom>
+          <a:solidFill>
+            <a:schemeClr val="accent5">
+              <a:lumMod val="60000"/>
+              <a:lumOff val="40000"/>
+            </a:schemeClr>
+          </a:solidFill>
+          <a:ln w="25400">
+            <a:noFill/>
+          </a:ln>
+        </p:spPr>
+        <p:style>
+          <a:lnRef idx="2">
+            <a:schemeClr val="accent1">
+              <a:shade val="50000"/>
+            </a:schemeClr>
+          </a:lnRef>
+          <a:fillRef idx="1">
+            <a:schemeClr val="accent1"/>
+          </a:fillRef>
+          <a:effectRef idx="0">
+            <a:schemeClr val="accent1"/>
+          </a:effectRef>
+          <a:fontRef idx="minor">
+            <a:schemeClr val="lt1"/>
+          </a:fontRef>
+        </p:style>
+        <p:txBody>
+          <a:bodyPr rtlCol="0" anchor="ctr"/>
+          <a:lstStyle/>
+          <a:p>
+            <a:pPr algn="ctr"/>
+            <a:endParaRPr kumimoji="1" lang="zh-CN" altLang="en-US"/>
+          </a:p>
+        </p:txBody>
+      </p:sp>
+      <p:sp>
+        <p:nvSpPr>
+          <p:cNvPr id="20" name="文本框 19">
+            <a:extLst>
+              <a:ext uri="{FF2B5EF4-FFF2-40B4-BE49-F238E27FC236}">
+                <a16:creationId xmlns:a16="http://schemas.microsoft.com/office/drawing/2014/main" id="{35C5943A-2861-3041-A148-DFFDDA0F919B}"/>
+              </a:ext>
+            </a:extLst>
+          </p:cNvPr>
+          <p:cNvSpPr txBox="1"/>
+          <p:nvPr/>
+        </p:nvSpPr>
+        <p:spPr>
+          <a:xfrm>
+            <a:off x="602279" y="602075"/>
+            <a:ext cx="1061509" cy="369332"/>
+          </a:xfrm>
+          <a:prstGeom prst="rect">
+            <a:avLst/>
+          </a:prstGeom>
+          <a:noFill/>
+        </p:spPr>
+        <p:txBody>
+          <a:bodyPr wrap="none" rtlCol="0">
+            <a:spAutoFit/>
+          </a:bodyPr>
+          <a:lstStyle/>
+          <a:p>
+            <a:r>
+              <a:rPr kumimoji="1" lang="en-US" altLang="zh-CN">
+                <a:solidFill>
+                  <a:schemeClr val="bg1"/>
+                </a:solidFill>
+                <a:latin typeface="Microsoft YaHei" panose="020B0503020204020204" pitchFamily="34" charset="-122"/>
+                <a:ea typeface="Microsoft YaHei" panose="020B0503020204020204" pitchFamily="34" charset="-122"/>
+              </a:rPr>
+              <a:t>Handler</a:t>
+            </a:r>
+            <a:endParaRPr kumimoji="1" lang="zh-CN" altLang="en-US">
+              <a:solidFill>
+                <a:schemeClr val="bg1"/>
+              </a:solidFill>
+              <a:latin typeface="Microsoft YaHei" panose="020B0503020204020204" pitchFamily="34" charset="-122"/>
+              <a:ea typeface="Microsoft YaHei" panose="020B0503020204020204" pitchFamily="34" charset="-122"/>
+            </a:endParaRPr>
+          </a:p>
+        </p:txBody>
+      </p:sp>
+      <p:sp>
+        <p:nvSpPr>
+          <p:cNvPr id="21" name="文本框 20">
+            <a:extLst>
+              <a:ext uri="{FF2B5EF4-FFF2-40B4-BE49-F238E27FC236}">
+                <a16:creationId xmlns:a16="http://schemas.microsoft.com/office/drawing/2014/main" id="{408AA973-2975-1244-A670-03B6894D2C0B}"/>
+              </a:ext>
+            </a:extLst>
+          </p:cNvPr>
+          <p:cNvSpPr txBox="1"/>
+          <p:nvPr/>
+        </p:nvSpPr>
+        <p:spPr>
+          <a:xfrm>
+            <a:off x="1305155" y="1215740"/>
+            <a:ext cx="1181734" cy="369332"/>
+          </a:xfrm>
+          <a:prstGeom prst="rect">
+            <a:avLst/>
+          </a:prstGeom>
+          <a:noFill/>
+        </p:spPr>
+        <p:txBody>
+          <a:bodyPr wrap="none" rtlCol="0">
+            <a:spAutoFit/>
+          </a:bodyPr>
+          <a:lstStyle/>
+          <a:p>
+            <a:r>
+              <a:rPr kumimoji="1" lang="en-US" altLang="zh-CN">
+                <a:solidFill>
+                  <a:schemeClr val="bg1"/>
+                </a:solidFill>
+                <a:latin typeface="Microsoft YaHei" panose="020B0503020204020204" pitchFamily="34" charset="-122"/>
+                <a:ea typeface="Microsoft YaHei" panose="020B0503020204020204" pitchFamily="34" charset="-122"/>
+              </a:rPr>
+              <a:t>mLooper</a:t>
+            </a:r>
+            <a:endParaRPr kumimoji="1" lang="zh-CN" altLang="en-US">
+              <a:solidFill>
+                <a:schemeClr val="bg1"/>
+              </a:solidFill>
+              <a:latin typeface="Microsoft YaHei" panose="020B0503020204020204" pitchFamily="34" charset="-122"/>
+              <a:ea typeface="Microsoft YaHei" panose="020B0503020204020204" pitchFamily="34" charset="-122"/>
+            </a:endParaRPr>
+          </a:p>
+        </p:txBody>
+      </p:sp>
+      <p:cxnSp>
+        <p:nvCxnSpPr>
+          <p:cNvPr id="17" name="直线箭头连接符 16">
+            <a:extLst>
+              <a:ext uri="{FF2B5EF4-FFF2-40B4-BE49-F238E27FC236}">
+                <a16:creationId xmlns:a16="http://schemas.microsoft.com/office/drawing/2014/main" id="{E22085A4-DF85-AB41-8CE5-9CC4C7C5CC3C}"/>
+              </a:ext>
+            </a:extLst>
+          </p:cNvPr>
+          <p:cNvCxnSpPr>
+            <a:cxnSpLocks/>
+          </p:cNvCxnSpPr>
+          <p:nvPr/>
+        </p:nvCxnSpPr>
+        <p:spPr>
+          <a:xfrm>
+            <a:off x="2510928" y="1420027"/>
+            <a:ext cx="1013923" cy="391107"/>
+          </a:xfrm>
+          <a:prstGeom prst="straightConnector1">
+            <a:avLst/>
+          </a:prstGeom>
+          <a:ln w="31750">
+            <a:solidFill>
+              <a:schemeClr val="accent2"/>
+            </a:solidFill>
+            <a:tailEnd type="triangle"/>
+          </a:ln>
+        </p:spPr>
+        <p:style>
+          <a:lnRef idx="1">
+            <a:schemeClr val="accent1"/>
+          </a:lnRef>
+          <a:fillRef idx="0">
+            <a:schemeClr val="accent1"/>
+          </a:fillRef>
+          <a:effectRef idx="0">
+            <a:schemeClr val="accent1"/>
+          </a:effectRef>
+          <a:fontRef idx="minor">
+            <a:schemeClr val="tx1"/>
+          </a:fontRef>
+        </p:style>
+      </p:cxnSp>
+      <p:sp>
+        <p:nvSpPr>
+          <p:cNvPr id="28" name="矩形 27">
+            <a:extLst>
+              <a:ext uri="{FF2B5EF4-FFF2-40B4-BE49-F238E27FC236}">
+                <a16:creationId xmlns:a16="http://schemas.microsoft.com/office/drawing/2014/main" id="{1B5B2EBF-9330-6045-9AB5-479C2D9B69E9}"/>
+              </a:ext>
+            </a:extLst>
+          </p:cNvPr>
+          <p:cNvSpPr/>
+          <p:nvPr/>
+        </p:nvSpPr>
+        <p:spPr>
+          <a:xfrm>
+            <a:off x="446562" y="3414080"/>
+            <a:ext cx="8240232" cy="1508793"/>
+          </a:xfrm>
+          <a:prstGeom prst="rect">
+            <a:avLst/>
+          </a:prstGeom>
+          <a:noFill/>
+          <a:ln w="25400">
+            <a:solidFill>
+              <a:srgbClr val="C00000"/>
+            </a:solidFill>
+            <a:prstDash val="dash"/>
+          </a:ln>
+        </p:spPr>
+        <p:style>
+          <a:lnRef idx="2">
+            <a:schemeClr val="accent1">
+              <a:shade val="50000"/>
+            </a:schemeClr>
+          </a:lnRef>
+          <a:fillRef idx="1">
+            <a:schemeClr val="accent1"/>
+          </a:fillRef>
+          <a:effectRef idx="0">
+            <a:schemeClr val="accent1"/>
+          </a:effectRef>
+          <a:fontRef idx="minor">
+            <a:schemeClr val="lt1"/>
+          </a:fontRef>
+        </p:style>
+        <p:txBody>
+          <a:bodyPr rtlCol="0" anchor="ctr"/>
+          <a:lstStyle/>
+          <a:p>
+            <a:pPr algn="ctr"/>
+            <a:endParaRPr kumimoji="1" lang="zh-CN" altLang="en-US"/>
+          </a:p>
+        </p:txBody>
+      </p:sp>
+      <p:sp>
+        <p:nvSpPr>
+          <p:cNvPr id="29" name="文本框 28">
+            <a:extLst>
+              <a:ext uri="{FF2B5EF4-FFF2-40B4-BE49-F238E27FC236}">
+                <a16:creationId xmlns:a16="http://schemas.microsoft.com/office/drawing/2014/main" id="{35872854-CDA9-944B-A1BF-E4CF4D4A1390}"/>
+              </a:ext>
+            </a:extLst>
+          </p:cNvPr>
+          <p:cNvSpPr txBox="1"/>
+          <p:nvPr/>
+        </p:nvSpPr>
+        <p:spPr>
+          <a:xfrm>
+            <a:off x="448100" y="3411571"/>
+            <a:ext cx="1130566" cy="369332"/>
+          </a:xfrm>
+          <a:prstGeom prst="rect">
+            <a:avLst/>
+          </a:prstGeom>
+          <a:solidFill>
+            <a:srgbClr val="C00000"/>
+          </a:solidFill>
+        </p:spPr>
+        <p:txBody>
+          <a:bodyPr wrap="none" rtlCol="0">
+            <a:spAutoFit/>
+          </a:bodyPr>
+          <a:lstStyle/>
+          <a:p>
+            <a:r>
+              <a:rPr kumimoji="1" lang="en-US" altLang="zh-CN">
+                <a:solidFill>
+                  <a:schemeClr val="bg1"/>
+                </a:solidFill>
+                <a:latin typeface="Microsoft YaHei" panose="020B0503020204020204" pitchFamily="34" charset="-122"/>
+                <a:ea typeface="Microsoft YaHei" panose="020B0503020204020204" pitchFamily="34" charset="-122"/>
+              </a:rPr>
+              <a:t>Native</a:t>
+            </a:r>
+            <a:r>
+              <a:rPr kumimoji="1" lang="zh-CN" altLang="en-US">
+                <a:solidFill>
+                  <a:schemeClr val="bg1"/>
+                </a:solidFill>
+                <a:latin typeface="Microsoft YaHei" panose="020B0503020204020204" pitchFamily="34" charset="-122"/>
+                <a:ea typeface="Microsoft YaHei" panose="020B0503020204020204" pitchFamily="34" charset="-122"/>
+              </a:rPr>
+              <a:t>层</a:t>
+            </a:r>
+          </a:p>
+        </p:txBody>
+      </p:sp>
+      <p:sp>
+        <p:nvSpPr>
+          <p:cNvPr id="32" name="矩形 31">
+            <a:extLst>
+              <a:ext uri="{FF2B5EF4-FFF2-40B4-BE49-F238E27FC236}">
+                <a16:creationId xmlns:a16="http://schemas.microsoft.com/office/drawing/2014/main" id="{B079D0E4-2B9B-3A45-A484-BCCCE1EF8E7D}"/>
+              </a:ext>
+            </a:extLst>
+          </p:cNvPr>
+          <p:cNvSpPr/>
+          <p:nvPr/>
+        </p:nvSpPr>
+        <p:spPr>
+          <a:xfrm>
+            <a:off x="446567" y="138223"/>
+            <a:ext cx="8240232" cy="2870795"/>
+          </a:xfrm>
+          <a:prstGeom prst="rect">
+            <a:avLst/>
+          </a:prstGeom>
+          <a:noFill/>
+          <a:ln w="25400">
+            <a:solidFill>
+              <a:srgbClr val="C00000"/>
+            </a:solidFill>
+            <a:prstDash val="dash"/>
+          </a:ln>
+        </p:spPr>
+        <p:style>
+          <a:lnRef idx="2">
+            <a:schemeClr val="accent1">
+              <a:shade val="50000"/>
+            </a:schemeClr>
+          </a:lnRef>
+          <a:fillRef idx="1">
+            <a:schemeClr val="accent1"/>
+          </a:fillRef>
+          <a:effectRef idx="0">
+            <a:schemeClr val="accent1"/>
+          </a:effectRef>
+          <a:fontRef idx="minor">
+            <a:schemeClr val="lt1"/>
+          </a:fontRef>
+        </p:style>
+        <p:txBody>
+          <a:bodyPr rtlCol="0" anchor="ctr"/>
+          <a:lstStyle/>
+          <a:p>
+            <a:pPr algn="ctr"/>
+            <a:endParaRPr kumimoji="1" lang="zh-CN" altLang="en-US"/>
+          </a:p>
+        </p:txBody>
+      </p:sp>
+      <p:sp>
+        <p:nvSpPr>
+          <p:cNvPr id="33" name="文本框 32">
+            <a:extLst>
+              <a:ext uri="{FF2B5EF4-FFF2-40B4-BE49-F238E27FC236}">
+                <a16:creationId xmlns:a16="http://schemas.microsoft.com/office/drawing/2014/main" id="{884DFC7F-3963-924A-A0A6-36BBE0CEEDDC}"/>
+              </a:ext>
+            </a:extLst>
+          </p:cNvPr>
+          <p:cNvSpPr txBox="1"/>
+          <p:nvPr/>
+        </p:nvSpPr>
+        <p:spPr>
+          <a:xfrm>
+            <a:off x="446562" y="127589"/>
+            <a:ext cx="950260" cy="400110"/>
+          </a:xfrm>
+          <a:prstGeom prst="rect">
+            <a:avLst/>
+          </a:prstGeom>
+          <a:solidFill>
+            <a:srgbClr val="C00000"/>
+          </a:solidFill>
+        </p:spPr>
+        <p:txBody>
+          <a:bodyPr wrap="none" rtlCol="0">
+            <a:spAutoFit/>
+          </a:bodyPr>
+          <a:lstStyle/>
+          <a:p>
+            <a:r>
+              <a:rPr kumimoji="1" lang="en-US" altLang="zh-CN" sz="2000">
+                <a:solidFill>
+                  <a:schemeClr val="bg1"/>
+                </a:solidFill>
+                <a:latin typeface="Microsoft YaHei" panose="020B0503020204020204" pitchFamily="34" charset="-122"/>
+                <a:ea typeface="Microsoft YaHei" panose="020B0503020204020204" pitchFamily="34" charset="-122"/>
+              </a:rPr>
+              <a:t>Java</a:t>
+            </a:r>
+            <a:r>
+              <a:rPr kumimoji="1" lang="zh-CN" altLang="en-US" sz="2000">
+                <a:solidFill>
+                  <a:schemeClr val="bg1"/>
+                </a:solidFill>
+                <a:latin typeface="Microsoft YaHei" panose="020B0503020204020204" pitchFamily="34" charset="-122"/>
+                <a:ea typeface="Microsoft YaHei" panose="020B0503020204020204" pitchFamily="34" charset="-122"/>
+              </a:rPr>
+              <a:t>层</a:t>
+            </a:r>
+          </a:p>
+        </p:txBody>
+      </p:sp>
+      <p:sp>
+        <p:nvSpPr>
+          <p:cNvPr id="34" name="矩形 33">
+            <a:extLst>
+              <a:ext uri="{FF2B5EF4-FFF2-40B4-BE49-F238E27FC236}">
+                <a16:creationId xmlns:a16="http://schemas.microsoft.com/office/drawing/2014/main" id="{6C50FC4B-FBB8-8146-8A0D-BA797B1476FF}"/>
+              </a:ext>
+            </a:extLst>
+          </p:cNvPr>
+          <p:cNvSpPr/>
+          <p:nvPr/>
+        </p:nvSpPr>
+        <p:spPr>
+          <a:xfrm>
+            <a:off x="5732565" y="3523846"/>
+            <a:ext cx="2614948" cy="1303336"/>
+          </a:xfrm>
+          <a:prstGeom prst="rect">
+            <a:avLst/>
+          </a:prstGeom>
+          <a:solidFill>
+            <a:schemeClr val="bg2">
+              <a:lumMod val="75000"/>
+            </a:schemeClr>
+          </a:solidFill>
+          <a:ln w="25400">
+            <a:noFill/>
+          </a:ln>
+        </p:spPr>
+        <p:style>
+          <a:lnRef idx="2">
+            <a:schemeClr val="accent1">
+              <a:shade val="50000"/>
+            </a:schemeClr>
+          </a:lnRef>
+          <a:fillRef idx="1">
+            <a:schemeClr val="accent1"/>
+          </a:fillRef>
+          <a:effectRef idx="0">
+            <a:schemeClr val="accent1"/>
+          </a:effectRef>
+          <a:fontRef idx="minor">
+            <a:schemeClr val="lt1"/>
+          </a:fontRef>
+        </p:style>
+        <p:txBody>
+          <a:bodyPr rtlCol="0" anchor="ctr"/>
+          <a:lstStyle/>
+          <a:p>
+            <a:pPr algn="ctr"/>
+            <a:endParaRPr kumimoji="1" lang="zh-CN" altLang="en-US"/>
+          </a:p>
+        </p:txBody>
+      </p:sp>
+      <p:sp>
+        <p:nvSpPr>
+          <p:cNvPr id="35" name="文本框 34">
+            <a:extLst>
+              <a:ext uri="{FF2B5EF4-FFF2-40B4-BE49-F238E27FC236}">
+                <a16:creationId xmlns:a16="http://schemas.microsoft.com/office/drawing/2014/main" id="{BC21CF3B-921B-5C48-BC82-831113CA5928}"/>
+              </a:ext>
+            </a:extLst>
+          </p:cNvPr>
+          <p:cNvSpPr txBox="1"/>
+          <p:nvPr/>
+        </p:nvSpPr>
+        <p:spPr>
+          <a:xfrm>
+            <a:off x="5732565" y="3523846"/>
+            <a:ext cx="2614947" cy="369332"/>
+          </a:xfrm>
+          <a:prstGeom prst="rect">
+            <a:avLst/>
+          </a:prstGeom>
+          <a:noFill/>
+        </p:spPr>
+        <p:txBody>
+          <a:bodyPr wrap="none" rtlCol="0">
+            <a:spAutoFit/>
+          </a:bodyPr>
+          <a:lstStyle/>
+          <a:p>
+            <a:r>
+              <a:rPr kumimoji="1" lang="en-US" altLang="zh-CN">
+                <a:solidFill>
+                  <a:schemeClr val="bg1"/>
+                </a:solidFill>
+                <a:latin typeface="Microsoft YaHei" panose="020B0503020204020204" pitchFamily="34" charset="-122"/>
+                <a:ea typeface="Microsoft YaHei" panose="020B0503020204020204" pitchFamily="34" charset="-122"/>
+              </a:rPr>
+              <a:t>NativeMessageQueue</a:t>
+            </a:r>
+            <a:endParaRPr kumimoji="1" lang="zh-CN" altLang="en-US">
+              <a:solidFill>
+                <a:schemeClr val="bg1"/>
+              </a:solidFill>
+              <a:latin typeface="Microsoft YaHei" panose="020B0503020204020204" pitchFamily="34" charset="-122"/>
+              <a:ea typeface="Microsoft YaHei" panose="020B0503020204020204" pitchFamily="34" charset="-122"/>
+            </a:endParaRPr>
+          </a:p>
+        </p:txBody>
+      </p:sp>
+      <p:sp>
+        <p:nvSpPr>
+          <p:cNvPr id="36" name="文本框 35">
+            <a:extLst>
+              <a:ext uri="{FF2B5EF4-FFF2-40B4-BE49-F238E27FC236}">
+                <a16:creationId xmlns:a16="http://schemas.microsoft.com/office/drawing/2014/main" id="{903C6D62-DFCF-6A49-83FD-6CD985B2ABBC}"/>
+              </a:ext>
+            </a:extLst>
+          </p:cNvPr>
+          <p:cNvSpPr txBox="1"/>
+          <p:nvPr/>
+        </p:nvSpPr>
+        <p:spPr>
+          <a:xfrm>
+            <a:off x="5745887" y="4437987"/>
+            <a:ext cx="1181734" cy="369332"/>
+          </a:xfrm>
+          <a:prstGeom prst="rect">
+            <a:avLst/>
+          </a:prstGeom>
+          <a:noFill/>
+        </p:spPr>
+        <p:txBody>
+          <a:bodyPr wrap="none" rtlCol="0">
+            <a:spAutoFit/>
+          </a:bodyPr>
+          <a:lstStyle/>
+          <a:p>
+            <a:r>
+              <a:rPr kumimoji="1" lang="en-US" altLang="zh-CN">
+                <a:solidFill>
+                  <a:schemeClr val="bg1"/>
+                </a:solidFill>
+                <a:latin typeface="Microsoft YaHei" panose="020B0503020204020204" pitchFamily="34" charset="-122"/>
+                <a:ea typeface="Microsoft YaHei" panose="020B0503020204020204" pitchFamily="34" charset="-122"/>
+              </a:rPr>
+              <a:t>mLooper</a:t>
+            </a:r>
+            <a:endParaRPr kumimoji="1" lang="zh-CN" altLang="en-US">
+              <a:solidFill>
+                <a:schemeClr val="bg1"/>
+              </a:solidFill>
+              <a:latin typeface="Microsoft YaHei" panose="020B0503020204020204" pitchFamily="34" charset="-122"/>
+              <a:ea typeface="Microsoft YaHei" panose="020B0503020204020204" pitchFamily="34" charset="-122"/>
+            </a:endParaRPr>
+          </a:p>
+        </p:txBody>
+      </p:sp>
+      <p:sp>
+        <p:nvSpPr>
+          <p:cNvPr id="38" name="矩形 37">
+            <a:extLst>
+              <a:ext uri="{FF2B5EF4-FFF2-40B4-BE49-F238E27FC236}">
+                <a16:creationId xmlns:a16="http://schemas.microsoft.com/office/drawing/2014/main" id="{0F783430-2732-B541-B9AE-8AD6637FF565}"/>
+              </a:ext>
+            </a:extLst>
+          </p:cNvPr>
+          <p:cNvSpPr/>
+          <p:nvPr/>
+        </p:nvSpPr>
+        <p:spPr>
+          <a:xfrm>
+            <a:off x="3231930" y="3523846"/>
+            <a:ext cx="1900800" cy="1303336"/>
+          </a:xfrm>
+          <a:prstGeom prst="rect">
+            <a:avLst/>
+          </a:prstGeom>
+          <a:solidFill>
+            <a:schemeClr val="bg2">
+              <a:lumMod val="75000"/>
+            </a:schemeClr>
+          </a:solidFill>
+          <a:ln w="25400">
+            <a:noFill/>
+          </a:ln>
+        </p:spPr>
+        <p:style>
+          <a:lnRef idx="2">
+            <a:schemeClr val="accent1">
+              <a:shade val="50000"/>
+            </a:schemeClr>
+          </a:lnRef>
+          <a:fillRef idx="1">
+            <a:schemeClr val="accent1"/>
+          </a:fillRef>
+          <a:effectRef idx="0">
+            <a:schemeClr val="accent1"/>
+          </a:effectRef>
+          <a:fontRef idx="minor">
+            <a:schemeClr val="lt1"/>
+          </a:fontRef>
+        </p:style>
+        <p:txBody>
+          <a:bodyPr rtlCol="0" anchor="ctr"/>
+          <a:lstStyle/>
+          <a:p>
+            <a:pPr algn="ctr"/>
+            <a:endParaRPr kumimoji="1" lang="zh-CN" altLang="en-US"/>
+          </a:p>
+        </p:txBody>
+      </p:sp>
+      <p:sp>
+        <p:nvSpPr>
+          <p:cNvPr id="39" name="文本框 38">
+            <a:extLst>
+              <a:ext uri="{FF2B5EF4-FFF2-40B4-BE49-F238E27FC236}">
+                <a16:creationId xmlns:a16="http://schemas.microsoft.com/office/drawing/2014/main" id="{BC5724EA-0ABE-254D-B326-EAA3BB69154B}"/>
+              </a:ext>
+            </a:extLst>
+          </p:cNvPr>
+          <p:cNvSpPr txBox="1"/>
+          <p:nvPr/>
+        </p:nvSpPr>
+        <p:spPr>
+          <a:xfrm>
+            <a:off x="3231929" y="3543072"/>
+            <a:ext cx="965329" cy="369332"/>
+          </a:xfrm>
+          <a:prstGeom prst="rect">
+            <a:avLst/>
+          </a:prstGeom>
+          <a:noFill/>
+        </p:spPr>
+        <p:txBody>
+          <a:bodyPr wrap="none" rtlCol="0">
+            <a:spAutoFit/>
+          </a:bodyPr>
+          <a:lstStyle/>
+          <a:p>
+            <a:r>
+              <a:rPr kumimoji="1" lang="en-US" altLang="zh-CN">
+                <a:solidFill>
+                  <a:schemeClr val="bg1"/>
+                </a:solidFill>
+                <a:latin typeface="Microsoft YaHei" panose="020B0503020204020204" pitchFamily="34" charset="-122"/>
+                <a:ea typeface="Microsoft YaHei" panose="020B0503020204020204" pitchFamily="34" charset="-122"/>
+              </a:rPr>
+              <a:t>Looper</a:t>
+            </a:r>
+            <a:endParaRPr kumimoji="1" lang="zh-CN" altLang="en-US">
+              <a:solidFill>
+                <a:schemeClr val="bg1"/>
+              </a:solidFill>
+              <a:latin typeface="Microsoft YaHei" panose="020B0503020204020204" pitchFamily="34" charset="-122"/>
+              <a:ea typeface="Microsoft YaHei" panose="020B0503020204020204" pitchFamily="34" charset="-122"/>
+            </a:endParaRPr>
+          </a:p>
+        </p:txBody>
+      </p:sp>
+      <p:cxnSp>
+        <p:nvCxnSpPr>
+          <p:cNvPr id="41" name="直线箭头连接符 40">
+            <a:extLst>
+              <a:ext uri="{FF2B5EF4-FFF2-40B4-BE49-F238E27FC236}">
+                <a16:creationId xmlns:a16="http://schemas.microsoft.com/office/drawing/2014/main" id="{1E1980DC-7A3D-2545-9EF8-61B8DC5B8CAA}"/>
+              </a:ext>
+            </a:extLst>
+          </p:cNvPr>
+          <p:cNvCxnSpPr/>
+          <p:nvPr/>
+        </p:nvCxnSpPr>
+        <p:spPr>
+          <a:xfrm flipH="1">
+            <a:off x="5132730" y="4622653"/>
+            <a:ext cx="599835" cy="0"/>
+          </a:xfrm>
+          <a:prstGeom prst="straightConnector1">
+            <a:avLst/>
+          </a:prstGeom>
+          <a:ln w="19050">
+            <a:solidFill>
+              <a:schemeClr val="accent2"/>
+            </a:solidFill>
+            <a:tailEnd type="triangle"/>
+          </a:ln>
+        </p:spPr>
+        <p:style>
+          <a:lnRef idx="1">
+            <a:schemeClr val="accent1"/>
+          </a:lnRef>
+          <a:fillRef idx="0">
+            <a:schemeClr val="accent1"/>
+          </a:fillRef>
+          <a:effectRef idx="0">
+            <a:schemeClr val="accent1"/>
+          </a:effectRef>
+          <a:fontRef idx="minor">
+            <a:schemeClr val="tx1"/>
+          </a:fontRef>
+        </p:style>
+      </p:cxnSp>
+      <p:cxnSp>
+        <p:nvCxnSpPr>
+          <p:cNvPr id="43" name="直线箭头连接符 42">
+            <a:extLst>
+              <a:ext uri="{FF2B5EF4-FFF2-40B4-BE49-F238E27FC236}">
+                <a16:creationId xmlns:a16="http://schemas.microsoft.com/office/drawing/2014/main" id="{4C987335-5C20-7241-8B9D-D974D5E59817}"/>
+              </a:ext>
+            </a:extLst>
+          </p:cNvPr>
+          <p:cNvCxnSpPr>
+            <a:cxnSpLocks/>
+          </p:cNvCxnSpPr>
+          <p:nvPr/>
+        </p:nvCxnSpPr>
+        <p:spPr>
+          <a:xfrm>
+            <a:off x="7527851" y="2392024"/>
+            <a:ext cx="0" cy="1214846"/>
+          </a:xfrm>
+          <a:prstGeom prst="straightConnector1">
+            <a:avLst/>
+          </a:prstGeom>
+          <a:ln w="31750">
+            <a:solidFill>
+              <a:schemeClr val="accent2"/>
+            </a:solidFill>
+            <a:tailEnd type="triangle"/>
+          </a:ln>
+        </p:spPr>
+        <p:style>
+          <a:lnRef idx="1">
+            <a:schemeClr val="accent1"/>
+          </a:lnRef>
+          <a:fillRef idx="0">
+            <a:schemeClr val="accent1"/>
+          </a:fillRef>
+          <a:effectRef idx="0">
+            <a:schemeClr val="accent1"/>
+          </a:effectRef>
+          <a:fontRef idx="minor">
+            <a:schemeClr val="tx1"/>
+          </a:fontRef>
+        </p:style>
+      </p:cxnSp>
+      <p:cxnSp>
+        <p:nvCxnSpPr>
+          <p:cNvPr id="44" name="直线箭头连接符 43">
+            <a:extLst>
+              <a:ext uri="{FF2B5EF4-FFF2-40B4-BE49-F238E27FC236}">
+                <a16:creationId xmlns:a16="http://schemas.microsoft.com/office/drawing/2014/main" id="{3B3F0709-9C20-F045-BEC8-E75DC729119A}"/>
+              </a:ext>
+            </a:extLst>
+          </p:cNvPr>
+          <p:cNvCxnSpPr/>
+          <p:nvPr/>
+        </p:nvCxnSpPr>
+        <p:spPr>
+          <a:xfrm>
+            <a:off x="4385447" y="2686456"/>
+            <a:ext cx="0" cy="1022056"/>
+          </a:xfrm>
+          <a:prstGeom prst="straightConnector1">
+            <a:avLst/>
+          </a:prstGeom>
+          <a:ln w="31750">
+            <a:solidFill>
+              <a:schemeClr val="accent2"/>
+            </a:solidFill>
+            <a:prstDash val="sysDash"/>
+            <a:tailEnd type="triangle"/>
+          </a:ln>
+        </p:spPr>
+        <p:style>
+          <a:lnRef idx="1">
+            <a:schemeClr val="accent1"/>
+          </a:lnRef>
+          <a:fillRef idx="0">
+            <a:schemeClr val="accent1"/>
+          </a:fillRef>
+          <a:effectRef idx="0">
+            <a:schemeClr val="accent1"/>
+          </a:effectRef>
+          <a:fontRef idx="minor">
+            <a:schemeClr val="tx1"/>
+          </a:fontRef>
+        </p:style>
+      </p:cxnSp>
+    </p:spTree>
+    <p:extLst>
+      <p:ext uri="{BB962C8B-B14F-4D97-AF65-F5344CB8AC3E}">
+        <p14:creationId xmlns:p14="http://schemas.microsoft.com/office/powerpoint/2010/main" val="3663682701"/>
+      </p:ext>
+    </p:extLst>
+  </p:cSld>
+  <p:clrMapOvr>
+    <a:masterClrMapping/>
+  </p:clrMapOvr>
+</p:sld>
+</file>
+
+<file path=ppt/slides/slide15.xml><?xml version="1.0" encoding="utf-8"?>
+<p:sld xmlns:a="http://schemas.openxmlformats.org/drawingml/2006/main" xmlns:r="http://schemas.openxmlformats.org/officeDocument/2006/relationships" xmlns:p="http://schemas.openxmlformats.org/presentationml/2006/main">
+  <p:cSld>
+    <p:spTree>
+      <p:nvGrpSpPr>
+        <p:cNvPr id="1" name=""/>
+        <p:cNvGrpSpPr/>
+        <p:nvPr/>
+      </p:nvGrpSpPr>
+      <p:grpSpPr>
+        <a:xfrm>
+          <a:off x="0" y="0"/>
+          <a:ext cx="0" cy="0"/>
+          <a:chOff x="0" y="0"/>
+          <a:chExt cx="0" cy="0"/>
+        </a:xfrm>
+      </p:grpSpPr>
+      <p:sp>
+        <p:nvSpPr>
+          <p:cNvPr id="2" name="标题 1">
+            <a:extLst>
+              <a:ext uri="{FF2B5EF4-FFF2-40B4-BE49-F238E27FC236}">
+                <a16:creationId xmlns:a16="http://schemas.microsoft.com/office/drawing/2014/main" id="{451E3C6B-423E-A641-B9B4-74533CF80C35}"/>
+              </a:ext>
+            </a:extLst>
+          </p:cNvPr>
+          <p:cNvSpPr>
+            <a:spLocks noGrp="1"/>
+          </p:cNvSpPr>
+          <p:nvPr>
+            <p:ph type="title"/>
+          </p:nvPr>
+        </p:nvSpPr>
+        <p:spPr/>
+        <p:txBody>
+          <a:bodyPr>
+            <a:normAutofit/>
+          </a:bodyPr>
+          <a:lstStyle/>
+          <a:p>
+            <a:pPr algn="ctr"/>
+            <a:r>
+              <a:rPr kumimoji="1" lang="zh-CN" altLang="en-US" sz="3000" b="1">
+                <a:solidFill>
+                  <a:srgbClr val="C00000"/>
+                </a:solidFill>
+                <a:latin typeface="Microsoft YaHei" panose="020B0503020204020204" pitchFamily="34" charset="-122"/>
+                <a:ea typeface="Microsoft YaHei" panose="020B0503020204020204" pitchFamily="34" charset="-122"/>
+              </a:rPr>
+              <a:t>回答问题</a:t>
+            </a:r>
+          </a:p>
+        </p:txBody>
+      </p:sp>
+      <p:sp>
+        <p:nvSpPr>
+          <p:cNvPr id="3" name="内容占位符 2">
+            <a:extLst>
+              <a:ext uri="{FF2B5EF4-FFF2-40B4-BE49-F238E27FC236}">
+                <a16:creationId xmlns:a16="http://schemas.microsoft.com/office/drawing/2014/main" id="{1FDA60B1-C987-FB44-9484-80F0F501EDEB}"/>
+              </a:ext>
+            </a:extLst>
+          </p:cNvPr>
+          <p:cNvSpPr>
+            <a:spLocks noGrp="1"/>
+          </p:cNvSpPr>
+          <p:nvPr>
+            <p:ph idx="1"/>
+          </p:nvPr>
+        </p:nvSpPr>
+        <p:spPr/>
+        <p:txBody>
+          <a:bodyPr>
+            <a:normAutofit/>
+          </a:bodyPr>
+          <a:lstStyle/>
+          <a:p>
+            <a:pPr>
+              <a:lnSpc>
+                <a:spcPct val="200000"/>
+              </a:lnSpc>
+              <a:buClr>
+                <a:srgbClr val="C00000"/>
+              </a:buClr>
+              <a:buFont typeface="Wingdings" pitchFamily="2" charset="2"/>
+              <a:buChar char="u"/>
+            </a:pPr>
+            <a:r>
+              <a:rPr kumimoji="1" lang="zh-CN" altLang="en-US" sz="2000">
+                <a:latin typeface="Microsoft YaHei" panose="020B0503020204020204" pitchFamily="34" charset="-122"/>
+                <a:ea typeface="Microsoft YaHei" panose="020B0503020204020204" pitchFamily="34" charset="-122"/>
+              </a:rPr>
+              <a:t>  可以在子线程创建</a:t>
+            </a:r>
+            <a:r>
+              <a:rPr kumimoji="1" lang="en-US" altLang="zh-CN" sz="2000">
+                <a:latin typeface="Microsoft YaHei" panose="020B0503020204020204" pitchFamily="34" charset="-122"/>
+                <a:ea typeface="Microsoft YaHei" panose="020B0503020204020204" pitchFamily="34" charset="-122"/>
+              </a:rPr>
+              <a:t>handler</a:t>
+            </a:r>
+            <a:r>
+              <a:rPr kumimoji="1" lang="zh-CN" altLang="en-US" sz="2000">
+                <a:latin typeface="Microsoft YaHei" panose="020B0503020204020204" pitchFamily="34" charset="-122"/>
+                <a:ea typeface="Microsoft YaHei" panose="020B0503020204020204" pitchFamily="34" charset="-122"/>
+              </a:rPr>
+              <a:t>么？</a:t>
+            </a:r>
+            <a:endParaRPr kumimoji="1" lang="en-US" altLang="zh-CN" sz="2000">
+              <a:latin typeface="Microsoft YaHei" panose="020B0503020204020204" pitchFamily="34" charset="-122"/>
+              <a:ea typeface="Microsoft YaHei" panose="020B0503020204020204" pitchFamily="34" charset="-122"/>
+            </a:endParaRPr>
+          </a:p>
+          <a:p>
+            <a:pPr>
+              <a:lnSpc>
+                <a:spcPct val="200000"/>
+              </a:lnSpc>
+              <a:buClr>
+                <a:srgbClr val="C00000"/>
+              </a:buClr>
+              <a:buFont typeface="Wingdings" pitchFamily="2" charset="2"/>
+              <a:buChar char="u"/>
+            </a:pPr>
+            <a:r>
+              <a:rPr kumimoji="1" lang="zh-CN" altLang="en-US" sz="2000">
+                <a:latin typeface="Microsoft YaHei" panose="020B0503020204020204" pitchFamily="34" charset="-122"/>
+                <a:ea typeface="Microsoft YaHei" panose="020B0503020204020204" pitchFamily="34" charset="-122"/>
+              </a:rPr>
+              <a:t>  主线程的</a:t>
+            </a:r>
+            <a:r>
+              <a:rPr kumimoji="1" lang="en-US" altLang="zh-CN" sz="2000">
+                <a:latin typeface="Microsoft YaHei" panose="020B0503020204020204" pitchFamily="34" charset="-122"/>
+                <a:ea typeface="Microsoft YaHei" panose="020B0503020204020204" pitchFamily="34" charset="-122"/>
+              </a:rPr>
+              <a:t>Looper</a:t>
+            </a:r>
+            <a:r>
+              <a:rPr kumimoji="1" lang="zh-CN" altLang="en-US" sz="2000">
+                <a:latin typeface="Microsoft YaHei" panose="020B0503020204020204" pitchFamily="34" charset="-122"/>
+                <a:ea typeface="Microsoft YaHei" panose="020B0503020204020204" pitchFamily="34" charset="-122"/>
+              </a:rPr>
+              <a:t>和子线程的</a:t>
+            </a:r>
+            <a:r>
+              <a:rPr kumimoji="1" lang="en-US" altLang="zh-CN" sz="2000">
+                <a:latin typeface="Microsoft YaHei" panose="020B0503020204020204" pitchFamily="34" charset="-122"/>
+                <a:ea typeface="Microsoft YaHei" panose="020B0503020204020204" pitchFamily="34" charset="-122"/>
+              </a:rPr>
+              <a:t>Looper</a:t>
+            </a:r>
+            <a:r>
+              <a:rPr kumimoji="1" lang="zh-CN" altLang="en-US" sz="2000">
+                <a:latin typeface="Microsoft YaHei" panose="020B0503020204020204" pitchFamily="34" charset="-122"/>
+                <a:ea typeface="Microsoft YaHei" panose="020B0503020204020204" pitchFamily="34" charset="-122"/>
+              </a:rPr>
+              <a:t>有什么区别？</a:t>
+            </a:r>
+            <a:endParaRPr kumimoji="1" lang="en-US" altLang="zh-CN" sz="2000">
+              <a:latin typeface="Microsoft YaHei" panose="020B0503020204020204" pitchFamily="34" charset="-122"/>
+              <a:ea typeface="Microsoft YaHei" panose="020B0503020204020204" pitchFamily="34" charset="-122"/>
+            </a:endParaRPr>
+          </a:p>
+          <a:p>
+            <a:pPr>
+              <a:lnSpc>
+                <a:spcPct val="200000"/>
+              </a:lnSpc>
+              <a:buClr>
+                <a:srgbClr val="C00000"/>
+              </a:buClr>
+              <a:buFont typeface="Wingdings" pitchFamily="2" charset="2"/>
+              <a:buChar char="u"/>
+            </a:pPr>
+            <a:r>
+              <a:rPr kumimoji="1" lang="zh-CN" altLang="en-US" sz="2000">
+                <a:latin typeface="Microsoft YaHei" panose="020B0503020204020204" pitchFamily="34" charset="-122"/>
+                <a:ea typeface="Microsoft YaHei" panose="020B0503020204020204" pitchFamily="34" charset="-122"/>
+              </a:rPr>
+              <a:t>  </a:t>
+            </a:r>
+            <a:r>
+              <a:rPr kumimoji="1" lang="en-US" altLang="zh-CN" sz="2000">
+                <a:latin typeface="Microsoft YaHei" panose="020B0503020204020204" pitchFamily="34" charset="-122"/>
+                <a:ea typeface="Microsoft YaHei" panose="020B0503020204020204" pitchFamily="34" charset="-122"/>
+              </a:rPr>
+              <a:t>Looper</a:t>
+            </a:r>
+            <a:r>
+              <a:rPr kumimoji="1" lang="zh-CN" altLang="en-US" sz="2000">
+                <a:latin typeface="Microsoft YaHei" panose="020B0503020204020204" pitchFamily="34" charset="-122"/>
+                <a:ea typeface="Microsoft YaHei" panose="020B0503020204020204" pitchFamily="34" charset="-122"/>
+              </a:rPr>
+              <a:t>和</a:t>
+            </a:r>
+            <a:r>
+              <a:rPr kumimoji="1" lang="en-US" altLang="zh-CN" sz="2000">
+                <a:latin typeface="Microsoft YaHei" panose="020B0503020204020204" pitchFamily="34" charset="-122"/>
+                <a:ea typeface="Microsoft YaHei" panose="020B0503020204020204" pitchFamily="34" charset="-122"/>
+              </a:rPr>
+              <a:t>MessageQueue</a:t>
+            </a:r>
+            <a:r>
+              <a:rPr kumimoji="1" lang="zh-CN" altLang="en-US" sz="2000">
+                <a:latin typeface="Microsoft YaHei" panose="020B0503020204020204" pitchFamily="34" charset="-122"/>
+                <a:ea typeface="Microsoft YaHei" panose="020B0503020204020204" pitchFamily="34" charset="-122"/>
+              </a:rPr>
+              <a:t>有什么关系？</a:t>
+            </a:r>
+            <a:endParaRPr kumimoji="1" lang="en-US" altLang="zh-CN" sz="2000">
+              <a:latin typeface="Microsoft YaHei" panose="020B0503020204020204" pitchFamily="34" charset="-122"/>
+              <a:ea typeface="Microsoft YaHei" panose="020B0503020204020204" pitchFamily="34" charset="-122"/>
+            </a:endParaRPr>
+          </a:p>
+          <a:p>
+            <a:pPr>
+              <a:lnSpc>
+                <a:spcPct val="200000"/>
+              </a:lnSpc>
+              <a:buClr>
+                <a:srgbClr val="C00000"/>
+              </a:buClr>
+              <a:buFont typeface="Wingdings" pitchFamily="2" charset="2"/>
+              <a:buChar char="u"/>
+            </a:pPr>
+            <a:r>
+              <a:rPr kumimoji="1" lang="zh-CN" altLang="en-US" sz="2000">
+                <a:latin typeface="Microsoft YaHei" panose="020B0503020204020204" pitchFamily="34" charset="-122"/>
+                <a:ea typeface="Microsoft YaHei" panose="020B0503020204020204" pitchFamily="34" charset="-122"/>
+              </a:rPr>
+              <a:t>  </a:t>
+            </a:r>
+            <a:r>
+              <a:rPr kumimoji="1" lang="en-US" altLang="zh-CN" sz="2000">
+                <a:latin typeface="Microsoft YaHei" panose="020B0503020204020204" pitchFamily="34" charset="-122"/>
+                <a:ea typeface="Microsoft YaHei" panose="020B0503020204020204" pitchFamily="34" charset="-122"/>
+              </a:rPr>
+              <a:t>MessageQueue</a:t>
+            </a:r>
+            <a:r>
+              <a:rPr kumimoji="1" lang="zh-CN" altLang="en-US" sz="2000">
+                <a:latin typeface="Microsoft YaHei" panose="020B0503020204020204" pitchFamily="34" charset="-122"/>
+                <a:ea typeface="Microsoft YaHei" panose="020B0503020204020204" pitchFamily="34" charset="-122"/>
+              </a:rPr>
+              <a:t>是怎么创建的？</a:t>
+            </a:r>
+          </a:p>
+        </p:txBody>
+      </p:sp>
+    </p:spTree>
+    <p:extLst>
+      <p:ext uri="{BB962C8B-B14F-4D97-AF65-F5344CB8AC3E}">
+        <p14:creationId xmlns:p14="http://schemas.microsoft.com/office/powerpoint/2010/main" val="307634532"/>
+      </p:ext>
+    </p:extLst>
+  </p:cSld>
+  <p:clrMapOvr>
+    <a:masterClrMapping/>
+  </p:clrMapOvr>
+</p:sld>
+</file>
+
+<file path=ppt/slides/slide16.xml><?xml version="1.0" encoding="utf-8"?>
+<p:sld xmlns:a="http://schemas.openxmlformats.org/drawingml/2006/main" xmlns:r="http://schemas.openxmlformats.org/officeDocument/2006/relationships" xmlns:p="http://schemas.openxmlformats.org/presentationml/2006/main">
+  <p:cSld>
+    <p:spTree>
+      <p:nvGrpSpPr>
+        <p:cNvPr id="1" name=""/>
+        <p:cNvGrpSpPr/>
+        <p:nvPr/>
+      </p:nvGrpSpPr>
+      <p:grpSpPr>
+        <a:xfrm>
+          <a:off x="0" y="0"/>
+          <a:ext cx="0" cy="0"/>
+          <a:chOff x="0" y="0"/>
+          <a:chExt cx="0" cy="0"/>
+        </a:xfrm>
+      </p:grpSpPr>
+      <p:sp>
+        <p:nvSpPr>
+          <p:cNvPr id="2" name="标题 1">
+            <a:extLst>
+              <a:ext uri="{FF2B5EF4-FFF2-40B4-BE49-F238E27FC236}">
+                <a16:creationId xmlns:a16="http://schemas.microsoft.com/office/drawing/2014/main" id="{BFDB63BF-A2A1-4645-A825-A045C52A59AB}"/>
+              </a:ext>
+            </a:extLst>
+          </p:cNvPr>
+          <p:cNvSpPr>
+            <a:spLocks noGrp="1"/>
+          </p:cNvSpPr>
+          <p:nvPr>
+            <p:ph type="title"/>
+          </p:nvPr>
+        </p:nvSpPr>
+        <p:spPr/>
+        <p:txBody>
+          <a:bodyPr>
+            <a:normAutofit/>
+          </a:bodyPr>
+          <a:lstStyle/>
+          <a:p>
+            <a:pPr algn="ctr"/>
+            <a:r>
+              <a:rPr kumimoji="1" lang="zh-CN" altLang="en-US" sz="3000" b="1">
+                <a:solidFill>
+                  <a:srgbClr val="C00000"/>
+                </a:solidFill>
+                <a:latin typeface="Microsoft YaHei" panose="020B0503020204020204" pitchFamily="34" charset="-122"/>
+                <a:ea typeface="Microsoft YaHei" panose="020B0503020204020204" pitchFamily="34" charset="-122"/>
+              </a:rPr>
+              <a:t>说说线程的消息队列是怎么创建的？</a:t>
+            </a:r>
+          </a:p>
+        </p:txBody>
+      </p:sp>
+      <p:sp>
+        <p:nvSpPr>
+          <p:cNvPr id="3" name="内容占位符 2">
+            <a:extLst>
+              <a:ext uri="{FF2B5EF4-FFF2-40B4-BE49-F238E27FC236}">
+                <a16:creationId xmlns:a16="http://schemas.microsoft.com/office/drawing/2014/main" id="{63018F2C-D66D-7B4F-BF23-4FF2738DDBBE}"/>
+              </a:ext>
+            </a:extLst>
+          </p:cNvPr>
+          <p:cNvSpPr>
+            <a:spLocks noGrp="1"/>
+          </p:cNvSpPr>
+          <p:nvPr>
+            <p:ph idx="1"/>
+          </p:nvPr>
+        </p:nvSpPr>
+        <p:spPr/>
+        <p:txBody>
+          <a:bodyPr>
+            <a:normAutofit/>
+          </a:bodyPr>
+          <a:lstStyle/>
+          <a:p>
+            <a:pPr>
+              <a:lnSpc>
+                <a:spcPct val="200000"/>
+              </a:lnSpc>
+              <a:buClr>
+                <a:srgbClr val="C00000"/>
+              </a:buClr>
+              <a:buFont typeface="Wingdings" pitchFamily="2" charset="2"/>
+              <a:buChar char="u"/>
+            </a:pPr>
+            <a:r>
+              <a:rPr kumimoji="1" lang="zh-CN" altLang="en-US" sz="2000">
+                <a:latin typeface="Microsoft YaHei" panose="020B0503020204020204" pitchFamily="34" charset="-122"/>
+                <a:ea typeface="Microsoft YaHei" panose="020B0503020204020204" pitchFamily="34" charset="-122"/>
+              </a:rPr>
+              <a:t>  </a:t>
+            </a:r>
+            <a:r>
+              <a:rPr kumimoji="1" lang="en-US" altLang="zh-CN" sz="2000">
+                <a:latin typeface="Microsoft YaHei" panose="020B0503020204020204" pitchFamily="34" charset="-122"/>
+                <a:ea typeface="Microsoft YaHei" panose="020B0503020204020204" pitchFamily="34" charset="-122"/>
+              </a:rPr>
+              <a:t>Looper</a:t>
+            </a:r>
+            <a:r>
+              <a:rPr kumimoji="1" lang="zh-CN" altLang="en-US" sz="2000">
+                <a:latin typeface="Microsoft YaHei" panose="020B0503020204020204" pitchFamily="34" charset="-122"/>
+                <a:ea typeface="Microsoft YaHei" panose="020B0503020204020204" pitchFamily="34" charset="-122"/>
+              </a:rPr>
+              <a:t>创建原理，和线程的关系</a:t>
+            </a:r>
+            <a:endParaRPr kumimoji="1" lang="en-US" altLang="zh-CN" sz="2000">
+              <a:latin typeface="Microsoft YaHei" panose="020B0503020204020204" pitchFamily="34" charset="-122"/>
+              <a:ea typeface="Microsoft YaHei" panose="020B0503020204020204" pitchFamily="34" charset="-122"/>
+            </a:endParaRPr>
+          </a:p>
+          <a:p>
+            <a:pPr>
+              <a:lnSpc>
+                <a:spcPct val="200000"/>
+              </a:lnSpc>
+              <a:buClr>
+                <a:srgbClr val="C00000"/>
+              </a:buClr>
+              <a:buFont typeface="Wingdings" pitchFamily="2" charset="2"/>
+              <a:buChar char="u"/>
+            </a:pPr>
+            <a:r>
+              <a:rPr kumimoji="1" lang="zh-CN" altLang="en-US" sz="2000">
+                <a:latin typeface="Microsoft YaHei" panose="020B0503020204020204" pitchFamily="34" charset="-122"/>
+                <a:ea typeface="Microsoft YaHei" panose="020B0503020204020204" pitchFamily="34" charset="-122"/>
+              </a:rPr>
+              <a:t>  </a:t>
+            </a:r>
+            <a:r>
+              <a:rPr kumimoji="1" lang="en-US" altLang="zh-CN" sz="2000">
+                <a:latin typeface="Microsoft YaHei" panose="020B0503020204020204" pitchFamily="34" charset="-122"/>
+                <a:ea typeface="Microsoft YaHei" panose="020B0503020204020204" pitchFamily="34" charset="-122"/>
+              </a:rPr>
+              <a:t>MessageQueue</a:t>
+            </a:r>
+            <a:r>
+              <a:rPr kumimoji="1" lang="zh-CN" altLang="en-US" sz="2000">
+                <a:latin typeface="Microsoft YaHei" panose="020B0503020204020204" pitchFamily="34" charset="-122"/>
+                <a:ea typeface="Microsoft YaHei" panose="020B0503020204020204" pitchFamily="34" charset="-122"/>
+              </a:rPr>
+              <a:t>创建原理，和</a:t>
+            </a:r>
+            <a:r>
+              <a:rPr kumimoji="1" lang="en-US" altLang="zh-CN" sz="2000">
+                <a:latin typeface="Microsoft YaHei" panose="020B0503020204020204" pitchFamily="34" charset="-122"/>
+                <a:ea typeface="Microsoft YaHei" panose="020B0503020204020204" pitchFamily="34" charset="-122"/>
+              </a:rPr>
+              <a:t>Looper</a:t>
+            </a:r>
+            <a:r>
+              <a:rPr kumimoji="1" lang="zh-CN" altLang="en-US" sz="2000">
+                <a:latin typeface="Microsoft YaHei" panose="020B0503020204020204" pitchFamily="34" charset="-122"/>
+                <a:ea typeface="Microsoft YaHei" panose="020B0503020204020204" pitchFamily="34" charset="-122"/>
+              </a:rPr>
+              <a:t>的关系</a:t>
+            </a:r>
+            <a:endParaRPr kumimoji="1" lang="en-US" altLang="zh-CN" sz="2000">
+              <a:latin typeface="Microsoft YaHei" panose="020B0503020204020204" pitchFamily="34" charset="-122"/>
+              <a:ea typeface="Microsoft YaHei" panose="020B0503020204020204" pitchFamily="34" charset="-122"/>
+            </a:endParaRPr>
+          </a:p>
+          <a:p>
+            <a:pPr>
+              <a:lnSpc>
+                <a:spcPct val="200000"/>
+              </a:lnSpc>
+              <a:buClr>
+                <a:srgbClr val="C00000"/>
+              </a:buClr>
+              <a:buFont typeface="Wingdings" pitchFamily="2" charset="2"/>
+              <a:buChar char="u"/>
+            </a:pPr>
+            <a:r>
+              <a:rPr kumimoji="1" lang="zh-CN" altLang="en-US" sz="2000">
+                <a:latin typeface="Microsoft YaHei" panose="020B0503020204020204" pitchFamily="34" charset="-122"/>
+                <a:ea typeface="Microsoft YaHei" panose="020B0503020204020204" pitchFamily="34" charset="-122"/>
+              </a:rPr>
+              <a:t>  说说</a:t>
+            </a:r>
+            <a:r>
+              <a:rPr kumimoji="1" lang="en-US" altLang="zh-CN" sz="2000">
+                <a:latin typeface="Microsoft YaHei" panose="020B0503020204020204" pitchFamily="34" charset="-122"/>
+                <a:ea typeface="Microsoft YaHei" panose="020B0503020204020204" pitchFamily="34" charset="-122"/>
+              </a:rPr>
+              <a:t>Looper</a:t>
+            </a:r>
+            <a:r>
+              <a:rPr kumimoji="1" lang="zh-CN" altLang="en-US" sz="2000">
+                <a:latin typeface="Microsoft YaHei" panose="020B0503020204020204" pitchFamily="34" charset="-122"/>
+                <a:ea typeface="Microsoft YaHei" panose="020B0503020204020204" pitchFamily="34" charset="-122"/>
+              </a:rPr>
+              <a:t>和</a:t>
+            </a:r>
+            <a:r>
+              <a:rPr kumimoji="1" lang="en-US" altLang="zh-CN" sz="2000">
+                <a:latin typeface="Microsoft YaHei" panose="020B0503020204020204" pitchFamily="34" charset="-122"/>
+                <a:ea typeface="Microsoft YaHei" panose="020B0503020204020204" pitchFamily="34" charset="-122"/>
+              </a:rPr>
+              <a:t>MessageQueue</a:t>
+            </a:r>
+            <a:r>
+              <a:rPr kumimoji="1" lang="zh-CN" altLang="en-US" sz="2000">
+                <a:latin typeface="Microsoft YaHei" panose="020B0503020204020204" pitchFamily="34" charset="-122"/>
+                <a:ea typeface="Microsoft YaHei" panose="020B0503020204020204" pitchFamily="34" charset="-122"/>
+              </a:rPr>
+              <a:t>在</a:t>
+            </a:r>
+            <a:r>
+              <a:rPr kumimoji="1" lang="en-US" altLang="zh-CN" sz="2000">
+                <a:latin typeface="Microsoft YaHei" panose="020B0503020204020204" pitchFamily="34" charset="-122"/>
+                <a:ea typeface="Microsoft YaHei" panose="020B0503020204020204" pitchFamily="34" charset="-122"/>
+              </a:rPr>
+              <a:t>Native</a:t>
+            </a:r>
+            <a:r>
+              <a:rPr kumimoji="1" lang="zh-CN" altLang="en-US" sz="2000">
+                <a:latin typeface="Microsoft YaHei" panose="020B0503020204020204" pitchFamily="34" charset="-122"/>
+                <a:ea typeface="Microsoft YaHei" panose="020B0503020204020204" pitchFamily="34" charset="-122"/>
+              </a:rPr>
+              <a:t>层的创建原理</a:t>
+            </a:r>
+          </a:p>
+        </p:txBody>
+      </p:sp>
+      <p:pic>
+        <p:nvPicPr>
+          <p:cNvPr id="5" name="图片 4">
+            <a:extLst>
+              <a:ext uri="{FF2B5EF4-FFF2-40B4-BE49-F238E27FC236}">
+                <a16:creationId xmlns:a16="http://schemas.microsoft.com/office/drawing/2014/main" id="{22F55600-6044-BB4D-A317-2756D878FB52}"/>
+              </a:ext>
+            </a:extLst>
+          </p:cNvPr>
+          <p:cNvPicPr>
+            <a:picLocks noChangeAspect="1"/>
+          </p:cNvPicPr>
+          <p:nvPr/>
+        </p:nvPicPr>
+        <p:blipFill>
+          <a:blip r:embed="rId2"/>
+          <a:stretch>
+            <a:fillRect/>
+          </a:stretch>
+        </p:blipFill>
+        <p:spPr>
+          <a:xfrm>
+            <a:off x="5389821" y="1442318"/>
+            <a:ext cx="533400" cy="533400"/>
+          </a:xfrm>
+          <a:prstGeom prst="rect">
+            <a:avLst/>
+          </a:prstGeom>
+        </p:spPr>
+      </p:pic>
+      <p:pic>
+        <p:nvPicPr>
+          <p:cNvPr id="6" name="图片 5">
+            <a:extLst>
+              <a:ext uri="{FF2B5EF4-FFF2-40B4-BE49-F238E27FC236}">
+                <a16:creationId xmlns:a16="http://schemas.microsoft.com/office/drawing/2014/main" id="{625E0A89-153A-E143-803E-F318E288F25C}"/>
+              </a:ext>
+            </a:extLst>
+          </p:cNvPr>
+          <p:cNvPicPr>
+            <a:picLocks noChangeAspect="1"/>
+          </p:cNvPicPr>
+          <p:nvPr/>
+        </p:nvPicPr>
+        <p:blipFill>
+          <a:blip r:embed="rId2"/>
+          <a:stretch>
+            <a:fillRect/>
+          </a:stretch>
+        </p:blipFill>
+        <p:spPr>
+          <a:xfrm>
+            <a:off x="6562946" y="2158242"/>
+            <a:ext cx="533400" cy="533400"/>
+          </a:xfrm>
+          <a:prstGeom prst="rect">
+            <a:avLst/>
+          </a:prstGeom>
+        </p:spPr>
+      </p:pic>
+      <p:pic>
+        <p:nvPicPr>
+          <p:cNvPr id="7" name="图片 6">
+            <a:extLst>
+              <a:ext uri="{FF2B5EF4-FFF2-40B4-BE49-F238E27FC236}">
+                <a16:creationId xmlns:a16="http://schemas.microsoft.com/office/drawing/2014/main" id="{54E0FC6C-65BC-1048-B187-F1D966027E4A}"/>
+              </a:ext>
+            </a:extLst>
+          </p:cNvPr>
+          <p:cNvPicPr>
+            <a:picLocks noChangeAspect="1"/>
+          </p:cNvPicPr>
+          <p:nvPr/>
+        </p:nvPicPr>
+        <p:blipFill>
+          <a:blip r:embed="rId2"/>
+          <a:stretch>
+            <a:fillRect/>
+          </a:stretch>
+        </p:blipFill>
+        <p:spPr>
+          <a:xfrm>
+            <a:off x="7438366" y="2895433"/>
+            <a:ext cx="533400" cy="533400"/>
+          </a:xfrm>
+          <a:prstGeom prst="rect">
+            <a:avLst/>
+          </a:prstGeom>
+        </p:spPr>
+      </p:pic>
+    </p:spTree>
+    <p:extLst>
+      <p:ext uri="{BB962C8B-B14F-4D97-AF65-F5344CB8AC3E}">
+        <p14:creationId xmlns:p14="http://schemas.microsoft.com/office/powerpoint/2010/main" val="1279575194"/>
+      </p:ext>
+    </p:extLst>
+  </p:cSld>
+  <p:clrMapOvr>
+    <a:masterClrMapping/>
+  </p:clrMapOvr>
+</p:sld>
+</file>
+
 <file path=ppt/slides/slide2.xml><?xml version="1.0" encoding="utf-8"?>
 <p:sld xmlns:a="http://schemas.openxmlformats.org/drawingml/2006/main" xmlns:r="http://schemas.openxmlformats.org/officeDocument/2006/relationships" xmlns:p="http://schemas.openxmlformats.org/presentationml/2006/main">
   <p:cSld>
@@ -3439,7 +9291,7 @@
                 <a:latin typeface="Microsoft YaHei" panose="020B0503020204020204" pitchFamily="34" charset="-122"/>
                 <a:ea typeface="Microsoft YaHei" panose="020B0503020204020204" pitchFamily="34" charset="-122"/>
               </a:rPr>
-              <a:t>里线程间消息传递机制</a:t>
+              <a:t>线程间消息传递机制？</a:t>
             </a:r>
             <a:endParaRPr kumimoji="1" lang="en-US" altLang="zh-CN" sz="2000">
               <a:latin typeface="Microsoft YaHei" panose="020B0503020204020204" pitchFamily="34" charset="-122"/>
@@ -3462,6 +9314,43 @@
                 <a:latin typeface="Microsoft YaHei" panose="020B0503020204020204" pitchFamily="34" charset="-122"/>
                 <a:ea typeface="Microsoft YaHei" panose="020B0503020204020204" pitchFamily="34" charset="-122"/>
               </a:rPr>
+              <a:t>  </a:t>
+            </a:r>
+            <a:r>
+              <a:rPr kumimoji="1" lang="en-US" altLang="zh-CN" sz="2000">
+                <a:latin typeface="Microsoft YaHei" panose="020B0503020204020204" pitchFamily="34" charset="-122"/>
+                <a:ea typeface="Microsoft YaHei" panose="020B0503020204020204" pitchFamily="34" charset="-122"/>
+              </a:rPr>
+              <a:t>Handler</a:t>
+            </a:r>
+            <a:r>
+              <a:rPr kumimoji="1" lang="zh-CN" altLang="en-US" sz="2000">
+                <a:latin typeface="Microsoft YaHei" panose="020B0503020204020204" pitchFamily="34" charset="-122"/>
+                <a:ea typeface="Microsoft YaHei" panose="020B0503020204020204" pitchFamily="34" charset="-122"/>
+              </a:rPr>
+              <a:t>的消息延时是怎么实现的？</a:t>
+            </a:r>
+            <a:endParaRPr kumimoji="1" lang="en-US" altLang="zh-CN" sz="2000">
+              <a:latin typeface="Microsoft YaHei" panose="020B0503020204020204" pitchFamily="34" charset="-122"/>
+              <a:ea typeface="Microsoft YaHei" panose="020B0503020204020204" pitchFamily="34" charset="-122"/>
+            </a:endParaRPr>
+          </a:p>
+          <a:p>
+            <a:pPr>
+              <a:lnSpc>
+                <a:spcPct val="200000"/>
+              </a:lnSpc>
+              <a:buClr>
+                <a:srgbClr val="C00000"/>
+              </a:buClr>
+              <a:buFont typeface="Wingdings" pitchFamily="2" charset="2"/>
+              <a:buChar char="u"/>
+            </a:pPr>
+            <a:r>
+              <a:rPr kumimoji="1" lang="zh-CN" altLang="en-US" sz="2000">
+                <a:latin typeface="Microsoft YaHei" panose="020B0503020204020204" pitchFamily="34" charset="-122"/>
+                <a:ea typeface="Microsoft YaHei" panose="020B0503020204020204" pitchFamily="34" charset="-122"/>
+              </a:rPr>
               <a:t>  说说</a:t>
             </a:r>
             <a:r>
@@ -3469,15 +9358,19 @@
                 <a:latin typeface="Microsoft YaHei" panose="020B0503020204020204" pitchFamily="34" charset="-122"/>
                 <a:ea typeface="Microsoft YaHei" panose="020B0503020204020204" pitchFamily="34" charset="-122"/>
               </a:rPr>
-              <a:t>Handler</a:t>
+              <a:t>threadLocal</a:t>
             </a:r>
             <a:r>
               <a:rPr kumimoji="1" lang="zh-CN" altLang="en-US" sz="2000">
                 <a:latin typeface="Microsoft YaHei" panose="020B0503020204020204" pitchFamily="34" charset="-122"/>
                 <a:ea typeface="Microsoft YaHei" panose="020B0503020204020204" pitchFamily="34" charset="-122"/>
               </a:rPr>
-              <a:t>的消息延时机制？</a:t>
-            </a:r>
+              <a:t>工作原理？</a:t>
+            </a:r>
+            <a:endParaRPr kumimoji="1" lang="en-US" altLang="zh-CN" sz="2000">
+              <a:latin typeface="Microsoft YaHei" panose="020B0503020204020204" pitchFamily="34" charset="-122"/>
+              <a:ea typeface="Microsoft YaHei" panose="020B0503020204020204" pitchFamily="34" charset="-122"/>
+            </a:endParaRPr>
           </a:p>
         </p:txBody>
       </p:sp>
@@ -3848,58 +9741,3818 @@
       </p:grpSpPr>
       <p:sp>
         <p:nvSpPr>
-          <p:cNvPr id="2" name="标题 1">
+          <p:cNvPr id="4" name="矩形 3">
             <a:extLst>
               <a:ext uri="{FF2B5EF4-FFF2-40B4-BE49-F238E27FC236}">
-                <a16:creationId xmlns:a16="http://schemas.microsoft.com/office/drawing/2014/main" id="{DE4362B3-DB93-2D4E-908E-784B85C75047}"/>
+                <a16:creationId xmlns:a16="http://schemas.microsoft.com/office/drawing/2014/main" id="{6B75324F-0821-A643-B043-03B13DECC16C}"/>
               </a:ext>
             </a:extLst>
           </p:cNvPr>
-          <p:cNvSpPr>
-            <a:spLocks noGrp="1"/>
-          </p:cNvSpPr>
-          <p:nvPr>
-            <p:ph type="title"/>
-          </p:nvPr>
-        </p:nvSpPr>
-        <p:spPr/>
+          <p:cNvSpPr/>
+          <p:nvPr/>
+        </p:nvSpPr>
+        <p:spPr>
+          <a:xfrm>
+            <a:off x="1122891" y="3098750"/>
+            <a:ext cx="6281530" cy="1200329"/>
+          </a:xfrm>
+          <a:prstGeom prst="rect">
+            <a:avLst/>
+          </a:prstGeom>
+          <a:ln w="22225">
+            <a:solidFill>
+              <a:srgbClr val="C00000"/>
+            </a:solidFill>
+            <a:prstDash val="dash"/>
+          </a:ln>
+        </p:spPr>
         <p:txBody>
-          <a:bodyPr/>
+          <a:bodyPr wrap="square">
+            <a:spAutoFit/>
+          </a:bodyPr>
           <a:lstStyle/>
           <a:p>
-            <a:endParaRPr kumimoji="1" lang="zh-CN" altLang="en-US"/>
+            <a:r>
+              <a:rPr lang="zh-CN" altLang="en-US">
+                <a:solidFill>
+                  <a:srgbClr val="C00000"/>
+                </a:solidFill>
+                <a:latin typeface="Microsoft YaHei" panose="020B0503020204020204" pitchFamily="34" charset="-122"/>
+                <a:ea typeface="Microsoft YaHei" panose="020B0503020204020204" pitchFamily="34" charset="-122"/>
+              </a:rPr>
+              <a:t>java.lang.RuntimeException: Can't create handler inside thread that has not called Looper.prepare()</a:t>
+            </a:r>
+          </a:p>
+          <a:p>
+            <a:r>
+              <a:rPr lang="zh-CN" altLang="en-US">
+                <a:solidFill>
+                  <a:srgbClr val="C00000"/>
+                </a:solidFill>
+                <a:latin typeface="Microsoft YaHei" panose="020B0503020204020204" pitchFamily="34" charset="-122"/>
+                <a:ea typeface="Microsoft YaHei" panose="020B0503020204020204" pitchFamily="34" charset="-122"/>
+              </a:rPr>
+              <a:t>        at android.os.Handler.&lt;init&gt;(Handler.java:203)</a:t>
+            </a:r>
+          </a:p>
+          <a:p>
+            <a:r>
+              <a:rPr lang="zh-CN" altLang="en-US">
+                <a:solidFill>
+                  <a:srgbClr val="C00000"/>
+                </a:solidFill>
+                <a:latin typeface="Microsoft YaHei" panose="020B0503020204020204" pitchFamily="34" charset="-122"/>
+                <a:ea typeface="Microsoft YaHei" panose="020B0503020204020204" pitchFamily="34" charset="-122"/>
+              </a:rPr>
+              <a:t>        at android.os.Handler.&lt;init&gt;(Handler.java:117)</a:t>
+            </a:r>
           </a:p>
         </p:txBody>
       </p:sp>
       <p:sp>
         <p:nvSpPr>
-          <p:cNvPr id="3" name="内容占位符 2">
+          <p:cNvPr id="5" name="矩形 4">
             <a:extLst>
               <a:ext uri="{FF2B5EF4-FFF2-40B4-BE49-F238E27FC236}">
-                <a16:creationId xmlns:a16="http://schemas.microsoft.com/office/drawing/2014/main" id="{D535ED7C-52E3-3740-B8DB-631B0FF49DFB}"/>
+                <a16:creationId xmlns:a16="http://schemas.microsoft.com/office/drawing/2014/main" id="{2A82312D-DD3F-5741-9386-E9631BD564EE}"/>
               </a:ext>
             </a:extLst>
           </p:cNvPr>
-          <p:cNvSpPr>
-            <a:spLocks noGrp="1"/>
-          </p:cNvSpPr>
-          <p:nvPr>
-            <p:ph idx="1"/>
-          </p:nvPr>
-        </p:nvSpPr>
-        <p:spPr/>
+          <p:cNvSpPr/>
+          <p:nvPr/>
+        </p:nvSpPr>
+        <p:spPr>
+          <a:xfrm>
+            <a:off x="1122890" y="507479"/>
+            <a:ext cx="3523537" cy="1754326"/>
+          </a:xfrm>
+          <a:prstGeom prst="rect">
+            <a:avLst/>
+          </a:prstGeom>
+          <a:ln w="22225">
+            <a:solidFill>
+              <a:srgbClr val="C00000"/>
+            </a:solidFill>
+            <a:prstDash val="dash"/>
+          </a:ln>
+        </p:spPr>
         <p:txBody>
-          <a:bodyPr/>
+          <a:bodyPr wrap="square">
+            <a:spAutoFit/>
+          </a:bodyPr>
           <a:lstStyle/>
           <a:p>
-            <a:endParaRPr kumimoji="1" lang="zh-CN" altLang="en-US"/>
+            <a:r>
+              <a:rPr lang="en" altLang="zh-CN">
+                <a:solidFill>
+                  <a:srgbClr val="CC7832"/>
+                </a:solidFill>
+                <a:effectLst/>
+                <a:latin typeface="Microsoft YaHei" panose="020B0503020204020204" pitchFamily="34" charset="-122"/>
+                <a:ea typeface="Microsoft YaHei" panose="020B0503020204020204" pitchFamily="34" charset="-122"/>
+              </a:rPr>
+              <a:t>new </a:t>
+            </a:r>
+            <a:r>
+              <a:rPr lang="en" altLang="zh-CN">
+                <a:latin typeface="Microsoft YaHei" panose="020B0503020204020204" pitchFamily="34" charset="-122"/>
+                <a:ea typeface="Microsoft YaHei" panose="020B0503020204020204" pitchFamily="34" charset="-122"/>
+              </a:rPr>
+              <a:t>Thread() {</a:t>
+            </a:r>
+            <a:br>
+              <a:rPr lang="en" altLang="zh-CN">
+                <a:latin typeface="Microsoft YaHei" panose="020B0503020204020204" pitchFamily="34" charset="-122"/>
+                <a:ea typeface="Microsoft YaHei" panose="020B0503020204020204" pitchFamily="34" charset="-122"/>
+              </a:rPr>
+            </a:br>
+            <a:r>
+              <a:rPr lang="en" altLang="zh-CN">
+                <a:latin typeface="Microsoft YaHei" panose="020B0503020204020204" pitchFamily="34" charset="-122"/>
+                <a:ea typeface="Microsoft YaHei" panose="020B0503020204020204" pitchFamily="34" charset="-122"/>
+              </a:rPr>
+              <a:t>    </a:t>
+            </a:r>
+            <a:r>
+              <a:rPr lang="en" altLang="zh-CN">
+                <a:solidFill>
+                  <a:srgbClr val="BBB529"/>
+                </a:solidFill>
+                <a:effectLst/>
+                <a:latin typeface="Microsoft YaHei" panose="020B0503020204020204" pitchFamily="34" charset="-122"/>
+                <a:ea typeface="Microsoft YaHei" panose="020B0503020204020204" pitchFamily="34" charset="-122"/>
+              </a:rPr>
+              <a:t>@Override</a:t>
+            </a:r>
+            <a:br>
+              <a:rPr lang="en" altLang="zh-CN">
+                <a:solidFill>
+                  <a:srgbClr val="BBB529"/>
+                </a:solidFill>
+                <a:effectLst/>
+                <a:latin typeface="Microsoft YaHei" panose="020B0503020204020204" pitchFamily="34" charset="-122"/>
+                <a:ea typeface="Microsoft YaHei" panose="020B0503020204020204" pitchFamily="34" charset="-122"/>
+              </a:rPr>
+            </a:br>
+            <a:r>
+              <a:rPr lang="en" altLang="zh-CN">
+                <a:solidFill>
+                  <a:srgbClr val="BBB529"/>
+                </a:solidFill>
+                <a:effectLst/>
+                <a:latin typeface="Microsoft YaHei" panose="020B0503020204020204" pitchFamily="34" charset="-122"/>
+                <a:ea typeface="Microsoft YaHei" panose="020B0503020204020204" pitchFamily="34" charset="-122"/>
+              </a:rPr>
+              <a:t>    </a:t>
+            </a:r>
+            <a:r>
+              <a:rPr lang="en" altLang="zh-CN">
+                <a:solidFill>
+                  <a:srgbClr val="CC7832"/>
+                </a:solidFill>
+                <a:effectLst/>
+                <a:latin typeface="Microsoft YaHei" panose="020B0503020204020204" pitchFamily="34" charset="-122"/>
+                <a:ea typeface="Microsoft YaHei" panose="020B0503020204020204" pitchFamily="34" charset="-122"/>
+              </a:rPr>
+              <a:t>public void </a:t>
+            </a:r>
+            <a:r>
+              <a:rPr lang="en" altLang="zh-CN">
+                <a:solidFill>
+                  <a:srgbClr val="FFC66D"/>
+                </a:solidFill>
+                <a:effectLst/>
+                <a:latin typeface="Microsoft YaHei" panose="020B0503020204020204" pitchFamily="34" charset="-122"/>
+                <a:ea typeface="Microsoft YaHei" panose="020B0503020204020204" pitchFamily="34" charset="-122"/>
+              </a:rPr>
+              <a:t>run</a:t>
+            </a:r>
+            <a:r>
+              <a:rPr lang="en" altLang="zh-CN">
+                <a:latin typeface="Microsoft YaHei" panose="020B0503020204020204" pitchFamily="34" charset="-122"/>
+                <a:ea typeface="Microsoft YaHei" panose="020B0503020204020204" pitchFamily="34" charset="-122"/>
+              </a:rPr>
+              <a:t>() {</a:t>
+            </a:r>
+            <a:br>
+              <a:rPr lang="en" altLang="zh-CN">
+                <a:latin typeface="Microsoft YaHei" panose="020B0503020204020204" pitchFamily="34" charset="-122"/>
+                <a:ea typeface="Microsoft YaHei" panose="020B0503020204020204" pitchFamily="34" charset="-122"/>
+              </a:rPr>
+            </a:br>
+            <a:r>
+              <a:rPr lang="en" altLang="zh-CN">
+                <a:latin typeface="Microsoft YaHei" panose="020B0503020204020204" pitchFamily="34" charset="-122"/>
+                <a:ea typeface="Microsoft YaHei" panose="020B0503020204020204" pitchFamily="34" charset="-122"/>
+              </a:rPr>
+              <a:t>        </a:t>
+            </a:r>
+            <a:r>
+              <a:rPr lang="en" altLang="zh-CN">
+                <a:solidFill>
+                  <a:srgbClr val="CC7832"/>
+                </a:solidFill>
+                <a:effectLst/>
+                <a:latin typeface="Microsoft YaHei" panose="020B0503020204020204" pitchFamily="34" charset="-122"/>
+                <a:ea typeface="Microsoft YaHei" panose="020B0503020204020204" pitchFamily="34" charset="-122"/>
+              </a:rPr>
+              <a:t>new </a:t>
+            </a:r>
+            <a:r>
+              <a:rPr lang="en" altLang="zh-CN">
+                <a:latin typeface="Microsoft YaHei" panose="020B0503020204020204" pitchFamily="34" charset="-122"/>
+                <a:ea typeface="Microsoft YaHei" panose="020B0503020204020204" pitchFamily="34" charset="-122"/>
+              </a:rPr>
+              <a:t>Handler()</a:t>
+            </a:r>
+            <a:r>
+              <a:rPr lang="en" altLang="zh-CN">
+                <a:solidFill>
+                  <a:srgbClr val="CC7832"/>
+                </a:solidFill>
+                <a:effectLst/>
+                <a:latin typeface="Microsoft YaHei" panose="020B0503020204020204" pitchFamily="34" charset="-122"/>
+                <a:ea typeface="Microsoft YaHei" panose="020B0503020204020204" pitchFamily="34" charset="-122"/>
+              </a:rPr>
+              <a:t>;</a:t>
+            </a:r>
+            <a:br>
+              <a:rPr lang="en" altLang="zh-CN">
+                <a:solidFill>
+                  <a:srgbClr val="CC7832"/>
+                </a:solidFill>
+                <a:effectLst/>
+                <a:latin typeface="Microsoft YaHei" panose="020B0503020204020204" pitchFamily="34" charset="-122"/>
+                <a:ea typeface="Microsoft YaHei" panose="020B0503020204020204" pitchFamily="34" charset="-122"/>
+              </a:rPr>
+            </a:br>
+            <a:r>
+              <a:rPr lang="en" altLang="zh-CN">
+                <a:solidFill>
+                  <a:srgbClr val="CC7832"/>
+                </a:solidFill>
+                <a:effectLst/>
+                <a:latin typeface="Microsoft YaHei" panose="020B0503020204020204" pitchFamily="34" charset="-122"/>
+                <a:ea typeface="Microsoft YaHei" panose="020B0503020204020204" pitchFamily="34" charset="-122"/>
+              </a:rPr>
+              <a:t>    </a:t>
+            </a:r>
+            <a:r>
+              <a:rPr lang="en" altLang="zh-CN">
+                <a:latin typeface="Microsoft YaHei" panose="020B0503020204020204" pitchFamily="34" charset="-122"/>
+                <a:ea typeface="Microsoft YaHei" panose="020B0503020204020204" pitchFamily="34" charset="-122"/>
+              </a:rPr>
+              <a:t>}</a:t>
+            </a:r>
+            <a:br>
+              <a:rPr lang="en" altLang="zh-CN">
+                <a:latin typeface="Microsoft YaHei" panose="020B0503020204020204" pitchFamily="34" charset="-122"/>
+                <a:ea typeface="Microsoft YaHei" panose="020B0503020204020204" pitchFamily="34" charset="-122"/>
+              </a:rPr>
+            </a:br>
+            <a:r>
+              <a:rPr lang="en" altLang="zh-CN">
+                <a:latin typeface="Microsoft YaHei" panose="020B0503020204020204" pitchFamily="34" charset="-122"/>
+                <a:ea typeface="Microsoft YaHei" panose="020B0503020204020204" pitchFamily="34" charset="-122"/>
+              </a:rPr>
+              <a:t>}.start()</a:t>
+            </a:r>
+            <a:r>
+              <a:rPr lang="en" altLang="zh-CN">
+                <a:solidFill>
+                  <a:srgbClr val="CC7832"/>
+                </a:solidFill>
+                <a:effectLst/>
+                <a:latin typeface="Microsoft YaHei" panose="020B0503020204020204" pitchFamily="34" charset="-122"/>
+                <a:ea typeface="Microsoft YaHei" panose="020B0503020204020204" pitchFamily="34" charset="-122"/>
+              </a:rPr>
+              <a:t>;</a:t>
+            </a:r>
+            <a:endParaRPr lang="zh-CN" altLang="en-US">
+              <a:latin typeface="Microsoft YaHei" panose="020B0503020204020204" pitchFamily="34" charset="-122"/>
+              <a:ea typeface="Microsoft YaHei" panose="020B0503020204020204" pitchFamily="34" charset="-122"/>
+            </a:endParaRPr>
           </a:p>
         </p:txBody>
       </p:sp>
+      <p:cxnSp>
+        <p:nvCxnSpPr>
+          <p:cNvPr id="7" name="直线箭头连接符 6">
+            <a:extLst>
+              <a:ext uri="{FF2B5EF4-FFF2-40B4-BE49-F238E27FC236}">
+                <a16:creationId xmlns:a16="http://schemas.microsoft.com/office/drawing/2014/main" id="{64D12C3F-B171-2342-ABD1-EDD522745976}"/>
+              </a:ext>
+            </a:extLst>
+          </p:cNvPr>
+          <p:cNvCxnSpPr>
+            <a:cxnSpLocks/>
+          </p:cNvCxnSpPr>
+          <p:nvPr/>
+        </p:nvCxnSpPr>
+        <p:spPr>
+          <a:xfrm>
+            <a:off x="2849526" y="1658679"/>
+            <a:ext cx="754911" cy="1360968"/>
+          </a:xfrm>
+          <a:prstGeom prst="straightConnector1">
+            <a:avLst/>
+          </a:prstGeom>
+          <a:ln w="19050">
+            <a:solidFill>
+              <a:schemeClr val="accent2"/>
+            </a:solidFill>
+            <a:tailEnd type="triangle"/>
+          </a:ln>
+        </p:spPr>
+        <p:style>
+          <a:lnRef idx="1">
+            <a:schemeClr val="accent1"/>
+          </a:lnRef>
+          <a:fillRef idx="0">
+            <a:schemeClr val="accent1"/>
+          </a:fillRef>
+          <a:effectRef idx="0">
+            <a:schemeClr val="accent1"/>
+          </a:effectRef>
+          <a:fontRef idx="minor">
+            <a:schemeClr val="tx1"/>
+          </a:fontRef>
+        </p:style>
+      </p:cxnSp>
     </p:spTree>
     <p:extLst>
       <p:ext uri="{BB962C8B-B14F-4D97-AF65-F5344CB8AC3E}">
         <p14:creationId xmlns:p14="http://schemas.microsoft.com/office/powerpoint/2010/main" val="2575317803"/>
+      </p:ext>
+    </p:extLst>
+  </p:cSld>
+  <p:clrMapOvr>
+    <a:masterClrMapping/>
+  </p:clrMapOvr>
+</p:sld>
+</file>
+
+<file path=ppt/slides/slide6.xml><?xml version="1.0" encoding="utf-8"?>
+<p:sld xmlns:a="http://schemas.openxmlformats.org/drawingml/2006/main" xmlns:r="http://schemas.openxmlformats.org/officeDocument/2006/relationships" xmlns:p="http://schemas.openxmlformats.org/presentationml/2006/main">
+  <p:cSld>
+    <p:spTree>
+      <p:nvGrpSpPr>
+        <p:cNvPr id="1" name=""/>
+        <p:cNvGrpSpPr/>
+        <p:nvPr/>
+      </p:nvGrpSpPr>
+      <p:grpSpPr>
+        <a:xfrm>
+          <a:off x="0" y="0"/>
+          <a:ext cx="0" cy="0"/>
+          <a:chOff x="0" y="0"/>
+          <a:chExt cx="0" cy="0"/>
+        </a:xfrm>
+      </p:grpSpPr>
+      <p:sp>
+        <p:nvSpPr>
+          <p:cNvPr id="4" name="矩形 3">
+            <a:extLst>
+              <a:ext uri="{FF2B5EF4-FFF2-40B4-BE49-F238E27FC236}">
+                <a16:creationId xmlns:a16="http://schemas.microsoft.com/office/drawing/2014/main" id="{9B685A6A-ED02-5945-92E4-845551244FC9}"/>
+              </a:ext>
+            </a:extLst>
+          </p:cNvPr>
+          <p:cNvSpPr/>
+          <p:nvPr/>
+        </p:nvSpPr>
+        <p:spPr>
+          <a:xfrm>
+            <a:off x="584790" y="264539"/>
+            <a:ext cx="3104707" cy="923330"/>
+          </a:xfrm>
+          <a:prstGeom prst="rect">
+            <a:avLst/>
+          </a:prstGeom>
+          <a:ln w="22225">
+            <a:solidFill>
+              <a:srgbClr val="C00000"/>
+            </a:solidFill>
+            <a:prstDash val="dash"/>
+          </a:ln>
+        </p:spPr>
+        <p:txBody>
+          <a:bodyPr wrap="square">
+            <a:spAutoFit/>
+          </a:bodyPr>
+          <a:lstStyle/>
+          <a:p>
+            <a:r>
+              <a:rPr lang="en" altLang="zh-CN">
+                <a:solidFill>
+                  <a:srgbClr val="CC7832"/>
+                </a:solidFill>
+                <a:effectLst/>
+                <a:latin typeface="Microsoft YaHei" panose="020B0503020204020204" pitchFamily="34" charset="-122"/>
+                <a:ea typeface="Microsoft YaHei" panose="020B0503020204020204" pitchFamily="34" charset="-122"/>
+              </a:rPr>
+              <a:t>public </a:t>
+            </a:r>
+            <a:r>
+              <a:rPr lang="en" altLang="zh-CN">
+                <a:solidFill>
+                  <a:srgbClr val="FFC66D"/>
+                </a:solidFill>
+                <a:effectLst/>
+                <a:latin typeface="Microsoft YaHei" panose="020B0503020204020204" pitchFamily="34" charset="-122"/>
+                <a:ea typeface="Microsoft YaHei" panose="020B0503020204020204" pitchFamily="34" charset="-122"/>
+              </a:rPr>
+              <a:t>Handler</a:t>
+            </a:r>
+            <a:r>
+              <a:rPr lang="en" altLang="zh-CN">
+                <a:latin typeface="Microsoft YaHei" panose="020B0503020204020204" pitchFamily="34" charset="-122"/>
+                <a:ea typeface="Microsoft YaHei" panose="020B0503020204020204" pitchFamily="34" charset="-122"/>
+              </a:rPr>
+              <a:t>() {</a:t>
+            </a:r>
+            <a:br>
+              <a:rPr lang="en" altLang="zh-CN">
+                <a:latin typeface="Microsoft YaHei" panose="020B0503020204020204" pitchFamily="34" charset="-122"/>
+                <a:ea typeface="Microsoft YaHei" panose="020B0503020204020204" pitchFamily="34" charset="-122"/>
+              </a:rPr>
+            </a:br>
+            <a:r>
+              <a:rPr lang="en" altLang="zh-CN">
+                <a:latin typeface="Microsoft YaHei" panose="020B0503020204020204" pitchFamily="34" charset="-122"/>
+                <a:ea typeface="Microsoft YaHei" panose="020B0503020204020204" pitchFamily="34" charset="-122"/>
+              </a:rPr>
+              <a:t>    </a:t>
+            </a:r>
+            <a:r>
+              <a:rPr lang="en" altLang="zh-CN">
+                <a:solidFill>
+                  <a:srgbClr val="CC7832"/>
+                </a:solidFill>
+                <a:effectLst/>
+                <a:latin typeface="Microsoft YaHei" panose="020B0503020204020204" pitchFamily="34" charset="-122"/>
+                <a:ea typeface="Microsoft YaHei" panose="020B0503020204020204" pitchFamily="34" charset="-122"/>
+              </a:rPr>
+              <a:t>this</a:t>
+            </a:r>
+            <a:r>
+              <a:rPr lang="en" altLang="zh-CN">
+                <a:latin typeface="Microsoft YaHei" panose="020B0503020204020204" pitchFamily="34" charset="-122"/>
+                <a:ea typeface="Microsoft YaHei" panose="020B0503020204020204" pitchFamily="34" charset="-122"/>
+              </a:rPr>
+              <a:t>(</a:t>
+            </a:r>
+            <a:r>
+              <a:rPr lang="en" altLang="zh-CN">
+                <a:solidFill>
+                  <a:srgbClr val="CC7832"/>
+                </a:solidFill>
+                <a:effectLst/>
+                <a:latin typeface="Microsoft YaHei" panose="020B0503020204020204" pitchFamily="34" charset="-122"/>
+                <a:ea typeface="Microsoft YaHei" panose="020B0503020204020204" pitchFamily="34" charset="-122"/>
+              </a:rPr>
+              <a:t>null, false</a:t>
+            </a:r>
+            <a:r>
+              <a:rPr lang="en" altLang="zh-CN">
+                <a:latin typeface="Microsoft YaHei" panose="020B0503020204020204" pitchFamily="34" charset="-122"/>
+                <a:ea typeface="Microsoft YaHei" panose="020B0503020204020204" pitchFamily="34" charset="-122"/>
+              </a:rPr>
+              <a:t>)</a:t>
+            </a:r>
+            <a:r>
+              <a:rPr lang="en" altLang="zh-CN">
+                <a:solidFill>
+                  <a:srgbClr val="CC7832"/>
+                </a:solidFill>
+                <a:effectLst/>
+                <a:latin typeface="Microsoft YaHei" panose="020B0503020204020204" pitchFamily="34" charset="-122"/>
+                <a:ea typeface="Microsoft YaHei" panose="020B0503020204020204" pitchFamily="34" charset="-122"/>
+              </a:rPr>
+              <a:t>;</a:t>
+            </a:r>
+            <a:br>
+              <a:rPr lang="en" altLang="zh-CN">
+                <a:solidFill>
+                  <a:srgbClr val="CC7832"/>
+                </a:solidFill>
+                <a:effectLst/>
+                <a:latin typeface="Microsoft YaHei" panose="020B0503020204020204" pitchFamily="34" charset="-122"/>
+                <a:ea typeface="Microsoft YaHei" panose="020B0503020204020204" pitchFamily="34" charset="-122"/>
+              </a:rPr>
+            </a:br>
+            <a:r>
+              <a:rPr lang="en" altLang="zh-CN">
+                <a:latin typeface="Microsoft YaHei" panose="020B0503020204020204" pitchFamily="34" charset="-122"/>
+                <a:ea typeface="Microsoft YaHei" panose="020B0503020204020204" pitchFamily="34" charset="-122"/>
+              </a:rPr>
+              <a:t>}</a:t>
+            </a:r>
+            <a:endParaRPr lang="zh-CN" altLang="en-US">
+              <a:latin typeface="Microsoft YaHei" panose="020B0503020204020204" pitchFamily="34" charset="-122"/>
+              <a:ea typeface="Microsoft YaHei" panose="020B0503020204020204" pitchFamily="34" charset="-122"/>
+            </a:endParaRPr>
+          </a:p>
+        </p:txBody>
+      </p:sp>
+      <p:sp>
+        <p:nvSpPr>
+          <p:cNvPr id="5" name="矩形 4">
+            <a:extLst>
+              <a:ext uri="{FF2B5EF4-FFF2-40B4-BE49-F238E27FC236}">
+                <a16:creationId xmlns:a16="http://schemas.microsoft.com/office/drawing/2014/main" id="{75DD9559-936B-C64C-9BC4-76242F3E38C3}"/>
+              </a:ext>
+            </a:extLst>
+          </p:cNvPr>
+          <p:cNvSpPr/>
+          <p:nvPr/>
+        </p:nvSpPr>
+        <p:spPr>
+          <a:xfrm>
+            <a:off x="1632098" y="1514336"/>
+            <a:ext cx="5879805" cy="3139321"/>
+          </a:xfrm>
+          <a:prstGeom prst="rect">
+            <a:avLst/>
+          </a:prstGeom>
+          <a:solidFill>
+            <a:schemeClr val="bg1"/>
+          </a:solidFill>
+          <a:ln w="22225">
+            <a:solidFill>
+              <a:srgbClr val="C00000"/>
+            </a:solidFill>
+            <a:prstDash val="dash"/>
+          </a:ln>
+        </p:spPr>
+        <p:txBody>
+          <a:bodyPr wrap="square">
+            <a:spAutoFit/>
+          </a:bodyPr>
+          <a:lstStyle/>
+          <a:p>
+            <a:r>
+              <a:rPr lang="en-US" altLang="zh-CN">
+                <a:solidFill>
+                  <a:srgbClr val="CC7832"/>
+                </a:solidFill>
+                <a:effectLst/>
+                <a:latin typeface="Microsoft YaHei" panose="020B0503020204020204" pitchFamily="34" charset="-122"/>
+                <a:ea typeface="Microsoft YaHei" panose="020B0503020204020204" pitchFamily="34" charset="-122"/>
+              </a:rPr>
+              <a:t>public </a:t>
+            </a:r>
+            <a:r>
+              <a:rPr lang="en-US" altLang="zh-CN">
+                <a:solidFill>
+                  <a:srgbClr val="FFC66D"/>
+                </a:solidFill>
+                <a:effectLst/>
+                <a:latin typeface="Microsoft YaHei" panose="020B0503020204020204" pitchFamily="34" charset="-122"/>
+                <a:ea typeface="Microsoft YaHei" panose="020B0503020204020204" pitchFamily="34" charset="-122"/>
+              </a:rPr>
+              <a:t>Handler</a:t>
+            </a:r>
+            <a:r>
+              <a:rPr lang="en-US" altLang="zh-CN">
+                <a:latin typeface="Microsoft YaHei" panose="020B0503020204020204" pitchFamily="34" charset="-122"/>
+                <a:ea typeface="Microsoft YaHei" panose="020B0503020204020204" pitchFamily="34" charset="-122"/>
+              </a:rPr>
+              <a:t>(Callback callback</a:t>
+            </a:r>
+            <a:r>
+              <a:rPr lang="en-US" altLang="zh-CN">
+                <a:solidFill>
+                  <a:srgbClr val="CC7832"/>
+                </a:solidFill>
+                <a:effectLst/>
+                <a:latin typeface="Microsoft YaHei" panose="020B0503020204020204" pitchFamily="34" charset="-122"/>
+                <a:ea typeface="Microsoft YaHei" panose="020B0503020204020204" pitchFamily="34" charset="-122"/>
+              </a:rPr>
+              <a:t>, boolean </a:t>
+            </a:r>
+            <a:r>
+              <a:rPr lang="en-US" altLang="zh-CN">
+                <a:latin typeface="Microsoft YaHei" panose="020B0503020204020204" pitchFamily="34" charset="-122"/>
+                <a:ea typeface="Microsoft YaHei" panose="020B0503020204020204" pitchFamily="34" charset="-122"/>
+              </a:rPr>
+              <a:t>async) {</a:t>
+            </a:r>
+            <a:br>
+              <a:rPr lang="en-US" altLang="zh-CN">
+                <a:latin typeface="Microsoft YaHei" panose="020B0503020204020204" pitchFamily="34" charset="-122"/>
+                <a:ea typeface="Microsoft YaHei" panose="020B0503020204020204" pitchFamily="34" charset="-122"/>
+              </a:rPr>
+            </a:br>
+            <a:r>
+              <a:rPr lang="en-US" altLang="zh-CN">
+                <a:latin typeface="Microsoft YaHei" panose="020B0503020204020204" pitchFamily="34" charset="-122"/>
+                <a:ea typeface="Microsoft YaHei" panose="020B0503020204020204" pitchFamily="34" charset="-122"/>
+              </a:rPr>
+              <a:t>    </a:t>
+            </a:r>
+            <a:r>
+              <a:rPr lang="en-US" altLang="zh-CN">
+                <a:solidFill>
+                  <a:srgbClr val="9876AA"/>
+                </a:solidFill>
+                <a:effectLst/>
+                <a:latin typeface="Microsoft YaHei" panose="020B0503020204020204" pitchFamily="34" charset="-122"/>
+                <a:ea typeface="Microsoft YaHei" panose="020B0503020204020204" pitchFamily="34" charset="-122"/>
+              </a:rPr>
+              <a:t>mLooper </a:t>
+            </a:r>
+            <a:r>
+              <a:rPr lang="en-US" altLang="zh-CN">
+                <a:latin typeface="Microsoft YaHei" panose="020B0503020204020204" pitchFamily="34" charset="-122"/>
+                <a:ea typeface="Microsoft YaHei" panose="020B0503020204020204" pitchFamily="34" charset="-122"/>
+              </a:rPr>
+              <a:t>= Looper.</a:t>
+            </a:r>
+            <a:r>
+              <a:rPr lang="en-US" altLang="zh-CN">
+                <a:effectLst/>
+                <a:latin typeface="Microsoft YaHei" panose="020B0503020204020204" pitchFamily="34" charset="-122"/>
+                <a:ea typeface="Microsoft YaHei" panose="020B0503020204020204" pitchFamily="34" charset="-122"/>
+              </a:rPr>
+              <a:t>myLooper</a:t>
+            </a:r>
+            <a:r>
+              <a:rPr lang="en-US" altLang="zh-CN">
+                <a:latin typeface="Microsoft YaHei" panose="020B0503020204020204" pitchFamily="34" charset="-122"/>
+                <a:ea typeface="Microsoft YaHei" panose="020B0503020204020204" pitchFamily="34" charset="-122"/>
+              </a:rPr>
+              <a:t>()</a:t>
+            </a:r>
+            <a:r>
+              <a:rPr lang="en-US" altLang="zh-CN">
+                <a:solidFill>
+                  <a:srgbClr val="CC7832"/>
+                </a:solidFill>
+                <a:effectLst/>
+                <a:latin typeface="Microsoft YaHei" panose="020B0503020204020204" pitchFamily="34" charset="-122"/>
+                <a:ea typeface="Microsoft YaHei" panose="020B0503020204020204" pitchFamily="34" charset="-122"/>
+              </a:rPr>
+              <a:t>;</a:t>
+            </a:r>
+            <a:br>
+              <a:rPr lang="en-US" altLang="zh-CN">
+                <a:solidFill>
+                  <a:srgbClr val="CC7832"/>
+                </a:solidFill>
+                <a:effectLst/>
+                <a:latin typeface="Microsoft YaHei" panose="020B0503020204020204" pitchFamily="34" charset="-122"/>
+                <a:ea typeface="Microsoft YaHei" panose="020B0503020204020204" pitchFamily="34" charset="-122"/>
+              </a:rPr>
+            </a:br>
+            <a:r>
+              <a:rPr lang="en-US" altLang="zh-CN">
+                <a:solidFill>
+                  <a:srgbClr val="CC7832"/>
+                </a:solidFill>
+                <a:effectLst/>
+                <a:latin typeface="Microsoft YaHei" panose="020B0503020204020204" pitchFamily="34" charset="-122"/>
+                <a:ea typeface="Microsoft YaHei" panose="020B0503020204020204" pitchFamily="34" charset="-122"/>
+              </a:rPr>
+              <a:t>    if </a:t>
+            </a:r>
+            <a:r>
+              <a:rPr lang="en-US" altLang="zh-CN">
+                <a:latin typeface="Microsoft YaHei" panose="020B0503020204020204" pitchFamily="34" charset="-122"/>
+                <a:ea typeface="Microsoft YaHei" panose="020B0503020204020204" pitchFamily="34" charset="-122"/>
+              </a:rPr>
+              <a:t>(</a:t>
+            </a:r>
+            <a:r>
+              <a:rPr lang="en-US" altLang="zh-CN">
+                <a:solidFill>
+                  <a:srgbClr val="9876AA"/>
+                </a:solidFill>
+                <a:effectLst/>
+                <a:latin typeface="Microsoft YaHei" panose="020B0503020204020204" pitchFamily="34" charset="-122"/>
+                <a:ea typeface="Microsoft YaHei" panose="020B0503020204020204" pitchFamily="34" charset="-122"/>
+              </a:rPr>
+              <a:t>mLooper </a:t>
+            </a:r>
+            <a:r>
+              <a:rPr lang="en-US" altLang="zh-CN">
+                <a:latin typeface="Microsoft YaHei" panose="020B0503020204020204" pitchFamily="34" charset="-122"/>
+                <a:ea typeface="Microsoft YaHei" panose="020B0503020204020204" pitchFamily="34" charset="-122"/>
+              </a:rPr>
+              <a:t>== </a:t>
+            </a:r>
+            <a:r>
+              <a:rPr lang="en-US" altLang="zh-CN">
+                <a:solidFill>
+                  <a:srgbClr val="CC7832"/>
+                </a:solidFill>
+                <a:effectLst/>
+                <a:latin typeface="Microsoft YaHei" panose="020B0503020204020204" pitchFamily="34" charset="-122"/>
+                <a:ea typeface="Microsoft YaHei" panose="020B0503020204020204" pitchFamily="34" charset="-122"/>
+              </a:rPr>
+              <a:t>null</a:t>
+            </a:r>
+            <a:r>
+              <a:rPr lang="en-US" altLang="zh-CN">
+                <a:latin typeface="Microsoft YaHei" panose="020B0503020204020204" pitchFamily="34" charset="-122"/>
+                <a:ea typeface="Microsoft YaHei" panose="020B0503020204020204" pitchFamily="34" charset="-122"/>
+              </a:rPr>
+              <a:t>) {</a:t>
+            </a:r>
+            <a:br>
+              <a:rPr lang="en-US" altLang="zh-CN">
+                <a:latin typeface="Microsoft YaHei" panose="020B0503020204020204" pitchFamily="34" charset="-122"/>
+                <a:ea typeface="Microsoft YaHei" panose="020B0503020204020204" pitchFamily="34" charset="-122"/>
+              </a:rPr>
+            </a:br>
+            <a:r>
+              <a:rPr lang="en-US" altLang="zh-CN">
+                <a:latin typeface="Microsoft YaHei" panose="020B0503020204020204" pitchFamily="34" charset="-122"/>
+                <a:ea typeface="Microsoft YaHei" panose="020B0503020204020204" pitchFamily="34" charset="-122"/>
+              </a:rPr>
+              <a:t>        </a:t>
+            </a:r>
+            <a:r>
+              <a:rPr lang="en-US" altLang="zh-CN">
+                <a:solidFill>
+                  <a:srgbClr val="CC7832"/>
+                </a:solidFill>
+                <a:effectLst/>
+                <a:latin typeface="Microsoft YaHei" panose="020B0503020204020204" pitchFamily="34" charset="-122"/>
+                <a:ea typeface="Microsoft YaHei" panose="020B0503020204020204" pitchFamily="34" charset="-122"/>
+              </a:rPr>
+              <a:t>throw new </a:t>
+            </a:r>
+            <a:r>
+              <a:rPr lang="en-US" altLang="zh-CN">
+                <a:latin typeface="Microsoft YaHei" panose="020B0503020204020204" pitchFamily="34" charset="-122"/>
+                <a:ea typeface="Microsoft YaHei" panose="020B0503020204020204" pitchFamily="34" charset="-122"/>
+              </a:rPr>
+              <a:t>RuntimeException(</a:t>
+            </a:r>
+            <a:br>
+              <a:rPr lang="en-US" altLang="zh-CN">
+                <a:latin typeface="Microsoft YaHei" panose="020B0503020204020204" pitchFamily="34" charset="-122"/>
+                <a:ea typeface="Microsoft YaHei" panose="020B0503020204020204" pitchFamily="34" charset="-122"/>
+              </a:rPr>
+            </a:br>
+            <a:r>
+              <a:rPr lang="en-US" altLang="zh-CN">
+                <a:latin typeface="Microsoft YaHei" panose="020B0503020204020204" pitchFamily="34" charset="-122"/>
+                <a:ea typeface="Microsoft YaHei" panose="020B0503020204020204" pitchFamily="34" charset="-122"/>
+              </a:rPr>
+              <a:t>             </a:t>
+            </a:r>
+            <a:r>
+              <a:rPr lang="en-US" altLang="zh-CN">
+                <a:solidFill>
+                  <a:srgbClr val="6A8759"/>
+                </a:solidFill>
+                <a:effectLst/>
+                <a:latin typeface="Microsoft YaHei" panose="020B0503020204020204" pitchFamily="34" charset="-122"/>
+                <a:ea typeface="Microsoft YaHei" panose="020B0503020204020204" pitchFamily="34" charset="-122"/>
+              </a:rPr>
+              <a:t>"Can't create handler inside thread </a:t>
+            </a:r>
+          </a:p>
+          <a:p>
+            <a:r>
+              <a:rPr lang="en-US" altLang="zh-CN">
+                <a:solidFill>
+                  <a:srgbClr val="6A8759"/>
+                </a:solidFill>
+                <a:latin typeface="Microsoft YaHei" panose="020B0503020204020204" pitchFamily="34" charset="-122"/>
+                <a:ea typeface="Microsoft YaHei" panose="020B0503020204020204" pitchFamily="34" charset="-122"/>
+              </a:rPr>
+              <a:t>		</a:t>
+            </a:r>
+            <a:r>
+              <a:rPr lang="en-US" altLang="zh-CN">
+                <a:solidFill>
+                  <a:srgbClr val="6A8759"/>
+                </a:solidFill>
+                <a:effectLst/>
+                <a:latin typeface="Microsoft YaHei" panose="020B0503020204020204" pitchFamily="34" charset="-122"/>
+                <a:ea typeface="Microsoft YaHei" panose="020B0503020204020204" pitchFamily="34" charset="-122"/>
+              </a:rPr>
+              <a:t>that has not called Looper.prepare()"</a:t>
+            </a:r>
+            <a:r>
+              <a:rPr lang="en-US" altLang="zh-CN">
+                <a:latin typeface="Microsoft YaHei" panose="020B0503020204020204" pitchFamily="34" charset="-122"/>
+                <a:ea typeface="Microsoft YaHei" panose="020B0503020204020204" pitchFamily="34" charset="-122"/>
+              </a:rPr>
+              <a:t>)</a:t>
+            </a:r>
+            <a:r>
+              <a:rPr lang="en-US" altLang="zh-CN">
+                <a:solidFill>
+                  <a:srgbClr val="CC7832"/>
+                </a:solidFill>
+                <a:effectLst/>
+                <a:latin typeface="Microsoft YaHei" panose="020B0503020204020204" pitchFamily="34" charset="-122"/>
+                <a:ea typeface="Microsoft YaHei" panose="020B0503020204020204" pitchFamily="34" charset="-122"/>
+              </a:rPr>
+              <a:t>;</a:t>
+            </a:r>
+            <a:br>
+              <a:rPr lang="en-US" altLang="zh-CN">
+                <a:solidFill>
+                  <a:srgbClr val="CC7832"/>
+                </a:solidFill>
+                <a:effectLst/>
+                <a:latin typeface="Microsoft YaHei" panose="020B0503020204020204" pitchFamily="34" charset="-122"/>
+                <a:ea typeface="Microsoft YaHei" panose="020B0503020204020204" pitchFamily="34" charset="-122"/>
+              </a:rPr>
+            </a:br>
+            <a:r>
+              <a:rPr lang="en-US" altLang="zh-CN">
+                <a:solidFill>
+                  <a:srgbClr val="CC7832"/>
+                </a:solidFill>
+                <a:effectLst/>
+                <a:latin typeface="Microsoft YaHei" panose="020B0503020204020204" pitchFamily="34" charset="-122"/>
+                <a:ea typeface="Microsoft YaHei" panose="020B0503020204020204" pitchFamily="34" charset="-122"/>
+              </a:rPr>
+              <a:t>    </a:t>
+            </a:r>
+            <a:r>
+              <a:rPr lang="en-US" altLang="zh-CN">
+                <a:latin typeface="Microsoft YaHei" panose="020B0503020204020204" pitchFamily="34" charset="-122"/>
+                <a:ea typeface="Microsoft YaHei" panose="020B0503020204020204" pitchFamily="34" charset="-122"/>
+              </a:rPr>
+              <a:t>}</a:t>
+            </a:r>
+            <a:br>
+              <a:rPr lang="en-US" altLang="zh-CN">
+                <a:latin typeface="Microsoft YaHei" panose="020B0503020204020204" pitchFamily="34" charset="-122"/>
+                <a:ea typeface="Microsoft YaHei" panose="020B0503020204020204" pitchFamily="34" charset="-122"/>
+              </a:rPr>
+            </a:br>
+            <a:r>
+              <a:rPr lang="en-US" altLang="zh-CN">
+                <a:latin typeface="Microsoft YaHei" panose="020B0503020204020204" pitchFamily="34" charset="-122"/>
+                <a:ea typeface="Microsoft YaHei" panose="020B0503020204020204" pitchFamily="34" charset="-122"/>
+              </a:rPr>
+              <a:t>    </a:t>
+            </a:r>
+            <a:r>
+              <a:rPr lang="en-US" altLang="zh-CN">
+                <a:solidFill>
+                  <a:srgbClr val="9876AA"/>
+                </a:solidFill>
+                <a:effectLst/>
+                <a:latin typeface="Microsoft YaHei" panose="020B0503020204020204" pitchFamily="34" charset="-122"/>
+                <a:ea typeface="Microsoft YaHei" panose="020B0503020204020204" pitchFamily="34" charset="-122"/>
+              </a:rPr>
+              <a:t>mQueue </a:t>
+            </a:r>
+            <a:r>
+              <a:rPr lang="en-US" altLang="zh-CN">
+                <a:latin typeface="Microsoft YaHei" panose="020B0503020204020204" pitchFamily="34" charset="-122"/>
+                <a:ea typeface="Microsoft YaHei" panose="020B0503020204020204" pitchFamily="34" charset="-122"/>
+              </a:rPr>
+              <a:t>= </a:t>
+            </a:r>
+            <a:r>
+              <a:rPr lang="en-US" altLang="zh-CN">
+                <a:solidFill>
+                  <a:srgbClr val="9876AA"/>
+                </a:solidFill>
+                <a:effectLst/>
+                <a:latin typeface="Microsoft YaHei" panose="020B0503020204020204" pitchFamily="34" charset="-122"/>
+                <a:ea typeface="Microsoft YaHei" panose="020B0503020204020204" pitchFamily="34" charset="-122"/>
+              </a:rPr>
+              <a:t>mLooper</a:t>
+            </a:r>
+            <a:r>
+              <a:rPr lang="en-US" altLang="zh-CN">
+                <a:latin typeface="Microsoft YaHei" panose="020B0503020204020204" pitchFamily="34" charset="-122"/>
+                <a:ea typeface="Microsoft YaHei" panose="020B0503020204020204" pitchFamily="34" charset="-122"/>
+              </a:rPr>
+              <a:t>.</a:t>
+            </a:r>
+            <a:r>
+              <a:rPr lang="en-US" altLang="zh-CN">
+                <a:solidFill>
+                  <a:srgbClr val="9876AA"/>
+                </a:solidFill>
+                <a:effectLst/>
+                <a:latin typeface="Microsoft YaHei" panose="020B0503020204020204" pitchFamily="34" charset="-122"/>
+                <a:ea typeface="Microsoft YaHei" panose="020B0503020204020204" pitchFamily="34" charset="-122"/>
+              </a:rPr>
+              <a:t>mQueue</a:t>
+            </a:r>
+            <a:r>
+              <a:rPr lang="en-US" altLang="zh-CN">
+                <a:solidFill>
+                  <a:srgbClr val="CC7832"/>
+                </a:solidFill>
+                <a:effectLst/>
+                <a:latin typeface="Microsoft YaHei" panose="020B0503020204020204" pitchFamily="34" charset="-122"/>
+                <a:ea typeface="Microsoft YaHei" panose="020B0503020204020204" pitchFamily="34" charset="-122"/>
+              </a:rPr>
+              <a:t>;</a:t>
+            </a:r>
+            <a:br>
+              <a:rPr lang="en-US" altLang="zh-CN">
+                <a:solidFill>
+                  <a:srgbClr val="CC7832"/>
+                </a:solidFill>
+                <a:effectLst/>
+                <a:latin typeface="Microsoft YaHei" panose="020B0503020204020204" pitchFamily="34" charset="-122"/>
+                <a:ea typeface="Microsoft YaHei" panose="020B0503020204020204" pitchFamily="34" charset="-122"/>
+              </a:rPr>
+            </a:br>
+            <a:r>
+              <a:rPr lang="en-US" altLang="zh-CN">
+                <a:solidFill>
+                  <a:srgbClr val="CC7832"/>
+                </a:solidFill>
+                <a:effectLst/>
+                <a:latin typeface="Microsoft YaHei" panose="020B0503020204020204" pitchFamily="34" charset="-122"/>
+                <a:ea typeface="Microsoft YaHei" panose="020B0503020204020204" pitchFamily="34" charset="-122"/>
+              </a:rPr>
+              <a:t>    </a:t>
+            </a:r>
+            <a:r>
+              <a:rPr lang="en-US" altLang="zh-CN">
+                <a:solidFill>
+                  <a:srgbClr val="9876AA"/>
+                </a:solidFill>
+                <a:effectLst/>
+                <a:latin typeface="Microsoft YaHei" panose="020B0503020204020204" pitchFamily="34" charset="-122"/>
+                <a:ea typeface="Microsoft YaHei" panose="020B0503020204020204" pitchFamily="34" charset="-122"/>
+              </a:rPr>
+              <a:t>mCallback </a:t>
+            </a:r>
+            <a:r>
+              <a:rPr lang="en-US" altLang="zh-CN">
+                <a:latin typeface="Microsoft YaHei" panose="020B0503020204020204" pitchFamily="34" charset="-122"/>
+                <a:ea typeface="Microsoft YaHei" panose="020B0503020204020204" pitchFamily="34" charset="-122"/>
+              </a:rPr>
+              <a:t>= callback</a:t>
+            </a:r>
+            <a:r>
+              <a:rPr lang="en-US" altLang="zh-CN">
+                <a:solidFill>
+                  <a:srgbClr val="CC7832"/>
+                </a:solidFill>
+                <a:effectLst/>
+                <a:latin typeface="Microsoft YaHei" panose="020B0503020204020204" pitchFamily="34" charset="-122"/>
+                <a:ea typeface="Microsoft YaHei" panose="020B0503020204020204" pitchFamily="34" charset="-122"/>
+              </a:rPr>
+              <a:t>;</a:t>
+            </a:r>
+            <a:br>
+              <a:rPr lang="en-US" altLang="zh-CN">
+                <a:solidFill>
+                  <a:srgbClr val="CC7832"/>
+                </a:solidFill>
+                <a:effectLst/>
+                <a:latin typeface="Microsoft YaHei" panose="020B0503020204020204" pitchFamily="34" charset="-122"/>
+                <a:ea typeface="Microsoft YaHei" panose="020B0503020204020204" pitchFamily="34" charset="-122"/>
+              </a:rPr>
+            </a:br>
+            <a:r>
+              <a:rPr lang="en-US" altLang="zh-CN">
+                <a:solidFill>
+                  <a:srgbClr val="CC7832"/>
+                </a:solidFill>
+                <a:effectLst/>
+                <a:latin typeface="Microsoft YaHei" panose="020B0503020204020204" pitchFamily="34" charset="-122"/>
+                <a:ea typeface="Microsoft YaHei" panose="020B0503020204020204" pitchFamily="34" charset="-122"/>
+              </a:rPr>
+              <a:t>    </a:t>
+            </a:r>
+            <a:r>
+              <a:rPr lang="en-US" altLang="zh-CN">
+                <a:solidFill>
+                  <a:srgbClr val="9876AA"/>
+                </a:solidFill>
+                <a:effectLst/>
+                <a:latin typeface="Microsoft YaHei" panose="020B0503020204020204" pitchFamily="34" charset="-122"/>
+                <a:ea typeface="Microsoft YaHei" panose="020B0503020204020204" pitchFamily="34" charset="-122"/>
+              </a:rPr>
+              <a:t>mAsynchronous </a:t>
+            </a:r>
+            <a:r>
+              <a:rPr lang="en-US" altLang="zh-CN">
+                <a:latin typeface="Microsoft YaHei" panose="020B0503020204020204" pitchFamily="34" charset="-122"/>
+                <a:ea typeface="Microsoft YaHei" panose="020B0503020204020204" pitchFamily="34" charset="-122"/>
+              </a:rPr>
+              <a:t>= async</a:t>
+            </a:r>
+            <a:r>
+              <a:rPr lang="en-US" altLang="zh-CN">
+                <a:solidFill>
+                  <a:srgbClr val="CC7832"/>
+                </a:solidFill>
+                <a:effectLst/>
+                <a:latin typeface="Microsoft YaHei" panose="020B0503020204020204" pitchFamily="34" charset="-122"/>
+                <a:ea typeface="Microsoft YaHei" panose="020B0503020204020204" pitchFamily="34" charset="-122"/>
+              </a:rPr>
+              <a:t>;</a:t>
+            </a:r>
+            <a:br>
+              <a:rPr lang="en-US" altLang="zh-CN">
+                <a:solidFill>
+                  <a:srgbClr val="CC7832"/>
+                </a:solidFill>
+                <a:effectLst/>
+                <a:latin typeface="Microsoft YaHei" panose="020B0503020204020204" pitchFamily="34" charset="-122"/>
+                <a:ea typeface="Microsoft YaHei" panose="020B0503020204020204" pitchFamily="34" charset="-122"/>
+              </a:rPr>
+            </a:br>
+            <a:r>
+              <a:rPr lang="en-US" altLang="zh-CN">
+                <a:latin typeface="Microsoft YaHei" panose="020B0503020204020204" pitchFamily="34" charset="-122"/>
+                <a:ea typeface="Microsoft YaHei" panose="020B0503020204020204" pitchFamily="34" charset="-122"/>
+              </a:rPr>
+              <a:t>}</a:t>
+            </a:r>
+            <a:endParaRPr lang="zh-CN" altLang="en-US">
+              <a:latin typeface="Microsoft YaHei" panose="020B0503020204020204" pitchFamily="34" charset="-122"/>
+              <a:ea typeface="Microsoft YaHei" panose="020B0503020204020204" pitchFamily="34" charset="-122"/>
+            </a:endParaRPr>
+          </a:p>
+        </p:txBody>
+      </p:sp>
+      <p:cxnSp>
+        <p:nvCxnSpPr>
+          <p:cNvPr id="7" name="直线箭头连接符 6">
+            <a:extLst>
+              <a:ext uri="{FF2B5EF4-FFF2-40B4-BE49-F238E27FC236}">
+                <a16:creationId xmlns:a16="http://schemas.microsoft.com/office/drawing/2014/main" id="{585EA079-ED8A-2040-9F05-728D6279F9A8}"/>
+              </a:ext>
+            </a:extLst>
+          </p:cNvPr>
+          <p:cNvCxnSpPr/>
+          <p:nvPr/>
+        </p:nvCxnSpPr>
+        <p:spPr>
+          <a:xfrm>
+            <a:off x="1350335" y="871870"/>
+            <a:ext cx="1265274" cy="552893"/>
+          </a:xfrm>
+          <a:prstGeom prst="straightConnector1">
+            <a:avLst/>
+          </a:prstGeom>
+          <a:ln w="19050">
+            <a:solidFill>
+              <a:schemeClr val="accent2"/>
+            </a:solidFill>
+            <a:tailEnd type="triangle"/>
+          </a:ln>
+        </p:spPr>
+        <p:style>
+          <a:lnRef idx="1">
+            <a:schemeClr val="accent1"/>
+          </a:lnRef>
+          <a:fillRef idx="0">
+            <a:schemeClr val="accent1"/>
+          </a:fillRef>
+          <a:effectRef idx="0">
+            <a:schemeClr val="accent1"/>
+          </a:effectRef>
+          <a:fontRef idx="minor">
+            <a:schemeClr val="tx1"/>
+          </a:fontRef>
+        </p:style>
+      </p:cxnSp>
+      <p:sp>
+        <p:nvSpPr>
+          <p:cNvPr id="8" name="矩形 7">
+            <a:extLst>
+              <a:ext uri="{FF2B5EF4-FFF2-40B4-BE49-F238E27FC236}">
+                <a16:creationId xmlns:a16="http://schemas.microsoft.com/office/drawing/2014/main" id="{1A6CAA09-9439-0746-B35A-6450C03A60E2}"/>
+              </a:ext>
+            </a:extLst>
+          </p:cNvPr>
+          <p:cNvSpPr/>
+          <p:nvPr/>
+        </p:nvSpPr>
+        <p:spPr>
+          <a:xfrm>
+            <a:off x="3987210" y="264539"/>
+            <a:ext cx="4572000" cy="923330"/>
+          </a:xfrm>
+          <a:prstGeom prst="rect">
+            <a:avLst/>
+          </a:prstGeom>
+          <a:ln w="22225">
+            <a:solidFill>
+              <a:srgbClr val="C00000"/>
+            </a:solidFill>
+            <a:prstDash val="dash"/>
+          </a:ln>
+        </p:spPr>
+        <p:txBody>
+          <a:bodyPr>
+            <a:spAutoFit/>
+          </a:bodyPr>
+          <a:lstStyle/>
+          <a:p>
+            <a:r>
+              <a:rPr lang="en" altLang="zh-CN">
+                <a:solidFill>
+                  <a:srgbClr val="CC7832"/>
+                </a:solidFill>
+                <a:effectLst/>
+                <a:latin typeface="Microsoft YaHei" panose="020B0503020204020204" pitchFamily="34" charset="-122"/>
+                <a:ea typeface="Microsoft YaHei" panose="020B0503020204020204" pitchFamily="34" charset="-122"/>
+              </a:rPr>
+              <a:t>public static</a:t>
+            </a:r>
+            <a:r>
+              <a:rPr lang="en" altLang="zh-CN">
+                <a:solidFill>
+                  <a:srgbClr val="BBB529"/>
+                </a:solidFill>
+                <a:effectLst/>
+                <a:latin typeface="Microsoft YaHei" panose="020B0503020204020204" pitchFamily="34" charset="-122"/>
+                <a:ea typeface="Microsoft YaHei" panose="020B0503020204020204" pitchFamily="34" charset="-122"/>
+              </a:rPr>
+              <a:t> </a:t>
+            </a:r>
+            <a:r>
+              <a:rPr lang="en" altLang="zh-CN">
+                <a:latin typeface="Microsoft YaHei" panose="020B0503020204020204" pitchFamily="34" charset="-122"/>
+                <a:ea typeface="Microsoft YaHei" panose="020B0503020204020204" pitchFamily="34" charset="-122"/>
+              </a:rPr>
+              <a:t>Looper </a:t>
+            </a:r>
+            <a:r>
+              <a:rPr lang="en" altLang="zh-CN">
+                <a:solidFill>
+                  <a:srgbClr val="FFC66D"/>
+                </a:solidFill>
+                <a:effectLst/>
+                <a:latin typeface="Microsoft YaHei" panose="020B0503020204020204" pitchFamily="34" charset="-122"/>
+                <a:ea typeface="Microsoft YaHei" panose="020B0503020204020204" pitchFamily="34" charset="-122"/>
+              </a:rPr>
+              <a:t>myLooper</a:t>
+            </a:r>
+            <a:r>
+              <a:rPr lang="en" altLang="zh-CN">
+                <a:latin typeface="Microsoft YaHei" panose="020B0503020204020204" pitchFamily="34" charset="-122"/>
+                <a:ea typeface="Microsoft YaHei" panose="020B0503020204020204" pitchFamily="34" charset="-122"/>
+              </a:rPr>
+              <a:t>() {</a:t>
+            </a:r>
+            <a:br>
+              <a:rPr lang="en" altLang="zh-CN">
+                <a:latin typeface="Microsoft YaHei" panose="020B0503020204020204" pitchFamily="34" charset="-122"/>
+                <a:ea typeface="Microsoft YaHei" panose="020B0503020204020204" pitchFamily="34" charset="-122"/>
+              </a:rPr>
+            </a:br>
+            <a:r>
+              <a:rPr lang="en" altLang="zh-CN">
+                <a:latin typeface="Microsoft YaHei" panose="020B0503020204020204" pitchFamily="34" charset="-122"/>
+                <a:ea typeface="Microsoft YaHei" panose="020B0503020204020204" pitchFamily="34" charset="-122"/>
+              </a:rPr>
+              <a:t>    </a:t>
+            </a:r>
+            <a:r>
+              <a:rPr lang="en" altLang="zh-CN">
+                <a:solidFill>
+                  <a:srgbClr val="CC7832"/>
+                </a:solidFill>
+                <a:effectLst/>
+                <a:latin typeface="Microsoft YaHei" panose="020B0503020204020204" pitchFamily="34" charset="-122"/>
+                <a:ea typeface="Microsoft YaHei" panose="020B0503020204020204" pitchFamily="34" charset="-122"/>
+              </a:rPr>
+              <a:t>return </a:t>
+            </a:r>
+            <a:r>
+              <a:rPr lang="en" altLang="zh-CN">
+                <a:solidFill>
+                  <a:srgbClr val="9876AA"/>
+                </a:solidFill>
+                <a:effectLst/>
+                <a:latin typeface="Microsoft YaHei" panose="020B0503020204020204" pitchFamily="34" charset="-122"/>
+                <a:ea typeface="Microsoft YaHei" panose="020B0503020204020204" pitchFamily="34" charset="-122"/>
+              </a:rPr>
+              <a:t>sThreadLocal</a:t>
+            </a:r>
+            <a:r>
+              <a:rPr lang="en" altLang="zh-CN">
+                <a:latin typeface="Microsoft YaHei" panose="020B0503020204020204" pitchFamily="34" charset="-122"/>
+                <a:ea typeface="Microsoft YaHei" panose="020B0503020204020204" pitchFamily="34" charset="-122"/>
+              </a:rPr>
+              <a:t>.get()</a:t>
+            </a:r>
+            <a:r>
+              <a:rPr lang="en" altLang="zh-CN">
+                <a:solidFill>
+                  <a:srgbClr val="CC7832"/>
+                </a:solidFill>
+                <a:effectLst/>
+                <a:latin typeface="Microsoft YaHei" panose="020B0503020204020204" pitchFamily="34" charset="-122"/>
+                <a:ea typeface="Microsoft YaHei" panose="020B0503020204020204" pitchFamily="34" charset="-122"/>
+              </a:rPr>
+              <a:t>;</a:t>
+            </a:r>
+            <a:br>
+              <a:rPr lang="en" altLang="zh-CN">
+                <a:solidFill>
+                  <a:srgbClr val="CC7832"/>
+                </a:solidFill>
+                <a:effectLst/>
+                <a:latin typeface="Microsoft YaHei" panose="020B0503020204020204" pitchFamily="34" charset="-122"/>
+                <a:ea typeface="Microsoft YaHei" panose="020B0503020204020204" pitchFamily="34" charset="-122"/>
+              </a:rPr>
+            </a:br>
+            <a:r>
+              <a:rPr lang="en" altLang="zh-CN">
+                <a:latin typeface="Microsoft YaHei" panose="020B0503020204020204" pitchFamily="34" charset="-122"/>
+                <a:ea typeface="Microsoft YaHei" panose="020B0503020204020204" pitchFamily="34" charset="-122"/>
+              </a:rPr>
+              <a:t>}</a:t>
+            </a:r>
+            <a:endParaRPr lang="zh-CN" altLang="en-US">
+              <a:latin typeface="Microsoft YaHei" panose="020B0503020204020204" pitchFamily="34" charset="-122"/>
+              <a:ea typeface="Microsoft YaHei" panose="020B0503020204020204" pitchFamily="34" charset="-122"/>
+            </a:endParaRPr>
+          </a:p>
+        </p:txBody>
+      </p:sp>
+      <p:cxnSp>
+        <p:nvCxnSpPr>
+          <p:cNvPr id="10" name="直线箭头连接符 9">
+            <a:extLst>
+              <a:ext uri="{FF2B5EF4-FFF2-40B4-BE49-F238E27FC236}">
+                <a16:creationId xmlns:a16="http://schemas.microsoft.com/office/drawing/2014/main" id="{31E1A1AD-D1D5-0847-BF29-67A8C175BDB6}"/>
+              </a:ext>
+            </a:extLst>
+          </p:cNvPr>
+          <p:cNvCxnSpPr/>
+          <p:nvPr/>
+        </p:nvCxnSpPr>
+        <p:spPr>
+          <a:xfrm flipV="1">
+            <a:off x="4837814" y="871870"/>
+            <a:ext cx="606056" cy="1010093"/>
+          </a:xfrm>
+          <a:prstGeom prst="straightConnector1">
+            <a:avLst/>
+          </a:prstGeom>
+          <a:ln w="19050">
+            <a:solidFill>
+              <a:schemeClr val="accent2"/>
+            </a:solidFill>
+            <a:tailEnd type="triangle"/>
+          </a:ln>
+        </p:spPr>
+        <p:style>
+          <a:lnRef idx="1">
+            <a:schemeClr val="accent1"/>
+          </a:lnRef>
+          <a:fillRef idx="0">
+            <a:schemeClr val="accent1"/>
+          </a:fillRef>
+          <a:effectRef idx="0">
+            <a:schemeClr val="accent1"/>
+          </a:effectRef>
+          <a:fontRef idx="minor">
+            <a:schemeClr val="tx1"/>
+          </a:fontRef>
+        </p:style>
+      </p:cxnSp>
+    </p:spTree>
+    <p:extLst>
+      <p:ext uri="{BB962C8B-B14F-4D97-AF65-F5344CB8AC3E}">
+        <p14:creationId xmlns:p14="http://schemas.microsoft.com/office/powerpoint/2010/main" val="3830481701"/>
+      </p:ext>
+    </p:extLst>
+  </p:cSld>
+  <p:clrMapOvr>
+    <a:masterClrMapping/>
+  </p:clrMapOvr>
+</p:sld>
+</file>
+
+<file path=ppt/slides/slide7.xml><?xml version="1.0" encoding="utf-8"?>
+<p:sld xmlns:a="http://schemas.openxmlformats.org/drawingml/2006/main" xmlns:r="http://schemas.openxmlformats.org/officeDocument/2006/relationships" xmlns:p="http://schemas.openxmlformats.org/presentationml/2006/main">
+  <p:cSld>
+    <p:spTree>
+      <p:nvGrpSpPr>
+        <p:cNvPr id="1" name=""/>
+        <p:cNvGrpSpPr/>
+        <p:nvPr/>
+      </p:nvGrpSpPr>
+      <p:grpSpPr>
+        <a:xfrm>
+          <a:off x="0" y="0"/>
+          <a:ext cx="0" cy="0"/>
+          <a:chOff x="0" y="0"/>
+          <a:chExt cx="0" cy="0"/>
+        </a:xfrm>
+      </p:grpSpPr>
+      <p:sp>
+        <p:nvSpPr>
+          <p:cNvPr id="4" name="矩形 3">
+            <a:extLst>
+              <a:ext uri="{FF2B5EF4-FFF2-40B4-BE49-F238E27FC236}">
+                <a16:creationId xmlns:a16="http://schemas.microsoft.com/office/drawing/2014/main" id="{CE38C2A7-BE38-7047-B2C9-2639514D353F}"/>
+              </a:ext>
+            </a:extLst>
+          </p:cNvPr>
+          <p:cNvSpPr/>
+          <p:nvPr/>
+        </p:nvSpPr>
+        <p:spPr>
+          <a:xfrm>
+            <a:off x="194044" y="131046"/>
+            <a:ext cx="8755911" cy="1569660"/>
+          </a:xfrm>
+          <a:prstGeom prst="rect">
+            <a:avLst/>
+          </a:prstGeom>
+          <a:ln w="22225">
+            <a:solidFill>
+              <a:srgbClr val="C00000"/>
+            </a:solidFill>
+            <a:prstDash val="dash"/>
+          </a:ln>
+        </p:spPr>
+        <p:txBody>
+          <a:bodyPr wrap="square">
+            <a:spAutoFit/>
+          </a:bodyPr>
+          <a:lstStyle/>
+          <a:p>
+            <a:r>
+              <a:rPr lang="en" altLang="zh-CN" sz="1600">
+                <a:solidFill>
+                  <a:srgbClr val="CC7832"/>
+                </a:solidFill>
+                <a:effectLst/>
+                <a:latin typeface="Microsoft YaHei" panose="020B0503020204020204" pitchFamily="34" charset="-122"/>
+                <a:ea typeface="Microsoft YaHei" panose="020B0503020204020204" pitchFamily="34" charset="-122"/>
+              </a:rPr>
+              <a:t>private static void </a:t>
+            </a:r>
+            <a:r>
+              <a:rPr lang="en" altLang="zh-CN" sz="1600">
+                <a:solidFill>
+                  <a:srgbClr val="FFC66D"/>
+                </a:solidFill>
+                <a:effectLst/>
+                <a:latin typeface="Microsoft YaHei" panose="020B0503020204020204" pitchFamily="34" charset="-122"/>
+                <a:ea typeface="Microsoft YaHei" panose="020B0503020204020204" pitchFamily="34" charset="-122"/>
+              </a:rPr>
+              <a:t>prepare</a:t>
+            </a:r>
+            <a:r>
+              <a:rPr lang="en" altLang="zh-CN" sz="1600">
+                <a:latin typeface="Microsoft YaHei" panose="020B0503020204020204" pitchFamily="34" charset="-122"/>
+                <a:ea typeface="Microsoft YaHei" panose="020B0503020204020204" pitchFamily="34" charset="-122"/>
+              </a:rPr>
+              <a:t>(</a:t>
+            </a:r>
+            <a:r>
+              <a:rPr lang="en" altLang="zh-CN" sz="1600">
+                <a:solidFill>
+                  <a:srgbClr val="CC7832"/>
+                </a:solidFill>
+                <a:effectLst/>
+                <a:latin typeface="Microsoft YaHei" panose="020B0503020204020204" pitchFamily="34" charset="-122"/>
+                <a:ea typeface="Microsoft YaHei" panose="020B0503020204020204" pitchFamily="34" charset="-122"/>
+              </a:rPr>
+              <a:t>boolean </a:t>
+            </a:r>
+            <a:r>
+              <a:rPr lang="en" altLang="zh-CN" sz="1600">
+                <a:latin typeface="Microsoft YaHei" panose="020B0503020204020204" pitchFamily="34" charset="-122"/>
+                <a:ea typeface="Microsoft YaHei" panose="020B0503020204020204" pitchFamily="34" charset="-122"/>
+              </a:rPr>
+              <a:t>quitAllowed) {</a:t>
+            </a:r>
+            <a:br>
+              <a:rPr lang="en" altLang="zh-CN" sz="1600">
+                <a:latin typeface="Microsoft YaHei" panose="020B0503020204020204" pitchFamily="34" charset="-122"/>
+                <a:ea typeface="Microsoft YaHei" panose="020B0503020204020204" pitchFamily="34" charset="-122"/>
+              </a:rPr>
+            </a:br>
+            <a:r>
+              <a:rPr lang="en" altLang="zh-CN" sz="1600">
+                <a:latin typeface="Microsoft YaHei" panose="020B0503020204020204" pitchFamily="34" charset="-122"/>
+                <a:ea typeface="Microsoft YaHei" panose="020B0503020204020204" pitchFamily="34" charset="-122"/>
+              </a:rPr>
+              <a:t>    </a:t>
+            </a:r>
+            <a:r>
+              <a:rPr lang="en" altLang="zh-CN" sz="1600">
+                <a:solidFill>
+                  <a:srgbClr val="CC7832"/>
+                </a:solidFill>
+                <a:effectLst/>
+                <a:latin typeface="Microsoft YaHei" panose="020B0503020204020204" pitchFamily="34" charset="-122"/>
+                <a:ea typeface="Microsoft YaHei" panose="020B0503020204020204" pitchFamily="34" charset="-122"/>
+              </a:rPr>
+              <a:t>if </a:t>
+            </a:r>
+            <a:r>
+              <a:rPr lang="en" altLang="zh-CN" sz="1600">
+                <a:latin typeface="Microsoft YaHei" panose="020B0503020204020204" pitchFamily="34" charset="-122"/>
+                <a:ea typeface="Microsoft YaHei" panose="020B0503020204020204" pitchFamily="34" charset="-122"/>
+              </a:rPr>
+              <a:t>(</a:t>
+            </a:r>
+            <a:r>
+              <a:rPr lang="en" altLang="zh-CN" sz="1600">
+                <a:solidFill>
+                  <a:srgbClr val="9876AA"/>
+                </a:solidFill>
+                <a:effectLst/>
+                <a:latin typeface="Microsoft YaHei" panose="020B0503020204020204" pitchFamily="34" charset="-122"/>
+                <a:ea typeface="Microsoft YaHei" panose="020B0503020204020204" pitchFamily="34" charset="-122"/>
+              </a:rPr>
+              <a:t>sThreadLocal</a:t>
+            </a:r>
+            <a:r>
+              <a:rPr lang="en" altLang="zh-CN" sz="1600">
+                <a:latin typeface="Microsoft YaHei" panose="020B0503020204020204" pitchFamily="34" charset="-122"/>
+                <a:ea typeface="Microsoft YaHei" panose="020B0503020204020204" pitchFamily="34" charset="-122"/>
+              </a:rPr>
+              <a:t>.get() != </a:t>
+            </a:r>
+            <a:r>
+              <a:rPr lang="en" altLang="zh-CN" sz="1600">
+                <a:solidFill>
+                  <a:srgbClr val="CC7832"/>
+                </a:solidFill>
+                <a:effectLst/>
+                <a:latin typeface="Microsoft YaHei" panose="020B0503020204020204" pitchFamily="34" charset="-122"/>
+                <a:ea typeface="Microsoft YaHei" panose="020B0503020204020204" pitchFamily="34" charset="-122"/>
+              </a:rPr>
+              <a:t>null</a:t>
+            </a:r>
+            <a:r>
+              <a:rPr lang="en" altLang="zh-CN" sz="1600">
+                <a:latin typeface="Microsoft YaHei" panose="020B0503020204020204" pitchFamily="34" charset="-122"/>
+                <a:ea typeface="Microsoft YaHei" panose="020B0503020204020204" pitchFamily="34" charset="-122"/>
+              </a:rPr>
+              <a:t>) {</a:t>
+            </a:r>
+          </a:p>
+          <a:p>
+            <a:r>
+              <a:rPr lang="zh-CN" altLang="en-US" sz="1600">
+                <a:solidFill>
+                  <a:srgbClr val="CC7832"/>
+                </a:solidFill>
+                <a:effectLst/>
+                <a:latin typeface="Microsoft YaHei" panose="020B0503020204020204" pitchFamily="34" charset="-122"/>
+                <a:ea typeface="Microsoft YaHei" panose="020B0503020204020204" pitchFamily="34" charset="-122"/>
+              </a:rPr>
+              <a:t>        </a:t>
+            </a:r>
+            <a:r>
+              <a:rPr lang="en" altLang="zh-CN" sz="1600">
+                <a:solidFill>
+                  <a:srgbClr val="CC7832"/>
+                </a:solidFill>
+                <a:effectLst/>
+                <a:latin typeface="Microsoft YaHei" panose="020B0503020204020204" pitchFamily="34" charset="-122"/>
+                <a:ea typeface="Microsoft YaHei" panose="020B0503020204020204" pitchFamily="34" charset="-122"/>
+              </a:rPr>
+              <a:t>throw new </a:t>
+            </a:r>
+            <a:r>
+              <a:rPr lang="en" altLang="zh-CN" sz="1600">
+                <a:latin typeface="Microsoft YaHei" panose="020B0503020204020204" pitchFamily="34" charset="-122"/>
+                <a:ea typeface="Microsoft YaHei" panose="020B0503020204020204" pitchFamily="34" charset="-122"/>
+              </a:rPr>
+              <a:t>RuntimeException(</a:t>
+            </a:r>
+            <a:r>
+              <a:rPr lang="en" altLang="zh-CN" sz="1600">
+                <a:solidFill>
+                  <a:srgbClr val="6A8759"/>
+                </a:solidFill>
+                <a:effectLst/>
+                <a:latin typeface="Microsoft YaHei" panose="020B0503020204020204" pitchFamily="34" charset="-122"/>
+                <a:ea typeface="Microsoft YaHei" panose="020B0503020204020204" pitchFamily="34" charset="-122"/>
+              </a:rPr>
+              <a:t>"Only one Looper may be created per thread"</a:t>
+            </a:r>
+            <a:r>
+              <a:rPr lang="en" altLang="zh-CN" sz="1600">
+                <a:latin typeface="Microsoft YaHei" panose="020B0503020204020204" pitchFamily="34" charset="-122"/>
+                <a:ea typeface="Microsoft YaHei" panose="020B0503020204020204" pitchFamily="34" charset="-122"/>
+              </a:rPr>
+              <a:t>)</a:t>
+            </a:r>
+            <a:r>
+              <a:rPr lang="en" altLang="zh-CN" sz="1600">
+                <a:solidFill>
+                  <a:srgbClr val="CC7832"/>
+                </a:solidFill>
+                <a:effectLst/>
+                <a:latin typeface="Microsoft YaHei" panose="020B0503020204020204" pitchFamily="34" charset="-122"/>
+                <a:ea typeface="Microsoft YaHei" panose="020B0503020204020204" pitchFamily="34" charset="-122"/>
+              </a:rPr>
+              <a:t>;</a:t>
+            </a:r>
+            <a:br>
+              <a:rPr lang="en" altLang="zh-CN" sz="1600">
+                <a:solidFill>
+                  <a:srgbClr val="CC7832"/>
+                </a:solidFill>
+                <a:effectLst/>
+                <a:latin typeface="Microsoft YaHei" panose="020B0503020204020204" pitchFamily="34" charset="-122"/>
+                <a:ea typeface="Microsoft YaHei" panose="020B0503020204020204" pitchFamily="34" charset="-122"/>
+              </a:rPr>
+            </a:br>
+            <a:r>
+              <a:rPr lang="en" altLang="zh-CN" sz="1600">
+                <a:solidFill>
+                  <a:srgbClr val="CC7832"/>
+                </a:solidFill>
+                <a:effectLst/>
+                <a:latin typeface="Microsoft YaHei" panose="020B0503020204020204" pitchFamily="34" charset="-122"/>
+                <a:ea typeface="Microsoft YaHei" panose="020B0503020204020204" pitchFamily="34" charset="-122"/>
+              </a:rPr>
+              <a:t>    </a:t>
+            </a:r>
+            <a:r>
+              <a:rPr lang="en" altLang="zh-CN" sz="1600">
+                <a:latin typeface="Microsoft YaHei" panose="020B0503020204020204" pitchFamily="34" charset="-122"/>
+                <a:ea typeface="Microsoft YaHei" panose="020B0503020204020204" pitchFamily="34" charset="-122"/>
+              </a:rPr>
+              <a:t>}</a:t>
+            </a:r>
+            <a:br>
+              <a:rPr lang="en" altLang="zh-CN" sz="1600">
+                <a:latin typeface="Microsoft YaHei" panose="020B0503020204020204" pitchFamily="34" charset="-122"/>
+                <a:ea typeface="Microsoft YaHei" panose="020B0503020204020204" pitchFamily="34" charset="-122"/>
+              </a:rPr>
+            </a:br>
+            <a:r>
+              <a:rPr lang="en" altLang="zh-CN" sz="1600">
+                <a:latin typeface="Microsoft YaHei" panose="020B0503020204020204" pitchFamily="34" charset="-122"/>
+                <a:ea typeface="Microsoft YaHei" panose="020B0503020204020204" pitchFamily="34" charset="-122"/>
+              </a:rPr>
+              <a:t>    </a:t>
+            </a:r>
+            <a:r>
+              <a:rPr lang="en" altLang="zh-CN" sz="1600">
+                <a:solidFill>
+                  <a:srgbClr val="9876AA"/>
+                </a:solidFill>
+                <a:effectLst/>
+                <a:latin typeface="Microsoft YaHei" panose="020B0503020204020204" pitchFamily="34" charset="-122"/>
+                <a:ea typeface="Microsoft YaHei" panose="020B0503020204020204" pitchFamily="34" charset="-122"/>
+              </a:rPr>
+              <a:t>sThreadLocal</a:t>
+            </a:r>
+            <a:r>
+              <a:rPr lang="en" altLang="zh-CN" sz="1600">
+                <a:latin typeface="Microsoft YaHei" panose="020B0503020204020204" pitchFamily="34" charset="-122"/>
+                <a:ea typeface="Microsoft YaHei" panose="020B0503020204020204" pitchFamily="34" charset="-122"/>
+              </a:rPr>
+              <a:t>.set(</a:t>
+            </a:r>
+            <a:r>
+              <a:rPr lang="en" altLang="zh-CN" sz="1600">
+                <a:solidFill>
+                  <a:srgbClr val="CC7832"/>
+                </a:solidFill>
+                <a:effectLst/>
+                <a:latin typeface="Microsoft YaHei" panose="020B0503020204020204" pitchFamily="34" charset="-122"/>
+                <a:ea typeface="Microsoft YaHei" panose="020B0503020204020204" pitchFamily="34" charset="-122"/>
+              </a:rPr>
+              <a:t>new </a:t>
+            </a:r>
+            <a:r>
+              <a:rPr lang="en" altLang="zh-CN" sz="1600">
+                <a:latin typeface="Microsoft YaHei" panose="020B0503020204020204" pitchFamily="34" charset="-122"/>
+                <a:ea typeface="Microsoft YaHei" panose="020B0503020204020204" pitchFamily="34" charset="-122"/>
+              </a:rPr>
+              <a:t>Looper(quitAllowed))</a:t>
+            </a:r>
+            <a:r>
+              <a:rPr lang="en" altLang="zh-CN" sz="1600">
+                <a:solidFill>
+                  <a:srgbClr val="CC7832"/>
+                </a:solidFill>
+                <a:effectLst/>
+                <a:latin typeface="Microsoft YaHei" panose="020B0503020204020204" pitchFamily="34" charset="-122"/>
+                <a:ea typeface="Microsoft YaHei" panose="020B0503020204020204" pitchFamily="34" charset="-122"/>
+              </a:rPr>
+              <a:t>;</a:t>
+            </a:r>
+            <a:br>
+              <a:rPr lang="en" altLang="zh-CN" sz="1600">
+                <a:solidFill>
+                  <a:srgbClr val="CC7832"/>
+                </a:solidFill>
+                <a:effectLst/>
+                <a:latin typeface="Microsoft YaHei" panose="020B0503020204020204" pitchFamily="34" charset="-122"/>
+                <a:ea typeface="Microsoft YaHei" panose="020B0503020204020204" pitchFamily="34" charset="-122"/>
+              </a:rPr>
+            </a:br>
+            <a:r>
+              <a:rPr lang="en" altLang="zh-CN" sz="1600">
+                <a:latin typeface="Microsoft YaHei" panose="020B0503020204020204" pitchFamily="34" charset="-122"/>
+                <a:ea typeface="Microsoft YaHei" panose="020B0503020204020204" pitchFamily="34" charset="-122"/>
+              </a:rPr>
+              <a:t>}</a:t>
+            </a:r>
+            <a:endParaRPr lang="zh-CN" altLang="en-US" sz="1600">
+              <a:latin typeface="Microsoft YaHei" panose="020B0503020204020204" pitchFamily="34" charset="-122"/>
+              <a:ea typeface="Microsoft YaHei" panose="020B0503020204020204" pitchFamily="34" charset="-122"/>
+            </a:endParaRPr>
+          </a:p>
+        </p:txBody>
+      </p:sp>
+      <p:sp>
+        <p:nvSpPr>
+          <p:cNvPr id="5" name="矩形 4">
+            <a:extLst>
+              <a:ext uri="{FF2B5EF4-FFF2-40B4-BE49-F238E27FC236}">
+                <a16:creationId xmlns:a16="http://schemas.microsoft.com/office/drawing/2014/main" id="{3F4D5B6F-EE9E-FC4B-9E6D-CFBADDAF844F}"/>
+              </a:ext>
+            </a:extLst>
+          </p:cNvPr>
+          <p:cNvSpPr/>
+          <p:nvPr/>
+        </p:nvSpPr>
+        <p:spPr>
+          <a:xfrm>
+            <a:off x="495006" y="1809308"/>
+            <a:ext cx="2369880" cy="338554"/>
+          </a:xfrm>
+          <a:prstGeom prst="rect">
+            <a:avLst/>
+          </a:prstGeom>
+          <a:solidFill>
+            <a:srgbClr val="C00000"/>
+          </a:solidFill>
+        </p:spPr>
+        <p:txBody>
+          <a:bodyPr wrap="none">
+            <a:spAutoFit/>
+          </a:bodyPr>
+          <a:lstStyle/>
+          <a:p>
+            <a:r>
+              <a:rPr lang="en-US" altLang="zh-CN" sz="1600">
+                <a:solidFill>
+                  <a:schemeClr val="bg1"/>
+                </a:solidFill>
+                <a:latin typeface="Microsoft YaHei" panose="020B0503020204020204" pitchFamily="34" charset="-122"/>
+                <a:ea typeface="Microsoft YaHei" panose="020B0503020204020204" pitchFamily="34" charset="-122"/>
+              </a:rPr>
+              <a:t>ThreadLocal&lt;Looper&gt;</a:t>
+            </a:r>
+            <a:endParaRPr lang="zh-CN" altLang="en-US" sz="1600">
+              <a:solidFill>
+                <a:schemeClr val="bg1"/>
+              </a:solidFill>
+              <a:latin typeface="Microsoft YaHei" panose="020B0503020204020204" pitchFamily="34" charset="-122"/>
+              <a:ea typeface="Microsoft YaHei" panose="020B0503020204020204" pitchFamily="34" charset="-122"/>
+            </a:endParaRPr>
+          </a:p>
+        </p:txBody>
+      </p:sp>
+      <p:sp>
+        <p:nvSpPr>
+          <p:cNvPr id="8" name="矩形 7">
+            <a:extLst>
+              <a:ext uri="{FF2B5EF4-FFF2-40B4-BE49-F238E27FC236}">
+                <a16:creationId xmlns:a16="http://schemas.microsoft.com/office/drawing/2014/main" id="{204184AD-1705-AD4D-8BE5-90D5532855A3}"/>
+              </a:ext>
+            </a:extLst>
+          </p:cNvPr>
+          <p:cNvSpPr/>
+          <p:nvPr/>
+        </p:nvSpPr>
+        <p:spPr>
+          <a:xfrm>
+            <a:off x="194044" y="2385657"/>
+            <a:ext cx="8755911" cy="2308324"/>
+          </a:xfrm>
+          <a:prstGeom prst="rect">
+            <a:avLst/>
+          </a:prstGeom>
+          <a:ln w="22225">
+            <a:solidFill>
+              <a:srgbClr val="C00000"/>
+            </a:solidFill>
+            <a:prstDash val="dash"/>
+          </a:ln>
+        </p:spPr>
+        <p:txBody>
+          <a:bodyPr wrap="square">
+            <a:spAutoFit/>
+          </a:bodyPr>
+          <a:lstStyle/>
+          <a:p>
+            <a:r>
+              <a:rPr lang="en-US" altLang="zh-CN" sz="1600">
+                <a:solidFill>
+                  <a:srgbClr val="CC7832"/>
+                </a:solidFill>
+                <a:effectLst/>
+                <a:latin typeface="Microsoft YaHei" panose="020B0503020204020204" pitchFamily="34" charset="-122"/>
+                <a:ea typeface="Microsoft YaHei" panose="020B0503020204020204" pitchFamily="34" charset="-122"/>
+              </a:rPr>
+              <a:t>public static void </a:t>
+            </a:r>
+            <a:r>
+              <a:rPr lang="en-US" altLang="zh-CN" sz="1600">
+                <a:solidFill>
+                  <a:srgbClr val="FFC66D"/>
+                </a:solidFill>
+                <a:effectLst/>
+                <a:latin typeface="Microsoft YaHei" panose="020B0503020204020204" pitchFamily="34" charset="-122"/>
+                <a:ea typeface="Microsoft YaHei" panose="020B0503020204020204" pitchFamily="34" charset="-122"/>
+              </a:rPr>
+              <a:t>prepareMainLooper</a:t>
+            </a:r>
+            <a:r>
+              <a:rPr lang="en-US" altLang="zh-CN" sz="1600">
+                <a:latin typeface="Microsoft YaHei" panose="020B0503020204020204" pitchFamily="34" charset="-122"/>
+                <a:ea typeface="Microsoft YaHei" panose="020B0503020204020204" pitchFamily="34" charset="-122"/>
+              </a:rPr>
+              <a:t>() {</a:t>
+            </a:r>
+            <a:br>
+              <a:rPr lang="en-US" altLang="zh-CN" sz="1600">
+                <a:latin typeface="Microsoft YaHei" panose="020B0503020204020204" pitchFamily="34" charset="-122"/>
+                <a:ea typeface="Microsoft YaHei" panose="020B0503020204020204" pitchFamily="34" charset="-122"/>
+              </a:rPr>
+            </a:br>
+            <a:r>
+              <a:rPr lang="en-US" altLang="zh-CN" sz="1600">
+                <a:latin typeface="Microsoft YaHei" panose="020B0503020204020204" pitchFamily="34" charset="-122"/>
+                <a:ea typeface="Microsoft YaHei" panose="020B0503020204020204" pitchFamily="34" charset="-122"/>
+              </a:rPr>
+              <a:t>    </a:t>
+            </a:r>
+            <a:r>
+              <a:rPr lang="en-US" altLang="zh-CN" sz="1600">
+                <a:effectLst/>
+                <a:latin typeface="Microsoft YaHei" panose="020B0503020204020204" pitchFamily="34" charset="-122"/>
+                <a:ea typeface="Microsoft YaHei" panose="020B0503020204020204" pitchFamily="34" charset="-122"/>
+              </a:rPr>
+              <a:t>prepare</a:t>
+            </a:r>
+            <a:r>
+              <a:rPr lang="en-US" altLang="zh-CN" sz="1600">
+                <a:latin typeface="Microsoft YaHei" panose="020B0503020204020204" pitchFamily="34" charset="-122"/>
+                <a:ea typeface="Microsoft YaHei" panose="020B0503020204020204" pitchFamily="34" charset="-122"/>
+              </a:rPr>
+              <a:t>(</a:t>
+            </a:r>
+            <a:r>
+              <a:rPr lang="en-US" altLang="zh-CN" sz="1600">
+                <a:solidFill>
+                  <a:srgbClr val="CC7832"/>
+                </a:solidFill>
+                <a:effectLst/>
+                <a:latin typeface="Microsoft YaHei" panose="020B0503020204020204" pitchFamily="34" charset="-122"/>
+                <a:ea typeface="Microsoft YaHei" panose="020B0503020204020204" pitchFamily="34" charset="-122"/>
+              </a:rPr>
+              <a:t>false</a:t>
+            </a:r>
+            <a:r>
+              <a:rPr lang="en-US" altLang="zh-CN" sz="1600">
+                <a:latin typeface="Microsoft YaHei" panose="020B0503020204020204" pitchFamily="34" charset="-122"/>
+                <a:ea typeface="Microsoft YaHei" panose="020B0503020204020204" pitchFamily="34" charset="-122"/>
+              </a:rPr>
+              <a:t>)</a:t>
+            </a:r>
+            <a:r>
+              <a:rPr lang="en-US" altLang="zh-CN" sz="1600">
+                <a:solidFill>
+                  <a:srgbClr val="CC7832"/>
+                </a:solidFill>
+                <a:effectLst/>
+                <a:latin typeface="Microsoft YaHei" panose="020B0503020204020204" pitchFamily="34" charset="-122"/>
+                <a:ea typeface="Microsoft YaHei" panose="020B0503020204020204" pitchFamily="34" charset="-122"/>
+              </a:rPr>
+              <a:t>;</a:t>
+            </a:r>
+            <a:br>
+              <a:rPr lang="en-US" altLang="zh-CN" sz="1600">
+                <a:solidFill>
+                  <a:srgbClr val="CC7832"/>
+                </a:solidFill>
+                <a:effectLst/>
+                <a:latin typeface="Microsoft YaHei" panose="020B0503020204020204" pitchFamily="34" charset="-122"/>
+                <a:ea typeface="Microsoft YaHei" panose="020B0503020204020204" pitchFamily="34" charset="-122"/>
+              </a:rPr>
+            </a:br>
+            <a:r>
+              <a:rPr lang="en-US" altLang="zh-CN" sz="1600">
+                <a:solidFill>
+                  <a:srgbClr val="CC7832"/>
+                </a:solidFill>
+                <a:effectLst/>
+                <a:latin typeface="Microsoft YaHei" panose="020B0503020204020204" pitchFamily="34" charset="-122"/>
+                <a:ea typeface="Microsoft YaHei" panose="020B0503020204020204" pitchFamily="34" charset="-122"/>
+              </a:rPr>
+              <a:t>    synchronized </a:t>
+            </a:r>
+            <a:r>
+              <a:rPr lang="en-US" altLang="zh-CN" sz="1600">
+                <a:latin typeface="Microsoft YaHei" panose="020B0503020204020204" pitchFamily="34" charset="-122"/>
+                <a:ea typeface="Microsoft YaHei" panose="020B0503020204020204" pitchFamily="34" charset="-122"/>
+              </a:rPr>
+              <a:t>(Looper.</a:t>
+            </a:r>
+            <a:r>
+              <a:rPr lang="en-US" altLang="zh-CN" sz="1600">
+                <a:solidFill>
+                  <a:srgbClr val="CC7832"/>
+                </a:solidFill>
+                <a:effectLst/>
+                <a:latin typeface="Microsoft YaHei" panose="020B0503020204020204" pitchFamily="34" charset="-122"/>
+                <a:ea typeface="Microsoft YaHei" panose="020B0503020204020204" pitchFamily="34" charset="-122"/>
+              </a:rPr>
+              <a:t>class</a:t>
+            </a:r>
+            <a:r>
+              <a:rPr lang="en-US" altLang="zh-CN" sz="1600">
+                <a:latin typeface="Microsoft YaHei" panose="020B0503020204020204" pitchFamily="34" charset="-122"/>
+                <a:ea typeface="Microsoft YaHei" panose="020B0503020204020204" pitchFamily="34" charset="-122"/>
+              </a:rPr>
+              <a:t>) {</a:t>
+            </a:r>
+            <a:br>
+              <a:rPr lang="en-US" altLang="zh-CN" sz="1600">
+                <a:latin typeface="Microsoft YaHei" panose="020B0503020204020204" pitchFamily="34" charset="-122"/>
+                <a:ea typeface="Microsoft YaHei" panose="020B0503020204020204" pitchFamily="34" charset="-122"/>
+              </a:rPr>
+            </a:br>
+            <a:r>
+              <a:rPr lang="en-US" altLang="zh-CN" sz="1600">
+                <a:latin typeface="Microsoft YaHei" panose="020B0503020204020204" pitchFamily="34" charset="-122"/>
+                <a:ea typeface="Microsoft YaHei" panose="020B0503020204020204" pitchFamily="34" charset="-122"/>
+              </a:rPr>
+              <a:t>        </a:t>
+            </a:r>
+            <a:r>
+              <a:rPr lang="en-US" altLang="zh-CN" sz="1600">
+                <a:solidFill>
+                  <a:srgbClr val="CC7832"/>
+                </a:solidFill>
+                <a:effectLst/>
+                <a:latin typeface="Microsoft YaHei" panose="020B0503020204020204" pitchFamily="34" charset="-122"/>
+                <a:ea typeface="Microsoft YaHei" panose="020B0503020204020204" pitchFamily="34" charset="-122"/>
+              </a:rPr>
+              <a:t>if </a:t>
+            </a:r>
+            <a:r>
+              <a:rPr lang="en-US" altLang="zh-CN" sz="1600">
+                <a:latin typeface="Microsoft YaHei" panose="020B0503020204020204" pitchFamily="34" charset="-122"/>
+                <a:ea typeface="Microsoft YaHei" panose="020B0503020204020204" pitchFamily="34" charset="-122"/>
+              </a:rPr>
+              <a:t>(</a:t>
+            </a:r>
+            <a:r>
+              <a:rPr lang="en-US" altLang="zh-CN" sz="1600">
+                <a:solidFill>
+                  <a:srgbClr val="9876AA"/>
+                </a:solidFill>
+                <a:effectLst/>
+                <a:latin typeface="Microsoft YaHei" panose="020B0503020204020204" pitchFamily="34" charset="-122"/>
+                <a:ea typeface="Microsoft YaHei" panose="020B0503020204020204" pitchFamily="34" charset="-122"/>
+              </a:rPr>
+              <a:t>sMainLooper </a:t>
+            </a:r>
+            <a:r>
+              <a:rPr lang="en-US" altLang="zh-CN" sz="1600">
+                <a:latin typeface="Microsoft YaHei" panose="020B0503020204020204" pitchFamily="34" charset="-122"/>
+                <a:ea typeface="Microsoft YaHei" panose="020B0503020204020204" pitchFamily="34" charset="-122"/>
+              </a:rPr>
+              <a:t>!= </a:t>
+            </a:r>
+            <a:r>
+              <a:rPr lang="en-US" altLang="zh-CN" sz="1600">
+                <a:solidFill>
+                  <a:srgbClr val="CC7832"/>
+                </a:solidFill>
+                <a:effectLst/>
+                <a:latin typeface="Microsoft YaHei" panose="020B0503020204020204" pitchFamily="34" charset="-122"/>
+                <a:ea typeface="Microsoft YaHei" panose="020B0503020204020204" pitchFamily="34" charset="-122"/>
+              </a:rPr>
+              <a:t>null</a:t>
+            </a:r>
+            <a:r>
+              <a:rPr lang="en-US" altLang="zh-CN" sz="1600">
+                <a:latin typeface="Microsoft YaHei" panose="020B0503020204020204" pitchFamily="34" charset="-122"/>
+                <a:ea typeface="Microsoft YaHei" panose="020B0503020204020204" pitchFamily="34" charset="-122"/>
+              </a:rPr>
+              <a:t>) {</a:t>
+            </a:r>
+            <a:br>
+              <a:rPr lang="en-US" altLang="zh-CN" sz="1600">
+                <a:latin typeface="Microsoft YaHei" panose="020B0503020204020204" pitchFamily="34" charset="-122"/>
+                <a:ea typeface="Microsoft YaHei" panose="020B0503020204020204" pitchFamily="34" charset="-122"/>
+              </a:rPr>
+            </a:br>
+            <a:r>
+              <a:rPr lang="en-US" altLang="zh-CN" sz="1600">
+                <a:latin typeface="Microsoft YaHei" panose="020B0503020204020204" pitchFamily="34" charset="-122"/>
+                <a:ea typeface="Microsoft YaHei" panose="020B0503020204020204" pitchFamily="34" charset="-122"/>
+              </a:rPr>
+              <a:t>            </a:t>
+            </a:r>
+            <a:r>
+              <a:rPr lang="en-US" altLang="zh-CN" sz="1600">
+                <a:solidFill>
+                  <a:srgbClr val="CC7832"/>
+                </a:solidFill>
+                <a:effectLst/>
+                <a:latin typeface="Microsoft YaHei" panose="020B0503020204020204" pitchFamily="34" charset="-122"/>
+                <a:ea typeface="Microsoft YaHei" panose="020B0503020204020204" pitchFamily="34" charset="-122"/>
+              </a:rPr>
+              <a:t>throw new </a:t>
+            </a:r>
+            <a:r>
+              <a:rPr lang="en-US" altLang="zh-CN" sz="1600">
+                <a:latin typeface="Microsoft YaHei" panose="020B0503020204020204" pitchFamily="34" charset="-122"/>
+                <a:ea typeface="Microsoft YaHei" panose="020B0503020204020204" pitchFamily="34" charset="-122"/>
+              </a:rPr>
+              <a:t>IllegalStateException(</a:t>
+            </a:r>
+            <a:r>
+              <a:rPr lang="en-US" altLang="zh-CN" sz="1600">
+                <a:solidFill>
+                  <a:srgbClr val="6A8759"/>
+                </a:solidFill>
+                <a:effectLst/>
+                <a:latin typeface="Microsoft YaHei" panose="020B0503020204020204" pitchFamily="34" charset="-122"/>
+                <a:ea typeface="Microsoft YaHei" panose="020B0503020204020204" pitchFamily="34" charset="-122"/>
+              </a:rPr>
+              <a:t>"The main Looper has already been prepared."</a:t>
+            </a:r>
+            <a:r>
+              <a:rPr lang="en-US" altLang="zh-CN" sz="1600">
+                <a:latin typeface="Microsoft YaHei" panose="020B0503020204020204" pitchFamily="34" charset="-122"/>
+                <a:ea typeface="Microsoft YaHei" panose="020B0503020204020204" pitchFamily="34" charset="-122"/>
+              </a:rPr>
+              <a:t>)</a:t>
+            </a:r>
+            <a:r>
+              <a:rPr lang="en-US" altLang="zh-CN" sz="1600">
+                <a:solidFill>
+                  <a:srgbClr val="CC7832"/>
+                </a:solidFill>
+                <a:effectLst/>
+                <a:latin typeface="Microsoft YaHei" panose="020B0503020204020204" pitchFamily="34" charset="-122"/>
+                <a:ea typeface="Microsoft YaHei" panose="020B0503020204020204" pitchFamily="34" charset="-122"/>
+              </a:rPr>
+              <a:t>;</a:t>
+            </a:r>
+            <a:br>
+              <a:rPr lang="en-US" altLang="zh-CN" sz="1600">
+                <a:solidFill>
+                  <a:srgbClr val="CC7832"/>
+                </a:solidFill>
+                <a:effectLst/>
+                <a:latin typeface="Microsoft YaHei" panose="020B0503020204020204" pitchFamily="34" charset="-122"/>
+                <a:ea typeface="Microsoft YaHei" panose="020B0503020204020204" pitchFamily="34" charset="-122"/>
+              </a:rPr>
+            </a:br>
+            <a:r>
+              <a:rPr lang="en-US" altLang="zh-CN" sz="1600">
+                <a:solidFill>
+                  <a:srgbClr val="CC7832"/>
+                </a:solidFill>
+                <a:effectLst/>
+                <a:latin typeface="Microsoft YaHei" panose="020B0503020204020204" pitchFamily="34" charset="-122"/>
+                <a:ea typeface="Microsoft YaHei" panose="020B0503020204020204" pitchFamily="34" charset="-122"/>
+              </a:rPr>
+              <a:t>        </a:t>
+            </a:r>
+            <a:r>
+              <a:rPr lang="en-US" altLang="zh-CN" sz="1600">
+                <a:latin typeface="Microsoft YaHei" panose="020B0503020204020204" pitchFamily="34" charset="-122"/>
+                <a:ea typeface="Microsoft YaHei" panose="020B0503020204020204" pitchFamily="34" charset="-122"/>
+              </a:rPr>
+              <a:t>}</a:t>
+            </a:r>
+            <a:br>
+              <a:rPr lang="en-US" altLang="zh-CN" sz="1600">
+                <a:latin typeface="Microsoft YaHei" panose="020B0503020204020204" pitchFamily="34" charset="-122"/>
+                <a:ea typeface="Microsoft YaHei" panose="020B0503020204020204" pitchFamily="34" charset="-122"/>
+              </a:rPr>
+            </a:br>
+            <a:r>
+              <a:rPr lang="en-US" altLang="zh-CN" sz="1600">
+                <a:latin typeface="Microsoft YaHei" panose="020B0503020204020204" pitchFamily="34" charset="-122"/>
+                <a:ea typeface="Microsoft YaHei" panose="020B0503020204020204" pitchFamily="34" charset="-122"/>
+              </a:rPr>
+              <a:t>        </a:t>
+            </a:r>
+            <a:r>
+              <a:rPr lang="en-US" altLang="zh-CN" sz="1600">
+                <a:solidFill>
+                  <a:srgbClr val="9876AA"/>
+                </a:solidFill>
+                <a:effectLst/>
+                <a:latin typeface="Microsoft YaHei" panose="020B0503020204020204" pitchFamily="34" charset="-122"/>
+                <a:ea typeface="Microsoft YaHei" panose="020B0503020204020204" pitchFamily="34" charset="-122"/>
+              </a:rPr>
+              <a:t>sMainLooper </a:t>
+            </a:r>
+            <a:r>
+              <a:rPr lang="en-US" altLang="zh-CN" sz="1600">
+                <a:latin typeface="Microsoft YaHei" panose="020B0503020204020204" pitchFamily="34" charset="-122"/>
+                <a:ea typeface="Microsoft YaHei" panose="020B0503020204020204" pitchFamily="34" charset="-122"/>
+              </a:rPr>
+              <a:t>= </a:t>
+            </a:r>
+            <a:r>
+              <a:rPr lang="en-US" altLang="zh-CN" sz="1600">
+                <a:effectLst/>
+                <a:latin typeface="Microsoft YaHei" panose="020B0503020204020204" pitchFamily="34" charset="-122"/>
+                <a:ea typeface="Microsoft YaHei" panose="020B0503020204020204" pitchFamily="34" charset="-122"/>
+              </a:rPr>
+              <a:t>myLooper</a:t>
+            </a:r>
+            <a:r>
+              <a:rPr lang="en-US" altLang="zh-CN" sz="1600">
+                <a:latin typeface="Microsoft YaHei" panose="020B0503020204020204" pitchFamily="34" charset="-122"/>
+                <a:ea typeface="Microsoft YaHei" panose="020B0503020204020204" pitchFamily="34" charset="-122"/>
+              </a:rPr>
+              <a:t>()</a:t>
+            </a:r>
+            <a:r>
+              <a:rPr lang="en-US" altLang="zh-CN" sz="1600">
+                <a:solidFill>
+                  <a:srgbClr val="CC7832"/>
+                </a:solidFill>
+                <a:effectLst/>
+                <a:latin typeface="Microsoft YaHei" panose="020B0503020204020204" pitchFamily="34" charset="-122"/>
+                <a:ea typeface="Microsoft YaHei" panose="020B0503020204020204" pitchFamily="34" charset="-122"/>
+              </a:rPr>
+              <a:t>;</a:t>
+            </a:r>
+            <a:br>
+              <a:rPr lang="en-US" altLang="zh-CN" sz="1600">
+                <a:solidFill>
+                  <a:srgbClr val="CC7832"/>
+                </a:solidFill>
+                <a:effectLst/>
+                <a:latin typeface="Microsoft YaHei" panose="020B0503020204020204" pitchFamily="34" charset="-122"/>
+                <a:ea typeface="Microsoft YaHei" panose="020B0503020204020204" pitchFamily="34" charset="-122"/>
+              </a:rPr>
+            </a:br>
+            <a:r>
+              <a:rPr lang="en-US" altLang="zh-CN" sz="1600">
+                <a:solidFill>
+                  <a:srgbClr val="CC7832"/>
+                </a:solidFill>
+                <a:effectLst/>
+                <a:latin typeface="Microsoft YaHei" panose="020B0503020204020204" pitchFamily="34" charset="-122"/>
+                <a:ea typeface="Microsoft YaHei" panose="020B0503020204020204" pitchFamily="34" charset="-122"/>
+              </a:rPr>
+              <a:t>    </a:t>
+            </a:r>
+            <a:r>
+              <a:rPr lang="en-US" altLang="zh-CN" sz="1600">
+                <a:latin typeface="Microsoft YaHei" panose="020B0503020204020204" pitchFamily="34" charset="-122"/>
+                <a:ea typeface="Microsoft YaHei" panose="020B0503020204020204" pitchFamily="34" charset="-122"/>
+              </a:rPr>
+              <a:t>}</a:t>
+            </a:r>
+            <a:br>
+              <a:rPr lang="en-US" altLang="zh-CN" sz="1600">
+                <a:latin typeface="Microsoft YaHei" panose="020B0503020204020204" pitchFamily="34" charset="-122"/>
+                <a:ea typeface="Microsoft YaHei" panose="020B0503020204020204" pitchFamily="34" charset="-122"/>
+              </a:rPr>
+            </a:br>
+            <a:r>
+              <a:rPr lang="en-US" altLang="zh-CN" sz="1600">
+                <a:latin typeface="Microsoft YaHei" panose="020B0503020204020204" pitchFamily="34" charset="-122"/>
+                <a:ea typeface="Microsoft YaHei" panose="020B0503020204020204" pitchFamily="34" charset="-122"/>
+              </a:rPr>
+              <a:t>}</a:t>
+            </a:r>
+            <a:endParaRPr lang="zh-CN" altLang="en-US" sz="1600">
+              <a:latin typeface="Microsoft YaHei" panose="020B0503020204020204" pitchFamily="34" charset="-122"/>
+              <a:ea typeface="Microsoft YaHei" panose="020B0503020204020204" pitchFamily="34" charset="-122"/>
+            </a:endParaRPr>
+          </a:p>
+        </p:txBody>
+      </p:sp>
+      <p:sp>
+        <p:nvSpPr>
+          <p:cNvPr id="11" name="矩形 10">
+            <a:extLst>
+              <a:ext uri="{FF2B5EF4-FFF2-40B4-BE49-F238E27FC236}">
+                <a16:creationId xmlns:a16="http://schemas.microsoft.com/office/drawing/2014/main" id="{F401C00A-7EE0-9B41-996F-F05DBFB9EF80}"/>
+              </a:ext>
+            </a:extLst>
+          </p:cNvPr>
+          <p:cNvSpPr/>
+          <p:nvPr/>
+        </p:nvSpPr>
+        <p:spPr>
+          <a:xfrm>
+            <a:off x="4393122" y="1316865"/>
+            <a:ext cx="4572000" cy="830997"/>
+          </a:xfrm>
+          <a:prstGeom prst="rect">
+            <a:avLst/>
+          </a:prstGeom>
+          <a:solidFill>
+            <a:srgbClr val="C00000"/>
+          </a:solidFill>
+          <a:ln w="22225">
+            <a:solidFill>
+              <a:srgbClr val="C00000"/>
+            </a:solidFill>
+            <a:prstDash val="dash"/>
+          </a:ln>
+        </p:spPr>
+        <p:txBody>
+          <a:bodyPr>
+            <a:spAutoFit/>
+          </a:bodyPr>
+          <a:lstStyle/>
+          <a:p>
+            <a:r>
+              <a:rPr lang="en" altLang="zh-CN" sz="1600">
+                <a:solidFill>
+                  <a:schemeClr val="bg1"/>
+                </a:solidFill>
+                <a:effectLst/>
+                <a:latin typeface="Microsoft YaHei" panose="020B0503020204020204" pitchFamily="34" charset="-122"/>
+                <a:ea typeface="Microsoft YaHei" panose="020B0503020204020204" pitchFamily="34" charset="-122"/>
+              </a:rPr>
+              <a:t>public static void prepare</a:t>
+            </a:r>
+            <a:r>
+              <a:rPr lang="en" altLang="zh-CN" sz="1600">
+                <a:solidFill>
+                  <a:schemeClr val="bg1"/>
+                </a:solidFill>
+                <a:latin typeface="Microsoft YaHei" panose="020B0503020204020204" pitchFamily="34" charset="-122"/>
+                <a:ea typeface="Microsoft YaHei" panose="020B0503020204020204" pitchFamily="34" charset="-122"/>
+              </a:rPr>
+              <a:t>() {</a:t>
+            </a:r>
+            <a:br>
+              <a:rPr lang="en" altLang="zh-CN" sz="1600">
+                <a:solidFill>
+                  <a:schemeClr val="bg1"/>
+                </a:solidFill>
+                <a:latin typeface="Microsoft YaHei" panose="020B0503020204020204" pitchFamily="34" charset="-122"/>
+                <a:ea typeface="Microsoft YaHei" panose="020B0503020204020204" pitchFamily="34" charset="-122"/>
+              </a:rPr>
+            </a:br>
+            <a:r>
+              <a:rPr lang="en" altLang="zh-CN" sz="1600">
+                <a:solidFill>
+                  <a:schemeClr val="bg1"/>
+                </a:solidFill>
+                <a:latin typeface="Microsoft YaHei" panose="020B0503020204020204" pitchFamily="34" charset="-122"/>
+                <a:ea typeface="Microsoft YaHei" panose="020B0503020204020204" pitchFamily="34" charset="-122"/>
+              </a:rPr>
+              <a:t>    </a:t>
+            </a:r>
+            <a:r>
+              <a:rPr lang="en" altLang="zh-CN" sz="1600">
+                <a:solidFill>
+                  <a:schemeClr val="bg1"/>
+                </a:solidFill>
+                <a:effectLst/>
+                <a:latin typeface="Microsoft YaHei" panose="020B0503020204020204" pitchFamily="34" charset="-122"/>
+                <a:ea typeface="Microsoft YaHei" panose="020B0503020204020204" pitchFamily="34" charset="-122"/>
+              </a:rPr>
+              <a:t>prepare</a:t>
+            </a:r>
+            <a:r>
+              <a:rPr lang="en" altLang="zh-CN" sz="1600">
+                <a:solidFill>
+                  <a:schemeClr val="bg1"/>
+                </a:solidFill>
+                <a:latin typeface="Microsoft YaHei" panose="020B0503020204020204" pitchFamily="34" charset="-122"/>
+                <a:ea typeface="Microsoft YaHei" panose="020B0503020204020204" pitchFamily="34" charset="-122"/>
+              </a:rPr>
+              <a:t>(</a:t>
+            </a:r>
+            <a:r>
+              <a:rPr lang="en" altLang="zh-CN" sz="1600">
+                <a:solidFill>
+                  <a:schemeClr val="bg1"/>
+                </a:solidFill>
+                <a:effectLst/>
+                <a:latin typeface="Microsoft YaHei" panose="020B0503020204020204" pitchFamily="34" charset="-122"/>
+                <a:ea typeface="Microsoft YaHei" panose="020B0503020204020204" pitchFamily="34" charset="-122"/>
+              </a:rPr>
+              <a:t>true</a:t>
+            </a:r>
+            <a:r>
+              <a:rPr lang="en" altLang="zh-CN" sz="1600">
+                <a:solidFill>
+                  <a:schemeClr val="bg1"/>
+                </a:solidFill>
+                <a:latin typeface="Microsoft YaHei" panose="020B0503020204020204" pitchFamily="34" charset="-122"/>
+                <a:ea typeface="Microsoft YaHei" panose="020B0503020204020204" pitchFamily="34" charset="-122"/>
+              </a:rPr>
+              <a:t>)</a:t>
+            </a:r>
+            <a:r>
+              <a:rPr lang="en" altLang="zh-CN" sz="1600">
+                <a:solidFill>
+                  <a:schemeClr val="bg1"/>
+                </a:solidFill>
+                <a:effectLst/>
+                <a:latin typeface="Microsoft YaHei" panose="020B0503020204020204" pitchFamily="34" charset="-122"/>
+                <a:ea typeface="Microsoft YaHei" panose="020B0503020204020204" pitchFamily="34" charset="-122"/>
+              </a:rPr>
+              <a:t>;</a:t>
+            </a:r>
+            <a:br>
+              <a:rPr lang="en" altLang="zh-CN" sz="1600">
+                <a:solidFill>
+                  <a:schemeClr val="bg1"/>
+                </a:solidFill>
+                <a:effectLst/>
+                <a:latin typeface="Microsoft YaHei" panose="020B0503020204020204" pitchFamily="34" charset="-122"/>
+                <a:ea typeface="Microsoft YaHei" panose="020B0503020204020204" pitchFamily="34" charset="-122"/>
+              </a:rPr>
+            </a:br>
+            <a:r>
+              <a:rPr lang="en" altLang="zh-CN" sz="1600">
+                <a:solidFill>
+                  <a:schemeClr val="bg1"/>
+                </a:solidFill>
+                <a:latin typeface="Microsoft YaHei" panose="020B0503020204020204" pitchFamily="34" charset="-122"/>
+                <a:ea typeface="Microsoft YaHei" panose="020B0503020204020204" pitchFamily="34" charset="-122"/>
+              </a:rPr>
+              <a:t>}</a:t>
+            </a:r>
+            <a:endParaRPr lang="zh-CN" altLang="en-US" sz="1600">
+              <a:solidFill>
+                <a:schemeClr val="bg1"/>
+              </a:solidFill>
+              <a:latin typeface="Microsoft YaHei" panose="020B0503020204020204" pitchFamily="34" charset="-122"/>
+              <a:ea typeface="Microsoft YaHei" panose="020B0503020204020204" pitchFamily="34" charset="-122"/>
+            </a:endParaRPr>
+          </a:p>
+        </p:txBody>
+      </p:sp>
+      <p:cxnSp>
+        <p:nvCxnSpPr>
+          <p:cNvPr id="14" name="直线箭头连接符 13">
+            <a:extLst>
+              <a:ext uri="{FF2B5EF4-FFF2-40B4-BE49-F238E27FC236}">
+                <a16:creationId xmlns:a16="http://schemas.microsoft.com/office/drawing/2014/main" id="{1AC59B23-F643-C14E-B401-4E80AE107338}"/>
+              </a:ext>
+            </a:extLst>
+          </p:cNvPr>
+          <p:cNvCxnSpPr/>
+          <p:nvPr/>
+        </p:nvCxnSpPr>
+        <p:spPr>
+          <a:xfrm>
+            <a:off x="1190847" y="1414130"/>
+            <a:ext cx="0" cy="340877"/>
+          </a:xfrm>
+          <a:prstGeom prst="straightConnector1">
+            <a:avLst/>
+          </a:prstGeom>
+          <a:ln w="19050">
+            <a:solidFill>
+              <a:schemeClr val="accent2"/>
+            </a:solidFill>
+            <a:tailEnd type="triangle"/>
+          </a:ln>
+        </p:spPr>
+        <p:style>
+          <a:lnRef idx="1">
+            <a:schemeClr val="accent1"/>
+          </a:lnRef>
+          <a:fillRef idx="0">
+            <a:schemeClr val="accent1"/>
+          </a:fillRef>
+          <a:effectRef idx="0">
+            <a:schemeClr val="accent1"/>
+          </a:effectRef>
+          <a:fontRef idx="minor">
+            <a:schemeClr val="tx1"/>
+          </a:fontRef>
+        </p:style>
+      </p:cxnSp>
+    </p:spTree>
+    <p:extLst>
+      <p:ext uri="{BB962C8B-B14F-4D97-AF65-F5344CB8AC3E}">
+        <p14:creationId xmlns:p14="http://schemas.microsoft.com/office/powerpoint/2010/main" val="1238458716"/>
+      </p:ext>
+    </p:extLst>
+  </p:cSld>
+  <p:clrMapOvr>
+    <a:masterClrMapping/>
+  </p:clrMapOvr>
+</p:sld>
+</file>
+
+<file path=ppt/slides/slide8.xml><?xml version="1.0" encoding="utf-8"?>
+<p:sld xmlns:a="http://schemas.openxmlformats.org/drawingml/2006/main" xmlns:r="http://schemas.openxmlformats.org/officeDocument/2006/relationships" xmlns:p="http://schemas.openxmlformats.org/presentationml/2006/main">
+  <p:cSld>
+    <p:spTree>
+      <p:nvGrpSpPr>
+        <p:cNvPr id="1" name=""/>
+        <p:cNvGrpSpPr/>
+        <p:nvPr/>
+      </p:nvGrpSpPr>
+      <p:grpSpPr>
+        <a:xfrm>
+          <a:off x="0" y="0"/>
+          <a:ext cx="0" cy="0"/>
+          <a:chOff x="0" y="0"/>
+          <a:chExt cx="0" cy="0"/>
+        </a:xfrm>
+      </p:grpSpPr>
+      <p:sp>
+        <p:nvSpPr>
+          <p:cNvPr id="4" name="矩形 3">
+            <a:extLst>
+              <a:ext uri="{FF2B5EF4-FFF2-40B4-BE49-F238E27FC236}">
+                <a16:creationId xmlns:a16="http://schemas.microsoft.com/office/drawing/2014/main" id="{7D861BE2-7680-084C-80E8-7211069EE1B8}"/>
+              </a:ext>
+            </a:extLst>
+          </p:cNvPr>
+          <p:cNvSpPr/>
+          <p:nvPr/>
+        </p:nvSpPr>
+        <p:spPr>
+          <a:xfrm>
+            <a:off x="1802218" y="769835"/>
+            <a:ext cx="5539564" cy="1200329"/>
+          </a:xfrm>
+          <a:prstGeom prst="rect">
+            <a:avLst/>
+          </a:prstGeom>
+          <a:ln w="22225">
+            <a:solidFill>
+              <a:srgbClr val="C00000"/>
+            </a:solidFill>
+            <a:prstDash val="dash"/>
+          </a:ln>
+        </p:spPr>
+        <p:txBody>
+          <a:bodyPr wrap="square">
+            <a:spAutoFit/>
+          </a:bodyPr>
+          <a:lstStyle/>
+          <a:p>
+            <a:r>
+              <a:rPr lang="en" altLang="zh-CN">
+                <a:solidFill>
+                  <a:srgbClr val="CC7832"/>
+                </a:solidFill>
+                <a:effectLst/>
+                <a:latin typeface="Microsoft YaHei" panose="020B0503020204020204" pitchFamily="34" charset="-122"/>
+                <a:ea typeface="Microsoft YaHei" panose="020B0503020204020204" pitchFamily="34" charset="-122"/>
+              </a:rPr>
+              <a:t>private </a:t>
+            </a:r>
+            <a:r>
+              <a:rPr lang="en" altLang="zh-CN">
+                <a:solidFill>
+                  <a:srgbClr val="FFC66D"/>
+                </a:solidFill>
+                <a:effectLst/>
+                <a:latin typeface="Microsoft YaHei" panose="020B0503020204020204" pitchFamily="34" charset="-122"/>
+                <a:ea typeface="Microsoft YaHei" panose="020B0503020204020204" pitchFamily="34" charset="-122"/>
+              </a:rPr>
+              <a:t>Looper</a:t>
+            </a:r>
+            <a:r>
+              <a:rPr lang="en" altLang="zh-CN">
+                <a:latin typeface="Microsoft YaHei" panose="020B0503020204020204" pitchFamily="34" charset="-122"/>
+                <a:ea typeface="Microsoft YaHei" panose="020B0503020204020204" pitchFamily="34" charset="-122"/>
+              </a:rPr>
+              <a:t>(</a:t>
+            </a:r>
+            <a:r>
+              <a:rPr lang="en" altLang="zh-CN">
+                <a:solidFill>
+                  <a:srgbClr val="CC7832"/>
+                </a:solidFill>
+                <a:effectLst/>
+                <a:latin typeface="Microsoft YaHei" panose="020B0503020204020204" pitchFamily="34" charset="-122"/>
+                <a:ea typeface="Microsoft YaHei" panose="020B0503020204020204" pitchFamily="34" charset="-122"/>
+              </a:rPr>
+              <a:t>boolean </a:t>
+            </a:r>
+            <a:r>
+              <a:rPr lang="en" altLang="zh-CN">
+                <a:latin typeface="Microsoft YaHei" panose="020B0503020204020204" pitchFamily="34" charset="-122"/>
+                <a:ea typeface="Microsoft YaHei" panose="020B0503020204020204" pitchFamily="34" charset="-122"/>
+              </a:rPr>
+              <a:t>quitAllowed) {</a:t>
+            </a:r>
+            <a:br>
+              <a:rPr lang="en" altLang="zh-CN">
+                <a:latin typeface="Microsoft YaHei" panose="020B0503020204020204" pitchFamily="34" charset="-122"/>
+                <a:ea typeface="Microsoft YaHei" panose="020B0503020204020204" pitchFamily="34" charset="-122"/>
+              </a:rPr>
+            </a:br>
+            <a:r>
+              <a:rPr lang="en" altLang="zh-CN">
+                <a:latin typeface="Microsoft YaHei" panose="020B0503020204020204" pitchFamily="34" charset="-122"/>
+                <a:ea typeface="Microsoft YaHei" panose="020B0503020204020204" pitchFamily="34" charset="-122"/>
+              </a:rPr>
+              <a:t>    </a:t>
+            </a:r>
+            <a:r>
+              <a:rPr lang="en" altLang="zh-CN">
+                <a:solidFill>
+                  <a:srgbClr val="9876AA"/>
+                </a:solidFill>
+                <a:effectLst/>
+                <a:latin typeface="Microsoft YaHei" panose="020B0503020204020204" pitchFamily="34" charset="-122"/>
+                <a:ea typeface="Microsoft YaHei" panose="020B0503020204020204" pitchFamily="34" charset="-122"/>
+              </a:rPr>
+              <a:t>mQueue </a:t>
+            </a:r>
+            <a:r>
+              <a:rPr lang="en" altLang="zh-CN">
+                <a:latin typeface="Microsoft YaHei" panose="020B0503020204020204" pitchFamily="34" charset="-122"/>
+                <a:ea typeface="Microsoft YaHei" panose="020B0503020204020204" pitchFamily="34" charset="-122"/>
+              </a:rPr>
+              <a:t>= </a:t>
+            </a:r>
+            <a:r>
+              <a:rPr lang="en" altLang="zh-CN">
+                <a:solidFill>
+                  <a:srgbClr val="CC7832"/>
+                </a:solidFill>
+                <a:effectLst/>
+                <a:latin typeface="Microsoft YaHei" panose="020B0503020204020204" pitchFamily="34" charset="-122"/>
+                <a:ea typeface="Microsoft YaHei" panose="020B0503020204020204" pitchFamily="34" charset="-122"/>
+              </a:rPr>
+              <a:t>new </a:t>
+            </a:r>
+            <a:r>
+              <a:rPr lang="en" altLang="zh-CN">
+                <a:latin typeface="Microsoft YaHei" panose="020B0503020204020204" pitchFamily="34" charset="-122"/>
+                <a:ea typeface="Microsoft YaHei" panose="020B0503020204020204" pitchFamily="34" charset="-122"/>
+              </a:rPr>
+              <a:t>MessageQueue(quitAllowed)</a:t>
+            </a:r>
+            <a:r>
+              <a:rPr lang="en" altLang="zh-CN">
+                <a:solidFill>
+                  <a:srgbClr val="CC7832"/>
+                </a:solidFill>
+                <a:effectLst/>
+                <a:latin typeface="Microsoft YaHei" panose="020B0503020204020204" pitchFamily="34" charset="-122"/>
+                <a:ea typeface="Microsoft YaHei" panose="020B0503020204020204" pitchFamily="34" charset="-122"/>
+              </a:rPr>
+              <a:t>;</a:t>
+            </a:r>
+            <a:br>
+              <a:rPr lang="en" altLang="zh-CN">
+                <a:solidFill>
+                  <a:srgbClr val="CC7832"/>
+                </a:solidFill>
+                <a:effectLst/>
+                <a:latin typeface="Microsoft YaHei" panose="020B0503020204020204" pitchFamily="34" charset="-122"/>
+                <a:ea typeface="Microsoft YaHei" panose="020B0503020204020204" pitchFamily="34" charset="-122"/>
+              </a:rPr>
+            </a:br>
+            <a:r>
+              <a:rPr lang="en" altLang="zh-CN">
+                <a:solidFill>
+                  <a:srgbClr val="CC7832"/>
+                </a:solidFill>
+                <a:effectLst/>
+                <a:latin typeface="Microsoft YaHei" panose="020B0503020204020204" pitchFamily="34" charset="-122"/>
+                <a:ea typeface="Microsoft YaHei" panose="020B0503020204020204" pitchFamily="34" charset="-122"/>
+              </a:rPr>
+              <a:t>    </a:t>
+            </a:r>
+            <a:r>
+              <a:rPr lang="en" altLang="zh-CN">
+                <a:solidFill>
+                  <a:srgbClr val="9876AA"/>
+                </a:solidFill>
+                <a:effectLst/>
+                <a:latin typeface="Microsoft YaHei" panose="020B0503020204020204" pitchFamily="34" charset="-122"/>
+                <a:ea typeface="Microsoft YaHei" panose="020B0503020204020204" pitchFamily="34" charset="-122"/>
+              </a:rPr>
+              <a:t>mThread </a:t>
+            </a:r>
+            <a:r>
+              <a:rPr lang="en" altLang="zh-CN">
+                <a:latin typeface="Microsoft YaHei" panose="020B0503020204020204" pitchFamily="34" charset="-122"/>
+                <a:ea typeface="Microsoft YaHei" panose="020B0503020204020204" pitchFamily="34" charset="-122"/>
+              </a:rPr>
+              <a:t>= Thread.</a:t>
+            </a:r>
+            <a:r>
+              <a:rPr lang="en" altLang="zh-CN">
+                <a:effectLst/>
+                <a:latin typeface="Microsoft YaHei" panose="020B0503020204020204" pitchFamily="34" charset="-122"/>
+                <a:ea typeface="Microsoft YaHei" panose="020B0503020204020204" pitchFamily="34" charset="-122"/>
+              </a:rPr>
+              <a:t>currentThread</a:t>
+            </a:r>
+            <a:r>
+              <a:rPr lang="en" altLang="zh-CN">
+                <a:latin typeface="Microsoft YaHei" panose="020B0503020204020204" pitchFamily="34" charset="-122"/>
+                <a:ea typeface="Microsoft YaHei" panose="020B0503020204020204" pitchFamily="34" charset="-122"/>
+              </a:rPr>
+              <a:t>()</a:t>
+            </a:r>
+            <a:r>
+              <a:rPr lang="en" altLang="zh-CN">
+                <a:solidFill>
+                  <a:srgbClr val="CC7832"/>
+                </a:solidFill>
+                <a:effectLst/>
+                <a:latin typeface="Microsoft YaHei" panose="020B0503020204020204" pitchFamily="34" charset="-122"/>
+                <a:ea typeface="Microsoft YaHei" panose="020B0503020204020204" pitchFamily="34" charset="-122"/>
+              </a:rPr>
+              <a:t>;</a:t>
+            </a:r>
+            <a:br>
+              <a:rPr lang="en" altLang="zh-CN">
+                <a:solidFill>
+                  <a:srgbClr val="CC7832"/>
+                </a:solidFill>
+                <a:effectLst/>
+                <a:latin typeface="Microsoft YaHei" panose="020B0503020204020204" pitchFamily="34" charset="-122"/>
+                <a:ea typeface="Microsoft YaHei" panose="020B0503020204020204" pitchFamily="34" charset="-122"/>
+              </a:rPr>
+            </a:br>
+            <a:r>
+              <a:rPr lang="en" altLang="zh-CN">
+                <a:latin typeface="Microsoft YaHei" panose="020B0503020204020204" pitchFamily="34" charset="-122"/>
+                <a:ea typeface="Microsoft YaHei" panose="020B0503020204020204" pitchFamily="34" charset="-122"/>
+              </a:rPr>
+              <a:t>}</a:t>
+            </a:r>
+            <a:endParaRPr lang="zh-CN" altLang="en-US">
+              <a:latin typeface="Microsoft YaHei" panose="020B0503020204020204" pitchFamily="34" charset="-122"/>
+              <a:ea typeface="Microsoft YaHei" panose="020B0503020204020204" pitchFamily="34" charset="-122"/>
+            </a:endParaRPr>
+          </a:p>
+        </p:txBody>
+      </p:sp>
+      <p:sp>
+        <p:nvSpPr>
+          <p:cNvPr id="6" name="矩形 5">
+            <a:extLst>
+              <a:ext uri="{FF2B5EF4-FFF2-40B4-BE49-F238E27FC236}">
+                <a16:creationId xmlns:a16="http://schemas.microsoft.com/office/drawing/2014/main" id="{09BD6219-F325-424B-A5DE-892CCD023A35}"/>
+              </a:ext>
+            </a:extLst>
+          </p:cNvPr>
+          <p:cNvSpPr/>
+          <p:nvPr/>
+        </p:nvSpPr>
+        <p:spPr>
+          <a:xfrm>
+            <a:off x="1802218" y="2854089"/>
+            <a:ext cx="5539564" cy="1200329"/>
+          </a:xfrm>
+          <a:prstGeom prst="rect">
+            <a:avLst/>
+          </a:prstGeom>
+          <a:ln w="22225">
+            <a:solidFill>
+              <a:srgbClr val="C00000"/>
+            </a:solidFill>
+            <a:prstDash val="dash"/>
+          </a:ln>
+        </p:spPr>
+        <p:txBody>
+          <a:bodyPr wrap="square">
+            <a:spAutoFit/>
+          </a:bodyPr>
+          <a:lstStyle/>
+          <a:p>
+            <a:r>
+              <a:rPr lang="en" altLang="zh-CN">
+                <a:solidFill>
+                  <a:srgbClr val="FFC66D"/>
+                </a:solidFill>
+                <a:effectLst/>
+                <a:latin typeface="Microsoft YaHei" panose="020B0503020204020204" pitchFamily="34" charset="-122"/>
+                <a:ea typeface="Microsoft YaHei" panose="020B0503020204020204" pitchFamily="34" charset="-122"/>
+              </a:rPr>
+              <a:t>MessageQueue</a:t>
+            </a:r>
+            <a:r>
+              <a:rPr lang="en" altLang="zh-CN">
+                <a:latin typeface="Microsoft YaHei" panose="020B0503020204020204" pitchFamily="34" charset="-122"/>
+                <a:ea typeface="Microsoft YaHei" panose="020B0503020204020204" pitchFamily="34" charset="-122"/>
+              </a:rPr>
+              <a:t>(</a:t>
+            </a:r>
+            <a:r>
+              <a:rPr lang="en" altLang="zh-CN">
+                <a:solidFill>
+                  <a:srgbClr val="CC7832"/>
+                </a:solidFill>
+                <a:effectLst/>
+                <a:latin typeface="Microsoft YaHei" panose="020B0503020204020204" pitchFamily="34" charset="-122"/>
+                <a:ea typeface="Microsoft YaHei" panose="020B0503020204020204" pitchFamily="34" charset="-122"/>
+              </a:rPr>
+              <a:t>boolean </a:t>
+            </a:r>
+            <a:r>
+              <a:rPr lang="en" altLang="zh-CN">
+                <a:latin typeface="Microsoft YaHei" panose="020B0503020204020204" pitchFamily="34" charset="-122"/>
+                <a:ea typeface="Microsoft YaHei" panose="020B0503020204020204" pitchFamily="34" charset="-122"/>
+              </a:rPr>
+              <a:t>quitAllowed) {</a:t>
+            </a:r>
+            <a:br>
+              <a:rPr lang="en" altLang="zh-CN">
+                <a:latin typeface="Microsoft YaHei" panose="020B0503020204020204" pitchFamily="34" charset="-122"/>
+                <a:ea typeface="Microsoft YaHei" panose="020B0503020204020204" pitchFamily="34" charset="-122"/>
+              </a:rPr>
+            </a:br>
+            <a:r>
+              <a:rPr lang="en" altLang="zh-CN">
+                <a:latin typeface="Microsoft YaHei" panose="020B0503020204020204" pitchFamily="34" charset="-122"/>
+                <a:ea typeface="Microsoft YaHei" panose="020B0503020204020204" pitchFamily="34" charset="-122"/>
+              </a:rPr>
+              <a:t>    </a:t>
+            </a:r>
+            <a:r>
+              <a:rPr lang="en" altLang="zh-CN">
+                <a:solidFill>
+                  <a:srgbClr val="9876AA"/>
+                </a:solidFill>
+                <a:effectLst/>
+                <a:latin typeface="Microsoft YaHei" panose="020B0503020204020204" pitchFamily="34" charset="-122"/>
+                <a:ea typeface="Microsoft YaHei" panose="020B0503020204020204" pitchFamily="34" charset="-122"/>
+              </a:rPr>
+              <a:t>mQuitAllowed </a:t>
+            </a:r>
+            <a:r>
+              <a:rPr lang="en" altLang="zh-CN">
+                <a:latin typeface="Microsoft YaHei" panose="020B0503020204020204" pitchFamily="34" charset="-122"/>
+                <a:ea typeface="Microsoft YaHei" panose="020B0503020204020204" pitchFamily="34" charset="-122"/>
+              </a:rPr>
+              <a:t>= quitAllowed</a:t>
+            </a:r>
+            <a:r>
+              <a:rPr lang="en" altLang="zh-CN">
+                <a:solidFill>
+                  <a:srgbClr val="CC7832"/>
+                </a:solidFill>
+                <a:effectLst/>
+                <a:latin typeface="Microsoft YaHei" panose="020B0503020204020204" pitchFamily="34" charset="-122"/>
+                <a:ea typeface="Microsoft YaHei" panose="020B0503020204020204" pitchFamily="34" charset="-122"/>
+              </a:rPr>
+              <a:t>;</a:t>
+            </a:r>
+            <a:br>
+              <a:rPr lang="en" altLang="zh-CN">
+                <a:solidFill>
+                  <a:srgbClr val="CC7832"/>
+                </a:solidFill>
+                <a:effectLst/>
+                <a:latin typeface="Microsoft YaHei" panose="020B0503020204020204" pitchFamily="34" charset="-122"/>
+                <a:ea typeface="Microsoft YaHei" panose="020B0503020204020204" pitchFamily="34" charset="-122"/>
+              </a:rPr>
+            </a:br>
+            <a:r>
+              <a:rPr lang="en" altLang="zh-CN">
+                <a:solidFill>
+                  <a:srgbClr val="CC7832"/>
+                </a:solidFill>
+                <a:effectLst/>
+                <a:latin typeface="Microsoft YaHei" panose="020B0503020204020204" pitchFamily="34" charset="-122"/>
+                <a:ea typeface="Microsoft YaHei" panose="020B0503020204020204" pitchFamily="34" charset="-122"/>
+              </a:rPr>
+              <a:t>    </a:t>
+            </a:r>
+            <a:r>
+              <a:rPr lang="en" altLang="zh-CN">
+                <a:solidFill>
+                  <a:srgbClr val="9876AA"/>
+                </a:solidFill>
+                <a:effectLst/>
+                <a:latin typeface="Microsoft YaHei" panose="020B0503020204020204" pitchFamily="34" charset="-122"/>
+                <a:ea typeface="Microsoft YaHei" panose="020B0503020204020204" pitchFamily="34" charset="-122"/>
+              </a:rPr>
+              <a:t>mPtr </a:t>
+            </a:r>
+            <a:r>
+              <a:rPr lang="en" altLang="zh-CN">
+                <a:latin typeface="Microsoft YaHei" panose="020B0503020204020204" pitchFamily="34" charset="-122"/>
+                <a:ea typeface="Microsoft YaHei" panose="020B0503020204020204" pitchFamily="34" charset="-122"/>
+              </a:rPr>
+              <a:t>= </a:t>
+            </a:r>
+            <a:r>
+              <a:rPr lang="en" altLang="zh-CN">
+                <a:effectLst/>
+                <a:latin typeface="Microsoft YaHei" panose="020B0503020204020204" pitchFamily="34" charset="-122"/>
+                <a:ea typeface="Microsoft YaHei" panose="020B0503020204020204" pitchFamily="34" charset="-122"/>
+              </a:rPr>
+              <a:t>nativeInit</a:t>
+            </a:r>
+            <a:r>
+              <a:rPr lang="en" altLang="zh-CN">
+                <a:latin typeface="Microsoft YaHei" panose="020B0503020204020204" pitchFamily="34" charset="-122"/>
+                <a:ea typeface="Microsoft YaHei" panose="020B0503020204020204" pitchFamily="34" charset="-122"/>
+              </a:rPr>
+              <a:t>()</a:t>
+            </a:r>
+            <a:r>
+              <a:rPr lang="en" altLang="zh-CN">
+                <a:solidFill>
+                  <a:srgbClr val="CC7832"/>
+                </a:solidFill>
+                <a:effectLst/>
+                <a:latin typeface="Microsoft YaHei" panose="020B0503020204020204" pitchFamily="34" charset="-122"/>
+                <a:ea typeface="Microsoft YaHei" panose="020B0503020204020204" pitchFamily="34" charset="-122"/>
+              </a:rPr>
+              <a:t>;</a:t>
+            </a:r>
+            <a:br>
+              <a:rPr lang="en" altLang="zh-CN">
+                <a:solidFill>
+                  <a:srgbClr val="CC7832"/>
+                </a:solidFill>
+                <a:effectLst/>
+                <a:latin typeface="Microsoft YaHei" panose="020B0503020204020204" pitchFamily="34" charset="-122"/>
+                <a:ea typeface="Microsoft YaHei" panose="020B0503020204020204" pitchFamily="34" charset="-122"/>
+              </a:rPr>
+            </a:br>
+            <a:r>
+              <a:rPr lang="en" altLang="zh-CN">
+                <a:latin typeface="Microsoft YaHei" panose="020B0503020204020204" pitchFamily="34" charset="-122"/>
+                <a:ea typeface="Microsoft YaHei" panose="020B0503020204020204" pitchFamily="34" charset="-122"/>
+              </a:rPr>
+              <a:t>}</a:t>
+            </a:r>
+            <a:endParaRPr lang="zh-CN" altLang="en-US">
+              <a:latin typeface="Microsoft YaHei" panose="020B0503020204020204" pitchFamily="34" charset="-122"/>
+              <a:ea typeface="Microsoft YaHei" panose="020B0503020204020204" pitchFamily="34" charset="-122"/>
+            </a:endParaRPr>
+          </a:p>
+        </p:txBody>
+      </p:sp>
+    </p:spTree>
+    <p:extLst>
+      <p:ext uri="{BB962C8B-B14F-4D97-AF65-F5344CB8AC3E}">
+        <p14:creationId xmlns:p14="http://schemas.microsoft.com/office/powerpoint/2010/main" val="1788994739"/>
+      </p:ext>
+    </p:extLst>
+  </p:cSld>
+  <p:clrMapOvr>
+    <a:masterClrMapping/>
+  </p:clrMapOvr>
+</p:sld>
+</file>
+
+<file path=ppt/slides/slide9.xml><?xml version="1.0" encoding="utf-8"?>
+<p:sld xmlns:a="http://schemas.openxmlformats.org/drawingml/2006/main" xmlns:r="http://schemas.openxmlformats.org/officeDocument/2006/relationships" xmlns:p="http://schemas.openxmlformats.org/presentationml/2006/main">
+  <p:cSld>
+    <p:spTree>
+      <p:nvGrpSpPr>
+        <p:cNvPr id="1" name=""/>
+        <p:cNvGrpSpPr/>
+        <p:nvPr/>
+      </p:nvGrpSpPr>
+      <p:grpSpPr>
+        <a:xfrm>
+          <a:off x="0" y="0"/>
+          <a:ext cx="0" cy="0"/>
+          <a:chOff x="0" y="0"/>
+          <a:chExt cx="0" cy="0"/>
+        </a:xfrm>
+      </p:grpSpPr>
+      <p:grpSp>
+        <p:nvGrpSpPr>
+          <p:cNvPr id="33" name="组合 32">
+            <a:extLst>
+              <a:ext uri="{FF2B5EF4-FFF2-40B4-BE49-F238E27FC236}">
+                <a16:creationId xmlns:a16="http://schemas.microsoft.com/office/drawing/2014/main" id="{26F6E73E-9008-304A-A61E-DD60CC6A75E6}"/>
+              </a:ext>
+            </a:extLst>
+          </p:cNvPr>
+          <p:cNvGrpSpPr/>
+          <p:nvPr/>
+        </p:nvGrpSpPr>
+        <p:grpSpPr>
+          <a:xfrm>
+            <a:off x="593435" y="711058"/>
+            <a:ext cx="7957130" cy="3721384"/>
+            <a:chOff x="899791" y="616701"/>
+            <a:chExt cx="7957130" cy="3721384"/>
+          </a:xfrm>
+        </p:grpSpPr>
+        <p:grpSp>
+          <p:nvGrpSpPr>
+            <p:cNvPr id="20" name="组合 19">
+              <a:extLst>
+                <a:ext uri="{FF2B5EF4-FFF2-40B4-BE49-F238E27FC236}">
+                  <a16:creationId xmlns:a16="http://schemas.microsoft.com/office/drawing/2014/main" id="{317AAF54-2A2D-6B4D-A4D0-CF260EC4FF66}"/>
+                </a:ext>
+              </a:extLst>
+            </p:cNvPr>
+            <p:cNvGrpSpPr/>
+            <p:nvPr/>
+          </p:nvGrpSpPr>
+          <p:grpSpPr>
+            <a:xfrm>
+              <a:off x="899791" y="1978876"/>
+              <a:ext cx="1900800" cy="990969"/>
+              <a:chOff x="1057939" y="1190854"/>
+              <a:chExt cx="1900800" cy="990969"/>
+            </a:xfrm>
+          </p:grpSpPr>
+          <p:sp>
+            <p:nvSpPr>
+              <p:cNvPr id="4" name="矩形 3">
+                <a:extLst>
+                  <a:ext uri="{FF2B5EF4-FFF2-40B4-BE49-F238E27FC236}">
+                    <a16:creationId xmlns:a16="http://schemas.microsoft.com/office/drawing/2014/main" id="{C62F4C41-874C-FA4F-9AE3-32139646B25B}"/>
+                  </a:ext>
+                </a:extLst>
+              </p:cNvPr>
+              <p:cNvSpPr/>
+              <p:nvPr/>
+            </p:nvSpPr>
+            <p:spPr>
+              <a:xfrm>
+                <a:off x="1057939" y="1190854"/>
+                <a:ext cx="1900800" cy="984906"/>
+              </a:xfrm>
+              <a:prstGeom prst="rect">
+                <a:avLst/>
+              </a:prstGeom>
+              <a:noFill/>
+              <a:ln w="25400">
+                <a:solidFill>
+                  <a:schemeClr val="accent1"/>
+                </a:solidFill>
+              </a:ln>
+            </p:spPr>
+            <p:style>
+              <a:lnRef idx="2">
+                <a:schemeClr val="accent1">
+                  <a:shade val="50000"/>
+                </a:schemeClr>
+              </a:lnRef>
+              <a:fillRef idx="1">
+                <a:schemeClr val="accent1"/>
+              </a:fillRef>
+              <a:effectRef idx="0">
+                <a:schemeClr val="accent1"/>
+              </a:effectRef>
+              <a:fontRef idx="minor">
+                <a:schemeClr val="lt1"/>
+              </a:fontRef>
+            </p:style>
+            <p:txBody>
+              <a:bodyPr rtlCol="0" anchor="ctr"/>
+              <a:lstStyle/>
+              <a:p>
+                <a:pPr algn="ctr"/>
+                <a:endParaRPr kumimoji="1" lang="zh-CN" altLang="en-US"/>
+              </a:p>
+            </p:txBody>
+          </p:sp>
+          <p:sp>
+            <p:nvSpPr>
+              <p:cNvPr id="5" name="文本框 4">
+                <a:extLst>
+                  <a:ext uri="{FF2B5EF4-FFF2-40B4-BE49-F238E27FC236}">
+                    <a16:creationId xmlns:a16="http://schemas.microsoft.com/office/drawing/2014/main" id="{B07D9147-1376-884A-B3C7-B99D73B595E2}"/>
+                  </a:ext>
+                </a:extLst>
+              </p:cNvPr>
+              <p:cNvSpPr txBox="1"/>
+              <p:nvPr/>
+            </p:nvSpPr>
+            <p:spPr>
+              <a:xfrm>
+                <a:off x="1066783" y="1198826"/>
+                <a:ext cx="1061509" cy="369332"/>
+              </a:xfrm>
+              <a:prstGeom prst="rect">
+                <a:avLst/>
+              </a:prstGeom>
+              <a:noFill/>
+            </p:spPr>
+            <p:txBody>
+              <a:bodyPr wrap="none" rtlCol="0">
+                <a:spAutoFit/>
+              </a:bodyPr>
+              <a:lstStyle/>
+              <a:p>
+                <a:r>
+                  <a:rPr kumimoji="1" lang="en-US" altLang="zh-CN">
+                    <a:latin typeface="Microsoft YaHei" panose="020B0503020204020204" pitchFamily="34" charset="-122"/>
+                    <a:ea typeface="Microsoft YaHei" panose="020B0503020204020204" pitchFamily="34" charset="-122"/>
+                  </a:rPr>
+                  <a:t>Handler</a:t>
+                </a:r>
+                <a:endParaRPr kumimoji="1" lang="zh-CN" altLang="en-US">
+                  <a:latin typeface="Microsoft YaHei" panose="020B0503020204020204" pitchFamily="34" charset="-122"/>
+                  <a:ea typeface="Microsoft YaHei" panose="020B0503020204020204" pitchFamily="34" charset="-122"/>
+                </a:endParaRPr>
+              </a:p>
+            </p:txBody>
+          </p:sp>
+          <p:sp>
+            <p:nvSpPr>
+              <p:cNvPr id="7" name="文本框 6">
+                <a:extLst>
+                  <a:ext uri="{FF2B5EF4-FFF2-40B4-BE49-F238E27FC236}">
+                    <a16:creationId xmlns:a16="http://schemas.microsoft.com/office/drawing/2014/main" id="{2996D89A-27DD-1246-B839-65FA848C9CD4}"/>
+                  </a:ext>
+                </a:extLst>
+              </p:cNvPr>
+              <p:cNvSpPr txBox="1"/>
+              <p:nvPr/>
+            </p:nvSpPr>
+            <p:spPr>
+              <a:xfrm>
+                <a:off x="1769659" y="1812491"/>
+                <a:ext cx="1181734" cy="369332"/>
+              </a:xfrm>
+              <a:prstGeom prst="rect">
+                <a:avLst/>
+              </a:prstGeom>
+              <a:solidFill>
+                <a:srgbClr val="C00000"/>
+              </a:solidFill>
+            </p:spPr>
+            <p:txBody>
+              <a:bodyPr wrap="none" rtlCol="0">
+                <a:spAutoFit/>
+              </a:bodyPr>
+              <a:lstStyle/>
+              <a:p>
+                <a:r>
+                  <a:rPr kumimoji="1" lang="en-US" altLang="zh-CN">
+                    <a:solidFill>
+                      <a:schemeClr val="bg1"/>
+                    </a:solidFill>
+                    <a:latin typeface="Microsoft YaHei" panose="020B0503020204020204" pitchFamily="34" charset="-122"/>
+                    <a:ea typeface="Microsoft YaHei" panose="020B0503020204020204" pitchFamily="34" charset="-122"/>
+                  </a:rPr>
+                  <a:t>mLooper</a:t>
+                </a:r>
+                <a:endParaRPr kumimoji="1" lang="zh-CN" altLang="en-US">
+                  <a:solidFill>
+                    <a:schemeClr val="bg1"/>
+                  </a:solidFill>
+                  <a:latin typeface="Microsoft YaHei" panose="020B0503020204020204" pitchFamily="34" charset="-122"/>
+                  <a:ea typeface="Microsoft YaHei" panose="020B0503020204020204" pitchFamily="34" charset="-122"/>
+                </a:endParaRPr>
+              </a:p>
+            </p:txBody>
+          </p:sp>
+        </p:grpSp>
+        <p:sp>
+          <p:nvSpPr>
+            <p:cNvPr id="8" name="矩形 7">
+              <a:extLst>
+                <a:ext uri="{FF2B5EF4-FFF2-40B4-BE49-F238E27FC236}">
+                  <a16:creationId xmlns:a16="http://schemas.microsoft.com/office/drawing/2014/main" id="{4FD096FD-8593-304A-835F-45B7017B6829}"/>
+                </a:ext>
+              </a:extLst>
+            </p:cNvPr>
+            <p:cNvSpPr/>
+            <p:nvPr/>
+          </p:nvSpPr>
+          <p:spPr>
+            <a:xfrm>
+              <a:off x="3947337" y="1190852"/>
+              <a:ext cx="1900800" cy="2860151"/>
+            </a:xfrm>
+            <a:prstGeom prst="rect">
+              <a:avLst/>
+            </a:prstGeom>
+            <a:noFill/>
+            <a:ln w="25400">
+              <a:solidFill>
+                <a:schemeClr val="accent1"/>
+              </a:solidFill>
+            </a:ln>
+          </p:spPr>
+          <p:style>
+            <a:lnRef idx="2">
+              <a:schemeClr val="accent1">
+                <a:shade val="50000"/>
+              </a:schemeClr>
+            </a:lnRef>
+            <a:fillRef idx="1">
+              <a:schemeClr val="accent1"/>
+            </a:fillRef>
+            <a:effectRef idx="0">
+              <a:schemeClr val="accent1"/>
+            </a:effectRef>
+            <a:fontRef idx="minor">
+              <a:schemeClr val="lt1"/>
+            </a:fontRef>
+          </p:style>
+          <p:txBody>
+            <a:bodyPr rtlCol="0" anchor="ctr"/>
+            <a:lstStyle/>
+            <a:p>
+              <a:pPr algn="ctr"/>
+              <a:endParaRPr kumimoji="1" lang="zh-CN" altLang="en-US"/>
+            </a:p>
+          </p:txBody>
+        </p:sp>
+        <p:sp>
+          <p:nvSpPr>
+            <p:cNvPr id="9" name="文本框 8">
+              <a:extLst>
+                <a:ext uri="{FF2B5EF4-FFF2-40B4-BE49-F238E27FC236}">
+                  <a16:creationId xmlns:a16="http://schemas.microsoft.com/office/drawing/2014/main" id="{92FCB375-803A-8943-A311-7237BE3FC1AF}"/>
+                </a:ext>
+              </a:extLst>
+            </p:cNvPr>
+            <p:cNvSpPr txBox="1"/>
+            <p:nvPr/>
+          </p:nvSpPr>
+          <p:spPr>
+            <a:xfrm>
+              <a:off x="3951110" y="1197011"/>
+              <a:ext cx="965329" cy="369332"/>
+            </a:xfrm>
+            <a:prstGeom prst="rect">
+              <a:avLst/>
+            </a:prstGeom>
+            <a:noFill/>
+          </p:spPr>
+          <p:txBody>
+            <a:bodyPr wrap="none" rtlCol="0">
+              <a:spAutoFit/>
+            </a:bodyPr>
+            <a:lstStyle/>
+            <a:p>
+              <a:r>
+                <a:rPr kumimoji="1" lang="en-US" altLang="zh-CN">
+                  <a:latin typeface="Microsoft YaHei" panose="020B0503020204020204" pitchFamily="34" charset="-122"/>
+                  <a:ea typeface="Microsoft YaHei" panose="020B0503020204020204" pitchFamily="34" charset="-122"/>
+                </a:rPr>
+                <a:t>Looper</a:t>
+              </a:r>
+              <a:endParaRPr kumimoji="1" lang="zh-CN" altLang="en-US">
+                <a:latin typeface="Microsoft YaHei" panose="020B0503020204020204" pitchFamily="34" charset="-122"/>
+                <a:ea typeface="Microsoft YaHei" panose="020B0503020204020204" pitchFamily="34" charset="-122"/>
+              </a:endParaRPr>
+            </a:p>
+          </p:txBody>
+        </p:sp>
+        <p:sp>
+          <p:nvSpPr>
+            <p:cNvPr id="10" name="矩形 9">
+              <a:extLst>
+                <a:ext uri="{FF2B5EF4-FFF2-40B4-BE49-F238E27FC236}">
+                  <a16:creationId xmlns:a16="http://schemas.microsoft.com/office/drawing/2014/main" id="{D9B0FFAD-274B-DE49-83AF-D08A3BCACA05}"/>
+                </a:ext>
+              </a:extLst>
+            </p:cNvPr>
+            <p:cNvSpPr/>
+            <p:nvPr/>
+          </p:nvSpPr>
+          <p:spPr>
+            <a:xfrm>
+              <a:off x="6743355" y="1190851"/>
+              <a:ext cx="1899879" cy="2860151"/>
+            </a:xfrm>
+            <a:prstGeom prst="rect">
+              <a:avLst/>
+            </a:prstGeom>
+            <a:noFill/>
+            <a:ln w="25400">
+              <a:solidFill>
+                <a:schemeClr val="accent1"/>
+              </a:solidFill>
+            </a:ln>
+          </p:spPr>
+          <p:style>
+            <a:lnRef idx="2">
+              <a:schemeClr val="accent1">
+                <a:shade val="50000"/>
+              </a:schemeClr>
+            </a:lnRef>
+            <a:fillRef idx="1">
+              <a:schemeClr val="accent1"/>
+            </a:fillRef>
+            <a:effectRef idx="0">
+              <a:schemeClr val="accent1"/>
+            </a:effectRef>
+            <a:fontRef idx="minor">
+              <a:schemeClr val="lt1"/>
+            </a:fontRef>
+          </p:style>
+          <p:txBody>
+            <a:bodyPr rtlCol="0" anchor="ctr"/>
+            <a:lstStyle/>
+            <a:p>
+              <a:pPr algn="ctr"/>
+              <a:endParaRPr kumimoji="1" lang="zh-CN" altLang="en-US"/>
+            </a:p>
+          </p:txBody>
+        </p:sp>
+        <p:sp>
+          <p:nvSpPr>
+            <p:cNvPr id="11" name="文本框 10">
+              <a:extLst>
+                <a:ext uri="{FF2B5EF4-FFF2-40B4-BE49-F238E27FC236}">
+                  <a16:creationId xmlns:a16="http://schemas.microsoft.com/office/drawing/2014/main" id="{CFDEF034-35E7-BC42-A3A7-0BB49E6F6731}"/>
+                </a:ext>
+              </a:extLst>
+            </p:cNvPr>
+            <p:cNvSpPr txBox="1"/>
+            <p:nvPr/>
+          </p:nvSpPr>
+          <p:spPr>
+            <a:xfrm>
+              <a:off x="6753989" y="1201637"/>
+              <a:ext cx="1899879" cy="369332"/>
+            </a:xfrm>
+            <a:prstGeom prst="rect">
+              <a:avLst/>
+            </a:prstGeom>
+            <a:noFill/>
+          </p:spPr>
+          <p:txBody>
+            <a:bodyPr wrap="none" rtlCol="0">
+              <a:spAutoFit/>
+            </a:bodyPr>
+            <a:lstStyle/>
+            <a:p>
+              <a:r>
+                <a:rPr kumimoji="1" lang="en-US" altLang="zh-CN">
+                  <a:latin typeface="Microsoft YaHei" panose="020B0503020204020204" pitchFamily="34" charset="-122"/>
+                  <a:ea typeface="Microsoft YaHei" panose="020B0503020204020204" pitchFamily="34" charset="-122"/>
+                </a:rPr>
+                <a:t>MessageQueue</a:t>
+              </a:r>
+              <a:endParaRPr kumimoji="1" lang="zh-CN" altLang="en-US">
+                <a:latin typeface="Microsoft YaHei" panose="020B0503020204020204" pitchFamily="34" charset="-122"/>
+                <a:ea typeface="Microsoft YaHei" panose="020B0503020204020204" pitchFamily="34" charset="-122"/>
+              </a:endParaRPr>
+            </a:p>
+          </p:txBody>
+        </p:sp>
+        <p:sp>
+          <p:nvSpPr>
+            <p:cNvPr id="12" name="文本框 11">
+              <a:extLst>
+                <a:ext uri="{FF2B5EF4-FFF2-40B4-BE49-F238E27FC236}">
+                  <a16:creationId xmlns:a16="http://schemas.microsoft.com/office/drawing/2014/main" id="{4264E607-5795-334C-9F5C-49C0E8F1B804}"/>
+                </a:ext>
+              </a:extLst>
+            </p:cNvPr>
+            <p:cNvSpPr txBox="1"/>
+            <p:nvPr/>
+          </p:nvSpPr>
+          <p:spPr>
+            <a:xfrm>
+              <a:off x="4709524" y="2175759"/>
+              <a:ext cx="1136850" cy="369332"/>
+            </a:xfrm>
+            <a:prstGeom prst="rect">
+              <a:avLst/>
+            </a:prstGeom>
+            <a:noFill/>
+          </p:spPr>
+          <p:txBody>
+            <a:bodyPr wrap="none" rtlCol="0">
+              <a:spAutoFit/>
+            </a:bodyPr>
+            <a:lstStyle/>
+            <a:p>
+              <a:pPr algn="r"/>
+              <a:r>
+                <a:rPr kumimoji="1" lang="en-US" altLang="zh-CN">
+                  <a:latin typeface="Microsoft YaHei" panose="020B0503020204020204" pitchFamily="34" charset="-122"/>
+                  <a:ea typeface="Microsoft YaHei" panose="020B0503020204020204" pitchFamily="34" charset="-122"/>
+                </a:rPr>
+                <a:t>mQueue</a:t>
+              </a:r>
+              <a:endParaRPr kumimoji="1" lang="zh-CN" altLang="en-US">
+                <a:latin typeface="Microsoft YaHei" panose="020B0503020204020204" pitchFamily="34" charset="-122"/>
+                <a:ea typeface="Microsoft YaHei" panose="020B0503020204020204" pitchFamily="34" charset="-122"/>
+              </a:endParaRPr>
+            </a:p>
+          </p:txBody>
+        </p:sp>
+        <p:cxnSp>
+          <p:nvCxnSpPr>
+            <p:cNvPr id="14" name="直线箭头连接符 13">
+              <a:extLst>
+                <a:ext uri="{FF2B5EF4-FFF2-40B4-BE49-F238E27FC236}">
+                  <a16:creationId xmlns:a16="http://schemas.microsoft.com/office/drawing/2014/main" id="{4D175F76-450D-F340-8B6A-C67D4E95266F}"/>
+                </a:ext>
+              </a:extLst>
+            </p:cNvPr>
+            <p:cNvCxnSpPr>
+              <a:cxnSpLocks/>
+              <a:stCxn id="7" idx="3"/>
+            </p:cNvCxnSpPr>
+            <p:nvPr/>
+          </p:nvCxnSpPr>
+          <p:spPr>
+            <a:xfrm>
+              <a:off x="2793245" y="2785179"/>
+              <a:ext cx="1056316" cy="0"/>
+            </a:xfrm>
+            <a:prstGeom prst="straightConnector1">
+              <a:avLst/>
+            </a:prstGeom>
+            <a:ln w="19050">
+              <a:solidFill>
+                <a:schemeClr val="accent2"/>
+              </a:solidFill>
+              <a:tailEnd type="triangle"/>
+            </a:ln>
+          </p:spPr>
+          <p:style>
+            <a:lnRef idx="1">
+              <a:schemeClr val="accent1"/>
+            </a:lnRef>
+            <a:fillRef idx="0">
+              <a:schemeClr val="accent1"/>
+            </a:fillRef>
+            <a:effectRef idx="0">
+              <a:schemeClr val="accent1"/>
+            </a:effectRef>
+            <a:fontRef idx="minor">
+              <a:schemeClr val="tx1"/>
+            </a:fontRef>
+          </p:style>
+        </p:cxnSp>
+        <p:cxnSp>
+          <p:nvCxnSpPr>
+            <p:cNvPr id="15" name="直线箭头连接符 14">
+              <a:extLst>
+                <a:ext uri="{FF2B5EF4-FFF2-40B4-BE49-F238E27FC236}">
+                  <a16:creationId xmlns:a16="http://schemas.microsoft.com/office/drawing/2014/main" id="{F1A86E85-EC9F-A042-8B02-1D9FE6A56D50}"/>
+                </a:ext>
+              </a:extLst>
+            </p:cNvPr>
+            <p:cNvCxnSpPr/>
+            <p:nvPr/>
+          </p:nvCxnSpPr>
+          <p:spPr>
+            <a:xfrm>
+              <a:off x="5945913" y="2374599"/>
+              <a:ext cx="776176" cy="0"/>
+            </a:xfrm>
+            <a:prstGeom prst="straightConnector1">
+              <a:avLst/>
+            </a:prstGeom>
+            <a:ln w="19050">
+              <a:solidFill>
+                <a:schemeClr val="accent2"/>
+              </a:solidFill>
+              <a:tailEnd type="triangle"/>
+            </a:ln>
+          </p:spPr>
+          <p:style>
+            <a:lnRef idx="1">
+              <a:schemeClr val="accent1"/>
+            </a:lnRef>
+            <a:fillRef idx="0">
+              <a:schemeClr val="accent1"/>
+            </a:fillRef>
+            <a:effectRef idx="0">
+              <a:schemeClr val="accent1"/>
+            </a:effectRef>
+            <a:fontRef idx="minor">
+              <a:schemeClr val="tx1"/>
+            </a:fontRef>
+          </p:style>
+        </p:cxnSp>
+        <p:sp>
+          <p:nvSpPr>
+            <p:cNvPr id="16" name="矩形 15">
+              <a:extLst>
+                <a:ext uri="{FF2B5EF4-FFF2-40B4-BE49-F238E27FC236}">
+                  <a16:creationId xmlns:a16="http://schemas.microsoft.com/office/drawing/2014/main" id="{FADC7247-2EEC-B248-8DFD-DC016E154E35}"/>
+                </a:ext>
+              </a:extLst>
+            </p:cNvPr>
+            <p:cNvSpPr/>
+            <p:nvPr/>
+          </p:nvSpPr>
+          <p:spPr>
+            <a:xfrm>
+              <a:off x="3721395" y="616701"/>
+              <a:ext cx="5135526" cy="3721384"/>
+            </a:xfrm>
+            <a:prstGeom prst="rect">
+              <a:avLst/>
+            </a:prstGeom>
+            <a:noFill/>
+            <a:ln w="25400">
+              <a:solidFill>
+                <a:schemeClr val="accent1"/>
+              </a:solidFill>
+            </a:ln>
+          </p:spPr>
+          <p:style>
+            <a:lnRef idx="2">
+              <a:schemeClr val="accent1">
+                <a:shade val="50000"/>
+              </a:schemeClr>
+            </a:lnRef>
+            <a:fillRef idx="1">
+              <a:schemeClr val="accent1"/>
+            </a:fillRef>
+            <a:effectRef idx="0">
+              <a:schemeClr val="accent1"/>
+            </a:effectRef>
+            <a:fontRef idx="minor">
+              <a:schemeClr val="lt1"/>
+            </a:fontRef>
+          </p:style>
+          <p:txBody>
+            <a:bodyPr rtlCol="0" anchor="ctr"/>
+            <a:lstStyle/>
+            <a:p>
+              <a:pPr algn="ctr"/>
+              <a:endParaRPr kumimoji="1" lang="zh-CN" altLang="en-US"/>
+            </a:p>
+          </p:txBody>
+        </p:sp>
+        <p:sp>
+          <p:nvSpPr>
+            <p:cNvPr id="17" name="文本框 16">
+              <a:extLst>
+                <a:ext uri="{FF2B5EF4-FFF2-40B4-BE49-F238E27FC236}">
+                  <a16:creationId xmlns:a16="http://schemas.microsoft.com/office/drawing/2014/main" id="{0B90F8FE-2572-424F-B280-768FE97D238D}"/>
+                </a:ext>
+              </a:extLst>
+            </p:cNvPr>
+            <p:cNvSpPr txBox="1"/>
+            <p:nvPr/>
+          </p:nvSpPr>
+          <p:spPr>
+            <a:xfrm>
+              <a:off x="3732032" y="627319"/>
+              <a:ext cx="1035412" cy="400110"/>
+            </a:xfrm>
+            <a:prstGeom prst="rect">
+              <a:avLst/>
+            </a:prstGeom>
+            <a:noFill/>
+          </p:spPr>
+          <p:txBody>
+            <a:bodyPr wrap="none" rtlCol="0">
+              <a:spAutoFit/>
+            </a:bodyPr>
+            <a:lstStyle/>
+            <a:p>
+              <a:r>
+                <a:rPr kumimoji="1" lang="en-US" altLang="zh-CN" sz="2000">
+                  <a:latin typeface="Microsoft YaHei" panose="020B0503020204020204" pitchFamily="34" charset="-122"/>
+                  <a:ea typeface="Microsoft YaHei" panose="020B0503020204020204" pitchFamily="34" charset="-122"/>
+                </a:rPr>
+                <a:t>Thread</a:t>
+              </a:r>
+              <a:endParaRPr kumimoji="1" lang="zh-CN" altLang="en-US" sz="2000">
+                <a:latin typeface="Microsoft YaHei" panose="020B0503020204020204" pitchFamily="34" charset="-122"/>
+                <a:ea typeface="Microsoft YaHei" panose="020B0503020204020204" pitchFamily="34" charset="-122"/>
+              </a:endParaRPr>
+            </a:p>
+          </p:txBody>
+        </p:sp>
+        <p:grpSp>
+          <p:nvGrpSpPr>
+            <p:cNvPr id="21" name="组合 20">
+              <a:extLst>
+                <a:ext uri="{FF2B5EF4-FFF2-40B4-BE49-F238E27FC236}">
+                  <a16:creationId xmlns:a16="http://schemas.microsoft.com/office/drawing/2014/main" id="{9F6B60E5-952D-9440-8182-3F519378B69A}"/>
+                </a:ext>
+              </a:extLst>
+            </p:cNvPr>
+            <p:cNvGrpSpPr/>
+            <p:nvPr/>
+          </p:nvGrpSpPr>
+          <p:grpSpPr>
+            <a:xfrm>
+              <a:off x="899791" y="3341052"/>
+              <a:ext cx="1900800" cy="990969"/>
+              <a:chOff x="1057939" y="1190854"/>
+              <a:chExt cx="1900800" cy="990969"/>
+            </a:xfrm>
+          </p:grpSpPr>
+          <p:sp>
+            <p:nvSpPr>
+              <p:cNvPr id="22" name="矩形 21">
+                <a:extLst>
+                  <a:ext uri="{FF2B5EF4-FFF2-40B4-BE49-F238E27FC236}">
+                    <a16:creationId xmlns:a16="http://schemas.microsoft.com/office/drawing/2014/main" id="{6AF7761E-D7A9-9A47-9448-90C50F74E5F4}"/>
+                  </a:ext>
+                </a:extLst>
+              </p:cNvPr>
+              <p:cNvSpPr/>
+              <p:nvPr/>
+            </p:nvSpPr>
+            <p:spPr>
+              <a:xfrm>
+                <a:off x="1057939" y="1190854"/>
+                <a:ext cx="1900800" cy="984906"/>
+              </a:xfrm>
+              <a:prstGeom prst="rect">
+                <a:avLst/>
+              </a:prstGeom>
+              <a:noFill/>
+              <a:ln w="25400">
+                <a:solidFill>
+                  <a:schemeClr val="accent1"/>
+                </a:solidFill>
+              </a:ln>
+            </p:spPr>
+            <p:style>
+              <a:lnRef idx="2">
+                <a:schemeClr val="accent1">
+                  <a:shade val="50000"/>
+                </a:schemeClr>
+              </a:lnRef>
+              <a:fillRef idx="1">
+                <a:schemeClr val="accent1"/>
+              </a:fillRef>
+              <a:effectRef idx="0">
+                <a:schemeClr val="accent1"/>
+              </a:effectRef>
+              <a:fontRef idx="minor">
+                <a:schemeClr val="lt1"/>
+              </a:fontRef>
+            </p:style>
+            <p:txBody>
+              <a:bodyPr rtlCol="0" anchor="ctr"/>
+              <a:lstStyle/>
+              <a:p>
+                <a:pPr algn="ctr"/>
+                <a:endParaRPr kumimoji="1" lang="zh-CN" altLang="en-US"/>
+              </a:p>
+            </p:txBody>
+          </p:sp>
+          <p:sp>
+            <p:nvSpPr>
+              <p:cNvPr id="23" name="文本框 22">
+                <a:extLst>
+                  <a:ext uri="{FF2B5EF4-FFF2-40B4-BE49-F238E27FC236}">
+                    <a16:creationId xmlns:a16="http://schemas.microsoft.com/office/drawing/2014/main" id="{103CC6E9-90BD-734A-AE67-72D90F93F17D}"/>
+                  </a:ext>
+                </a:extLst>
+              </p:cNvPr>
+              <p:cNvSpPr txBox="1"/>
+              <p:nvPr/>
+            </p:nvSpPr>
+            <p:spPr>
+              <a:xfrm>
+                <a:off x="1066783" y="1198826"/>
+                <a:ext cx="1061509" cy="369332"/>
+              </a:xfrm>
+              <a:prstGeom prst="rect">
+                <a:avLst/>
+              </a:prstGeom>
+              <a:noFill/>
+            </p:spPr>
+            <p:txBody>
+              <a:bodyPr wrap="none" rtlCol="0">
+                <a:spAutoFit/>
+              </a:bodyPr>
+              <a:lstStyle/>
+              <a:p>
+                <a:r>
+                  <a:rPr kumimoji="1" lang="en-US" altLang="zh-CN">
+                    <a:latin typeface="Microsoft YaHei" panose="020B0503020204020204" pitchFamily="34" charset="-122"/>
+                    <a:ea typeface="Microsoft YaHei" panose="020B0503020204020204" pitchFamily="34" charset="-122"/>
+                  </a:rPr>
+                  <a:t>Handler</a:t>
+                </a:r>
+                <a:endParaRPr kumimoji="1" lang="zh-CN" altLang="en-US">
+                  <a:latin typeface="Microsoft YaHei" panose="020B0503020204020204" pitchFamily="34" charset="-122"/>
+                  <a:ea typeface="Microsoft YaHei" panose="020B0503020204020204" pitchFamily="34" charset="-122"/>
+                </a:endParaRPr>
+              </a:p>
+            </p:txBody>
+          </p:sp>
+          <p:sp>
+            <p:nvSpPr>
+              <p:cNvPr id="24" name="文本框 23">
+                <a:extLst>
+                  <a:ext uri="{FF2B5EF4-FFF2-40B4-BE49-F238E27FC236}">
+                    <a16:creationId xmlns:a16="http://schemas.microsoft.com/office/drawing/2014/main" id="{7F2B298F-933F-FF4C-A087-886954CEA27B}"/>
+                  </a:ext>
+                </a:extLst>
+              </p:cNvPr>
+              <p:cNvSpPr txBox="1"/>
+              <p:nvPr/>
+            </p:nvSpPr>
+            <p:spPr>
+              <a:xfrm>
+                <a:off x="1769659" y="1812491"/>
+                <a:ext cx="1181734" cy="369332"/>
+              </a:xfrm>
+              <a:prstGeom prst="rect">
+                <a:avLst/>
+              </a:prstGeom>
+              <a:solidFill>
+                <a:srgbClr val="C00000"/>
+              </a:solidFill>
+            </p:spPr>
+            <p:txBody>
+              <a:bodyPr wrap="none" rtlCol="0">
+                <a:spAutoFit/>
+              </a:bodyPr>
+              <a:lstStyle/>
+              <a:p>
+                <a:r>
+                  <a:rPr kumimoji="1" lang="en-US" altLang="zh-CN">
+                    <a:solidFill>
+                      <a:schemeClr val="bg1"/>
+                    </a:solidFill>
+                    <a:latin typeface="Microsoft YaHei" panose="020B0503020204020204" pitchFamily="34" charset="-122"/>
+                    <a:ea typeface="Microsoft YaHei" panose="020B0503020204020204" pitchFamily="34" charset="-122"/>
+                  </a:rPr>
+                  <a:t>mLooper</a:t>
+                </a:r>
+                <a:endParaRPr kumimoji="1" lang="zh-CN" altLang="en-US">
+                  <a:solidFill>
+                    <a:schemeClr val="bg1"/>
+                  </a:solidFill>
+                  <a:latin typeface="Microsoft YaHei" panose="020B0503020204020204" pitchFamily="34" charset="-122"/>
+                  <a:ea typeface="Microsoft YaHei" panose="020B0503020204020204" pitchFamily="34" charset="-122"/>
+                </a:endParaRPr>
+              </a:p>
+            </p:txBody>
+          </p:sp>
+        </p:grpSp>
+        <p:grpSp>
+          <p:nvGrpSpPr>
+            <p:cNvPr id="25" name="组合 24">
+              <a:extLst>
+                <a:ext uri="{FF2B5EF4-FFF2-40B4-BE49-F238E27FC236}">
+                  <a16:creationId xmlns:a16="http://schemas.microsoft.com/office/drawing/2014/main" id="{F2F77ED5-3C01-D647-B6E9-FCD6169B99B7}"/>
+                </a:ext>
+              </a:extLst>
+            </p:cNvPr>
+            <p:cNvGrpSpPr/>
+            <p:nvPr/>
+          </p:nvGrpSpPr>
+          <p:grpSpPr>
+            <a:xfrm>
+              <a:off x="899791" y="616701"/>
+              <a:ext cx="1900800" cy="990969"/>
+              <a:chOff x="1057939" y="1190854"/>
+              <a:chExt cx="1900800" cy="990969"/>
+            </a:xfrm>
+          </p:grpSpPr>
+          <p:sp>
+            <p:nvSpPr>
+              <p:cNvPr id="26" name="矩形 25">
+                <a:extLst>
+                  <a:ext uri="{FF2B5EF4-FFF2-40B4-BE49-F238E27FC236}">
+                    <a16:creationId xmlns:a16="http://schemas.microsoft.com/office/drawing/2014/main" id="{F1D8DF34-5542-2941-8A46-09C68CB429CD}"/>
+                  </a:ext>
+                </a:extLst>
+              </p:cNvPr>
+              <p:cNvSpPr/>
+              <p:nvPr/>
+            </p:nvSpPr>
+            <p:spPr>
+              <a:xfrm>
+                <a:off x="1057939" y="1190854"/>
+                <a:ext cx="1900800" cy="984906"/>
+              </a:xfrm>
+              <a:prstGeom prst="rect">
+                <a:avLst/>
+              </a:prstGeom>
+              <a:noFill/>
+              <a:ln w="25400">
+                <a:solidFill>
+                  <a:schemeClr val="accent1"/>
+                </a:solidFill>
+              </a:ln>
+            </p:spPr>
+            <p:style>
+              <a:lnRef idx="2">
+                <a:schemeClr val="accent1">
+                  <a:shade val="50000"/>
+                </a:schemeClr>
+              </a:lnRef>
+              <a:fillRef idx="1">
+                <a:schemeClr val="accent1"/>
+              </a:fillRef>
+              <a:effectRef idx="0">
+                <a:schemeClr val="accent1"/>
+              </a:effectRef>
+              <a:fontRef idx="minor">
+                <a:schemeClr val="lt1"/>
+              </a:fontRef>
+            </p:style>
+            <p:txBody>
+              <a:bodyPr rtlCol="0" anchor="ctr"/>
+              <a:lstStyle/>
+              <a:p>
+                <a:pPr algn="ctr"/>
+                <a:endParaRPr kumimoji="1" lang="zh-CN" altLang="en-US"/>
+              </a:p>
+            </p:txBody>
+          </p:sp>
+          <p:sp>
+            <p:nvSpPr>
+              <p:cNvPr id="27" name="文本框 26">
+                <a:extLst>
+                  <a:ext uri="{FF2B5EF4-FFF2-40B4-BE49-F238E27FC236}">
+                    <a16:creationId xmlns:a16="http://schemas.microsoft.com/office/drawing/2014/main" id="{C65C86A8-8330-A044-8014-F59398B2C1C1}"/>
+                  </a:ext>
+                </a:extLst>
+              </p:cNvPr>
+              <p:cNvSpPr txBox="1"/>
+              <p:nvPr/>
+            </p:nvSpPr>
+            <p:spPr>
+              <a:xfrm>
+                <a:off x="1066783" y="1198826"/>
+                <a:ext cx="1061509" cy="369332"/>
+              </a:xfrm>
+              <a:prstGeom prst="rect">
+                <a:avLst/>
+              </a:prstGeom>
+              <a:noFill/>
+            </p:spPr>
+            <p:txBody>
+              <a:bodyPr wrap="none" rtlCol="0">
+                <a:spAutoFit/>
+              </a:bodyPr>
+              <a:lstStyle/>
+              <a:p>
+                <a:r>
+                  <a:rPr kumimoji="1" lang="en-US" altLang="zh-CN">
+                    <a:latin typeface="Microsoft YaHei" panose="020B0503020204020204" pitchFamily="34" charset="-122"/>
+                    <a:ea typeface="Microsoft YaHei" panose="020B0503020204020204" pitchFamily="34" charset="-122"/>
+                  </a:rPr>
+                  <a:t>Handler</a:t>
+                </a:r>
+                <a:endParaRPr kumimoji="1" lang="zh-CN" altLang="en-US">
+                  <a:latin typeface="Microsoft YaHei" panose="020B0503020204020204" pitchFamily="34" charset="-122"/>
+                  <a:ea typeface="Microsoft YaHei" panose="020B0503020204020204" pitchFamily="34" charset="-122"/>
+                </a:endParaRPr>
+              </a:p>
+            </p:txBody>
+          </p:sp>
+          <p:sp>
+            <p:nvSpPr>
+              <p:cNvPr id="28" name="文本框 27">
+                <a:extLst>
+                  <a:ext uri="{FF2B5EF4-FFF2-40B4-BE49-F238E27FC236}">
+                    <a16:creationId xmlns:a16="http://schemas.microsoft.com/office/drawing/2014/main" id="{C89345BE-0F89-894D-8542-A626D6A85A31}"/>
+                  </a:ext>
+                </a:extLst>
+              </p:cNvPr>
+              <p:cNvSpPr txBox="1"/>
+              <p:nvPr/>
+            </p:nvSpPr>
+            <p:spPr>
+              <a:xfrm>
+                <a:off x="1769659" y="1812491"/>
+                <a:ext cx="1181734" cy="369332"/>
+              </a:xfrm>
+              <a:prstGeom prst="rect">
+                <a:avLst/>
+              </a:prstGeom>
+              <a:solidFill>
+                <a:srgbClr val="C00000"/>
+              </a:solidFill>
+            </p:spPr>
+            <p:txBody>
+              <a:bodyPr wrap="none" rtlCol="0">
+                <a:spAutoFit/>
+              </a:bodyPr>
+              <a:lstStyle/>
+              <a:p>
+                <a:r>
+                  <a:rPr kumimoji="1" lang="en-US" altLang="zh-CN">
+                    <a:solidFill>
+                      <a:schemeClr val="bg1"/>
+                    </a:solidFill>
+                    <a:latin typeface="Microsoft YaHei" panose="020B0503020204020204" pitchFamily="34" charset="-122"/>
+                    <a:ea typeface="Microsoft YaHei" panose="020B0503020204020204" pitchFamily="34" charset="-122"/>
+                  </a:rPr>
+                  <a:t>mLooper</a:t>
+                </a:r>
+                <a:endParaRPr kumimoji="1" lang="zh-CN" altLang="en-US">
+                  <a:solidFill>
+                    <a:schemeClr val="bg1"/>
+                  </a:solidFill>
+                  <a:latin typeface="Microsoft YaHei" panose="020B0503020204020204" pitchFamily="34" charset="-122"/>
+                  <a:ea typeface="Microsoft YaHei" panose="020B0503020204020204" pitchFamily="34" charset="-122"/>
+                </a:endParaRPr>
+              </a:p>
+            </p:txBody>
+          </p:sp>
+        </p:grpSp>
+        <p:cxnSp>
+          <p:nvCxnSpPr>
+            <p:cNvPr id="29" name="直线箭头连接符 28">
+              <a:extLst>
+                <a:ext uri="{FF2B5EF4-FFF2-40B4-BE49-F238E27FC236}">
+                  <a16:creationId xmlns:a16="http://schemas.microsoft.com/office/drawing/2014/main" id="{63EE39F1-A8F4-6C45-899F-FBB9F87FC1E9}"/>
+                </a:ext>
+              </a:extLst>
+            </p:cNvPr>
+            <p:cNvCxnSpPr>
+              <a:cxnSpLocks/>
+            </p:cNvCxnSpPr>
+            <p:nvPr/>
+          </p:nvCxnSpPr>
+          <p:spPr>
+            <a:xfrm>
+              <a:off x="2817284" y="1442625"/>
+              <a:ext cx="1013923" cy="391107"/>
+            </a:xfrm>
+            <a:prstGeom prst="straightConnector1">
+              <a:avLst/>
+            </a:prstGeom>
+            <a:ln w="19050">
+              <a:solidFill>
+                <a:schemeClr val="accent2"/>
+              </a:solidFill>
+              <a:tailEnd type="triangle"/>
+            </a:ln>
+          </p:spPr>
+          <p:style>
+            <a:lnRef idx="1">
+              <a:schemeClr val="accent1"/>
+            </a:lnRef>
+            <a:fillRef idx="0">
+              <a:schemeClr val="accent1"/>
+            </a:fillRef>
+            <a:effectRef idx="0">
+              <a:schemeClr val="accent1"/>
+            </a:effectRef>
+            <a:fontRef idx="minor">
+              <a:schemeClr val="tx1"/>
+            </a:fontRef>
+          </p:style>
+        </p:cxnSp>
+        <p:cxnSp>
+          <p:nvCxnSpPr>
+            <p:cNvPr id="31" name="直线箭头连接符 30">
+              <a:extLst>
+                <a:ext uri="{FF2B5EF4-FFF2-40B4-BE49-F238E27FC236}">
+                  <a16:creationId xmlns:a16="http://schemas.microsoft.com/office/drawing/2014/main" id="{CF6D6941-4619-A54D-99A9-CED79EEFDD36}"/>
+                </a:ext>
+              </a:extLst>
+            </p:cNvPr>
+            <p:cNvCxnSpPr>
+              <a:cxnSpLocks/>
+            </p:cNvCxnSpPr>
+            <p:nvPr/>
+          </p:nvCxnSpPr>
+          <p:spPr>
+            <a:xfrm flipV="1">
+              <a:off x="2814441" y="3591482"/>
+              <a:ext cx="1035120" cy="509625"/>
+            </a:xfrm>
+            <a:prstGeom prst="straightConnector1">
+              <a:avLst/>
+            </a:prstGeom>
+            <a:ln w="19050">
+              <a:solidFill>
+                <a:schemeClr val="accent2"/>
+              </a:solidFill>
+              <a:tailEnd type="triangle"/>
+            </a:ln>
+          </p:spPr>
+          <p:style>
+            <a:lnRef idx="1">
+              <a:schemeClr val="accent1"/>
+            </a:lnRef>
+            <a:fillRef idx="0">
+              <a:schemeClr val="accent1"/>
+            </a:fillRef>
+            <a:effectRef idx="0">
+              <a:schemeClr val="accent1"/>
+            </a:effectRef>
+            <a:fontRef idx="minor">
+              <a:schemeClr val="tx1"/>
+            </a:fontRef>
+          </p:style>
+        </p:cxnSp>
+      </p:grpSp>
+    </p:spTree>
+    <p:extLst>
+      <p:ext uri="{BB962C8B-B14F-4D97-AF65-F5344CB8AC3E}">
+        <p14:creationId xmlns:p14="http://schemas.microsoft.com/office/powerpoint/2010/main" val="1441505548"/>
       </p:ext>
     </p:extLst>
   </p:cSld>
